--- a/DFC3.pptx
+++ b/DFC3.pptx
@@ -35,10 +35,11 @@
     <p:sldId id="283" r:id="rId29"/>
     <p:sldId id="284" r:id="rId30"/>
     <p:sldId id="285" r:id="rId31"/>
-    <p:sldId id="288" r:id="rId32"/>
-    <p:sldId id="289" r:id="rId33"/>
-    <p:sldId id="287" r:id="rId34"/>
-    <p:sldId id="280" r:id="rId35"/>
+    <p:sldId id="291" r:id="rId32"/>
+    <p:sldId id="288" r:id="rId33"/>
+    <p:sldId id="289" r:id="rId34"/>
+    <p:sldId id="287" r:id="rId35"/>
+    <p:sldId id="280" r:id="rId36"/>
   </p:sldIdLst>
   <p:sldSz cx="12192000" cy="6858000"/>
   <p:notesSz cx="6858000" cy="9144000"/>
@@ -12558,7 +12559,11 @@
             <a:pPr lvl="1"/>
             <a:r>
               <a:rPr lang="en-US" dirty="0" smtClean="0"/>
-              <a:t>(define (function-name arg1 … </a:t>
+              <a:t>(define (function-name </a:t>
+            </a:r>
+            <a:r>
+              <a:rPr lang="en-US" dirty="0" smtClean="0"/>
+              <a:t>arg1… </a:t>
             </a:r>
             <a:r>
               <a:rPr lang="en-US" dirty="0" err="1" smtClean="0"/>
@@ -12584,7 +12589,15 @@
             </a:br>
             <a:r>
               <a:rPr lang="en-US" dirty="0" smtClean="0"/>
-              <a:t>  ;last returned value is the return value of the function)</a:t>
+              <a:t>  ;</a:t>
+            </a:r>
+            <a:r>
+              <a:rPr lang="en-US" dirty="0" smtClean="0"/>
+              <a:t>last </a:t>
+            </a:r>
+            <a:r>
+              <a:rPr lang="en-US" dirty="0" smtClean="0"/>
+              <a:t>value is the return value of the function)</a:t>
             </a:r>
           </a:p>
           <a:p>
@@ -12686,15 +12699,33 @@
                                   </p:childTnLst>
                                 </p:cTn>
                               </p:par>
+                            </p:childTnLst>
+                          </p:cTn>
+                        </p:par>
+                      </p:childTnLst>
+                    </p:cTn>
+                  </p:par>
+                  <p:par>
+                    <p:cTn id="7" fill="hold">
+                      <p:stCondLst>
+                        <p:cond delay="indefinite"/>
+                      </p:stCondLst>
+                      <p:childTnLst>
+                        <p:par>
+                          <p:cTn id="8" fill="hold">
+                            <p:stCondLst>
+                              <p:cond delay="0"/>
+                            </p:stCondLst>
+                            <p:childTnLst>
                               <p:par>
-                                <p:cTn id="7" presetID="1" presetClass="entr" presetSubtype="0" fill="hold" grpId="0" nodeType="withEffect">
+                                <p:cTn id="9" presetID="1" presetClass="entr" presetSubtype="0" fill="hold" grpId="0" nodeType="clickEffect">
                                   <p:stCondLst>
                                     <p:cond delay="0"/>
                                   </p:stCondLst>
                                   <p:childTnLst>
                                     <p:set>
                                       <p:cBhvr>
-                                        <p:cTn id="8" dur="1" fill="hold">
+                                        <p:cTn id="10" dur="1" fill="hold">
                                           <p:stCondLst>
                                             <p:cond delay="0"/>
                                           </p:stCondLst>
@@ -12724,26 +12755,26 @@
                     </p:cTn>
                   </p:par>
                   <p:par>
-                    <p:cTn id="9" fill="hold">
+                    <p:cTn id="11" fill="hold">
                       <p:stCondLst>
                         <p:cond delay="indefinite"/>
                       </p:stCondLst>
                       <p:childTnLst>
                         <p:par>
-                          <p:cTn id="10" fill="hold">
+                          <p:cTn id="12" fill="hold">
                             <p:stCondLst>
                               <p:cond delay="0"/>
                             </p:stCondLst>
                             <p:childTnLst>
                               <p:par>
-                                <p:cTn id="11" presetID="1" presetClass="entr" presetSubtype="0" fill="hold" grpId="0" nodeType="clickEffect">
+                                <p:cTn id="13" presetID="1" presetClass="entr" presetSubtype="0" fill="hold" grpId="0" nodeType="clickEffect">
                                   <p:stCondLst>
                                     <p:cond delay="0"/>
                                   </p:stCondLst>
                                   <p:childTnLst>
                                     <p:set>
                                       <p:cBhvr>
-                                        <p:cTn id="12" dur="1" fill="hold">
+                                        <p:cTn id="14" dur="1" fill="hold">
                                           <p:stCondLst>
                                             <p:cond delay="0"/>
                                           </p:stCondLst>
@@ -12766,15 +12797,33 @@
                                   </p:childTnLst>
                                 </p:cTn>
                               </p:par>
+                            </p:childTnLst>
+                          </p:cTn>
+                        </p:par>
+                      </p:childTnLst>
+                    </p:cTn>
+                  </p:par>
+                  <p:par>
+                    <p:cTn id="15" fill="hold">
+                      <p:stCondLst>
+                        <p:cond delay="indefinite"/>
+                      </p:stCondLst>
+                      <p:childTnLst>
+                        <p:par>
+                          <p:cTn id="16" fill="hold">
+                            <p:stCondLst>
+                              <p:cond delay="0"/>
+                            </p:stCondLst>
+                            <p:childTnLst>
                               <p:par>
-                                <p:cTn id="13" presetID="1" presetClass="entr" presetSubtype="0" fill="hold" grpId="0" nodeType="withEffect">
+                                <p:cTn id="17" presetID="1" presetClass="entr" presetSubtype="0" fill="hold" grpId="0" nodeType="clickEffect">
                                   <p:stCondLst>
                                     <p:cond delay="0"/>
                                   </p:stCondLst>
                                   <p:childTnLst>
                                     <p:set>
                                       <p:cBhvr>
-                                        <p:cTn id="14" dur="1" fill="hold">
+                                        <p:cTn id="18" dur="1" fill="hold">
                                           <p:stCondLst>
                                             <p:cond delay="0"/>
                                           </p:stCondLst>
@@ -12798,14 +12847,14 @@
                                 </p:cTn>
                               </p:par>
                               <p:par>
-                                <p:cTn id="15" presetID="1" presetClass="entr" presetSubtype="0" fill="hold" grpId="0" nodeType="withEffect">
+                                <p:cTn id="19" presetID="1" presetClass="entr" presetSubtype="0" fill="hold" grpId="0" nodeType="withEffect">
                                   <p:stCondLst>
                                     <p:cond delay="0"/>
                                   </p:stCondLst>
                                   <p:childTnLst>
                                     <p:set>
                                       <p:cBhvr>
-                                        <p:cTn id="16" dur="1" fill="hold">
+                                        <p:cTn id="20" dur="1" fill="hold">
                                           <p:stCondLst>
                                             <p:cond delay="0"/>
                                           </p:stCondLst>
@@ -12856,7 +12905,7 @@
       </p:par>
     </p:tnLst>
     <p:bldLst>
-      <p:bldP spid="3" grpId="0" build="p"/>
+      <p:bldP spid="3" grpId="0" uiExpand="1" build="p"/>
     </p:bldLst>
   </p:timing>
 </p:sld>
@@ -13060,15 +13109,33 @@
                                   </p:childTnLst>
                                 </p:cTn>
                               </p:par>
+                            </p:childTnLst>
+                          </p:cTn>
+                        </p:par>
+                      </p:childTnLst>
+                    </p:cTn>
+                  </p:par>
+                  <p:par>
+                    <p:cTn id="7" fill="hold">
+                      <p:stCondLst>
+                        <p:cond delay="indefinite"/>
+                      </p:stCondLst>
+                      <p:childTnLst>
+                        <p:par>
+                          <p:cTn id="8" fill="hold">
+                            <p:stCondLst>
+                              <p:cond delay="0"/>
+                            </p:stCondLst>
+                            <p:childTnLst>
                               <p:par>
-                                <p:cTn id="7" presetID="1" presetClass="entr" presetSubtype="0" fill="hold" grpId="0" nodeType="withEffect">
+                                <p:cTn id="9" presetID="1" presetClass="entr" presetSubtype="0" fill="hold" grpId="0" nodeType="clickEffect">
                                   <p:stCondLst>
                                     <p:cond delay="0"/>
                                   </p:stCondLst>
                                   <p:childTnLst>
                                     <p:set>
                                       <p:cBhvr>
-                                        <p:cTn id="8" dur="1" fill="hold">
+                                        <p:cTn id="10" dur="1" fill="hold">
                                           <p:stCondLst>
                                             <p:cond delay="0"/>
                                           </p:stCondLst>
@@ -13091,15 +13158,33 @@
                                   </p:childTnLst>
                                 </p:cTn>
                               </p:par>
+                            </p:childTnLst>
+                          </p:cTn>
+                        </p:par>
+                      </p:childTnLst>
+                    </p:cTn>
+                  </p:par>
+                  <p:par>
+                    <p:cTn id="11" fill="hold">
+                      <p:stCondLst>
+                        <p:cond delay="indefinite"/>
+                      </p:stCondLst>
+                      <p:childTnLst>
+                        <p:par>
+                          <p:cTn id="12" fill="hold">
+                            <p:stCondLst>
+                              <p:cond delay="0"/>
+                            </p:stCondLst>
+                            <p:childTnLst>
                               <p:par>
-                                <p:cTn id="9" presetID="1" presetClass="entr" presetSubtype="0" fill="hold" grpId="0" nodeType="withEffect">
+                                <p:cTn id="13" presetID="1" presetClass="entr" presetSubtype="0" fill="hold" grpId="0" nodeType="clickEffect">
                                   <p:stCondLst>
                                     <p:cond delay="0"/>
                                   </p:stCondLst>
                                   <p:childTnLst>
                                     <p:set>
                                       <p:cBhvr>
-                                        <p:cTn id="10" dur="1" fill="hold">
+                                        <p:cTn id="14" dur="1" fill="hold">
                                           <p:stCondLst>
                                             <p:cond delay="0"/>
                                           </p:stCondLst>
@@ -13150,7 +13235,7 @@
       </p:par>
     </p:tnLst>
     <p:bldLst>
-      <p:bldP spid="3" grpId="0" build="p"/>
+      <p:bldP spid="3" grpId="0" uiExpand="1" build="p"/>
     </p:bldLst>
   </p:timing>
 </p:sld>
@@ -13220,23 +13305,23 @@
             <a:pPr lvl="1"/>
             <a:r>
               <a:rPr lang="en-US" dirty="0" smtClean="0"/>
-              <a:t>(define (my-foo-function </a:t>
+              <a:t>(define (</a:t>
+            </a:r>
+            <a:r>
+              <a:rPr lang="en-US" dirty="0" smtClean="0"/>
+              <a:t>my-</a:t>
             </a:r>
             <a:r>
               <a:rPr lang="en-US" dirty="0" err="1" smtClean="0"/>
-              <a:t>arg</a:t>
+              <a:t>func</a:t>
             </a:r>
             <a:r>
               <a:rPr lang="en-US" dirty="0" smtClean="0"/>
-              <a:t>-a </a:t>
-            </a:r>
-            <a:r>
-              <a:rPr lang="en-US" dirty="0" err="1" smtClean="0"/>
-              <a:t>arg</a:t>
+              <a:t> a b</a:t>
             </a:r>
             <a:r>
               <a:rPr lang="en-US" dirty="0" smtClean="0"/>
-              <a:t>-b)</a:t>
+              <a:t>)</a:t>
             </a:r>
             <a:br>
               <a:rPr lang="en-US" dirty="0" smtClean="0"/>
@@ -13246,12 +13331,12 @@
               <a:t>  (if </a:t>
             </a:r>
             <a:r>
-              <a:rPr lang="en-US" dirty="0" err="1" smtClean="0"/>
-              <a:t>arg</a:t>
-            </a:r>
-            <a:r>
               <a:rPr lang="en-US" dirty="0" smtClean="0"/>
-              <a:t>-a</a:t>
+              <a:t>a</a:t>
+            </a:r>
+            <a:r>
+              <a:rPr lang="en-US" dirty="0" smtClean="0"/>
+              <a:t/>
             </a:r>
             <a:br>
               <a:rPr lang="en-US" dirty="0" smtClean="0"/>
@@ -13269,20 +13354,20 @@
               <a:t> “Printing </a:t>
             </a:r>
             <a:r>
-              <a:rPr lang="en-US" dirty="0" err="1" smtClean="0"/>
-              <a:t>arg</a:t>
-            </a:r>
-            <a:r>
               <a:rPr lang="en-US" dirty="0" smtClean="0"/>
-              <a:t>-a: ~a\n” </a:t>
-            </a:r>
-            <a:r>
-              <a:rPr lang="en-US" dirty="0" err="1" smtClean="0"/>
-              <a:t>arg</a:t>
+              <a:t>a</a:t>
             </a:r>
             <a:r>
               <a:rPr lang="en-US" dirty="0" smtClean="0"/>
-              <a:t>-a)</a:t>
+              <a:t>: ~a\n” </a:t>
+            </a:r>
+            <a:r>
+              <a:rPr lang="en-US" dirty="0" smtClean="0"/>
+              <a:t>a</a:t>
+            </a:r>
+            <a:r>
+              <a:rPr lang="en-US" dirty="0" smtClean="0"/>
+              <a:t>)</a:t>
             </a:r>
             <a:br>
               <a:rPr lang="en-US" dirty="0" smtClean="0"/>
@@ -13300,70 +13385,90 @@
               <a:t> “Printing </a:t>
             </a:r>
             <a:r>
+              <a:rPr lang="en-US" dirty="0" smtClean="0"/>
+              <a:t>b</a:t>
+            </a:r>
+            <a:r>
+              <a:rPr lang="en-US" dirty="0" smtClean="0"/>
+              <a:t>: ~a\n” </a:t>
+            </a:r>
+            <a:r>
+              <a:rPr lang="en-US" dirty="0" smtClean="0"/>
+              <a:t>b</a:t>
+            </a:r>
+            <a:r>
+              <a:rPr lang="en-US" dirty="0" smtClean="0"/>
+              <a:t>)))</a:t>
+            </a:r>
+          </a:p>
+          <a:p>
+            <a:pPr lvl="1"/>
+            <a:r>
+              <a:rPr lang="en-US" dirty="0" smtClean="0"/>
+              <a:t>(</a:t>
+            </a:r>
+            <a:r>
+              <a:rPr lang="en-US" dirty="0" smtClean="0"/>
+              <a:t>my-</a:t>
+            </a:r>
+            <a:r>
               <a:rPr lang="en-US" dirty="0" err="1" smtClean="0"/>
-              <a:t>arg</a:t>
+              <a:t>func</a:t>
             </a:r>
             <a:r>
               <a:rPr lang="en-US" dirty="0" smtClean="0"/>
-              <a:t>-b: ~a\n” </a:t>
+              <a:t> </a:t>
+            </a:r>
+            <a:r>
+              <a:rPr lang="en-US" dirty="0" smtClean="0"/>
+              <a:t>#t </a:t>
+            </a:r>
+            <a:r>
+              <a:rPr lang="en-US" dirty="0" smtClean="0"/>
+              <a:t>“a </a:t>
+            </a:r>
+            <a:r>
+              <a:rPr lang="en-US" dirty="0" smtClean="0"/>
+              <a:t>was True!”) ; prints </a:t>
+            </a:r>
+            <a:r>
+              <a:rPr lang="en-US" dirty="0" smtClean="0"/>
+              <a:t>“a </a:t>
+            </a:r>
+            <a:r>
+              <a:rPr lang="en-US" dirty="0" smtClean="0"/>
+              <a:t>was True!”</a:t>
+            </a:r>
+          </a:p>
+          <a:p>
+            <a:pPr lvl="1"/>
+            <a:r>
+              <a:rPr lang="en-US" dirty="0" smtClean="0"/>
+              <a:t>(</a:t>
+            </a:r>
+            <a:r>
+              <a:rPr lang="en-US" dirty="0" smtClean="0"/>
+              <a:t>my-</a:t>
             </a:r>
             <a:r>
               <a:rPr lang="en-US" dirty="0" err="1" smtClean="0"/>
-              <a:t>arg</a:t>
+              <a:t>func</a:t>
             </a:r>
             <a:r>
               <a:rPr lang="en-US" dirty="0" smtClean="0"/>
-              <a:t>-b)))</a:t>
-            </a:r>
-          </a:p>
-          <a:p>
-            <a:pPr lvl="1"/>
+              <a:t> </a:t>
+            </a:r>
             <a:r>
               <a:rPr lang="en-US" dirty="0" smtClean="0"/>
-              <a:t>(my-foo-function #t “</a:t>
-            </a:r>
-            <a:r>
-              <a:rPr lang="en-US" dirty="0" err="1"/>
-              <a:t>a</a:t>
-            </a:r>
-            <a:r>
-              <a:rPr lang="en-US" dirty="0" err="1" smtClean="0"/>
-              <a:t>rg</a:t>
+              <a:t>#f “foo text!”) ; prints </a:t>
             </a:r>
             <a:r>
               <a:rPr lang="en-US" dirty="0" smtClean="0"/>
-              <a:t>-a was True!”) ; prints “Printing </a:t>
-            </a:r>
-            <a:r>
-              <a:rPr lang="en-US" dirty="0" err="1" smtClean="0"/>
-              <a:t>arg</a:t>
+              <a:t>“foo </a:t>
             </a:r>
             <a:r>
               <a:rPr lang="en-US" dirty="0" smtClean="0"/>
-              <a:t>-a: </a:t>
-            </a:r>
-            <a:r>
-              <a:rPr lang="en-US" dirty="0" err="1" smtClean="0"/>
-              <a:t>arg</a:t>
-            </a:r>
-            <a:r>
-              <a:rPr lang="en-US" dirty="0" smtClean="0"/>
-              <a:t>-a was True!”</a:t>
-            </a:r>
-          </a:p>
-          <a:p>
-            <a:pPr lvl="1"/>
-            <a:r>
-              <a:rPr lang="en-US" dirty="0" smtClean="0"/>
-              <a:t>(my-foo-function #f “foo text!”) ; prints “Printing </a:t>
-            </a:r>
-            <a:r>
-              <a:rPr lang="en-US" dirty="0" err="1" smtClean="0"/>
-              <a:t>arg</a:t>
-            </a:r>
-            <a:r>
-              <a:rPr lang="en-US" dirty="0" smtClean="0"/>
-              <a:t>-b: foo text!”</a:t>
+              <a:t>text!”</a:t>
             </a:r>
           </a:p>
         </p:txBody>
@@ -13429,15 +13534,33 @@
                                   </p:childTnLst>
                                 </p:cTn>
                               </p:par>
+                            </p:childTnLst>
+                          </p:cTn>
+                        </p:par>
+                      </p:childTnLst>
+                    </p:cTn>
+                  </p:par>
+                  <p:par>
+                    <p:cTn id="7" fill="hold">
+                      <p:stCondLst>
+                        <p:cond delay="indefinite"/>
+                      </p:stCondLst>
+                      <p:childTnLst>
+                        <p:par>
+                          <p:cTn id="8" fill="hold">
+                            <p:stCondLst>
+                              <p:cond delay="0"/>
+                            </p:stCondLst>
+                            <p:childTnLst>
                               <p:par>
-                                <p:cTn id="7" presetID="1" presetClass="entr" presetSubtype="0" fill="hold" grpId="0" nodeType="withEffect">
+                                <p:cTn id="9" presetID="1" presetClass="entr" presetSubtype="0" fill="hold" grpId="0" nodeType="clickEffect">
                                   <p:stCondLst>
                                     <p:cond delay="0"/>
                                   </p:stCondLst>
                                   <p:childTnLst>
                                     <p:set>
                                       <p:cBhvr>
-                                        <p:cTn id="8" dur="1" fill="hold">
+                                        <p:cTn id="10" dur="1" fill="hold">
                                           <p:stCondLst>
                                             <p:cond delay="0"/>
                                           </p:stCondLst>
@@ -13460,15 +13583,33 @@
                                   </p:childTnLst>
                                 </p:cTn>
                               </p:par>
+                            </p:childTnLst>
+                          </p:cTn>
+                        </p:par>
+                      </p:childTnLst>
+                    </p:cTn>
+                  </p:par>
+                  <p:par>
+                    <p:cTn id="11" fill="hold">
+                      <p:stCondLst>
+                        <p:cond delay="indefinite"/>
+                      </p:stCondLst>
+                      <p:childTnLst>
+                        <p:par>
+                          <p:cTn id="12" fill="hold">
+                            <p:stCondLst>
+                              <p:cond delay="0"/>
+                            </p:stCondLst>
+                            <p:childTnLst>
                               <p:par>
-                                <p:cTn id="9" presetID="1" presetClass="entr" presetSubtype="0" fill="hold" grpId="0" nodeType="withEffect">
+                                <p:cTn id="13" presetID="1" presetClass="entr" presetSubtype="0" fill="hold" grpId="0" nodeType="clickEffect">
                                   <p:stCondLst>
                                     <p:cond delay="0"/>
                                   </p:stCondLst>
                                   <p:childTnLst>
                                     <p:set>
                                       <p:cBhvr>
-                                        <p:cTn id="10" dur="1" fill="hold">
+                                        <p:cTn id="14" dur="1" fill="hold">
                                           <p:stCondLst>
                                             <p:cond delay="0"/>
                                           </p:stCondLst>
@@ -13491,15 +13632,33 @@
                                   </p:childTnLst>
                                 </p:cTn>
                               </p:par>
+                            </p:childTnLst>
+                          </p:cTn>
+                        </p:par>
+                      </p:childTnLst>
+                    </p:cTn>
+                  </p:par>
+                  <p:par>
+                    <p:cTn id="15" fill="hold">
+                      <p:stCondLst>
+                        <p:cond delay="indefinite"/>
+                      </p:stCondLst>
+                      <p:childTnLst>
+                        <p:par>
+                          <p:cTn id="16" fill="hold">
+                            <p:stCondLst>
+                              <p:cond delay="0"/>
+                            </p:stCondLst>
+                            <p:childTnLst>
                               <p:par>
-                                <p:cTn id="11" presetID="1" presetClass="entr" presetSubtype="0" fill="hold" grpId="0" nodeType="withEffect">
+                                <p:cTn id="17" presetID="1" presetClass="entr" presetSubtype="0" fill="hold" grpId="0" nodeType="clickEffect">
                                   <p:stCondLst>
                                     <p:cond delay="0"/>
                                   </p:stCondLst>
                                   <p:childTnLst>
                                     <p:set>
                                       <p:cBhvr>
-                                        <p:cTn id="12" dur="1" fill="hold">
+                                        <p:cTn id="18" dur="1" fill="hold">
                                           <p:stCondLst>
                                             <p:cond delay="0"/>
                                           </p:stCondLst>
@@ -13550,7 +13709,7 @@
       </p:par>
     </p:tnLst>
     <p:bldLst>
-      <p:bldP spid="3" grpId="0" build="p"/>
+      <p:bldP spid="3" grpId="0" uiExpand="1" build="p"/>
     </p:bldLst>
   </p:timing>
 </p:sld>
@@ -14820,7 +14979,7 @@
       </p:grpSpPr>
       <p:pic>
         <p:nvPicPr>
-          <p:cNvPr id="4" name="Picture 3"/>
+          <p:cNvPr id="2" name="Picture 1"/>
           <p:cNvPicPr>
             <a:picLocks noChangeAspect="1"/>
           </p:cNvPicPr>
@@ -14834,8 +14993,8 @@
         </p:blipFill>
         <p:spPr>
           <a:xfrm>
-            <a:off x="1476747" y="287917"/>
-            <a:ext cx="9437330" cy="6025251"/>
+            <a:off x="1573299" y="430926"/>
+            <a:ext cx="9546150" cy="6094727"/>
           </a:xfrm>
           <a:prstGeom prst="rect">
             <a:avLst/>
@@ -17773,7 +17932,7 @@
         </p:nvSpPr>
         <p:spPr>
           <a:xfrm>
-            <a:off x="1141413" y="78652"/>
+            <a:off x="1141413" y="-7807"/>
             <a:ext cx="9905998" cy="1025724"/>
           </a:xfrm>
         </p:spPr>
@@ -17801,8 +17960,8 @@
         </p:nvSpPr>
         <p:spPr>
           <a:xfrm>
-            <a:off x="1936750" y="885825"/>
-            <a:ext cx="8315324" cy="5886449"/>
+            <a:off x="1936750" y="1017917"/>
+            <a:ext cx="8315324" cy="5754358"/>
           </a:xfrm>
           <a:solidFill>
             <a:schemeClr val="tx1"/>
@@ -17815,7 +17974,7 @@
         </p:spPr>
         <p:txBody>
           <a:bodyPr numCol="1" spcCol="91440">
-            <a:normAutofit/>
+            <a:normAutofit lnSpcReduction="10000"/>
           </a:bodyPr>
           <a:lstStyle/>
           <a:p>
@@ -18485,6 +18644,67 @@
                 <a:cs typeface="Consolas" panose="020B0609020204030204" pitchFamily="49" charset="0"/>
               </a:rPr>
               <a:t>)</a:t>
+            </a:r>
+          </a:p>
+          <a:p>
+            <a:pPr marL="0" indent="0">
+              <a:lnSpc>
+                <a:spcPct val="100000"/>
+              </a:lnSpc>
+              <a:spcBef>
+                <a:spcPts val="500"/>
+              </a:spcBef>
+              <a:buNone/>
+            </a:pPr>
+            <a:r>
+              <a:rPr lang="en-US" sz="1400" dirty="0">
+                <a:solidFill>
+                  <a:schemeClr val="bg1"/>
+                </a:solidFill>
+                <a:latin typeface="Consolas" panose="020B0609020204030204" pitchFamily="49" charset="0"/>
+                <a:cs typeface="Consolas" panose="020B0609020204030204" pitchFamily="49" charset="0"/>
+              </a:rPr>
+              <a:t> </a:t>
+            </a:r>
+            <a:r>
+              <a:rPr lang="en-US" sz="1400" dirty="0" smtClean="0">
+                <a:solidFill>
+                  <a:schemeClr val="bg1"/>
+                </a:solidFill>
+                <a:latin typeface="Consolas" panose="020B0609020204030204" pitchFamily="49" charset="0"/>
+                <a:cs typeface="Consolas" panose="020B0609020204030204" pitchFamily="49" charset="0"/>
+              </a:rPr>
+              <a:t>   (wait-</a:t>
+            </a:r>
+            <a:r>
+              <a:rPr lang="en-US" sz="1400" dirty="0" err="1" smtClean="0">
+                <a:solidFill>
+                  <a:schemeClr val="bg1"/>
+                </a:solidFill>
+                <a:latin typeface="Consolas" panose="020B0609020204030204" pitchFamily="49" charset="0"/>
+                <a:cs typeface="Consolas" panose="020B0609020204030204" pitchFamily="49" charset="0"/>
+              </a:rPr>
+              <a:t>dp</a:t>
+            </a:r>
+            <a:r>
+              <a:rPr lang="en-US" sz="1400" dirty="0" smtClean="0">
+                <a:solidFill>
+                  <a:schemeClr val="bg1"/>
+                </a:solidFill>
+                <a:latin typeface="Consolas" panose="020B0609020204030204" pitchFamily="49" charset="0"/>
+                <a:cs typeface="Consolas" panose="020B0609020204030204" pitchFamily="49" charset="0"/>
+              </a:rPr>
+              <a:t> </a:t>
+            </a:r>
+            <a:r>
+              <a:rPr lang="en-US" sz="1400" smtClean="0">
+                <a:solidFill>
+                  <a:schemeClr val="bg1"/>
+                </a:solidFill>
+                <a:latin typeface="Consolas" panose="020B0609020204030204" pitchFamily="49" charset="0"/>
+                <a:cs typeface="Consolas" panose="020B0609020204030204" pitchFamily="49" charset="0"/>
+              </a:rPr>
+              <a:t>datapool)</a:t>
             </a:r>
             <a:endParaRPr lang="en-US" sz="1400" dirty="0">
               <a:solidFill>
@@ -18698,39 +18918,26 @@
                                   </p:childTnLst>
                                 </p:cTn>
                               </p:par>
+                            </p:childTnLst>
+                          </p:cTn>
+                        </p:par>
+                      </p:childTnLst>
+                    </p:cTn>
+                  </p:par>
+                  <p:par>
+                    <p:cTn id="13" fill="hold">
+                      <p:stCondLst>
+                        <p:cond delay="indefinite"/>
+                      </p:stCondLst>
+                      <p:childTnLst>
+                        <p:par>
+                          <p:cTn id="14" fill="hold">
+                            <p:stCondLst>
+                              <p:cond delay="0"/>
+                            </p:stCondLst>
+                            <p:childTnLst>
                               <p:par>
-                                <p:cTn id="13" presetID="1" presetClass="entr" presetSubtype="0" fill="hold" grpId="0" nodeType="withEffect">
-                                  <p:stCondLst>
-                                    <p:cond delay="0"/>
-                                  </p:stCondLst>
-                                  <p:childTnLst>
-                                    <p:set>
-                                      <p:cBhvr>
-                                        <p:cTn id="14" dur="1" fill="hold">
-                                          <p:stCondLst>
-                                            <p:cond delay="0"/>
-                                          </p:stCondLst>
-                                        </p:cTn>
-                                        <p:tgtEl>
-                                          <p:spTgt spid="3">
-                                            <p:txEl>
-                                              <p:pRg st="3" end="3"/>
-                                            </p:txEl>
-                                          </p:spTgt>
-                                        </p:tgtEl>
-                                        <p:attrNameLst>
-                                          <p:attrName>style.visibility</p:attrName>
-                                        </p:attrNameLst>
-                                      </p:cBhvr>
-                                      <p:to>
-                                        <p:strVal val="visible"/>
-                                      </p:to>
-                                    </p:set>
-                                  </p:childTnLst>
-                                </p:cTn>
-                              </p:par>
-                              <p:par>
-                                <p:cTn id="15" presetID="1" presetClass="entr" presetSubtype="0" fill="hold" grpId="0" nodeType="withEffect">
+                                <p:cTn id="15" presetID="1" presetClass="entr" presetSubtype="0" fill="hold" grpId="0" nodeType="clickEffect">
                                   <p:stCondLst>
                                     <p:cond delay="0"/>
                                   </p:stCondLst>
@@ -18745,7 +18952,7 @@
                                         <p:tgtEl>
                                           <p:spTgt spid="3">
                                             <p:txEl>
-                                              <p:pRg st="4" end="4"/>
+                                              <p:pRg st="3" end="3"/>
                                             </p:txEl>
                                           </p:spTgt>
                                         </p:tgtEl>
@@ -18776,6 +18983,55 @@
                                         <p:tgtEl>
                                           <p:spTgt spid="3">
                                             <p:txEl>
+                                              <p:pRg st="4" end="4"/>
+                                            </p:txEl>
+                                          </p:spTgt>
+                                        </p:tgtEl>
+                                        <p:attrNameLst>
+                                          <p:attrName>style.visibility</p:attrName>
+                                        </p:attrNameLst>
+                                      </p:cBhvr>
+                                      <p:to>
+                                        <p:strVal val="visible"/>
+                                      </p:to>
+                                    </p:set>
+                                  </p:childTnLst>
+                                </p:cTn>
+                              </p:par>
+                            </p:childTnLst>
+                          </p:cTn>
+                        </p:par>
+                      </p:childTnLst>
+                    </p:cTn>
+                  </p:par>
+                  <p:par>
+                    <p:cTn id="19" fill="hold">
+                      <p:stCondLst>
+                        <p:cond delay="indefinite"/>
+                      </p:stCondLst>
+                      <p:childTnLst>
+                        <p:par>
+                          <p:cTn id="20" fill="hold">
+                            <p:stCondLst>
+                              <p:cond delay="0"/>
+                            </p:stCondLst>
+                            <p:childTnLst>
+                              <p:par>
+                                <p:cTn id="21" presetID="1" presetClass="entr" presetSubtype="0" fill="hold" grpId="0" nodeType="clickEffect">
+                                  <p:stCondLst>
+                                    <p:cond delay="0"/>
+                                  </p:stCondLst>
+                                  <p:childTnLst>
+                                    <p:set>
+                                      <p:cBhvr>
+                                        <p:cTn id="22" dur="1" fill="hold">
+                                          <p:stCondLst>
+                                            <p:cond delay="0"/>
+                                          </p:stCondLst>
+                                        </p:cTn>
+                                        <p:tgtEl>
+                                          <p:spTgt spid="3">
+                                            <p:txEl>
                                               <p:pRg st="5" end="5"/>
                                             </p:txEl>
                                           </p:spTgt>
@@ -18792,14 +19048,14 @@
                                 </p:cTn>
                               </p:par>
                               <p:par>
-                                <p:cTn id="19" presetID="1" presetClass="entr" presetSubtype="0" fill="hold" grpId="0" nodeType="withEffect">
+                                <p:cTn id="23" presetID="1" presetClass="entr" presetSubtype="0" fill="hold" grpId="0" nodeType="withEffect">
                                   <p:stCondLst>
                                     <p:cond delay="0"/>
                                   </p:stCondLst>
                                   <p:childTnLst>
                                     <p:set>
                                       <p:cBhvr>
-                                        <p:cTn id="20" dur="1" fill="hold">
+                                        <p:cTn id="24" dur="1" fill="hold">
                                           <p:stCondLst>
                                             <p:cond delay="0"/>
                                           </p:stCondLst>
@@ -18829,26 +19085,26 @@
                     </p:cTn>
                   </p:par>
                   <p:par>
-                    <p:cTn id="21" fill="hold">
+                    <p:cTn id="25" fill="hold">
                       <p:stCondLst>
                         <p:cond delay="indefinite"/>
                       </p:stCondLst>
                       <p:childTnLst>
                         <p:par>
-                          <p:cTn id="22" fill="hold">
+                          <p:cTn id="26" fill="hold">
                             <p:stCondLst>
                               <p:cond delay="0"/>
                             </p:stCondLst>
                             <p:childTnLst>
                               <p:par>
-                                <p:cTn id="23" presetID="1" presetClass="entr" presetSubtype="0" fill="hold" grpId="0" nodeType="clickEffect">
+                                <p:cTn id="27" presetID="1" presetClass="entr" presetSubtype="0" fill="hold" grpId="0" nodeType="clickEffect">
                                   <p:stCondLst>
                                     <p:cond delay="0"/>
                                   </p:stCondLst>
                                   <p:childTnLst>
                                     <p:set>
                                       <p:cBhvr>
-                                        <p:cTn id="24" dur="1" fill="hold">
+                                        <p:cTn id="28" dur="1" fill="hold">
                                           <p:stCondLst>
                                             <p:cond delay="0"/>
                                           </p:stCondLst>
@@ -18872,14 +19128,14 @@
                                 </p:cTn>
                               </p:par>
                               <p:par>
-                                <p:cTn id="25" presetID="1" presetClass="entr" presetSubtype="0" fill="hold" grpId="0" nodeType="withEffect">
+                                <p:cTn id="29" presetID="1" presetClass="entr" presetSubtype="0" fill="hold" grpId="0" nodeType="withEffect">
                                   <p:stCondLst>
                                     <p:cond delay="0"/>
                                   </p:stCondLst>
                                   <p:childTnLst>
                                     <p:set>
                                       <p:cBhvr>
-                                        <p:cTn id="26" dur="1" fill="hold">
+                                        <p:cTn id="30" dur="1" fill="hold">
                                           <p:stCondLst>
                                             <p:cond delay="0"/>
                                           </p:stCondLst>
@@ -18903,14 +19159,14 @@
                                 </p:cTn>
                               </p:par>
                               <p:par>
-                                <p:cTn id="27" presetID="1" presetClass="entr" presetSubtype="0" fill="hold" grpId="0" nodeType="withEffect">
+                                <p:cTn id="31" presetID="1" presetClass="entr" presetSubtype="0" fill="hold" grpId="0" nodeType="withEffect">
                                   <p:stCondLst>
                                     <p:cond delay="0"/>
                                   </p:stCondLst>
                                   <p:childTnLst>
                                     <p:set>
                                       <p:cBhvr>
-                                        <p:cTn id="28" dur="1" fill="hold">
+                                        <p:cTn id="32" dur="1" fill="hold">
                                           <p:stCondLst>
                                             <p:cond delay="0"/>
                                           </p:stCondLst>
@@ -18940,81 +19196,19 @@
                     </p:cTn>
                   </p:par>
                   <p:par>
-                    <p:cTn id="29" fill="hold">
+                    <p:cTn id="33" fill="hold">
                       <p:stCondLst>
                         <p:cond delay="indefinite"/>
                       </p:stCondLst>
                       <p:childTnLst>
                         <p:par>
-                          <p:cTn id="30" fill="hold">
+                          <p:cTn id="34" fill="hold">
                             <p:stCondLst>
                               <p:cond delay="0"/>
                             </p:stCondLst>
                             <p:childTnLst>
                               <p:par>
-                                <p:cTn id="31" presetID="1" presetClass="entr" presetSubtype="0" fill="hold" grpId="0" nodeType="clickEffect">
-                                  <p:stCondLst>
-                                    <p:cond delay="0"/>
-                                  </p:stCondLst>
-                                  <p:childTnLst>
-                                    <p:set>
-                                      <p:cBhvr>
-                                        <p:cTn id="32" dur="1" fill="hold">
-                                          <p:stCondLst>
-                                            <p:cond delay="0"/>
-                                          </p:stCondLst>
-                                        </p:cTn>
-                                        <p:tgtEl>
-                                          <p:spTgt spid="3">
-                                            <p:txEl>
-                                              <p:pRg st="12" end="12"/>
-                                            </p:txEl>
-                                          </p:spTgt>
-                                        </p:tgtEl>
-                                        <p:attrNameLst>
-                                          <p:attrName>style.visibility</p:attrName>
-                                        </p:attrNameLst>
-                                      </p:cBhvr>
-                                      <p:to>
-                                        <p:strVal val="visible"/>
-                                      </p:to>
-                                    </p:set>
-                                  </p:childTnLst>
-                                </p:cTn>
-                              </p:par>
-                              <p:par>
-                                <p:cTn id="33" presetID="1" presetClass="entr" presetSubtype="0" fill="hold" grpId="0" nodeType="withEffect">
-                                  <p:stCondLst>
-                                    <p:cond delay="0"/>
-                                  </p:stCondLst>
-                                  <p:childTnLst>
-                                    <p:set>
-                                      <p:cBhvr>
-                                        <p:cTn id="34" dur="1" fill="hold">
-                                          <p:stCondLst>
-                                            <p:cond delay="0"/>
-                                          </p:stCondLst>
-                                        </p:cTn>
-                                        <p:tgtEl>
-                                          <p:spTgt spid="3">
-                                            <p:txEl>
-                                              <p:pRg st="13" end="13"/>
-                                            </p:txEl>
-                                          </p:spTgt>
-                                        </p:tgtEl>
-                                        <p:attrNameLst>
-                                          <p:attrName>style.visibility</p:attrName>
-                                        </p:attrNameLst>
-                                      </p:cBhvr>
-                                      <p:to>
-                                        <p:strVal val="visible"/>
-                                      </p:to>
-                                    </p:set>
-                                  </p:childTnLst>
-                                </p:cTn>
-                              </p:par>
-                              <p:par>
-                                <p:cTn id="35" presetID="1" presetClass="entr" presetSubtype="0" fill="hold" grpId="0" nodeType="withEffect">
+                                <p:cTn id="35" presetID="1" presetClass="entr" presetSubtype="0" fill="hold" grpId="0" nodeType="clickEffect">
                                   <p:stCondLst>
                                     <p:cond delay="0"/>
                                   </p:stCondLst>
@@ -19029,7 +19223,7 @@
                                         <p:tgtEl>
                                           <p:spTgt spid="3">
                                             <p:txEl>
-                                              <p:pRg st="14" end="14"/>
+                                              <p:pRg st="12" end="12"/>
                                             </p:txEl>
                                           </p:spTgt>
                                         </p:tgtEl>
@@ -19060,7 +19254,7 @@
                                         <p:tgtEl>
                                           <p:spTgt spid="3">
                                             <p:txEl>
-                                              <p:pRg st="15" end="15"/>
+                                              <p:pRg st="13" end="13"/>
                                             </p:txEl>
                                           </p:spTgt>
                                         </p:tgtEl>
@@ -19091,6 +19285,68 @@
                                         <p:tgtEl>
                                           <p:spTgt spid="3">
                                             <p:txEl>
+                                              <p:pRg st="14" end="14"/>
+                                            </p:txEl>
+                                          </p:spTgt>
+                                        </p:tgtEl>
+                                        <p:attrNameLst>
+                                          <p:attrName>style.visibility</p:attrName>
+                                        </p:attrNameLst>
+                                      </p:cBhvr>
+                                      <p:to>
+                                        <p:strVal val="visible"/>
+                                      </p:to>
+                                    </p:set>
+                                  </p:childTnLst>
+                                </p:cTn>
+                              </p:par>
+                              <p:par>
+                                <p:cTn id="41" presetID="1" presetClass="entr" presetSubtype="0" fill="hold" grpId="0" nodeType="withEffect">
+                                  <p:stCondLst>
+                                    <p:cond delay="0"/>
+                                  </p:stCondLst>
+                                  <p:childTnLst>
+                                    <p:set>
+                                      <p:cBhvr>
+                                        <p:cTn id="42" dur="1" fill="hold">
+                                          <p:stCondLst>
+                                            <p:cond delay="0"/>
+                                          </p:stCondLst>
+                                        </p:cTn>
+                                        <p:tgtEl>
+                                          <p:spTgt spid="3">
+                                            <p:txEl>
+                                              <p:pRg st="15" end="15"/>
+                                            </p:txEl>
+                                          </p:spTgt>
+                                        </p:tgtEl>
+                                        <p:attrNameLst>
+                                          <p:attrName>style.visibility</p:attrName>
+                                        </p:attrNameLst>
+                                      </p:cBhvr>
+                                      <p:to>
+                                        <p:strVal val="visible"/>
+                                      </p:to>
+                                    </p:set>
+                                  </p:childTnLst>
+                                </p:cTn>
+                              </p:par>
+                              <p:par>
+                                <p:cTn id="43" presetID="1" presetClass="entr" presetSubtype="0" fill="hold" grpId="0" nodeType="withEffect">
+                                  <p:stCondLst>
+                                    <p:cond delay="0"/>
+                                  </p:stCondLst>
+                                  <p:childTnLst>
+                                    <p:set>
+                                      <p:cBhvr>
+                                        <p:cTn id="44" dur="1" fill="hold">
+                                          <p:stCondLst>
+                                            <p:cond delay="0"/>
+                                          </p:stCondLst>
+                                        </p:cTn>
+                                        <p:tgtEl>
+                                          <p:spTgt spid="3">
+                                            <p:txEl>
                                               <p:pRg st="16" end="16"/>
                                             </p:txEl>
                                           </p:spTgt>
@@ -19113,26 +19369,26 @@
                     </p:cTn>
                   </p:par>
                   <p:par>
-                    <p:cTn id="41" fill="hold">
+                    <p:cTn id="45" fill="hold">
                       <p:stCondLst>
                         <p:cond delay="indefinite"/>
                       </p:stCondLst>
                       <p:childTnLst>
                         <p:par>
-                          <p:cTn id="42" fill="hold">
+                          <p:cTn id="46" fill="hold">
                             <p:stCondLst>
                               <p:cond delay="0"/>
                             </p:stCondLst>
                             <p:childTnLst>
                               <p:par>
-                                <p:cTn id="43" presetID="1" presetClass="entr" presetSubtype="0" fill="hold" grpId="0" nodeType="clickEffect">
+                                <p:cTn id="47" presetID="1" presetClass="entr" presetSubtype="0" fill="hold" grpId="0" nodeType="clickEffect">
                                   <p:stCondLst>
                                     <p:cond delay="0"/>
                                   </p:stCondLst>
                                   <p:childTnLst>
                                     <p:set>
                                       <p:cBhvr>
-                                        <p:cTn id="44" dur="1" fill="hold">
+                                        <p:cTn id="48" dur="1" fill="hold">
                                           <p:stCondLst>
                                             <p:cond delay="0"/>
                                           </p:stCondLst>
@@ -19156,14 +19412,14 @@
                                 </p:cTn>
                               </p:par>
                               <p:par>
-                                <p:cTn id="45" presetID="1" presetClass="entr" presetSubtype="0" fill="hold" grpId="0" nodeType="withEffect">
+                                <p:cTn id="49" presetID="1" presetClass="entr" presetSubtype="0" fill="hold" grpId="0" nodeType="withEffect">
                                   <p:stCondLst>
                                     <p:cond delay="0"/>
                                   </p:stCondLst>
                                   <p:childTnLst>
                                     <p:set>
                                       <p:cBhvr>
-                                        <p:cTn id="46" dur="1" fill="hold">
+                                        <p:cTn id="50" dur="1" fill="hold">
                                           <p:stCondLst>
                                             <p:cond delay="0"/>
                                           </p:stCondLst>
@@ -19186,15 +19442,33 @@
                                   </p:childTnLst>
                                 </p:cTn>
                               </p:par>
+                            </p:childTnLst>
+                          </p:cTn>
+                        </p:par>
+                      </p:childTnLst>
+                    </p:cTn>
+                  </p:par>
+                  <p:par>
+                    <p:cTn id="51" fill="hold">
+                      <p:stCondLst>
+                        <p:cond delay="indefinite"/>
+                      </p:stCondLst>
+                      <p:childTnLst>
+                        <p:par>
+                          <p:cTn id="52" fill="hold">
+                            <p:stCondLst>
+                              <p:cond delay="0"/>
+                            </p:stCondLst>
+                            <p:childTnLst>
                               <p:par>
-                                <p:cTn id="47" presetID="1" presetClass="entr" presetSubtype="0" fill="hold" grpId="0" nodeType="withEffect">
+                                <p:cTn id="53" presetID="1" presetClass="entr" presetSubtype="0" fill="hold" grpId="0" nodeType="clickEffect">
                                   <p:stCondLst>
                                     <p:cond delay="0"/>
                                   </p:stCondLst>
                                   <p:childTnLst>
                                     <p:set>
                                       <p:cBhvr>
-                                        <p:cTn id="48" dur="1" fill="hold">
+                                        <p:cTn id="54" dur="1" fill="hold">
                                           <p:stCondLst>
                                             <p:cond delay="0"/>
                                           </p:stCondLst>
@@ -19203,6 +19477,37 @@
                                           <p:spTgt spid="3">
                                             <p:txEl>
                                               <p:pRg st="20" end="20"/>
+                                            </p:txEl>
+                                          </p:spTgt>
+                                        </p:tgtEl>
+                                        <p:attrNameLst>
+                                          <p:attrName>style.visibility</p:attrName>
+                                        </p:attrNameLst>
+                                      </p:cBhvr>
+                                      <p:to>
+                                        <p:strVal val="visible"/>
+                                      </p:to>
+                                    </p:set>
+                                  </p:childTnLst>
+                                </p:cTn>
+                              </p:par>
+                              <p:par>
+                                <p:cTn id="55" presetID="1" presetClass="entr" presetSubtype="0" fill="hold" grpId="0" nodeType="withEffect">
+                                  <p:stCondLst>
+                                    <p:cond delay="0"/>
+                                  </p:stCondLst>
+                                  <p:childTnLst>
+                                    <p:set>
+                                      <p:cBhvr>
+                                        <p:cTn id="56" dur="1" fill="hold">
+                                          <p:stCondLst>
+                                            <p:cond delay="0"/>
+                                          </p:stCondLst>
+                                        </p:cTn>
+                                        <p:tgtEl>
+                                          <p:spTgt spid="3">
+                                            <p:txEl>
+                                              <p:pRg st="21" end="21"/>
                                             </p:txEl>
                                           </p:spTgt>
                                         </p:tgtEl>
@@ -22733,7 +23038,7 @@
         </p:nvSpPr>
         <p:spPr>
           <a:xfrm>
-            <a:off x="1093788" y="-130373"/>
+            <a:off x="66675" y="2479477"/>
             <a:ext cx="9905998" cy="1025724"/>
           </a:xfrm>
         </p:spPr>
@@ -22761,8 +23066,8 @@
         </p:nvSpPr>
         <p:spPr>
           <a:xfrm>
-            <a:off x="2274135" y="666750"/>
-            <a:ext cx="7545303" cy="6038850"/>
+            <a:off x="4646697" y="76200"/>
+            <a:ext cx="7545303" cy="6715125"/>
           </a:xfrm>
           <a:solidFill>
             <a:schemeClr val="tx1"/>
@@ -22784,7 +23089,7 @@
                 <a:spcPct val="100000"/>
               </a:lnSpc>
               <a:spcBef>
-                <a:spcPts val="200"/>
+                <a:spcPts val="0"/>
               </a:spcBef>
               <a:buNone/>
             </a:pPr>
@@ -22796,17 +23101,99 @@
                 <a:latin typeface="Consolas" panose="020B0609020204030204" pitchFamily="49" charset="0"/>
                 <a:cs typeface="Consolas" panose="020B0609020204030204" pitchFamily="49" charset="0"/>
               </a:rPr>
-              <a:t>(define (interaction-ex</a:t>
-            </a:r>
-            <a:r>
-              <a:rPr lang="en-US" sz="1400" dirty="0" smtClean="0">
-                <a:solidFill>
-                  <a:schemeClr val="bg1"/>
-                </a:solidFill>
-                <a:latin typeface="Consolas" panose="020B0609020204030204" pitchFamily="49" charset="0"/>
-                <a:cs typeface="Consolas" panose="020B0609020204030204" pitchFamily="49" charset="0"/>
-              </a:rPr>
-              <a:t>)</a:t>
+              <a:t>(define (interaction-ex)</a:t>
+            </a:r>
+          </a:p>
+          <a:p>
+            <a:pPr marL="0" indent="0">
+              <a:lnSpc>
+                <a:spcPct val="100000"/>
+              </a:lnSpc>
+              <a:spcBef>
+                <a:spcPts val="0"/>
+              </a:spcBef>
+              <a:buNone/>
+            </a:pPr>
+            <a:r>
+              <a:rPr lang="en-US" sz="1400" dirty="0">
+                <a:solidFill>
+                  <a:schemeClr val="bg1"/>
+                </a:solidFill>
+                <a:latin typeface="Consolas" panose="020B0609020204030204" pitchFamily="49" charset="0"/>
+                <a:cs typeface="Consolas" panose="020B0609020204030204" pitchFamily="49" charset="0"/>
+              </a:rPr>
+              <a:t>  ;define </a:t>
+            </a:r>
+            <a:r>
+              <a:rPr lang="en-US" sz="1400" dirty="0" err="1">
+                <a:solidFill>
+                  <a:schemeClr val="bg1"/>
+                </a:solidFill>
+                <a:latin typeface="Consolas" panose="020B0609020204030204" pitchFamily="49" charset="0"/>
+                <a:cs typeface="Consolas" panose="020B0609020204030204" pitchFamily="49" charset="0"/>
+              </a:rPr>
+              <a:t>coroutine</a:t>
+            </a:r>
+            <a:r>
+              <a:rPr lang="en-US" sz="1400" dirty="0">
+                <a:solidFill>
+                  <a:schemeClr val="bg1"/>
+                </a:solidFill>
+                <a:latin typeface="Consolas" panose="020B0609020204030204" pitchFamily="49" charset="0"/>
+                <a:cs typeface="Consolas" panose="020B0609020204030204" pitchFamily="49" charset="0"/>
+              </a:rPr>
+              <a:t> which passes a </a:t>
+            </a:r>
+            <a:r>
+              <a:rPr lang="en-US" sz="1400" dirty="0" err="1">
+                <a:solidFill>
+                  <a:schemeClr val="bg1"/>
+                </a:solidFill>
+                <a:latin typeface="Consolas" panose="020B0609020204030204" pitchFamily="49" charset="0"/>
+                <a:cs typeface="Consolas" panose="020B0609020204030204" pitchFamily="49" charset="0"/>
+              </a:rPr>
+              <a:t>'ball</a:t>
+            </a:r>
+            <a:r>
+              <a:rPr lang="en-US" sz="1400" dirty="0">
+                <a:solidFill>
+                  <a:schemeClr val="bg1"/>
+                </a:solidFill>
+                <a:latin typeface="Consolas" panose="020B0609020204030204" pitchFamily="49" charset="0"/>
+                <a:cs typeface="Consolas" panose="020B0609020204030204" pitchFamily="49" charset="0"/>
+              </a:rPr>
+              <a:t>' back and forth through channels</a:t>
+            </a:r>
+          </a:p>
+          <a:p>
+            <a:pPr marL="0" indent="0">
+              <a:lnSpc>
+                <a:spcPct val="100000"/>
+              </a:lnSpc>
+              <a:spcBef>
+                <a:spcPts val="0"/>
+              </a:spcBef>
+              <a:buNone/>
+            </a:pPr>
+            <a:r>
+              <a:rPr lang="en-US" sz="1400" dirty="0">
+                <a:solidFill>
+                  <a:schemeClr val="bg1"/>
+                </a:solidFill>
+                <a:latin typeface="Consolas" panose="020B0609020204030204" pitchFamily="49" charset="0"/>
+                <a:cs typeface="Consolas" panose="020B0609020204030204" pitchFamily="49" charset="0"/>
+              </a:rPr>
+              <a:t>  (define-</a:t>
+            </a:r>
+            <a:r>
+              <a:rPr lang="en-US" sz="1400" dirty="0" err="1">
+                <a:solidFill>
+                  <a:schemeClr val="bg1"/>
+                </a:solidFill>
+                <a:latin typeface="Consolas" panose="020B0609020204030204" pitchFamily="49" charset="0"/>
+                <a:cs typeface="Consolas" panose="020B0609020204030204" pitchFamily="49" charset="0"/>
+              </a:rPr>
+              <a:t>coroutine</a:t>
             </a:r>
             <a:endParaRPr lang="en-US" sz="1400" dirty="0">
               <a:solidFill>
@@ -22822,7 +23209,7 @@
                 <a:spcPct val="100000"/>
               </a:lnSpc>
               <a:spcBef>
-                <a:spcPts val="200"/>
+                <a:spcPts val="0"/>
               </a:spcBef>
               <a:buNone/>
             </a:pPr>
@@ -22834,47 +23221,7 @@
                 <a:latin typeface="Consolas" panose="020B0609020204030204" pitchFamily="49" charset="0"/>
                 <a:cs typeface="Consolas" panose="020B0609020204030204" pitchFamily="49" charset="0"/>
               </a:rPr>
-              <a:t>  ;define </a:t>
-            </a:r>
-            <a:r>
-              <a:rPr lang="en-US" sz="1400" dirty="0" err="1">
-                <a:solidFill>
-                  <a:schemeClr val="bg1"/>
-                </a:solidFill>
-                <a:latin typeface="Consolas" panose="020B0609020204030204" pitchFamily="49" charset="0"/>
-                <a:cs typeface="Consolas" panose="020B0609020204030204" pitchFamily="49" charset="0"/>
-              </a:rPr>
-              <a:t>coroutine</a:t>
-            </a:r>
-            <a:r>
-              <a:rPr lang="en-US" sz="1400" dirty="0">
-                <a:solidFill>
-                  <a:schemeClr val="bg1"/>
-                </a:solidFill>
-                <a:latin typeface="Consolas" panose="020B0609020204030204" pitchFamily="49" charset="0"/>
-                <a:cs typeface="Consolas" panose="020B0609020204030204" pitchFamily="49" charset="0"/>
-              </a:rPr>
-              <a:t> which passes a </a:t>
-            </a:r>
-            <a:r>
-              <a:rPr lang="en-US" sz="1400" dirty="0" err="1">
-                <a:solidFill>
-                  <a:schemeClr val="bg1"/>
-                </a:solidFill>
-                <a:latin typeface="Consolas" panose="020B0609020204030204" pitchFamily="49" charset="0"/>
-                <a:cs typeface="Consolas" panose="020B0609020204030204" pitchFamily="49" charset="0"/>
-              </a:rPr>
-              <a:t>'ball</a:t>
-            </a:r>
-            <a:r>
-              <a:rPr lang="en-US" sz="1400" dirty="0">
-                <a:solidFill>
-                  <a:schemeClr val="bg1"/>
-                </a:solidFill>
-                <a:latin typeface="Consolas" panose="020B0609020204030204" pitchFamily="49" charset="0"/>
-                <a:cs typeface="Consolas" panose="020B0609020204030204" pitchFamily="49" charset="0"/>
-              </a:rPr>
-              <a:t>' back and forth through channels</a:t>
+              <a:t>    (pass-ball who in out pass-limit)</a:t>
             </a:r>
           </a:p>
           <a:p>
@@ -22883,7 +23230,7 @@
                 <a:spcPct val="100000"/>
               </a:lnSpc>
               <a:spcBef>
-                <a:spcPts val="200"/>
+                <a:spcPts val="0"/>
               </a:spcBef>
               <a:buNone/>
             </a:pPr>
@@ -22895,7 +23242,49 @@
                 <a:latin typeface="Consolas" panose="020B0609020204030204" pitchFamily="49" charset="0"/>
                 <a:cs typeface="Consolas" panose="020B0609020204030204" pitchFamily="49" charset="0"/>
               </a:rPr>
-              <a:t>  (define-</a:t>
+              <a:t>    (define (intern-recursion who in out pass-limit)</a:t>
+            </a:r>
+          </a:p>
+          <a:p>
+            <a:pPr marL="0" indent="0">
+              <a:lnSpc>
+                <a:spcPct val="100000"/>
+              </a:lnSpc>
+              <a:spcBef>
+                <a:spcPts val="0"/>
+              </a:spcBef>
+              <a:buNone/>
+            </a:pPr>
+            <a:r>
+              <a:rPr lang="en-US" sz="1400" dirty="0">
+                <a:solidFill>
+                  <a:schemeClr val="bg1"/>
+                </a:solidFill>
+                <a:latin typeface="Consolas" panose="020B0609020204030204" pitchFamily="49" charset="0"/>
+                <a:cs typeface="Consolas" panose="020B0609020204030204" pitchFamily="49" charset="0"/>
+              </a:rPr>
+              <a:t>      ;block till we get the ball</a:t>
+            </a:r>
+          </a:p>
+          <a:p>
+            <a:pPr marL="0" indent="0">
+              <a:lnSpc>
+                <a:spcPct val="100000"/>
+              </a:lnSpc>
+              <a:spcBef>
+                <a:spcPts val="0"/>
+              </a:spcBef>
+              <a:buNone/>
+            </a:pPr>
+            <a:r>
+              <a:rPr lang="en-US" sz="1400" dirty="0">
+                <a:solidFill>
+                  <a:schemeClr val="bg1"/>
+                </a:solidFill>
+                <a:latin typeface="Consolas" panose="020B0609020204030204" pitchFamily="49" charset="0"/>
+                <a:cs typeface="Consolas" panose="020B0609020204030204" pitchFamily="49" charset="0"/>
+              </a:rPr>
+              <a:t>      (let ([ball (</a:t>
             </a:r>
             <a:r>
               <a:rPr lang="en-US" sz="1400" dirty="0" err="1">
@@ -22905,7 +23294,171 @@
                 <a:latin typeface="Consolas" panose="020B0609020204030204" pitchFamily="49" charset="0"/>
                 <a:cs typeface="Consolas" panose="020B0609020204030204" pitchFamily="49" charset="0"/>
               </a:rPr>
-              <a:t>coroutine</a:t>
+              <a:t>ch</a:t>
+            </a:r>
+            <a:r>
+              <a:rPr lang="en-US" sz="1400" dirty="0">
+                <a:solidFill>
+                  <a:schemeClr val="bg1"/>
+                </a:solidFill>
+                <a:latin typeface="Consolas" panose="020B0609020204030204" pitchFamily="49" charset="0"/>
+                <a:cs typeface="Consolas" panose="020B0609020204030204" pitchFamily="49" charset="0"/>
+              </a:rPr>
+              <a:t>-get in)])</a:t>
+            </a:r>
+          </a:p>
+          <a:p>
+            <a:pPr marL="0" indent="0">
+              <a:lnSpc>
+                <a:spcPct val="100000"/>
+              </a:lnSpc>
+              <a:spcBef>
+                <a:spcPts val="0"/>
+              </a:spcBef>
+              <a:buNone/>
+            </a:pPr>
+            <a:r>
+              <a:rPr lang="en-US" sz="1400" dirty="0">
+                <a:solidFill>
+                  <a:schemeClr val="bg1"/>
+                </a:solidFill>
+                <a:latin typeface="Consolas" panose="020B0609020204030204" pitchFamily="49" charset="0"/>
+                <a:cs typeface="Consolas" panose="020B0609020204030204" pitchFamily="49" charset="0"/>
+              </a:rPr>
+              <a:t>        (</a:t>
+            </a:r>
+            <a:r>
+              <a:rPr lang="en-US" sz="1400" dirty="0" err="1">
+                <a:solidFill>
+                  <a:schemeClr val="bg1"/>
+                </a:solidFill>
+                <a:latin typeface="Consolas" panose="020B0609020204030204" pitchFamily="49" charset="0"/>
+                <a:cs typeface="Consolas" panose="020B0609020204030204" pitchFamily="49" charset="0"/>
+              </a:rPr>
+              <a:t>printf</a:t>
+            </a:r>
+            <a:r>
+              <a:rPr lang="en-US" sz="1400" dirty="0">
+                <a:solidFill>
+                  <a:schemeClr val="bg1"/>
+                </a:solidFill>
+                <a:latin typeface="Consolas" panose="020B0609020204030204" pitchFamily="49" charset="0"/>
+                <a:cs typeface="Consolas" panose="020B0609020204030204" pitchFamily="49" charset="0"/>
+              </a:rPr>
+              <a:t> "\</a:t>
+            </a:r>
+            <a:r>
+              <a:rPr lang="en-US" sz="1400" dirty="0" err="1">
+                <a:solidFill>
+                  <a:schemeClr val="bg1"/>
+                </a:solidFill>
+                <a:latin typeface="Consolas" panose="020B0609020204030204" pitchFamily="49" charset="0"/>
+                <a:cs typeface="Consolas" panose="020B0609020204030204" pitchFamily="49" charset="0"/>
+              </a:rPr>
+              <a:t>n~a</a:t>
+            </a:r>
+            <a:r>
+              <a:rPr lang="en-US" sz="1400" dirty="0">
+                <a:solidFill>
+                  <a:schemeClr val="bg1"/>
+                </a:solidFill>
+                <a:latin typeface="Consolas" panose="020B0609020204030204" pitchFamily="49" charset="0"/>
+                <a:cs typeface="Consolas" panose="020B0609020204030204" pitchFamily="49" charset="0"/>
+              </a:rPr>
+              <a:t> catches the ball\n" who)</a:t>
+            </a:r>
+          </a:p>
+          <a:p>
+            <a:pPr marL="0" indent="0">
+              <a:lnSpc>
+                <a:spcPct val="100000"/>
+              </a:lnSpc>
+              <a:spcBef>
+                <a:spcPts val="0"/>
+              </a:spcBef>
+              <a:buNone/>
+            </a:pPr>
+            <a:r>
+              <a:rPr lang="en-US" sz="1400" dirty="0">
+                <a:solidFill>
+                  <a:schemeClr val="bg1"/>
+                </a:solidFill>
+                <a:latin typeface="Consolas" panose="020B0609020204030204" pitchFamily="49" charset="0"/>
+                <a:cs typeface="Consolas" panose="020B0609020204030204" pitchFamily="49" charset="0"/>
+              </a:rPr>
+              <a:t>        (</a:t>
+            </a:r>
+            <a:r>
+              <a:rPr lang="en-US" sz="1400" dirty="0" err="1">
+                <a:solidFill>
+                  <a:schemeClr val="bg1"/>
+                </a:solidFill>
+                <a:latin typeface="Consolas" panose="020B0609020204030204" pitchFamily="49" charset="0"/>
+                <a:cs typeface="Consolas" panose="020B0609020204030204" pitchFamily="49" charset="0"/>
+              </a:rPr>
+              <a:t>printf</a:t>
+            </a:r>
+            <a:r>
+              <a:rPr lang="en-US" sz="1400" dirty="0">
+                <a:solidFill>
+                  <a:schemeClr val="bg1"/>
+                </a:solidFill>
+                <a:latin typeface="Consolas" panose="020B0609020204030204" pitchFamily="49" charset="0"/>
+                <a:cs typeface="Consolas" panose="020B0609020204030204" pitchFamily="49" charset="0"/>
+              </a:rPr>
+              <a:t> "~a throws the ball\n" who)</a:t>
+            </a:r>
+          </a:p>
+          <a:p>
+            <a:pPr marL="0" indent="0">
+              <a:lnSpc>
+                <a:spcPct val="100000"/>
+              </a:lnSpc>
+              <a:spcBef>
+                <a:spcPts val="0"/>
+              </a:spcBef>
+              <a:buNone/>
+            </a:pPr>
+            <a:r>
+              <a:rPr lang="en-US" sz="1400" dirty="0">
+                <a:solidFill>
+                  <a:schemeClr val="bg1"/>
+                </a:solidFill>
+                <a:latin typeface="Consolas" panose="020B0609020204030204" pitchFamily="49" charset="0"/>
+                <a:cs typeface="Consolas" panose="020B0609020204030204" pitchFamily="49" charset="0"/>
+              </a:rPr>
+              <a:t>        </a:t>
+            </a:r>
+          </a:p>
+          <a:p>
+            <a:pPr marL="0" indent="0">
+              <a:lnSpc>
+                <a:spcPct val="100000"/>
+              </a:lnSpc>
+              <a:spcBef>
+                <a:spcPts val="0"/>
+              </a:spcBef>
+              <a:buNone/>
+            </a:pPr>
+            <a:r>
+              <a:rPr lang="en-US" sz="1400" dirty="0">
+                <a:solidFill>
+                  <a:schemeClr val="bg1"/>
+                </a:solidFill>
+                <a:latin typeface="Consolas" panose="020B0609020204030204" pitchFamily="49" charset="0"/>
+                <a:cs typeface="Consolas" panose="020B0609020204030204" pitchFamily="49" charset="0"/>
+              </a:rPr>
+              <a:t>        ;determine if the game is </a:t>
+            </a:r>
+            <a:r>
+              <a:rPr lang="en-US" sz="1400" dirty="0" smtClean="0">
+                <a:solidFill>
+                  <a:schemeClr val="bg1"/>
+                </a:solidFill>
+                <a:latin typeface="Consolas" panose="020B0609020204030204" pitchFamily="49" charset="0"/>
+                <a:cs typeface="Consolas" panose="020B0609020204030204" pitchFamily="49" charset="0"/>
+              </a:rPr>
+              <a:t>still going</a:t>
             </a:r>
             <a:endParaRPr lang="en-US" sz="1400" dirty="0">
               <a:solidFill>
@@ -22921,7 +23474,7 @@
                 <a:spcPct val="100000"/>
               </a:lnSpc>
               <a:spcBef>
-                <a:spcPts val="200"/>
+                <a:spcPts val="0"/>
               </a:spcBef>
               <a:buNone/>
             </a:pPr>
@@ -22933,7 +23486,27 @@
                 <a:latin typeface="Consolas" panose="020B0609020204030204" pitchFamily="49" charset="0"/>
                 <a:cs typeface="Consolas" panose="020B0609020204030204" pitchFamily="49" charset="0"/>
               </a:rPr>
-              <a:t>    (pass-ball who in out pass-limit)</a:t>
+              <a:t>        (if (equal? ball </a:t>
+            </a:r>
+            <a:r>
+              <a:rPr lang="en-US" sz="1400" dirty="0" err="1">
+                <a:solidFill>
+                  <a:schemeClr val="bg1"/>
+                </a:solidFill>
+                <a:latin typeface="Consolas" panose="020B0609020204030204" pitchFamily="49" charset="0"/>
+                <a:cs typeface="Consolas" panose="020B0609020204030204" pitchFamily="49" charset="0"/>
+              </a:rPr>
+              <a:t>'ball</a:t>
+            </a:r>
+            <a:r>
+              <a:rPr lang="en-US" sz="1400" dirty="0">
+                <a:solidFill>
+                  <a:schemeClr val="bg1"/>
+                </a:solidFill>
+                <a:latin typeface="Consolas" panose="020B0609020204030204" pitchFamily="49" charset="0"/>
+                <a:cs typeface="Consolas" panose="020B0609020204030204" pitchFamily="49" charset="0"/>
+              </a:rPr>
+              <a:t>)</a:t>
             </a:r>
           </a:p>
           <a:p>
@@ -22942,7 +23515,7 @@
                 <a:spcPct val="100000"/>
               </a:lnSpc>
               <a:spcBef>
-                <a:spcPts val="200"/>
+                <a:spcPts val="0"/>
               </a:spcBef>
               <a:buNone/>
             </a:pPr>
@@ -22954,7 +23527,7 @@
                 <a:latin typeface="Consolas" panose="020B0609020204030204" pitchFamily="49" charset="0"/>
                 <a:cs typeface="Consolas" panose="020B0609020204030204" pitchFamily="49" charset="0"/>
               </a:rPr>
-              <a:t>    (define (intern-recursion who in out pass-limit)</a:t>
+              <a:t>            (let ([new-limit (- pass-limit 1)])</a:t>
             </a:r>
           </a:p>
           <a:p>
@@ -22963,7 +23536,7 @@
                 <a:spcPct val="100000"/>
               </a:lnSpc>
               <a:spcBef>
-                <a:spcPts val="200"/>
+                <a:spcPts val="0"/>
               </a:spcBef>
               <a:buNone/>
             </a:pPr>
@@ -22975,7 +23548,7 @@
                 <a:latin typeface="Consolas" panose="020B0609020204030204" pitchFamily="49" charset="0"/>
                 <a:cs typeface="Consolas" panose="020B0609020204030204" pitchFamily="49" charset="0"/>
               </a:rPr>
-              <a:t>      ;block till we get the ball</a:t>
+              <a:t>              (if (equal? new-limit 0)</a:t>
             </a:r>
           </a:p>
           <a:p>
@@ -22984,7 +23557,7 @@
                 <a:spcPct val="100000"/>
               </a:lnSpc>
               <a:spcBef>
-                <a:spcPts val="200"/>
+                <a:spcPts val="0"/>
               </a:spcBef>
               <a:buNone/>
             </a:pPr>
@@ -22996,7 +23569,7 @@
                 <a:latin typeface="Consolas" panose="020B0609020204030204" pitchFamily="49" charset="0"/>
                 <a:cs typeface="Consolas" panose="020B0609020204030204" pitchFamily="49" charset="0"/>
               </a:rPr>
-              <a:t>      (let ([ball (</a:t>
+              <a:t>                  (</a:t>
             </a:r>
             <a:r>
               <a:rPr lang="en-US" sz="1400" dirty="0" err="1">
@@ -23016,7 +23589,7 @@
                 <a:latin typeface="Consolas" panose="020B0609020204030204" pitchFamily="49" charset="0"/>
                 <a:cs typeface="Consolas" panose="020B0609020204030204" pitchFamily="49" charset="0"/>
               </a:rPr>
-              <a:t>-get in)])</a:t>
+              <a:t>-put out 'done) ;decide we're done playing</a:t>
             </a:r>
           </a:p>
           <a:p>
@@ -23025,7 +23598,7 @@
                 <a:spcPct val="100000"/>
               </a:lnSpc>
               <a:spcBef>
-                <a:spcPts val="200"/>
+                <a:spcPts val="0"/>
               </a:spcBef>
               <a:buNone/>
             </a:pPr>
@@ -23037,27 +23610,7 @@
                 <a:latin typeface="Consolas" panose="020B0609020204030204" pitchFamily="49" charset="0"/>
                 <a:cs typeface="Consolas" panose="020B0609020204030204" pitchFamily="49" charset="0"/>
               </a:rPr>
-              <a:t>        (</a:t>
-            </a:r>
-            <a:r>
-              <a:rPr lang="en-US" sz="1400" dirty="0" err="1">
-                <a:solidFill>
-                  <a:schemeClr val="bg1"/>
-                </a:solidFill>
-                <a:latin typeface="Consolas" panose="020B0609020204030204" pitchFamily="49" charset="0"/>
-                <a:cs typeface="Consolas" panose="020B0609020204030204" pitchFamily="49" charset="0"/>
-              </a:rPr>
-              <a:t>printf</a:t>
-            </a:r>
-            <a:r>
-              <a:rPr lang="en-US" sz="1400" dirty="0">
-                <a:solidFill>
-                  <a:schemeClr val="bg1"/>
-                </a:solidFill>
-                <a:latin typeface="Consolas" panose="020B0609020204030204" pitchFamily="49" charset="0"/>
-                <a:cs typeface="Consolas" panose="020B0609020204030204" pitchFamily="49" charset="0"/>
-              </a:rPr>
-              <a:t> "~a catches the ball\n" who)</a:t>
+              <a:t>                  (let ()</a:t>
             </a:r>
           </a:p>
           <a:p>
@@ -23066,7 +23619,7 @@
                 <a:spcPct val="100000"/>
               </a:lnSpc>
               <a:spcBef>
-                <a:spcPts val="200"/>
+                <a:spcPts val="0"/>
               </a:spcBef>
               <a:buNone/>
             </a:pPr>
@@ -23078,7 +23631,27 @@
                 <a:latin typeface="Consolas" panose="020B0609020204030204" pitchFamily="49" charset="0"/>
                 <a:cs typeface="Consolas" panose="020B0609020204030204" pitchFamily="49" charset="0"/>
               </a:rPr>
-              <a:t>        (when (not (equal? pass-limit 0))</a:t>
+              <a:t>                    (</a:t>
+            </a:r>
+            <a:r>
+              <a:rPr lang="en-US" sz="1400" dirty="0" err="1">
+                <a:solidFill>
+                  <a:schemeClr val="bg1"/>
+                </a:solidFill>
+                <a:latin typeface="Consolas" panose="020B0609020204030204" pitchFamily="49" charset="0"/>
+                <a:cs typeface="Consolas" panose="020B0609020204030204" pitchFamily="49" charset="0"/>
+              </a:rPr>
+              <a:t>ch</a:t>
+            </a:r>
+            <a:r>
+              <a:rPr lang="en-US" sz="1400" dirty="0">
+                <a:solidFill>
+                  <a:schemeClr val="bg1"/>
+                </a:solidFill>
+                <a:latin typeface="Consolas" panose="020B0609020204030204" pitchFamily="49" charset="0"/>
+                <a:cs typeface="Consolas" panose="020B0609020204030204" pitchFamily="49" charset="0"/>
+              </a:rPr>
+              <a:t>-put out ball)</a:t>
             </a:r>
           </a:p>
           <a:p>
@@ -23087,7 +23660,7 @@
                 <a:spcPct val="100000"/>
               </a:lnSpc>
               <a:spcBef>
-                <a:spcPts val="200"/>
+                <a:spcPts val="0"/>
               </a:spcBef>
               <a:buNone/>
             </a:pPr>
@@ -23099,7 +23672,7 @@
                 <a:latin typeface="Consolas" panose="020B0609020204030204" pitchFamily="49" charset="0"/>
                 <a:cs typeface="Consolas" panose="020B0609020204030204" pitchFamily="49" charset="0"/>
               </a:rPr>
-              <a:t>            (let ([new-limit (- pass-limit 1)])</a:t>
+              <a:t>                    (intern-recursion who in out new-limit))))</a:t>
             </a:r>
           </a:p>
           <a:p>
@@ -23108,7 +23681,7 @@
                 <a:spcPct val="100000"/>
               </a:lnSpc>
               <a:spcBef>
-                <a:spcPts val="200"/>
+                <a:spcPts val="0"/>
               </a:spcBef>
               <a:buNone/>
             </a:pPr>
@@ -23120,7 +23693,7 @@
                 <a:latin typeface="Consolas" panose="020B0609020204030204" pitchFamily="49" charset="0"/>
                 <a:cs typeface="Consolas" panose="020B0609020204030204" pitchFamily="49" charset="0"/>
               </a:rPr>
-              <a:t>              (</a:t>
+              <a:t>            (</a:t>
             </a:r>
             <a:r>
               <a:rPr lang="en-US" sz="1400" dirty="0" err="1">
@@ -23130,17 +23703,17 @@
                 <a:latin typeface="Consolas" panose="020B0609020204030204" pitchFamily="49" charset="0"/>
                 <a:cs typeface="Consolas" panose="020B0609020204030204" pitchFamily="49" charset="0"/>
               </a:rPr>
-              <a:t>ch</a:t>
-            </a:r>
-            <a:r>
-              <a:rPr lang="en-US" sz="1400" dirty="0">
-                <a:solidFill>
-                  <a:schemeClr val="bg1"/>
-                </a:solidFill>
-                <a:latin typeface="Consolas" panose="020B0609020204030204" pitchFamily="49" charset="0"/>
-                <a:cs typeface="Consolas" panose="020B0609020204030204" pitchFamily="49" charset="0"/>
-              </a:rPr>
-              <a:t>-put out ball)</a:t>
+              <a:t>printf</a:t>
+            </a:r>
+            <a:r>
+              <a:rPr lang="en-US" sz="1400" dirty="0">
+                <a:solidFill>
+                  <a:schemeClr val="bg1"/>
+                </a:solidFill>
+                <a:latin typeface="Consolas" panose="020B0609020204030204" pitchFamily="49" charset="0"/>
+                <a:cs typeface="Consolas" panose="020B0609020204030204" pitchFamily="49" charset="0"/>
+              </a:rPr>
+              <a:t> "~a takes the ball inside\n" who))))</a:t>
             </a:r>
           </a:p>
           <a:p>
@@ -23149,107 +23722,7 @@
                 <a:spcPct val="100000"/>
               </a:lnSpc>
               <a:spcBef>
-                <a:spcPts val="200"/>
-              </a:spcBef>
-              <a:buNone/>
-            </a:pPr>
-            <a:r>
-              <a:rPr lang="en-US" sz="1400" dirty="0">
-                <a:solidFill>
-                  <a:schemeClr val="bg1"/>
-                </a:solidFill>
-                <a:latin typeface="Consolas" panose="020B0609020204030204" pitchFamily="49" charset="0"/>
-                <a:cs typeface="Consolas" panose="020B0609020204030204" pitchFamily="49" charset="0"/>
-              </a:rPr>
-              <a:t>              (</a:t>
-            </a:r>
-            <a:r>
-              <a:rPr lang="en-US" sz="1400" dirty="0" err="1">
-                <a:solidFill>
-                  <a:schemeClr val="bg1"/>
-                </a:solidFill>
-                <a:latin typeface="Consolas" panose="020B0609020204030204" pitchFamily="49" charset="0"/>
-                <a:cs typeface="Consolas" panose="020B0609020204030204" pitchFamily="49" charset="0"/>
-              </a:rPr>
-              <a:t>printf</a:t>
-            </a:r>
-            <a:r>
-              <a:rPr lang="en-US" sz="1400" dirty="0">
-                <a:solidFill>
-                  <a:schemeClr val="bg1"/>
-                </a:solidFill>
-                <a:latin typeface="Consolas" panose="020B0609020204030204" pitchFamily="49" charset="0"/>
-                <a:cs typeface="Consolas" panose="020B0609020204030204" pitchFamily="49" charset="0"/>
-              </a:rPr>
-              <a:t> "~a throws the ball\n\n" who)</a:t>
-            </a:r>
-          </a:p>
-          <a:p>
-            <a:pPr marL="0" indent="0">
-              <a:lnSpc>
-                <a:spcPct val="100000"/>
-              </a:lnSpc>
-              <a:spcBef>
-                <a:spcPts val="200"/>
-              </a:spcBef>
-              <a:buNone/>
-            </a:pPr>
-            <a:r>
-              <a:rPr lang="en-US" sz="1400" dirty="0">
-                <a:solidFill>
-                  <a:schemeClr val="bg1"/>
-                </a:solidFill>
-                <a:latin typeface="Consolas" panose="020B0609020204030204" pitchFamily="49" charset="0"/>
-                <a:cs typeface="Consolas" panose="020B0609020204030204" pitchFamily="49" charset="0"/>
-              </a:rPr>
-              <a:t>              (intern-recursion who in out new-limit</a:t>
-            </a:r>
-            <a:r>
-              <a:rPr lang="en-US" sz="1400" dirty="0" smtClean="0">
-                <a:solidFill>
-                  <a:schemeClr val="bg1"/>
-                </a:solidFill>
-                <a:latin typeface="Consolas" panose="020B0609020204030204" pitchFamily="49" charset="0"/>
-                <a:cs typeface="Consolas" panose="020B0609020204030204" pitchFamily="49" charset="0"/>
-              </a:rPr>
-              <a:t>)))))</a:t>
-            </a:r>
-            <a:endParaRPr lang="en-US" sz="1400" dirty="0">
-              <a:solidFill>
-                <a:schemeClr val="bg1"/>
-              </a:solidFill>
-              <a:latin typeface="Consolas" panose="020B0609020204030204" pitchFamily="49" charset="0"/>
-              <a:cs typeface="Consolas" panose="020B0609020204030204" pitchFamily="49" charset="0"/>
-            </a:endParaRPr>
-          </a:p>
-          <a:p>
-            <a:pPr marL="0" indent="0">
-              <a:lnSpc>
-                <a:spcPct val="100000"/>
-              </a:lnSpc>
-              <a:spcBef>
-                <a:spcPts val="200"/>
-              </a:spcBef>
-              <a:buNone/>
-            </a:pPr>
-            <a:r>
-              <a:rPr lang="en-US" sz="1400" dirty="0">
-                <a:solidFill>
-                  <a:schemeClr val="bg1"/>
-                </a:solidFill>
-                <a:latin typeface="Consolas" panose="020B0609020204030204" pitchFamily="49" charset="0"/>
-                <a:cs typeface="Consolas" panose="020B0609020204030204" pitchFamily="49" charset="0"/>
-              </a:rPr>
-              <a:t>    (intern-recursion who in out pass-limit))</a:t>
-            </a:r>
-          </a:p>
-          <a:p>
-            <a:pPr marL="0" indent="0">
-              <a:lnSpc>
-                <a:spcPct val="100000"/>
-              </a:lnSpc>
-              <a:spcBef>
-                <a:spcPts val="200"/>
+                <a:spcPts val="0"/>
               </a:spcBef>
               <a:buNone/>
             </a:pPr>
@@ -23267,7 +23740,7 @@
                 <a:spcPct val="100000"/>
               </a:lnSpc>
               <a:spcBef>
-                <a:spcPts val="200"/>
+                <a:spcPts val="0"/>
               </a:spcBef>
               <a:buNone/>
             </a:pPr>
@@ -23279,67 +23752,7 @@
                 <a:latin typeface="Consolas" panose="020B0609020204030204" pitchFamily="49" charset="0"/>
                 <a:cs typeface="Consolas" panose="020B0609020204030204" pitchFamily="49" charset="0"/>
               </a:rPr>
-              <a:t>  (let ([</a:t>
-            </a:r>
-            <a:r>
-              <a:rPr lang="en-US" sz="1400" dirty="0" err="1">
-                <a:solidFill>
-                  <a:schemeClr val="bg1"/>
-                </a:solidFill>
-                <a:latin typeface="Consolas" panose="020B0609020204030204" pitchFamily="49" charset="0"/>
-                <a:cs typeface="Consolas" panose="020B0609020204030204" pitchFamily="49" charset="0"/>
-              </a:rPr>
-              <a:t>dp</a:t>
-            </a:r>
-            <a:r>
-              <a:rPr lang="en-US" sz="1400" dirty="0">
-                <a:solidFill>
-                  <a:schemeClr val="bg1"/>
-                </a:solidFill>
-                <a:latin typeface="Consolas" panose="020B0609020204030204" pitchFamily="49" charset="0"/>
-                <a:cs typeface="Consolas" panose="020B0609020204030204" pitchFamily="49" charset="0"/>
-              </a:rPr>
-              <a:t> (make-</a:t>
-            </a:r>
-            <a:r>
-              <a:rPr lang="en-US" sz="1400" dirty="0" err="1">
-                <a:solidFill>
-                  <a:schemeClr val="bg1"/>
-                </a:solidFill>
-                <a:latin typeface="Consolas" panose="020B0609020204030204" pitchFamily="49" charset="0"/>
-                <a:cs typeface="Consolas" panose="020B0609020204030204" pitchFamily="49" charset="0"/>
-              </a:rPr>
-              <a:t>datapool</a:t>
-            </a:r>
-            <a:r>
-              <a:rPr lang="en-US" sz="1400" dirty="0">
-                <a:solidFill>
-                  <a:schemeClr val="bg1"/>
-                </a:solidFill>
-                <a:latin typeface="Consolas" panose="020B0609020204030204" pitchFamily="49" charset="0"/>
-                <a:cs typeface="Consolas" panose="020B0609020204030204" pitchFamily="49" charset="0"/>
-              </a:rPr>
-              <a:t> (make-</a:t>
-            </a:r>
-            <a:r>
-              <a:rPr lang="en-US" sz="1400" dirty="0" err="1">
-                <a:solidFill>
-                  <a:schemeClr val="bg1"/>
-                </a:solidFill>
-                <a:latin typeface="Consolas" panose="020B0609020204030204" pitchFamily="49" charset="0"/>
-                <a:cs typeface="Consolas" panose="020B0609020204030204" pitchFamily="49" charset="0"/>
-              </a:rPr>
-              <a:t>computepool</a:t>
-            </a:r>
-            <a:r>
-              <a:rPr lang="en-US" sz="1400" dirty="0">
-                <a:solidFill>
-                  <a:schemeClr val="bg1"/>
-                </a:solidFill>
-                <a:latin typeface="Consolas" panose="020B0609020204030204" pitchFamily="49" charset="0"/>
-                <a:cs typeface="Consolas" panose="020B0609020204030204" pitchFamily="49" charset="0"/>
-              </a:rPr>
-              <a:t> 2))]</a:t>
+              <a:t>    (intern-recursion who in out pass-limit))</a:t>
             </a:r>
           </a:p>
           <a:p>
@@ -23348,213 +23761,7 @@
                 <a:spcPct val="100000"/>
               </a:lnSpc>
               <a:spcBef>
-                <a:spcPts val="200"/>
-              </a:spcBef>
-              <a:buNone/>
-            </a:pPr>
-            <a:r>
-              <a:rPr lang="en-US" sz="1400" dirty="0">
-                <a:solidFill>
-                  <a:schemeClr val="bg1"/>
-                </a:solidFill>
-                <a:latin typeface="Consolas" panose="020B0609020204030204" pitchFamily="49" charset="0"/>
-                <a:cs typeface="Consolas" panose="020B0609020204030204" pitchFamily="49" charset="0"/>
-              </a:rPr>
-              <a:t>        [ch1 (channel)]</a:t>
-            </a:r>
-          </a:p>
-          <a:p>
-            <a:pPr marL="0" indent="0">
-              <a:lnSpc>
-                <a:spcPct val="100000"/>
-              </a:lnSpc>
-              <a:spcBef>
-                <a:spcPts val="200"/>
-              </a:spcBef>
-              <a:buNone/>
-            </a:pPr>
-            <a:r>
-              <a:rPr lang="en-US" sz="1400" dirty="0">
-                <a:solidFill>
-                  <a:schemeClr val="bg1"/>
-                </a:solidFill>
-                <a:latin typeface="Consolas" panose="020B0609020204030204" pitchFamily="49" charset="0"/>
-                <a:cs typeface="Consolas" panose="020B0609020204030204" pitchFamily="49" charset="0"/>
-              </a:rPr>
-              <a:t>        [ch2 (channel)]</a:t>
-            </a:r>
-          </a:p>
-          <a:p>
-            <a:pPr marL="0" indent="0">
-              <a:lnSpc>
-                <a:spcPct val="100000"/>
-              </a:lnSpc>
-              <a:spcBef>
-                <a:spcPts val="200"/>
-              </a:spcBef>
-              <a:buNone/>
-            </a:pPr>
-            <a:r>
-              <a:rPr lang="en-US" sz="1400" dirty="0">
-                <a:solidFill>
-                  <a:schemeClr val="bg1"/>
-                </a:solidFill>
-                <a:latin typeface="Consolas" panose="020B0609020204030204" pitchFamily="49" charset="0"/>
-                <a:cs typeface="Consolas" panose="020B0609020204030204" pitchFamily="49" charset="0"/>
-              </a:rPr>
-              <a:t>        [pass-limit 3])</a:t>
-            </a:r>
-          </a:p>
-          <a:p>
-            <a:pPr marL="0" indent="0">
-              <a:lnSpc>
-                <a:spcPct val="100000"/>
-              </a:lnSpc>
-              <a:spcBef>
-                <a:spcPts val="200"/>
-              </a:spcBef>
-              <a:buNone/>
-            </a:pPr>
-            <a:r>
-              <a:rPr lang="en-US" sz="1400" dirty="0">
-                <a:solidFill>
-                  <a:schemeClr val="bg1"/>
-                </a:solidFill>
-                <a:latin typeface="Consolas" panose="020B0609020204030204" pitchFamily="49" charset="0"/>
-                <a:cs typeface="Consolas" panose="020B0609020204030204" pitchFamily="49" charset="0"/>
-              </a:rPr>
-              <a:t>    (</a:t>
-            </a:r>
-            <a:r>
-              <a:rPr lang="en-US" sz="1400" dirty="0" err="1">
-                <a:solidFill>
-                  <a:schemeClr val="bg1"/>
-                </a:solidFill>
-                <a:latin typeface="Consolas" panose="020B0609020204030204" pitchFamily="49" charset="0"/>
-                <a:cs typeface="Consolas" panose="020B0609020204030204" pitchFamily="49" charset="0"/>
-              </a:rPr>
-              <a:t>ch</a:t>
-            </a:r>
-            <a:r>
-              <a:rPr lang="en-US" sz="1400" dirty="0">
-                <a:solidFill>
-                  <a:schemeClr val="bg1"/>
-                </a:solidFill>
-                <a:latin typeface="Consolas" panose="020B0609020204030204" pitchFamily="49" charset="0"/>
-                <a:cs typeface="Consolas" panose="020B0609020204030204" pitchFamily="49" charset="0"/>
-              </a:rPr>
-              <a:t>-put ch2 </a:t>
-            </a:r>
-            <a:r>
-              <a:rPr lang="en-US" sz="1400" dirty="0" err="1">
-                <a:solidFill>
-                  <a:schemeClr val="bg1"/>
-                </a:solidFill>
-                <a:latin typeface="Consolas" panose="020B0609020204030204" pitchFamily="49" charset="0"/>
-                <a:cs typeface="Consolas" panose="020B0609020204030204" pitchFamily="49" charset="0"/>
-              </a:rPr>
-              <a:t>'ball</a:t>
-            </a:r>
-            <a:r>
-              <a:rPr lang="en-US" sz="1400" dirty="0">
-                <a:solidFill>
-                  <a:schemeClr val="bg1"/>
-                </a:solidFill>
-                <a:latin typeface="Consolas" panose="020B0609020204030204" pitchFamily="49" charset="0"/>
-                <a:cs typeface="Consolas" panose="020B0609020204030204" pitchFamily="49" charset="0"/>
-              </a:rPr>
-              <a:t>)</a:t>
-            </a:r>
-          </a:p>
-          <a:p>
-            <a:pPr marL="0" indent="0">
-              <a:lnSpc>
-                <a:spcPct val="100000"/>
-              </a:lnSpc>
-              <a:spcBef>
-                <a:spcPts val="200"/>
-              </a:spcBef>
-              <a:buNone/>
-            </a:pPr>
-            <a:r>
-              <a:rPr lang="en-US" sz="1400" dirty="0">
-                <a:solidFill>
-                  <a:schemeClr val="bg1"/>
-                </a:solidFill>
-                <a:latin typeface="Consolas" panose="020B0609020204030204" pitchFamily="49" charset="0"/>
-                <a:cs typeface="Consolas" panose="020B0609020204030204" pitchFamily="49" charset="0"/>
-              </a:rPr>
-              <a:t>    (go </a:t>
-            </a:r>
-            <a:r>
-              <a:rPr lang="en-US" sz="1400" dirty="0" err="1">
-                <a:solidFill>
-                  <a:schemeClr val="bg1"/>
-                </a:solidFill>
-                <a:latin typeface="Consolas" panose="020B0609020204030204" pitchFamily="49" charset="0"/>
-                <a:cs typeface="Consolas" panose="020B0609020204030204" pitchFamily="49" charset="0"/>
-              </a:rPr>
-              <a:t>dp</a:t>
-            </a:r>
-            <a:r>
-              <a:rPr lang="en-US" sz="1400" dirty="0">
-                <a:solidFill>
-                  <a:schemeClr val="bg1"/>
-                </a:solidFill>
-                <a:latin typeface="Consolas" panose="020B0609020204030204" pitchFamily="49" charset="0"/>
-                <a:cs typeface="Consolas" panose="020B0609020204030204" pitchFamily="49" charset="0"/>
-              </a:rPr>
-              <a:t> (pass-ball "Son" ch1 ch2 pass-limit))</a:t>
-            </a:r>
-          </a:p>
-          <a:p>
-            <a:pPr marL="0" indent="0">
-              <a:lnSpc>
-                <a:spcPct val="100000"/>
-              </a:lnSpc>
-              <a:spcBef>
-                <a:spcPts val="200"/>
-              </a:spcBef>
-              <a:buNone/>
-            </a:pPr>
-            <a:r>
-              <a:rPr lang="en-US" sz="1400" dirty="0">
-                <a:solidFill>
-                  <a:schemeClr val="bg1"/>
-                </a:solidFill>
-                <a:latin typeface="Consolas" panose="020B0609020204030204" pitchFamily="49" charset="0"/>
-                <a:cs typeface="Consolas" panose="020B0609020204030204" pitchFamily="49" charset="0"/>
-              </a:rPr>
-              <a:t>    (go </a:t>
-            </a:r>
-            <a:r>
-              <a:rPr lang="en-US" sz="1400" dirty="0" err="1">
-                <a:solidFill>
-                  <a:schemeClr val="bg1"/>
-                </a:solidFill>
-                <a:latin typeface="Consolas" panose="020B0609020204030204" pitchFamily="49" charset="0"/>
-                <a:cs typeface="Consolas" panose="020B0609020204030204" pitchFamily="49" charset="0"/>
-              </a:rPr>
-              <a:t>dp</a:t>
-            </a:r>
-            <a:r>
-              <a:rPr lang="en-US" sz="1400" dirty="0">
-                <a:solidFill>
-                  <a:schemeClr val="bg1"/>
-                </a:solidFill>
-                <a:latin typeface="Consolas" panose="020B0609020204030204" pitchFamily="49" charset="0"/>
-                <a:cs typeface="Consolas" panose="020B0609020204030204" pitchFamily="49" charset="0"/>
-              </a:rPr>
-              <a:t> (pass-ball "Dad" ch2 ch1 pass-limit))</a:t>
-            </a:r>
-          </a:p>
-          <a:p>
-            <a:pPr marL="0" indent="0">
-              <a:lnSpc>
-                <a:spcPct val="100000"/>
-              </a:lnSpc>
-              <a:spcBef>
-                <a:spcPts val="200"/>
+                <a:spcPts val="0"/>
               </a:spcBef>
               <a:buNone/>
             </a:pPr>
@@ -23572,7 +23779,7 @@
                 <a:spcPct val="100000"/>
               </a:lnSpc>
               <a:spcBef>
-                <a:spcPts val="200"/>
+                <a:spcPts val="0"/>
               </a:spcBef>
               <a:buNone/>
             </a:pPr>
@@ -23584,7 +23791,7 @@
                 <a:latin typeface="Consolas" panose="020B0609020204030204" pitchFamily="49" charset="0"/>
                 <a:cs typeface="Consolas" panose="020B0609020204030204" pitchFamily="49" charset="0"/>
               </a:rPr>
-              <a:t>    (wait-</a:t>
+              <a:t>  (let ([</a:t>
             </a:r>
             <a:r>
               <a:rPr lang="en-US" sz="1400" dirty="0" err="1">
@@ -23604,7 +23811,7 @@
                 <a:latin typeface="Consolas" panose="020B0609020204030204" pitchFamily="49" charset="0"/>
                 <a:cs typeface="Consolas" panose="020B0609020204030204" pitchFamily="49" charset="0"/>
               </a:rPr>
-              <a:t> </a:t>
+              <a:t> (make-</a:t>
             </a:r>
             <a:r>
               <a:rPr lang="en-US" sz="1400" dirty="0" err="1">
@@ -23614,17 +23821,37 @@
                 <a:latin typeface="Consolas" panose="020B0609020204030204" pitchFamily="49" charset="0"/>
                 <a:cs typeface="Consolas" panose="020B0609020204030204" pitchFamily="49" charset="0"/>
               </a:rPr>
-              <a:t>dp</a:t>
-            </a:r>
-            <a:r>
-              <a:rPr lang="en-US" sz="1400" dirty="0">
-                <a:solidFill>
-                  <a:schemeClr val="bg1"/>
-                </a:solidFill>
-                <a:latin typeface="Consolas" panose="020B0609020204030204" pitchFamily="49" charset="0"/>
-                <a:cs typeface="Consolas" panose="020B0609020204030204" pitchFamily="49" charset="0"/>
-              </a:rPr>
-              <a:t>)</a:t>
+              <a:t>datapool</a:t>
+            </a:r>
+            <a:r>
+              <a:rPr lang="en-US" sz="1400" dirty="0">
+                <a:solidFill>
+                  <a:schemeClr val="bg1"/>
+                </a:solidFill>
+                <a:latin typeface="Consolas" panose="020B0609020204030204" pitchFamily="49" charset="0"/>
+                <a:cs typeface="Consolas" panose="020B0609020204030204" pitchFamily="49" charset="0"/>
+              </a:rPr>
+              <a:t> (make-</a:t>
+            </a:r>
+            <a:r>
+              <a:rPr lang="en-US" sz="1400" dirty="0" err="1">
+                <a:solidFill>
+                  <a:schemeClr val="bg1"/>
+                </a:solidFill>
+                <a:latin typeface="Consolas" panose="020B0609020204030204" pitchFamily="49" charset="0"/>
+                <a:cs typeface="Consolas" panose="020B0609020204030204" pitchFamily="49" charset="0"/>
+              </a:rPr>
+              <a:t>computepool</a:t>
+            </a:r>
+            <a:r>
+              <a:rPr lang="en-US" sz="1400" dirty="0">
+                <a:solidFill>
+                  <a:schemeClr val="bg1"/>
+                </a:solidFill>
+                <a:latin typeface="Consolas" panose="020B0609020204030204" pitchFamily="49" charset="0"/>
+                <a:cs typeface="Consolas" panose="020B0609020204030204" pitchFamily="49" charset="0"/>
+              </a:rPr>
+              <a:t> 2))]</a:t>
             </a:r>
           </a:p>
           <a:p>
@@ -23633,7 +23860,281 @@
                 <a:spcPct val="100000"/>
               </a:lnSpc>
               <a:spcBef>
-                <a:spcPts val="200"/>
+                <a:spcPts val="0"/>
+              </a:spcBef>
+              <a:buNone/>
+            </a:pPr>
+            <a:r>
+              <a:rPr lang="en-US" sz="1400" dirty="0">
+                <a:solidFill>
+                  <a:schemeClr val="bg1"/>
+                </a:solidFill>
+                <a:latin typeface="Consolas" panose="020B0609020204030204" pitchFamily="49" charset="0"/>
+                <a:cs typeface="Consolas" panose="020B0609020204030204" pitchFamily="49" charset="0"/>
+              </a:rPr>
+              <a:t>        [ch1 (channel)]</a:t>
+            </a:r>
+          </a:p>
+          <a:p>
+            <a:pPr marL="0" indent="0">
+              <a:lnSpc>
+                <a:spcPct val="100000"/>
+              </a:lnSpc>
+              <a:spcBef>
+                <a:spcPts val="0"/>
+              </a:spcBef>
+              <a:buNone/>
+            </a:pPr>
+            <a:r>
+              <a:rPr lang="en-US" sz="1400" dirty="0">
+                <a:solidFill>
+                  <a:schemeClr val="bg1"/>
+                </a:solidFill>
+                <a:latin typeface="Consolas" panose="020B0609020204030204" pitchFamily="49" charset="0"/>
+                <a:cs typeface="Consolas" panose="020B0609020204030204" pitchFamily="49" charset="0"/>
+              </a:rPr>
+              <a:t>        [ch2 (channel)]</a:t>
+            </a:r>
+          </a:p>
+          <a:p>
+            <a:pPr marL="0" indent="0">
+              <a:lnSpc>
+                <a:spcPct val="100000"/>
+              </a:lnSpc>
+              <a:spcBef>
+                <a:spcPts val="0"/>
+              </a:spcBef>
+              <a:buNone/>
+            </a:pPr>
+            <a:r>
+              <a:rPr lang="en-US" sz="1400" dirty="0">
+                <a:solidFill>
+                  <a:schemeClr val="bg1"/>
+                </a:solidFill>
+                <a:latin typeface="Consolas" panose="020B0609020204030204" pitchFamily="49" charset="0"/>
+                <a:cs typeface="Consolas" panose="020B0609020204030204" pitchFamily="49" charset="0"/>
+              </a:rPr>
+              <a:t>        [pass-limit 3])</a:t>
+            </a:r>
+          </a:p>
+          <a:p>
+            <a:pPr marL="0" indent="0">
+              <a:lnSpc>
+                <a:spcPct val="100000"/>
+              </a:lnSpc>
+              <a:spcBef>
+                <a:spcPts val="0"/>
+              </a:spcBef>
+              <a:buNone/>
+            </a:pPr>
+            <a:r>
+              <a:rPr lang="en-US" sz="1400" dirty="0">
+                <a:solidFill>
+                  <a:schemeClr val="bg1"/>
+                </a:solidFill>
+                <a:latin typeface="Consolas" panose="020B0609020204030204" pitchFamily="49" charset="0"/>
+                <a:cs typeface="Consolas" panose="020B0609020204030204" pitchFamily="49" charset="0"/>
+              </a:rPr>
+              <a:t>    (go </a:t>
+            </a:r>
+            <a:r>
+              <a:rPr lang="en-US" sz="1400" dirty="0" err="1">
+                <a:solidFill>
+                  <a:schemeClr val="bg1"/>
+                </a:solidFill>
+                <a:latin typeface="Consolas" panose="020B0609020204030204" pitchFamily="49" charset="0"/>
+                <a:cs typeface="Consolas" panose="020B0609020204030204" pitchFamily="49" charset="0"/>
+              </a:rPr>
+              <a:t>dp</a:t>
+            </a:r>
+            <a:r>
+              <a:rPr lang="en-US" sz="1400" dirty="0">
+                <a:solidFill>
+                  <a:schemeClr val="bg1"/>
+                </a:solidFill>
+                <a:latin typeface="Consolas" panose="020B0609020204030204" pitchFamily="49" charset="0"/>
+                <a:cs typeface="Consolas" panose="020B0609020204030204" pitchFamily="49" charset="0"/>
+              </a:rPr>
+              <a:t> (pass-ball "Son" ch1 ch2 pass-limit))</a:t>
+            </a:r>
+          </a:p>
+          <a:p>
+            <a:pPr marL="0" indent="0">
+              <a:lnSpc>
+                <a:spcPct val="100000"/>
+              </a:lnSpc>
+              <a:spcBef>
+                <a:spcPts val="0"/>
+              </a:spcBef>
+              <a:buNone/>
+            </a:pPr>
+            <a:r>
+              <a:rPr lang="en-US" sz="1400" dirty="0">
+                <a:solidFill>
+                  <a:schemeClr val="bg1"/>
+                </a:solidFill>
+                <a:latin typeface="Consolas" panose="020B0609020204030204" pitchFamily="49" charset="0"/>
+                <a:cs typeface="Consolas" panose="020B0609020204030204" pitchFamily="49" charset="0"/>
+              </a:rPr>
+              <a:t>    (go </a:t>
+            </a:r>
+            <a:r>
+              <a:rPr lang="en-US" sz="1400" dirty="0" err="1">
+                <a:solidFill>
+                  <a:schemeClr val="bg1"/>
+                </a:solidFill>
+                <a:latin typeface="Consolas" panose="020B0609020204030204" pitchFamily="49" charset="0"/>
+                <a:cs typeface="Consolas" panose="020B0609020204030204" pitchFamily="49" charset="0"/>
+              </a:rPr>
+              <a:t>dp</a:t>
+            </a:r>
+            <a:r>
+              <a:rPr lang="en-US" sz="1400" dirty="0">
+                <a:solidFill>
+                  <a:schemeClr val="bg1"/>
+                </a:solidFill>
+                <a:latin typeface="Consolas" panose="020B0609020204030204" pitchFamily="49" charset="0"/>
+                <a:cs typeface="Consolas" panose="020B0609020204030204" pitchFamily="49" charset="0"/>
+              </a:rPr>
+              <a:t> (pass-ball "Dad" ch2 ch1 pass-limit))</a:t>
+            </a:r>
+          </a:p>
+          <a:p>
+            <a:pPr marL="0" indent="0">
+              <a:lnSpc>
+                <a:spcPct val="100000"/>
+              </a:lnSpc>
+              <a:spcBef>
+                <a:spcPts val="0"/>
+              </a:spcBef>
+              <a:buNone/>
+            </a:pPr>
+            <a:r>
+              <a:rPr lang="en-US" sz="1400" dirty="0">
+                <a:solidFill>
+                  <a:schemeClr val="bg1"/>
+                </a:solidFill>
+                <a:latin typeface="Consolas" panose="020B0609020204030204" pitchFamily="49" charset="0"/>
+                <a:cs typeface="Consolas" panose="020B0609020204030204" pitchFamily="49" charset="0"/>
+              </a:rPr>
+              <a:t>    (</a:t>
+            </a:r>
+            <a:r>
+              <a:rPr lang="en-US" sz="1400" dirty="0" err="1">
+                <a:solidFill>
+                  <a:schemeClr val="bg1"/>
+                </a:solidFill>
+                <a:latin typeface="Consolas" panose="020B0609020204030204" pitchFamily="49" charset="0"/>
+                <a:cs typeface="Consolas" panose="020B0609020204030204" pitchFamily="49" charset="0"/>
+              </a:rPr>
+              <a:t>ch</a:t>
+            </a:r>
+            <a:r>
+              <a:rPr lang="en-US" sz="1400" dirty="0">
+                <a:solidFill>
+                  <a:schemeClr val="bg1"/>
+                </a:solidFill>
+                <a:latin typeface="Consolas" panose="020B0609020204030204" pitchFamily="49" charset="0"/>
+                <a:cs typeface="Consolas" panose="020B0609020204030204" pitchFamily="49" charset="0"/>
+              </a:rPr>
+              <a:t>-put ch1 </a:t>
+            </a:r>
+            <a:r>
+              <a:rPr lang="en-US" sz="1400" dirty="0" err="1">
+                <a:solidFill>
+                  <a:schemeClr val="bg1"/>
+                </a:solidFill>
+                <a:latin typeface="Consolas" panose="020B0609020204030204" pitchFamily="49" charset="0"/>
+                <a:cs typeface="Consolas" panose="020B0609020204030204" pitchFamily="49" charset="0"/>
+              </a:rPr>
+              <a:t>'ball</a:t>
+            </a:r>
+            <a:r>
+              <a:rPr lang="en-US" sz="1400" dirty="0" smtClean="0">
+                <a:solidFill>
+                  <a:schemeClr val="bg1"/>
+                </a:solidFill>
+                <a:latin typeface="Consolas" panose="020B0609020204030204" pitchFamily="49" charset="0"/>
+                <a:cs typeface="Consolas" panose="020B0609020204030204" pitchFamily="49" charset="0"/>
+              </a:rPr>
+              <a:t>)</a:t>
+            </a:r>
+            <a:endParaRPr lang="en-US" sz="1400" dirty="0">
+              <a:solidFill>
+                <a:schemeClr val="bg1"/>
+              </a:solidFill>
+              <a:latin typeface="Consolas" panose="020B0609020204030204" pitchFamily="49" charset="0"/>
+              <a:cs typeface="Consolas" panose="020B0609020204030204" pitchFamily="49" charset="0"/>
+            </a:endParaRPr>
+          </a:p>
+          <a:p>
+            <a:pPr marL="0" indent="0">
+              <a:lnSpc>
+                <a:spcPct val="100000"/>
+              </a:lnSpc>
+              <a:spcBef>
+                <a:spcPts val="0"/>
+              </a:spcBef>
+              <a:buNone/>
+            </a:pPr>
+            <a:r>
+              <a:rPr lang="en-US" sz="1400" dirty="0">
+                <a:solidFill>
+                  <a:schemeClr val="bg1"/>
+                </a:solidFill>
+                <a:latin typeface="Consolas" panose="020B0609020204030204" pitchFamily="49" charset="0"/>
+                <a:cs typeface="Consolas" panose="020B0609020204030204" pitchFamily="49" charset="0"/>
+              </a:rPr>
+              <a:t>    (wait-</a:t>
+            </a:r>
+            <a:r>
+              <a:rPr lang="en-US" sz="1400" dirty="0" err="1">
+                <a:solidFill>
+                  <a:schemeClr val="bg1"/>
+                </a:solidFill>
+                <a:latin typeface="Consolas" panose="020B0609020204030204" pitchFamily="49" charset="0"/>
+                <a:cs typeface="Consolas" panose="020B0609020204030204" pitchFamily="49" charset="0"/>
+              </a:rPr>
+              <a:t>dp</a:t>
+            </a:r>
+            <a:r>
+              <a:rPr lang="en-US" sz="1400" dirty="0">
+                <a:solidFill>
+                  <a:schemeClr val="bg1"/>
+                </a:solidFill>
+                <a:latin typeface="Consolas" panose="020B0609020204030204" pitchFamily="49" charset="0"/>
+                <a:cs typeface="Consolas" panose="020B0609020204030204" pitchFamily="49" charset="0"/>
+              </a:rPr>
+              <a:t> </a:t>
+            </a:r>
+            <a:r>
+              <a:rPr lang="en-US" sz="1400" dirty="0" err="1">
+                <a:solidFill>
+                  <a:schemeClr val="bg1"/>
+                </a:solidFill>
+                <a:latin typeface="Consolas" panose="020B0609020204030204" pitchFamily="49" charset="0"/>
+                <a:cs typeface="Consolas" panose="020B0609020204030204" pitchFamily="49" charset="0"/>
+              </a:rPr>
+              <a:t>dp</a:t>
+            </a:r>
+            <a:r>
+              <a:rPr lang="en-US" sz="1400" dirty="0">
+                <a:solidFill>
+                  <a:schemeClr val="bg1"/>
+                </a:solidFill>
+                <a:latin typeface="Consolas" panose="020B0609020204030204" pitchFamily="49" charset="0"/>
+                <a:cs typeface="Consolas" panose="020B0609020204030204" pitchFamily="49" charset="0"/>
+              </a:rPr>
+              <a:t>)</a:t>
+            </a:r>
+          </a:p>
+          <a:p>
+            <a:pPr marL="0" indent="0">
+              <a:lnSpc>
+                <a:spcPct val="100000"/>
+              </a:lnSpc>
+              <a:spcBef>
+                <a:spcPts val="0"/>
               </a:spcBef>
               <a:buNone/>
             </a:pPr>
@@ -23973,39 +24474,26 @@
                                   </p:childTnLst>
                                 </p:cTn>
                               </p:par>
+                            </p:childTnLst>
+                          </p:cTn>
+                        </p:par>
+                      </p:childTnLst>
+                    </p:cTn>
+                  </p:par>
+                  <p:par>
+                    <p:cTn id="23" fill="hold">
+                      <p:stCondLst>
+                        <p:cond delay="indefinite"/>
+                      </p:stCondLst>
+                      <p:childTnLst>
+                        <p:par>
+                          <p:cTn id="24" fill="hold">
+                            <p:stCondLst>
+                              <p:cond delay="0"/>
+                            </p:stCondLst>
+                            <p:childTnLst>
                               <p:par>
-                                <p:cTn id="23" presetID="1" presetClass="entr" presetSubtype="0" fill="hold" grpId="0" nodeType="withEffect">
-                                  <p:stCondLst>
-                                    <p:cond delay="0"/>
-                                  </p:stCondLst>
-                                  <p:childTnLst>
-                                    <p:set>
-                                      <p:cBhvr>
-                                        <p:cTn id="24" dur="1" fill="hold">
-                                          <p:stCondLst>
-                                            <p:cond delay="0"/>
-                                          </p:stCondLst>
-                                        </p:cTn>
-                                        <p:tgtEl>
-                                          <p:spTgt spid="3">
-                                            <p:txEl>
-                                              <p:pRg st="7" end="7"/>
-                                            </p:txEl>
-                                          </p:spTgt>
-                                        </p:tgtEl>
-                                        <p:attrNameLst>
-                                          <p:attrName>style.visibility</p:attrName>
-                                        </p:attrNameLst>
-                                      </p:cBhvr>
-                                      <p:to>
-                                        <p:strVal val="visible"/>
-                                      </p:to>
-                                    </p:set>
-                                  </p:childTnLst>
-                                </p:cTn>
-                              </p:par>
-                              <p:par>
-                                <p:cTn id="25" presetID="1" presetClass="entr" presetSubtype="0" fill="hold" grpId="0" nodeType="withEffect">
+                                <p:cTn id="25" presetID="1" presetClass="entr" presetSubtype="0" fill="hold" grpId="0" nodeType="clickEffect">
                                   <p:stCondLst>
                                     <p:cond delay="0"/>
                                   </p:stCondLst>
@@ -24020,7 +24508,7 @@
                                         <p:tgtEl>
                                           <p:spTgt spid="3">
                                             <p:txEl>
-                                              <p:pRg st="8" end="8"/>
+                                              <p:pRg st="7" end="7"/>
                                             </p:txEl>
                                           </p:spTgt>
                                         </p:tgtEl>
@@ -24051,7 +24539,7 @@
                                         <p:tgtEl>
                                           <p:spTgt spid="3">
                                             <p:txEl>
-                                              <p:pRg st="9" end="9"/>
+                                              <p:pRg st="8" end="8"/>
                                             </p:txEl>
                                           </p:spTgt>
                                         </p:tgtEl>
@@ -24082,6 +24570,55 @@
                                         <p:tgtEl>
                                           <p:spTgt spid="3">
                                             <p:txEl>
+                                              <p:pRg st="9" end="9"/>
+                                            </p:txEl>
+                                          </p:spTgt>
+                                        </p:tgtEl>
+                                        <p:attrNameLst>
+                                          <p:attrName>style.visibility</p:attrName>
+                                        </p:attrNameLst>
+                                      </p:cBhvr>
+                                      <p:to>
+                                        <p:strVal val="visible"/>
+                                      </p:to>
+                                    </p:set>
+                                  </p:childTnLst>
+                                </p:cTn>
+                              </p:par>
+                            </p:childTnLst>
+                          </p:cTn>
+                        </p:par>
+                      </p:childTnLst>
+                    </p:cTn>
+                  </p:par>
+                  <p:par>
+                    <p:cTn id="31" fill="hold">
+                      <p:stCondLst>
+                        <p:cond delay="indefinite"/>
+                      </p:stCondLst>
+                      <p:childTnLst>
+                        <p:par>
+                          <p:cTn id="32" fill="hold">
+                            <p:stCondLst>
+                              <p:cond delay="0"/>
+                            </p:stCondLst>
+                            <p:childTnLst>
+                              <p:par>
+                                <p:cTn id="33" presetID="1" presetClass="entr" presetSubtype="0" fill="hold" grpId="0" nodeType="clickEffect">
+                                  <p:stCondLst>
+                                    <p:cond delay="0"/>
+                                  </p:stCondLst>
+                                  <p:childTnLst>
+                                    <p:set>
+                                      <p:cBhvr>
+                                        <p:cTn id="34" dur="1" fill="hold">
+                                          <p:stCondLst>
+                                            <p:cond delay="0"/>
+                                          </p:stCondLst>
+                                        </p:cTn>
+                                        <p:tgtEl>
+                                          <p:spTgt spid="3">
+                                            <p:txEl>
                                               <p:pRg st="10" end="10"/>
                                             </p:txEl>
                                           </p:spTgt>
@@ -24098,14 +24635,14 @@
                                 </p:cTn>
                               </p:par>
                               <p:par>
-                                <p:cTn id="31" presetID="1" presetClass="entr" presetSubtype="0" fill="hold" grpId="0" nodeType="withEffect">
+                                <p:cTn id="35" presetID="1" presetClass="entr" presetSubtype="0" fill="hold" grpId="0" nodeType="withEffect">
                                   <p:stCondLst>
                                     <p:cond delay="0"/>
                                   </p:stCondLst>
                                   <p:childTnLst>
                                     <p:set>
                                       <p:cBhvr>
-                                        <p:cTn id="32" dur="1" fill="hold">
+                                        <p:cTn id="36" dur="1" fill="hold">
                                           <p:stCondLst>
                                             <p:cond delay="0"/>
                                           </p:stCondLst>
@@ -24128,15 +24665,33 @@
                                   </p:childTnLst>
                                 </p:cTn>
                               </p:par>
+                            </p:childTnLst>
+                          </p:cTn>
+                        </p:par>
+                      </p:childTnLst>
+                    </p:cTn>
+                  </p:par>
+                  <p:par>
+                    <p:cTn id="37" fill="hold">
+                      <p:stCondLst>
+                        <p:cond delay="indefinite"/>
+                      </p:stCondLst>
+                      <p:childTnLst>
+                        <p:par>
+                          <p:cTn id="38" fill="hold">
+                            <p:stCondLst>
+                              <p:cond delay="0"/>
+                            </p:stCondLst>
+                            <p:childTnLst>
                               <p:par>
-                                <p:cTn id="33" presetID="1" presetClass="entr" presetSubtype="0" fill="hold" grpId="0" nodeType="withEffect">
+                                <p:cTn id="39" presetID="1" presetClass="entr" presetSubtype="0" fill="hold" grpId="0" nodeType="clickEffect">
                                   <p:stCondLst>
                                     <p:cond delay="0"/>
                                   </p:stCondLst>
                                   <p:childTnLst>
                                     <p:set>
                                       <p:cBhvr>
-                                        <p:cTn id="34" dur="1" fill="hold">
+                                        <p:cTn id="40" dur="1" fill="hold">
                                           <p:stCondLst>
                                             <p:cond delay="0"/>
                                           </p:stCondLst>
@@ -24159,75 +24714,8 @@
                                   </p:childTnLst>
                                 </p:cTn>
                               </p:par>
-                            </p:childTnLst>
-                          </p:cTn>
-                        </p:par>
-                      </p:childTnLst>
-                    </p:cTn>
-                  </p:par>
-                  <p:par>
-                    <p:cTn id="35" fill="hold">
-                      <p:stCondLst>
-                        <p:cond delay="indefinite"/>
-                      </p:stCondLst>
-                      <p:childTnLst>
-                        <p:par>
-                          <p:cTn id="36" fill="hold">
-                            <p:stCondLst>
-                              <p:cond delay="0"/>
-                            </p:stCondLst>
-                            <p:childTnLst>
                               <p:par>
-                                <p:cTn id="37" presetID="1" presetClass="entr" presetSubtype="0" fill="hold" grpId="0" nodeType="clickEffect">
-                                  <p:stCondLst>
-                                    <p:cond delay="0"/>
-                                  </p:stCondLst>
-                                  <p:childTnLst>
-                                    <p:set>
-                                      <p:cBhvr>
-                                        <p:cTn id="38" dur="1" fill="hold">
-                                          <p:stCondLst>
-                                            <p:cond delay="0"/>
-                                          </p:stCondLst>
-                                        </p:cTn>
-                                        <p:tgtEl>
-                                          <p:spTgt spid="3">
-                                            <p:txEl>
-                                              <p:pRg st="13" end="13"/>
-                                            </p:txEl>
-                                          </p:spTgt>
-                                        </p:tgtEl>
-                                        <p:attrNameLst>
-                                          <p:attrName>style.visibility</p:attrName>
-                                        </p:attrNameLst>
-                                      </p:cBhvr>
-                                      <p:to>
-                                        <p:strVal val="visible"/>
-                                      </p:to>
-                                    </p:set>
-                                  </p:childTnLst>
-                                </p:cTn>
-                              </p:par>
-                            </p:childTnLst>
-                          </p:cTn>
-                        </p:par>
-                      </p:childTnLst>
-                    </p:cTn>
-                  </p:par>
-                  <p:par>
-                    <p:cTn id="39" fill="hold">
-                      <p:stCondLst>
-                        <p:cond delay="indefinite"/>
-                      </p:stCondLst>
-                      <p:childTnLst>
-                        <p:par>
-                          <p:cTn id="40" fill="hold">
-                            <p:stCondLst>
-                              <p:cond delay="0"/>
-                            </p:stCondLst>
-                            <p:childTnLst>
-                              <p:par>
-                                <p:cTn id="41" presetID="1" presetClass="entr" presetSubtype="0" fill="hold" grpId="0" nodeType="clickEffect">
+                                <p:cTn id="41" presetID="1" presetClass="entr" presetSubtype="0" fill="hold" grpId="0" nodeType="withEffect">
                                   <p:stCondLst>
                                     <p:cond delay="0"/>
                                   </p:stCondLst>
@@ -24242,7 +24730,7 @@
                                         <p:tgtEl>
                                           <p:spTgt spid="3">
                                             <p:txEl>
-                                              <p:pRg st="15" end="15"/>
+                                              <p:pRg st="13" end="13"/>
                                             </p:txEl>
                                           </p:spTgt>
                                         </p:tgtEl>
@@ -24273,7 +24761,2172 @@
                                         <p:tgtEl>
                                           <p:spTgt spid="3">
                                             <p:txEl>
+                                              <p:pRg st="14" end="14"/>
+                                            </p:txEl>
+                                          </p:spTgt>
+                                        </p:tgtEl>
+                                        <p:attrNameLst>
+                                          <p:attrName>style.visibility</p:attrName>
+                                        </p:attrNameLst>
+                                      </p:cBhvr>
+                                      <p:to>
+                                        <p:strVal val="visible"/>
+                                      </p:to>
+                                    </p:set>
+                                  </p:childTnLst>
+                                </p:cTn>
+                              </p:par>
+                            </p:childTnLst>
+                          </p:cTn>
+                        </p:par>
+                      </p:childTnLst>
+                    </p:cTn>
+                  </p:par>
+                  <p:par>
+                    <p:cTn id="45" fill="hold">
+                      <p:stCondLst>
+                        <p:cond delay="indefinite"/>
+                      </p:stCondLst>
+                      <p:childTnLst>
+                        <p:par>
+                          <p:cTn id="46" fill="hold">
+                            <p:stCondLst>
+                              <p:cond delay="0"/>
+                            </p:stCondLst>
+                            <p:childTnLst>
+                              <p:par>
+                                <p:cTn id="47" presetID="1" presetClass="entr" presetSubtype="0" fill="hold" grpId="0" nodeType="clickEffect">
+                                  <p:stCondLst>
+                                    <p:cond delay="0"/>
+                                  </p:stCondLst>
+                                  <p:childTnLst>
+                                    <p:set>
+                                      <p:cBhvr>
+                                        <p:cTn id="48" dur="1" fill="hold">
+                                          <p:stCondLst>
+                                            <p:cond delay="0"/>
+                                          </p:stCondLst>
+                                        </p:cTn>
+                                        <p:tgtEl>
+                                          <p:spTgt spid="3">
+                                            <p:txEl>
+                                              <p:pRg st="15" end="15"/>
+                                            </p:txEl>
+                                          </p:spTgt>
+                                        </p:tgtEl>
+                                        <p:attrNameLst>
+                                          <p:attrName>style.visibility</p:attrName>
+                                        </p:attrNameLst>
+                                      </p:cBhvr>
+                                      <p:to>
+                                        <p:strVal val="visible"/>
+                                      </p:to>
+                                    </p:set>
+                                  </p:childTnLst>
+                                </p:cTn>
+                              </p:par>
+                              <p:par>
+                                <p:cTn id="49" presetID="1" presetClass="entr" presetSubtype="0" fill="hold" grpId="0" nodeType="withEffect">
+                                  <p:stCondLst>
+                                    <p:cond delay="0"/>
+                                  </p:stCondLst>
+                                  <p:childTnLst>
+                                    <p:set>
+                                      <p:cBhvr>
+                                        <p:cTn id="50" dur="1" fill="hold">
+                                          <p:stCondLst>
+                                            <p:cond delay="0"/>
+                                          </p:stCondLst>
+                                        </p:cTn>
+                                        <p:tgtEl>
+                                          <p:spTgt spid="3">
+                                            <p:txEl>
                                               <p:pRg st="16" end="16"/>
+                                            </p:txEl>
+                                          </p:spTgt>
+                                        </p:tgtEl>
+                                        <p:attrNameLst>
+                                          <p:attrName>style.visibility</p:attrName>
+                                        </p:attrNameLst>
+                                      </p:cBhvr>
+                                      <p:to>
+                                        <p:strVal val="visible"/>
+                                      </p:to>
+                                    </p:set>
+                                  </p:childTnLst>
+                                </p:cTn>
+                              </p:par>
+                              <p:par>
+                                <p:cTn id="51" presetID="1" presetClass="entr" presetSubtype="0" fill="hold" grpId="0" nodeType="withEffect">
+                                  <p:stCondLst>
+                                    <p:cond delay="0"/>
+                                  </p:stCondLst>
+                                  <p:childTnLst>
+                                    <p:set>
+                                      <p:cBhvr>
+                                        <p:cTn id="52" dur="1" fill="hold">
+                                          <p:stCondLst>
+                                            <p:cond delay="0"/>
+                                          </p:stCondLst>
+                                        </p:cTn>
+                                        <p:tgtEl>
+                                          <p:spTgt spid="3">
+                                            <p:txEl>
+                                              <p:pRg st="17" end="17"/>
+                                            </p:txEl>
+                                          </p:spTgt>
+                                        </p:tgtEl>
+                                        <p:attrNameLst>
+                                          <p:attrName>style.visibility</p:attrName>
+                                        </p:attrNameLst>
+                                      </p:cBhvr>
+                                      <p:to>
+                                        <p:strVal val="visible"/>
+                                      </p:to>
+                                    </p:set>
+                                  </p:childTnLst>
+                                </p:cTn>
+                              </p:par>
+                            </p:childTnLst>
+                          </p:cTn>
+                        </p:par>
+                      </p:childTnLst>
+                    </p:cTn>
+                  </p:par>
+                  <p:par>
+                    <p:cTn id="53" fill="hold">
+                      <p:stCondLst>
+                        <p:cond delay="indefinite"/>
+                      </p:stCondLst>
+                      <p:childTnLst>
+                        <p:par>
+                          <p:cTn id="54" fill="hold">
+                            <p:stCondLst>
+                              <p:cond delay="0"/>
+                            </p:stCondLst>
+                            <p:childTnLst>
+                              <p:par>
+                                <p:cTn id="55" presetID="1" presetClass="entr" presetSubtype="0" fill="hold" grpId="0" nodeType="clickEffect">
+                                  <p:stCondLst>
+                                    <p:cond delay="0"/>
+                                  </p:stCondLst>
+                                  <p:childTnLst>
+                                    <p:set>
+                                      <p:cBhvr>
+                                        <p:cTn id="56" dur="1" fill="hold">
+                                          <p:stCondLst>
+                                            <p:cond delay="0"/>
+                                          </p:stCondLst>
+                                        </p:cTn>
+                                        <p:tgtEl>
+                                          <p:spTgt spid="3">
+                                            <p:txEl>
+                                              <p:pRg st="18" end="18"/>
+                                            </p:txEl>
+                                          </p:spTgt>
+                                        </p:tgtEl>
+                                        <p:attrNameLst>
+                                          <p:attrName>style.visibility</p:attrName>
+                                        </p:attrNameLst>
+                                      </p:cBhvr>
+                                      <p:to>
+                                        <p:strVal val="visible"/>
+                                      </p:to>
+                                    </p:set>
+                                  </p:childTnLst>
+                                </p:cTn>
+                              </p:par>
+                            </p:childTnLst>
+                          </p:cTn>
+                        </p:par>
+                      </p:childTnLst>
+                    </p:cTn>
+                  </p:par>
+                  <p:par>
+                    <p:cTn id="57" fill="hold">
+                      <p:stCondLst>
+                        <p:cond delay="indefinite"/>
+                      </p:stCondLst>
+                      <p:childTnLst>
+                        <p:par>
+                          <p:cTn id="58" fill="hold">
+                            <p:stCondLst>
+                              <p:cond delay="0"/>
+                            </p:stCondLst>
+                            <p:childTnLst>
+                              <p:par>
+                                <p:cTn id="59" presetID="1" presetClass="entr" presetSubtype="0" fill="hold" grpId="0" nodeType="clickEffect">
+                                  <p:stCondLst>
+                                    <p:cond delay="0"/>
+                                  </p:stCondLst>
+                                  <p:childTnLst>
+                                    <p:set>
+                                      <p:cBhvr>
+                                        <p:cTn id="60" dur="1" fill="hold">
+                                          <p:stCondLst>
+                                            <p:cond delay="0"/>
+                                          </p:stCondLst>
+                                        </p:cTn>
+                                        <p:tgtEl>
+                                          <p:spTgt spid="3">
+                                            <p:txEl>
+                                              <p:pRg st="20" end="20"/>
+                                            </p:txEl>
+                                          </p:spTgt>
+                                        </p:tgtEl>
+                                        <p:attrNameLst>
+                                          <p:attrName>style.visibility</p:attrName>
+                                        </p:attrNameLst>
+                                      </p:cBhvr>
+                                      <p:to>
+                                        <p:strVal val="visible"/>
+                                      </p:to>
+                                    </p:set>
+                                  </p:childTnLst>
+                                </p:cTn>
+                              </p:par>
+                            </p:childTnLst>
+                          </p:cTn>
+                        </p:par>
+                      </p:childTnLst>
+                    </p:cTn>
+                  </p:par>
+                  <p:par>
+                    <p:cTn id="61" fill="hold">
+                      <p:stCondLst>
+                        <p:cond delay="indefinite"/>
+                      </p:stCondLst>
+                      <p:childTnLst>
+                        <p:par>
+                          <p:cTn id="62" fill="hold">
+                            <p:stCondLst>
+                              <p:cond delay="0"/>
+                            </p:stCondLst>
+                            <p:childTnLst>
+                              <p:par>
+                                <p:cTn id="63" presetID="1" presetClass="entr" presetSubtype="0" fill="hold" grpId="0" nodeType="clickEffect">
+                                  <p:stCondLst>
+                                    <p:cond delay="0"/>
+                                  </p:stCondLst>
+                                  <p:childTnLst>
+                                    <p:set>
+                                      <p:cBhvr>
+                                        <p:cTn id="64" dur="1" fill="hold">
+                                          <p:stCondLst>
+                                            <p:cond delay="0"/>
+                                          </p:stCondLst>
+                                        </p:cTn>
+                                        <p:tgtEl>
+                                          <p:spTgt spid="3">
+                                            <p:txEl>
+                                              <p:pRg st="22" end="22"/>
+                                            </p:txEl>
+                                          </p:spTgt>
+                                        </p:tgtEl>
+                                        <p:attrNameLst>
+                                          <p:attrName>style.visibility</p:attrName>
+                                        </p:attrNameLst>
+                                      </p:cBhvr>
+                                      <p:to>
+                                        <p:strVal val="visible"/>
+                                      </p:to>
+                                    </p:set>
+                                  </p:childTnLst>
+                                </p:cTn>
+                              </p:par>
+                              <p:par>
+                                <p:cTn id="65" presetID="1" presetClass="entr" presetSubtype="0" fill="hold" grpId="0" nodeType="withEffect">
+                                  <p:stCondLst>
+                                    <p:cond delay="0"/>
+                                  </p:stCondLst>
+                                  <p:childTnLst>
+                                    <p:set>
+                                      <p:cBhvr>
+                                        <p:cTn id="66" dur="1" fill="hold">
+                                          <p:stCondLst>
+                                            <p:cond delay="0"/>
+                                          </p:stCondLst>
+                                        </p:cTn>
+                                        <p:tgtEl>
+                                          <p:spTgt spid="3">
+                                            <p:txEl>
+                                              <p:pRg st="23" end="23"/>
+                                            </p:txEl>
+                                          </p:spTgt>
+                                        </p:tgtEl>
+                                        <p:attrNameLst>
+                                          <p:attrName>style.visibility</p:attrName>
+                                        </p:attrNameLst>
+                                      </p:cBhvr>
+                                      <p:to>
+                                        <p:strVal val="visible"/>
+                                      </p:to>
+                                    </p:set>
+                                  </p:childTnLst>
+                                </p:cTn>
+                              </p:par>
+                              <p:par>
+                                <p:cTn id="67" presetID="1" presetClass="entr" presetSubtype="0" fill="hold" grpId="0" nodeType="withEffect">
+                                  <p:stCondLst>
+                                    <p:cond delay="0"/>
+                                  </p:stCondLst>
+                                  <p:childTnLst>
+                                    <p:set>
+                                      <p:cBhvr>
+                                        <p:cTn id="68" dur="1" fill="hold">
+                                          <p:stCondLst>
+                                            <p:cond delay="0"/>
+                                          </p:stCondLst>
+                                        </p:cTn>
+                                        <p:tgtEl>
+                                          <p:spTgt spid="3">
+                                            <p:txEl>
+                                              <p:pRg st="24" end="24"/>
+                                            </p:txEl>
+                                          </p:spTgt>
+                                        </p:tgtEl>
+                                        <p:attrNameLst>
+                                          <p:attrName>style.visibility</p:attrName>
+                                        </p:attrNameLst>
+                                      </p:cBhvr>
+                                      <p:to>
+                                        <p:strVal val="visible"/>
+                                      </p:to>
+                                    </p:set>
+                                  </p:childTnLst>
+                                </p:cTn>
+                              </p:par>
+                              <p:par>
+                                <p:cTn id="69" presetID="1" presetClass="entr" presetSubtype="0" fill="hold" grpId="0" nodeType="withEffect">
+                                  <p:stCondLst>
+                                    <p:cond delay="0"/>
+                                  </p:stCondLst>
+                                  <p:childTnLst>
+                                    <p:set>
+                                      <p:cBhvr>
+                                        <p:cTn id="70" dur="1" fill="hold">
+                                          <p:stCondLst>
+                                            <p:cond delay="0"/>
+                                          </p:stCondLst>
+                                        </p:cTn>
+                                        <p:tgtEl>
+                                          <p:spTgt spid="3">
+                                            <p:txEl>
+                                              <p:pRg st="25" end="25"/>
+                                            </p:txEl>
+                                          </p:spTgt>
+                                        </p:tgtEl>
+                                        <p:attrNameLst>
+                                          <p:attrName>style.visibility</p:attrName>
+                                        </p:attrNameLst>
+                                      </p:cBhvr>
+                                      <p:to>
+                                        <p:strVal val="visible"/>
+                                      </p:to>
+                                    </p:set>
+                                  </p:childTnLst>
+                                </p:cTn>
+                              </p:par>
+                            </p:childTnLst>
+                          </p:cTn>
+                        </p:par>
+                      </p:childTnLst>
+                    </p:cTn>
+                  </p:par>
+                  <p:par>
+                    <p:cTn id="71" fill="hold">
+                      <p:stCondLst>
+                        <p:cond delay="indefinite"/>
+                      </p:stCondLst>
+                      <p:childTnLst>
+                        <p:par>
+                          <p:cTn id="72" fill="hold">
+                            <p:stCondLst>
+                              <p:cond delay="0"/>
+                            </p:stCondLst>
+                            <p:childTnLst>
+                              <p:par>
+                                <p:cTn id="73" presetID="1" presetClass="entr" presetSubtype="0" fill="hold" grpId="0" nodeType="clickEffect">
+                                  <p:stCondLst>
+                                    <p:cond delay="0"/>
+                                  </p:stCondLst>
+                                  <p:childTnLst>
+                                    <p:set>
+                                      <p:cBhvr>
+                                        <p:cTn id="74" dur="1" fill="hold">
+                                          <p:stCondLst>
+                                            <p:cond delay="0"/>
+                                          </p:stCondLst>
+                                        </p:cTn>
+                                        <p:tgtEl>
+                                          <p:spTgt spid="3">
+                                            <p:txEl>
+                                              <p:pRg st="26" end="26"/>
+                                            </p:txEl>
+                                          </p:spTgt>
+                                        </p:tgtEl>
+                                        <p:attrNameLst>
+                                          <p:attrName>style.visibility</p:attrName>
+                                        </p:attrNameLst>
+                                      </p:cBhvr>
+                                      <p:to>
+                                        <p:strVal val="visible"/>
+                                      </p:to>
+                                    </p:set>
+                                  </p:childTnLst>
+                                </p:cTn>
+                              </p:par>
+                              <p:par>
+                                <p:cTn id="75" presetID="1" presetClass="entr" presetSubtype="0" fill="hold" grpId="0" nodeType="withEffect">
+                                  <p:stCondLst>
+                                    <p:cond delay="0"/>
+                                  </p:stCondLst>
+                                  <p:childTnLst>
+                                    <p:set>
+                                      <p:cBhvr>
+                                        <p:cTn id="76" dur="1" fill="hold">
+                                          <p:stCondLst>
+                                            <p:cond delay="0"/>
+                                          </p:stCondLst>
+                                        </p:cTn>
+                                        <p:tgtEl>
+                                          <p:spTgt spid="3">
+                                            <p:txEl>
+                                              <p:pRg st="27" end="27"/>
+                                            </p:txEl>
+                                          </p:spTgt>
+                                        </p:tgtEl>
+                                        <p:attrNameLst>
+                                          <p:attrName>style.visibility</p:attrName>
+                                        </p:attrNameLst>
+                                      </p:cBhvr>
+                                      <p:to>
+                                        <p:strVal val="visible"/>
+                                      </p:to>
+                                    </p:set>
+                                  </p:childTnLst>
+                                </p:cTn>
+                              </p:par>
+                              <p:par>
+                                <p:cTn id="77" presetID="1" presetClass="entr" presetSubtype="0" fill="hold" grpId="0" nodeType="withEffect">
+                                  <p:stCondLst>
+                                    <p:cond delay="0"/>
+                                  </p:stCondLst>
+                                  <p:childTnLst>
+                                    <p:set>
+                                      <p:cBhvr>
+                                        <p:cTn id="78" dur="1" fill="hold">
+                                          <p:stCondLst>
+                                            <p:cond delay="0"/>
+                                          </p:stCondLst>
+                                        </p:cTn>
+                                        <p:tgtEl>
+                                          <p:spTgt spid="3">
+                                            <p:txEl>
+                                              <p:pRg st="28" end="28"/>
+                                            </p:txEl>
+                                          </p:spTgt>
+                                        </p:tgtEl>
+                                        <p:attrNameLst>
+                                          <p:attrName>style.visibility</p:attrName>
+                                        </p:attrNameLst>
+                                      </p:cBhvr>
+                                      <p:to>
+                                        <p:strVal val="visible"/>
+                                      </p:to>
+                                    </p:set>
+                                  </p:childTnLst>
+                                </p:cTn>
+                              </p:par>
+                            </p:childTnLst>
+                          </p:cTn>
+                        </p:par>
+                      </p:childTnLst>
+                    </p:cTn>
+                  </p:par>
+                  <p:par>
+                    <p:cTn id="79" fill="hold">
+                      <p:stCondLst>
+                        <p:cond delay="indefinite"/>
+                      </p:stCondLst>
+                      <p:childTnLst>
+                        <p:par>
+                          <p:cTn id="80" fill="hold">
+                            <p:stCondLst>
+                              <p:cond delay="0"/>
+                            </p:stCondLst>
+                            <p:childTnLst>
+                              <p:par>
+                                <p:cTn id="81" presetID="1" presetClass="entr" presetSubtype="0" fill="hold" grpId="0" nodeType="clickEffect">
+                                  <p:stCondLst>
+                                    <p:cond delay="0"/>
+                                  </p:stCondLst>
+                                  <p:childTnLst>
+                                    <p:set>
+                                      <p:cBhvr>
+                                        <p:cTn id="82" dur="1" fill="hold">
+                                          <p:stCondLst>
+                                            <p:cond delay="0"/>
+                                          </p:stCondLst>
+                                        </p:cTn>
+                                        <p:tgtEl>
+                                          <p:spTgt spid="3">
+                                            <p:txEl>
+                                              <p:pRg st="29" end="29"/>
+                                            </p:txEl>
+                                          </p:spTgt>
+                                        </p:tgtEl>
+                                        <p:attrNameLst>
+                                          <p:attrName>style.visibility</p:attrName>
+                                        </p:attrNameLst>
+                                      </p:cBhvr>
+                                      <p:to>
+                                        <p:strVal val="visible"/>
+                                      </p:to>
+                                    </p:set>
+                                  </p:childTnLst>
+                                </p:cTn>
+                              </p:par>
+                              <p:par>
+                                <p:cTn id="83" presetID="1" presetClass="entr" presetSubtype="0" fill="hold" grpId="0" nodeType="withEffect">
+                                  <p:stCondLst>
+                                    <p:cond delay="0"/>
+                                  </p:stCondLst>
+                                  <p:childTnLst>
+                                    <p:set>
+                                      <p:cBhvr>
+                                        <p:cTn id="84" dur="1" fill="hold">
+                                          <p:stCondLst>
+                                            <p:cond delay="0"/>
+                                          </p:stCondLst>
+                                        </p:cTn>
+                                        <p:tgtEl>
+                                          <p:spTgt spid="3">
+                                            <p:txEl>
+                                              <p:pRg st="30" end="30"/>
+                                            </p:txEl>
+                                          </p:spTgt>
+                                        </p:tgtEl>
+                                        <p:attrNameLst>
+                                          <p:attrName>style.visibility</p:attrName>
+                                        </p:attrNameLst>
+                                      </p:cBhvr>
+                                      <p:to>
+                                        <p:strVal val="visible"/>
+                                      </p:to>
+                                    </p:set>
+                                  </p:childTnLst>
+                                </p:cTn>
+                              </p:par>
+                            </p:childTnLst>
+                          </p:cTn>
+                        </p:par>
+                      </p:childTnLst>
+                    </p:cTn>
+                  </p:par>
+                </p:childTnLst>
+              </p:cTn>
+              <p:prevCondLst>
+                <p:cond evt="onPrev" delay="0">
+                  <p:tgtEl>
+                    <p:sldTgt/>
+                  </p:tgtEl>
+                </p:cond>
+              </p:prevCondLst>
+              <p:nextCondLst>
+                <p:cond evt="onNext" delay="0">
+                  <p:tgtEl>
+                    <p:sldTgt/>
+                  </p:tgtEl>
+                </p:cond>
+              </p:nextCondLst>
+            </p:seq>
+          </p:childTnLst>
+        </p:cTn>
+      </p:par>
+    </p:tnLst>
+    <p:bldLst>
+      <p:bldP spid="3" grpId="0" uiExpand="1" build="p"/>
+    </p:bldLst>
+  </p:timing>
+</p:sld>
+</file>
+
+<file path=ppt/slides/slide31.xml><?xml version="1.0" encoding="utf-8"?>
+<p:sld xmlns:a="http://schemas.openxmlformats.org/drawingml/2006/main" xmlns:r="http://schemas.openxmlformats.org/officeDocument/2006/relationships" xmlns:p="http://schemas.openxmlformats.org/presentationml/2006/main">
+  <p:cSld>
+    <p:spTree>
+      <p:nvGrpSpPr>
+        <p:cNvPr id="1" name=""/>
+        <p:cNvGrpSpPr/>
+        <p:nvPr/>
+      </p:nvGrpSpPr>
+      <p:grpSpPr>
+        <a:xfrm>
+          <a:off x="0" y="0"/>
+          <a:ext cx="0" cy="0"/>
+          <a:chOff x="0" y="0"/>
+          <a:chExt cx="0" cy="0"/>
+        </a:xfrm>
+      </p:grpSpPr>
+      <p:sp>
+        <p:nvSpPr>
+          <p:cNvPr id="2" name="Title 1"/>
+          <p:cNvSpPr>
+            <a:spLocks noGrp="1"/>
+          </p:cNvSpPr>
+          <p:nvPr>
+            <p:ph type="title"/>
+          </p:nvPr>
+        </p:nvSpPr>
+        <p:spPr>
+          <a:xfrm>
+            <a:off x="1536269" y="151002"/>
+            <a:ext cx="7431505" cy="638152"/>
+          </a:xfrm>
+        </p:spPr>
+        <p:txBody>
+          <a:bodyPr/>
+          <a:lstStyle/>
+          <a:p>
+            <a:r>
+              <a:rPr lang="en-US" dirty="0" err="1" smtClean="0"/>
+              <a:t>Datapool</a:t>
+            </a:r>
+            <a:r>
+              <a:rPr lang="en-US" dirty="0" smtClean="0"/>
+              <a:t> Example</a:t>
+            </a:r>
+            <a:endParaRPr lang="en-US" dirty="0"/>
+          </a:p>
+        </p:txBody>
+      </p:sp>
+      <p:sp>
+        <p:nvSpPr>
+          <p:cNvPr id="3" name="Content Placeholder 2"/>
+          <p:cNvSpPr>
+            <a:spLocks noGrp="1"/>
+          </p:cNvSpPr>
+          <p:nvPr>
+            <p:ph idx="1"/>
+          </p:nvPr>
+        </p:nvSpPr>
+        <p:spPr>
+          <a:xfrm>
+            <a:off x="1417740" y="1048623"/>
+            <a:ext cx="9368509" cy="5436655"/>
+          </a:xfrm>
+          <a:solidFill>
+            <a:schemeClr val="tx1"/>
+          </a:solidFill>
+          <a:ln>
+            <a:solidFill>
+              <a:schemeClr val="bg1"/>
+            </a:solidFill>
+          </a:ln>
+        </p:spPr>
+        <p:txBody>
+          <a:bodyPr numCol="1" spcCol="0">
+            <a:noAutofit/>
+          </a:bodyPr>
+          <a:lstStyle/>
+          <a:p>
+            <a:pPr marL="0" indent="0">
+              <a:lnSpc>
+                <a:spcPct val="100000"/>
+              </a:lnSpc>
+              <a:spcBef>
+                <a:spcPts val="0"/>
+              </a:spcBef>
+              <a:buNone/>
+            </a:pPr>
+            <a:r>
+              <a:rPr lang="en-US" sz="1400" dirty="0">
+                <a:solidFill>
+                  <a:schemeClr val="bg1"/>
+                </a:solidFill>
+                <a:latin typeface="Consolas" panose="020B0609020204030204" pitchFamily="49" charset="0"/>
+                <a:cs typeface="Consolas" panose="020B0609020204030204" pitchFamily="49" charset="0"/>
+              </a:rPr>
+              <a:t>(define (</a:t>
+            </a:r>
+            <a:r>
+              <a:rPr lang="en-US" sz="1400" dirty="0" err="1">
+                <a:solidFill>
+                  <a:schemeClr val="bg1"/>
+                </a:solidFill>
+                <a:latin typeface="Consolas" panose="020B0609020204030204" pitchFamily="49" charset="0"/>
+                <a:cs typeface="Consolas" panose="020B0609020204030204" pitchFamily="49" charset="0"/>
+              </a:rPr>
+              <a:t>datapool</a:t>
+            </a:r>
+            <a:r>
+              <a:rPr lang="en-US" sz="1400" dirty="0">
+                <a:solidFill>
+                  <a:schemeClr val="bg1"/>
+                </a:solidFill>
+                <a:latin typeface="Consolas" panose="020B0609020204030204" pitchFamily="49" charset="0"/>
+                <a:cs typeface="Consolas" panose="020B0609020204030204" pitchFamily="49" charset="0"/>
+              </a:rPr>
+              <a:t>-ex)</a:t>
+            </a:r>
+          </a:p>
+          <a:p>
+            <a:pPr marL="0" indent="0">
+              <a:lnSpc>
+                <a:spcPct val="100000"/>
+              </a:lnSpc>
+              <a:spcBef>
+                <a:spcPts val="0"/>
+              </a:spcBef>
+              <a:buNone/>
+            </a:pPr>
+            <a:r>
+              <a:rPr lang="en-US" sz="1400" dirty="0">
+                <a:solidFill>
+                  <a:schemeClr val="bg1"/>
+                </a:solidFill>
+                <a:latin typeface="Consolas" panose="020B0609020204030204" pitchFamily="49" charset="0"/>
+                <a:cs typeface="Consolas" panose="020B0609020204030204" pitchFamily="49" charset="0"/>
+              </a:rPr>
+              <a:t>  (define data1 3)</a:t>
+            </a:r>
+          </a:p>
+          <a:p>
+            <a:pPr marL="0" indent="0">
+              <a:lnSpc>
+                <a:spcPct val="100000"/>
+              </a:lnSpc>
+              <a:spcBef>
+                <a:spcPts val="0"/>
+              </a:spcBef>
+              <a:buNone/>
+            </a:pPr>
+            <a:r>
+              <a:rPr lang="en-US" sz="1400" dirty="0">
+                <a:solidFill>
+                  <a:schemeClr val="bg1"/>
+                </a:solidFill>
+                <a:latin typeface="Consolas" panose="020B0609020204030204" pitchFamily="49" charset="0"/>
+                <a:cs typeface="Consolas" panose="020B0609020204030204" pitchFamily="49" charset="0"/>
+              </a:rPr>
+              <a:t>  (define data2 "some text")</a:t>
+            </a:r>
+          </a:p>
+          <a:p>
+            <a:pPr marL="0" indent="0">
+              <a:lnSpc>
+                <a:spcPct val="100000"/>
+              </a:lnSpc>
+              <a:spcBef>
+                <a:spcPts val="0"/>
+              </a:spcBef>
+              <a:buNone/>
+            </a:pPr>
+            <a:endParaRPr lang="en-US" sz="1400" dirty="0">
+              <a:solidFill>
+                <a:schemeClr val="bg1"/>
+              </a:solidFill>
+              <a:latin typeface="Consolas" panose="020B0609020204030204" pitchFamily="49" charset="0"/>
+              <a:cs typeface="Consolas" panose="020B0609020204030204" pitchFamily="49" charset="0"/>
+            </a:endParaRPr>
+          </a:p>
+          <a:p>
+            <a:pPr marL="0" indent="0">
+              <a:lnSpc>
+                <a:spcPct val="100000"/>
+              </a:lnSpc>
+              <a:spcBef>
+                <a:spcPts val="0"/>
+              </a:spcBef>
+              <a:buNone/>
+            </a:pPr>
+            <a:r>
+              <a:rPr lang="en-US" sz="1400" dirty="0">
+                <a:solidFill>
+                  <a:schemeClr val="bg1"/>
+                </a:solidFill>
+                <a:latin typeface="Consolas" panose="020B0609020204030204" pitchFamily="49" charset="0"/>
+                <a:cs typeface="Consolas" panose="020B0609020204030204" pitchFamily="49" charset="0"/>
+              </a:rPr>
+              <a:t>  (define test-class%</a:t>
+            </a:r>
+          </a:p>
+          <a:p>
+            <a:pPr marL="0" indent="0">
+              <a:lnSpc>
+                <a:spcPct val="100000"/>
+              </a:lnSpc>
+              <a:spcBef>
+                <a:spcPts val="0"/>
+              </a:spcBef>
+              <a:buNone/>
+            </a:pPr>
+            <a:r>
+              <a:rPr lang="en-US" sz="1400" dirty="0">
+                <a:solidFill>
+                  <a:schemeClr val="bg1"/>
+                </a:solidFill>
+                <a:latin typeface="Consolas" panose="020B0609020204030204" pitchFamily="49" charset="0"/>
+                <a:cs typeface="Consolas" panose="020B0609020204030204" pitchFamily="49" charset="0"/>
+              </a:rPr>
+              <a:t>    (class object% </a:t>
+            </a:r>
+          </a:p>
+          <a:p>
+            <a:pPr marL="0" indent="0">
+              <a:lnSpc>
+                <a:spcPct val="100000"/>
+              </a:lnSpc>
+              <a:spcBef>
+                <a:spcPts val="0"/>
+              </a:spcBef>
+              <a:buNone/>
+            </a:pPr>
+            <a:r>
+              <a:rPr lang="en-US" sz="1400" dirty="0">
+                <a:solidFill>
+                  <a:schemeClr val="bg1"/>
+                </a:solidFill>
+                <a:latin typeface="Consolas" panose="020B0609020204030204" pitchFamily="49" charset="0"/>
+                <a:cs typeface="Consolas" panose="020B0609020204030204" pitchFamily="49" charset="0"/>
+              </a:rPr>
+              <a:t>           (super-new)</a:t>
+            </a:r>
+          </a:p>
+          <a:p>
+            <a:pPr marL="0" indent="0">
+              <a:lnSpc>
+                <a:spcPct val="100000"/>
+              </a:lnSpc>
+              <a:spcBef>
+                <a:spcPts val="0"/>
+              </a:spcBef>
+              <a:buNone/>
+            </a:pPr>
+            <a:r>
+              <a:rPr lang="en-US" sz="1400" dirty="0">
+                <a:solidFill>
+                  <a:schemeClr val="bg1"/>
+                </a:solidFill>
+                <a:latin typeface="Consolas" panose="020B0609020204030204" pitchFamily="49" charset="0"/>
+                <a:cs typeface="Consolas" panose="020B0609020204030204" pitchFamily="49" charset="0"/>
+              </a:rPr>
+              <a:t>           (</a:t>
+            </a:r>
+            <a:r>
+              <a:rPr lang="en-US" sz="1400" dirty="0" err="1">
+                <a:solidFill>
+                  <a:schemeClr val="bg1"/>
+                </a:solidFill>
+                <a:latin typeface="Consolas" panose="020B0609020204030204" pitchFamily="49" charset="0"/>
+                <a:cs typeface="Consolas" panose="020B0609020204030204" pitchFamily="49" charset="0"/>
+              </a:rPr>
+              <a:t>init</a:t>
+            </a:r>
+            <a:r>
+              <a:rPr lang="en-US" sz="1400" dirty="0">
+                <a:solidFill>
+                  <a:schemeClr val="bg1"/>
+                </a:solidFill>
+                <a:latin typeface="Consolas" panose="020B0609020204030204" pitchFamily="49" charset="0"/>
+                <a:cs typeface="Consolas" panose="020B0609020204030204" pitchFamily="49" charset="0"/>
+              </a:rPr>
+              <a:t>-field field1</a:t>
+            </a:r>
+          </a:p>
+          <a:p>
+            <a:pPr marL="0" indent="0">
+              <a:lnSpc>
+                <a:spcPct val="100000"/>
+              </a:lnSpc>
+              <a:spcBef>
+                <a:spcPts val="0"/>
+              </a:spcBef>
+              <a:buNone/>
+            </a:pPr>
+            <a:r>
+              <a:rPr lang="en-US" sz="1400" dirty="0">
+                <a:solidFill>
+                  <a:schemeClr val="bg1"/>
+                </a:solidFill>
+                <a:latin typeface="Consolas" panose="020B0609020204030204" pitchFamily="49" charset="0"/>
+                <a:cs typeface="Consolas" panose="020B0609020204030204" pitchFamily="49" charset="0"/>
+              </a:rPr>
+              <a:t>                       field2)))</a:t>
+            </a:r>
+          </a:p>
+          <a:p>
+            <a:pPr marL="0" indent="0">
+              <a:lnSpc>
+                <a:spcPct val="100000"/>
+              </a:lnSpc>
+              <a:spcBef>
+                <a:spcPts val="0"/>
+              </a:spcBef>
+              <a:buNone/>
+            </a:pPr>
+            <a:endParaRPr lang="en-US" sz="1400" dirty="0">
+              <a:solidFill>
+                <a:schemeClr val="bg1"/>
+              </a:solidFill>
+              <a:latin typeface="Consolas" panose="020B0609020204030204" pitchFamily="49" charset="0"/>
+              <a:cs typeface="Consolas" panose="020B0609020204030204" pitchFamily="49" charset="0"/>
+            </a:endParaRPr>
+          </a:p>
+          <a:p>
+            <a:pPr marL="0" indent="0">
+              <a:lnSpc>
+                <a:spcPct val="100000"/>
+              </a:lnSpc>
+              <a:spcBef>
+                <a:spcPts val="0"/>
+              </a:spcBef>
+              <a:buNone/>
+            </a:pPr>
+            <a:r>
+              <a:rPr lang="en-US" sz="1400" dirty="0">
+                <a:solidFill>
+                  <a:schemeClr val="bg1"/>
+                </a:solidFill>
+                <a:latin typeface="Consolas" panose="020B0609020204030204" pitchFamily="49" charset="0"/>
+                <a:cs typeface="Consolas" panose="020B0609020204030204" pitchFamily="49" charset="0"/>
+              </a:rPr>
+              <a:t>  (define data3 (make-object test-class% #f 'a-symbol))</a:t>
+            </a:r>
+          </a:p>
+          <a:p>
+            <a:pPr marL="0" indent="0">
+              <a:lnSpc>
+                <a:spcPct val="100000"/>
+              </a:lnSpc>
+              <a:spcBef>
+                <a:spcPts val="0"/>
+              </a:spcBef>
+              <a:buNone/>
+            </a:pPr>
+            <a:endParaRPr lang="en-US" sz="1400" dirty="0">
+              <a:solidFill>
+                <a:schemeClr val="bg1"/>
+              </a:solidFill>
+              <a:latin typeface="Consolas" panose="020B0609020204030204" pitchFamily="49" charset="0"/>
+              <a:cs typeface="Consolas" panose="020B0609020204030204" pitchFamily="49" charset="0"/>
+            </a:endParaRPr>
+          </a:p>
+          <a:p>
+            <a:pPr marL="0" indent="0">
+              <a:lnSpc>
+                <a:spcPct val="100000"/>
+              </a:lnSpc>
+              <a:spcBef>
+                <a:spcPts val="0"/>
+              </a:spcBef>
+              <a:buNone/>
+            </a:pPr>
+            <a:endParaRPr lang="en-US" sz="1400" dirty="0">
+              <a:solidFill>
+                <a:schemeClr val="bg1"/>
+              </a:solidFill>
+              <a:latin typeface="Consolas" panose="020B0609020204030204" pitchFamily="49" charset="0"/>
+              <a:cs typeface="Consolas" panose="020B0609020204030204" pitchFamily="49" charset="0"/>
+            </a:endParaRPr>
+          </a:p>
+          <a:p>
+            <a:pPr marL="0" indent="0">
+              <a:lnSpc>
+                <a:spcPct val="100000"/>
+              </a:lnSpc>
+              <a:spcBef>
+                <a:spcPts val="0"/>
+              </a:spcBef>
+              <a:buNone/>
+            </a:pPr>
+            <a:r>
+              <a:rPr lang="en-US" sz="1400" dirty="0">
+                <a:solidFill>
+                  <a:schemeClr val="bg1"/>
+                </a:solidFill>
+                <a:latin typeface="Consolas" panose="020B0609020204030204" pitchFamily="49" charset="0"/>
+                <a:cs typeface="Consolas" panose="020B0609020204030204" pitchFamily="49" charset="0"/>
+              </a:rPr>
+              <a:t>  (let* ([</a:t>
+            </a:r>
+            <a:r>
+              <a:rPr lang="en-US" sz="1400" dirty="0" err="1">
+                <a:solidFill>
+                  <a:schemeClr val="bg1"/>
+                </a:solidFill>
+                <a:latin typeface="Consolas" panose="020B0609020204030204" pitchFamily="49" charset="0"/>
+                <a:cs typeface="Consolas" panose="020B0609020204030204" pitchFamily="49" charset="0"/>
+              </a:rPr>
+              <a:t>dp</a:t>
+            </a:r>
+            <a:r>
+              <a:rPr lang="en-US" sz="1400" dirty="0">
+                <a:solidFill>
+                  <a:schemeClr val="bg1"/>
+                </a:solidFill>
+                <a:latin typeface="Consolas" panose="020B0609020204030204" pitchFamily="49" charset="0"/>
+                <a:cs typeface="Consolas" panose="020B0609020204030204" pitchFamily="49" charset="0"/>
+              </a:rPr>
+              <a:t> (make-</a:t>
+            </a:r>
+            <a:r>
+              <a:rPr lang="en-US" sz="1400" dirty="0" err="1">
+                <a:solidFill>
+                  <a:schemeClr val="bg1"/>
+                </a:solidFill>
+                <a:latin typeface="Consolas" panose="020B0609020204030204" pitchFamily="49" charset="0"/>
+                <a:cs typeface="Consolas" panose="020B0609020204030204" pitchFamily="49" charset="0"/>
+              </a:rPr>
+              <a:t>datapool</a:t>
+            </a:r>
+            <a:r>
+              <a:rPr lang="en-US" sz="1400" dirty="0">
+                <a:solidFill>
+                  <a:schemeClr val="bg1"/>
+                </a:solidFill>
+                <a:latin typeface="Consolas" panose="020B0609020204030204" pitchFamily="49" charset="0"/>
+                <a:cs typeface="Consolas" panose="020B0609020204030204" pitchFamily="49" charset="0"/>
+              </a:rPr>
+              <a:t> (make-</a:t>
+            </a:r>
+            <a:r>
+              <a:rPr lang="en-US" sz="1400" dirty="0" err="1">
+                <a:solidFill>
+                  <a:schemeClr val="bg1"/>
+                </a:solidFill>
+                <a:latin typeface="Consolas" panose="020B0609020204030204" pitchFamily="49" charset="0"/>
+                <a:cs typeface="Consolas" panose="020B0609020204030204" pitchFamily="49" charset="0"/>
+              </a:rPr>
+              <a:t>computepool</a:t>
+            </a:r>
+            <a:r>
+              <a:rPr lang="en-US" sz="1400" dirty="0">
+                <a:solidFill>
+                  <a:schemeClr val="bg1"/>
+                </a:solidFill>
+                <a:latin typeface="Consolas" panose="020B0609020204030204" pitchFamily="49" charset="0"/>
+                <a:cs typeface="Consolas" panose="020B0609020204030204" pitchFamily="49" charset="0"/>
+              </a:rPr>
+              <a:t> 1))]</a:t>
+            </a:r>
+          </a:p>
+          <a:p>
+            <a:pPr marL="0" indent="0">
+              <a:lnSpc>
+                <a:spcPct val="100000"/>
+              </a:lnSpc>
+              <a:spcBef>
+                <a:spcPts val="0"/>
+              </a:spcBef>
+              <a:buNone/>
+            </a:pPr>
+            <a:r>
+              <a:rPr lang="en-US" sz="1400" dirty="0">
+                <a:solidFill>
+                  <a:schemeClr val="bg1"/>
+                </a:solidFill>
+                <a:latin typeface="Consolas" panose="020B0609020204030204" pitchFamily="49" charset="0"/>
+                <a:cs typeface="Consolas" panose="020B0609020204030204" pitchFamily="49" charset="0"/>
+              </a:rPr>
+              <a:t>         [key1 (register-data! </a:t>
+            </a:r>
+            <a:r>
+              <a:rPr lang="en-US" sz="1400" dirty="0" err="1">
+                <a:solidFill>
+                  <a:schemeClr val="bg1"/>
+                </a:solidFill>
+                <a:latin typeface="Consolas" panose="020B0609020204030204" pitchFamily="49" charset="0"/>
+                <a:cs typeface="Consolas" panose="020B0609020204030204" pitchFamily="49" charset="0"/>
+              </a:rPr>
+              <a:t>dp</a:t>
+            </a:r>
+            <a:r>
+              <a:rPr lang="en-US" sz="1400" dirty="0">
+                <a:solidFill>
+                  <a:schemeClr val="bg1"/>
+                </a:solidFill>
+                <a:latin typeface="Consolas" panose="020B0609020204030204" pitchFamily="49" charset="0"/>
+                <a:cs typeface="Consolas" panose="020B0609020204030204" pitchFamily="49" charset="0"/>
+              </a:rPr>
+              <a:t> data1)]</a:t>
+            </a:r>
+          </a:p>
+          <a:p>
+            <a:pPr marL="0" indent="0">
+              <a:lnSpc>
+                <a:spcPct val="100000"/>
+              </a:lnSpc>
+              <a:spcBef>
+                <a:spcPts val="0"/>
+              </a:spcBef>
+              <a:buNone/>
+            </a:pPr>
+            <a:r>
+              <a:rPr lang="en-US" sz="1400" dirty="0">
+                <a:solidFill>
+                  <a:schemeClr val="bg1"/>
+                </a:solidFill>
+                <a:latin typeface="Consolas" panose="020B0609020204030204" pitchFamily="49" charset="0"/>
+                <a:cs typeface="Consolas" panose="020B0609020204030204" pitchFamily="49" charset="0"/>
+              </a:rPr>
+              <a:t>         [key2 (register-data! </a:t>
+            </a:r>
+            <a:r>
+              <a:rPr lang="en-US" sz="1400" dirty="0" err="1">
+                <a:solidFill>
+                  <a:schemeClr val="bg1"/>
+                </a:solidFill>
+                <a:latin typeface="Consolas" panose="020B0609020204030204" pitchFamily="49" charset="0"/>
+                <a:cs typeface="Consolas" panose="020B0609020204030204" pitchFamily="49" charset="0"/>
+              </a:rPr>
+              <a:t>dp</a:t>
+            </a:r>
+            <a:r>
+              <a:rPr lang="en-US" sz="1400" dirty="0">
+                <a:solidFill>
+                  <a:schemeClr val="bg1"/>
+                </a:solidFill>
+                <a:latin typeface="Consolas" panose="020B0609020204030204" pitchFamily="49" charset="0"/>
+                <a:cs typeface="Consolas" panose="020B0609020204030204" pitchFamily="49" charset="0"/>
+              </a:rPr>
+              <a:t> data2)]</a:t>
+            </a:r>
+          </a:p>
+          <a:p>
+            <a:pPr marL="0" indent="0">
+              <a:lnSpc>
+                <a:spcPct val="100000"/>
+              </a:lnSpc>
+              <a:spcBef>
+                <a:spcPts val="0"/>
+              </a:spcBef>
+              <a:buNone/>
+            </a:pPr>
+            <a:r>
+              <a:rPr lang="en-US" sz="1400" dirty="0">
+                <a:solidFill>
+                  <a:schemeClr val="bg1"/>
+                </a:solidFill>
+                <a:latin typeface="Consolas" panose="020B0609020204030204" pitchFamily="49" charset="0"/>
+                <a:cs typeface="Consolas" panose="020B0609020204030204" pitchFamily="49" charset="0"/>
+              </a:rPr>
+              <a:t>         [key3 (register-data! </a:t>
+            </a:r>
+            <a:r>
+              <a:rPr lang="en-US" sz="1400" dirty="0" err="1">
+                <a:solidFill>
+                  <a:schemeClr val="bg1"/>
+                </a:solidFill>
+                <a:latin typeface="Consolas" panose="020B0609020204030204" pitchFamily="49" charset="0"/>
+                <a:cs typeface="Consolas" panose="020B0609020204030204" pitchFamily="49" charset="0"/>
+              </a:rPr>
+              <a:t>dp</a:t>
+            </a:r>
+            <a:r>
+              <a:rPr lang="en-US" sz="1400" dirty="0">
+                <a:solidFill>
+                  <a:schemeClr val="bg1"/>
+                </a:solidFill>
+                <a:latin typeface="Consolas" panose="020B0609020204030204" pitchFamily="49" charset="0"/>
+                <a:cs typeface="Consolas" panose="020B0609020204030204" pitchFamily="49" charset="0"/>
+              </a:rPr>
+              <a:t> data3)])</a:t>
+            </a:r>
+          </a:p>
+          <a:p>
+            <a:pPr marL="0" indent="0">
+              <a:lnSpc>
+                <a:spcPct val="100000"/>
+              </a:lnSpc>
+              <a:spcBef>
+                <a:spcPts val="0"/>
+              </a:spcBef>
+              <a:buNone/>
+            </a:pPr>
+            <a:endParaRPr lang="en-US" sz="1400" dirty="0">
+              <a:solidFill>
+                <a:schemeClr val="bg1"/>
+              </a:solidFill>
+              <a:latin typeface="Consolas" panose="020B0609020204030204" pitchFamily="49" charset="0"/>
+              <a:cs typeface="Consolas" panose="020B0609020204030204" pitchFamily="49" charset="0"/>
+            </a:endParaRPr>
+          </a:p>
+          <a:p>
+            <a:pPr marL="0" indent="0">
+              <a:lnSpc>
+                <a:spcPct val="100000"/>
+              </a:lnSpc>
+              <a:spcBef>
+                <a:spcPts val="0"/>
+              </a:spcBef>
+              <a:buNone/>
+            </a:pPr>
+            <a:r>
+              <a:rPr lang="en-US" sz="1400" dirty="0">
+                <a:solidFill>
+                  <a:schemeClr val="bg1"/>
+                </a:solidFill>
+                <a:latin typeface="Consolas" panose="020B0609020204030204" pitchFamily="49" charset="0"/>
+                <a:cs typeface="Consolas" panose="020B0609020204030204" pitchFamily="49" charset="0"/>
+              </a:rPr>
+              <a:t>    (</a:t>
+            </a:r>
+            <a:r>
+              <a:rPr lang="en-US" sz="1400" dirty="0" err="1">
+                <a:solidFill>
+                  <a:schemeClr val="bg1"/>
+                </a:solidFill>
+                <a:latin typeface="Consolas" panose="020B0609020204030204" pitchFamily="49" charset="0"/>
+                <a:cs typeface="Consolas" panose="020B0609020204030204" pitchFamily="49" charset="0"/>
+              </a:rPr>
+              <a:t>printf</a:t>
+            </a:r>
+            <a:r>
+              <a:rPr lang="en-US" sz="1400" dirty="0">
+                <a:solidFill>
+                  <a:schemeClr val="bg1"/>
+                </a:solidFill>
+                <a:latin typeface="Consolas" panose="020B0609020204030204" pitchFamily="49" charset="0"/>
+                <a:cs typeface="Consolas" panose="020B0609020204030204" pitchFamily="49" charset="0"/>
+              </a:rPr>
+              <a:t> "Value of retrieved data1: ~a\n" (get-data </a:t>
+            </a:r>
+            <a:r>
+              <a:rPr lang="en-US" sz="1400" dirty="0" err="1">
+                <a:solidFill>
+                  <a:schemeClr val="bg1"/>
+                </a:solidFill>
+                <a:latin typeface="Consolas" panose="020B0609020204030204" pitchFamily="49" charset="0"/>
+                <a:cs typeface="Consolas" panose="020B0609020204030204" pitchFamily="49" charset="0"/>
+              </a:rPr>
+              <a:t>dp</a:t>
+            </a:r>
+            <a:r>
+              <a:rPr lang="en-US" sz="1400" dirty="0">
+                <a:solidFill>
+                  <a:schemeClr val="bg1"/>
+                </a:solidFill>
+                <a:latin typeface="Consolas" panose="020B0609020204030204" pitchFamily="49" charset="0"/>
+                <a:cs typeface="Consolas" panose="020B0609020204030204" pitchFamily="49" charset="0"/>
+              </a:rPr>
+              <a:t> key1))</a:t>
+            </a:r>
+          </a:p>
+          <a:p>
+            <a:pPr marL="0" indent="0">
+              <a:lnSpc>
+                <a:spcPct val="100000"/>
+              </a:lnSpc>
+              <a:spcBef>
+                <a:spcPts val="0"/>
+              </a:spcBef>
+              <a:buNone/>
+            </a:pPr>
+            <a:r>
+              <a:rPr lang="en-US" sz="1400" dirty="0">
+                <a:solidFill>
+                  <a:schemeClr val="bg1"/>
+                </a:solidFill>
+                <a:latin typeface="Consolas" panose="020B0609020204030204" pitchFamily="49" charset="0"/>
+                <a:cs typeface="Consolas" panose="020B0609020204030204" pitchFamily="49" charset="0"/>
+              </a:rPr>
+              <a:t>    (</a:t>
+            </a:r>
+            <a:r>
+              <a:rPr lang="en-US" sz="1400" dirty="0" err="1">
+                <a:solidFill>
+                  <a:schemeClr val="bg1"/>
+                </a:solidFill>
+                <a:latin typeface="Consolas" panose="020B0609020204030204" pitchFamily="49" charset="0"/>
+                <a:cs typeface="Consolas" panose="020B0609020204030204" pitchFamily="49" charset="0"/>
+              </a:rPr>
+              <a:t>printf</a:t>
+            </a:r>
+            <a:r>
+              <a:rPr lang="en-US" sz="1400" dirty="0">
+                <a:solidFill>
+                  <a:schemeClr val="bg1"/>
+                </a:solidFill>
+                <a:latin typeface="Consolas" panose="020B0609020204030204" pitchFamily="49" charset="0"/>
+                <a:cs typeface="Consolas" panose="020B0609020204030204" pitchFamily="49" charset="0"/>
+              </a:rPr>
+              <a:t> "Value of retrieved data2: ~a\n" (get-data </a:t>
+            </a:r>
+            <a:r>
+              <a:rPr lang="en-US" sz="1400" dirty="0" err="1">
+                <a:solidFill>
+                  <a:schemeClr val="bg1"/>
+                </a:solidFill>
+                <a:latin typeface="Consolas" panose="020B0609020204030204" pitchFamily="49" charset="0"/>
+                <a:cs typeface="Consolas" panose="020B0609020204030204" pitchFamily="49" charset="0"/>
+              </a:rPr>
+              <a:t>dp</a:t>
+            </a:r>
+            <a:r>
+              <a:rPr lang="en-US" sz="1400" dirty="0">
+                <a:solidFill>
+                  <a:schemeClr val="bg1"/>
+                </a:solidFill>
+                <a:latin typeface="Consolas" panose="020B0609020204030204" pitchFamily="49" charset="0"/>
+                <a:cs typeface="Consolas" panose="020B0609020204030204" pitchFamily="49" charset="0"/>
+              </a:rPr>
+              <a:t> key2))</a:t>
+            </a:r>
+          </a:p>
+          <a:p>
+            <a:pPr marL="0" indent="0">
+              <a:lnSpc>
+                <a:spcPct val="100000"/>
+              </a:lnSpc>
+              <a:spcBef>
+                <a:spcPts val="0"/>
+              </a:spcBef>
+              <a:buNone/>
+            </a:pPr>
+            <a:r>
+              <a:rPr lang="en-US" sz="1400" dirty="0">
+                <a:solidFill>
+                  <a:schemeClr val="bg1"/>
+                </a:solidFill>
+                <a:latin typeface="Consolas" panose="020B0609020204030204" pitchFamily="49" charset="0"/>
+                <a:cs typeface="Consolas" panose="020B0609020204030204" pitchFamily="49" charset="0"/>
+              </a:rPr>
+              <a:t>    (</a:t>
+            </a:r>
+            <a:r>
+              <a:rPr lang="en-US" sz="1400" dirty="0" err="1">
+                <a:solidFill>
+                  <a:schemeClr val="bg1"/>
+                </a:solidFill>
+                <a:latin typeface="Consolas" panose="020B0609020204030204" pitchFamily="49" charset="0"/>
+                <a:cs typeface="Consolas" panose="020B0609020204030204" pitchFamily="49" charset="0"/>
+              </a:rPr>
+              <a:t>printf</a:t>
+            </a:r>
+            <a:r>
+              <a:rPr lang="en-US" sz="1400" dirty="0">
+                <a:solidFill>
+                  <a:schemeClr val="bg1"/>
+                </a:solidFill>
+                <a:latin typeface="Consolas" panose="020B0609020204030204" pitchFamily="49" charset="0"/>
+                <a:cs typeface="Consolas" panose="020B0609020204030204" pitchFamily="49" charset="0"/>
+              </a:rPr>
+              <a:t> "Value of retrieved data-object field1: ~a\n" (get-data-field </a:t>
+            </a:r>
+            <a:r>
+              <a:rPr lang="en-US" sz="1400" dirty="0" err="1">
+                <a:solidFill>
+                  <a:schemeClr val="bg1"/>
+                </a:solidFill>
+                <a:latin typeface="Consolas" panose="020B0609020204030204" pitchFamily="49" charset="0"/>
+                <a:cs typeface="Consolas" panose="020B0609020204030204" pitchFamily="49" charset="0"/>
+              </a:rPr>
+              <a:t>dp</a:t>
+            </a:r>
+            <a:r>
+              <a:rPr lang="en-US" sz="1400" dirty="0">
+                <a:solidFill>
+                  <a:schemeClr val="bg1"/>
+                </a:solidFill>
+                <a:latin typeface="Consolas" panose="020B0609020204030204" pitchFamily="49" charset="0"/>
+                <a:cs typeface="Consolas" panose="020B0609020204030204" pitchFamily="49" charset="0"/>
+              </a:rPr>
+              <a:t> key3 'field1))</a:t>
+            </a:r>
+          </a:p>
+          <a:p>
+            <a:pPr marL="0" indent="0">
+              <a:lnSpc>
+                <a:spcPct val="100000"/>
+              </a:lnSpc>
+              <a:spcBef>
+                <a:spcPts val="0"/>
+              </a:spcBef>
+              <a:buNone/>
+            </a:pPr>
+            <a:r>
+              <a:rPr lang="en-US" sz="1400" dirty="0">
+                <a:solidFill>
+                  <a:schemeClr val="bg1"/>
+                </a:solidFill>
+                <a:latin typeface="Consolas" panose="020B0609020204030204" pitchFamily="49" charset="0"/>
+                <a:cs typeface="Consolas" panose="020B0609020204030204" pitchFamily="49" charset="0"/>
+              </a:rPr>
+              <a:t>    (</a:t>
+            </a:r>
+            <a:r>
+              <a:rPr lang="en-US" sz="1400" dirty="0" err="1">
+                <a:solidFill>
+                  <a:schemeClr val="bg1"/>
+                </a:solidFill>
+                <a:latin typeface="Consolas" panose="020B0609020204030204" pitchFamily="49" charset="0"/>
+                <a:cs typeface="Consolas" panose="020B0609020204030204" pitchFamily="49" charset="0"/>
+              </a:rPr>
+              <a:t>printf</a:t>
+            </a:r>
+            <a:r>
+              <a:rPr lang="en-US" sz="1400" dirty="0">
+                <a:solidFill>
+                  <a:schemeClr val="bg1"/>
+                </a:solidFill>
+                <a:latin typeface="Consolas" panose="020B0609020204030204" pitchFamily="49" charset="0"/>
+                <a:cs typeface="Consolas" panose="020B0609020204030204" pitchFamily="49" charset="0"/>
+              </a:rPr>
+              <a:t> "Value of retrieved data-object field2: ~a\n" (get-data-field </a:t>
+            </a:r>
+            <a:r>
+              <a:rPr lang="en-US" sz="1400" dirty="0" err="1">
+                <a:solidFill>
+                  <a:schemeClr val="bg1"/>
+                </a:solidFill>
+                <a:latin typeface="Consolas" panose="020B0609020204030204" pitchFamily="49" charset="0"/>
+                <a:cs typeface="Consolas" panose="020B0609020204030204" pitchFamily="49" charset="0"/>
+              </a:rPr>
+              <a:t>dp</a:t>
+            </a:r>
+            <a:r>
+              <a:rPr lang="en-US" sz="1400" dirty="0">
+                <a:solidFill>
+                  <a:schemeClr val="bg1"/>
+                </a:solidFill>
+                <a:latin typeface="Consolas" panose="020B0609020204030204" pitchFamily="49" charset="0"/>
+                <a:cs typeface="Consolas" panose="020B0609020204030204" pitchFamily="49" charset="0"/>
+              </a:rPr>
+              <a:t> key3 'field2))</a:t>
+            </a:r>
+          </a:p>
+          <a:p>
+            <a:pPr marL="0" indent="0">
+              <a:lnSpc>
+                <a:spcPct val="100000"/>
+              </a:lnSpc>
+              <a:spcBef>
+                <a:spcPts val="0"/>
+              </a:spcBef>
+              <a:buNone/>
+            </a:pPr>
+            <a:r>
+              <a:rPr lang="en-US" sz="1400" dirty="0">
+                <a:solidFill>
+                  <a:schemeClr val="bg1"/>
+                </a:solidFill>
+                <a:latin typeface="Consolas" panose="020B0609020204030204" pitchFamily="49" charset="0"/>
+                <a:cs typeface="Consolas" panose="020B0609020204030204" pitchFamily="49" charset="0"/>
+              </a:rPr>
+              <a:t>    (set-data! </a:t>
+            </a:r>
+            <a:r>
+              <a:rPr lang="en-US" sz="1400" dirty="0" err="1">
+                <a:solidFill>
+                  <a:schemeClr val="bg1"/>
+                </a:solidFill>
+                <a:latin typeface="Consolas" panose="020B0609020204030204" pitchFamily="49" charset="0"/>
+                <a:cs typeface="Consolas" panose="020B0609020204030204" pitchFamily="49" charset="0"/>
+              </a:rPr>
+              <a:t>dp</a:t>
+            </a:r>
+            <a:r>
+              <a:rPr lang="en-US" sz="1400" dirty="0">
+                <a:solidFill>
+                  <a:schemeClr val="bg1"/>
+                </a:solidFill>
+                <a:latin typeface="Consolas" panose="020B0609020204030204" pitchFamily="49" charset="0"/>
+                <a:cs typeface="Consolas" panose="020B0609020204030204" pitchFamily="49" charset="0"/>
+              </a:rPr>
+              <a:t> key1 4)</a:t>
+            </a:r>
+          </a:p>
+          <a:p>
+            <a:pPr marL="0" indent="0">
+              <a:lnSpc>
+                <a:spcPct val="100000"/>
+              </a:lnSpc>
+              <a:spcBef>
+                <a:spcPts val="0"/>
+              </a:spcBef>
+              <a:buNone/>
+            </a:pPr>
+            <a:r>
+              <a:rPr lang="en-US" sz="1400" dirty="0">
+                <a:solidFill>
+                  <a:schemeClr val="bg1"/>
+                </a:solidFill>
+                <a:latin typeface="Consolas" panose="020B0609020204030204" pitchFamily="49" charset="0"/>
+                <a:cs typeface="Consolas" panose="020B0609020204030204" pitchFamily="49" charset="0"/>
+              </a:rPr>
+              <a:t>    (</a:t>
+            </a:r>
+            <a:r>
+              <a:rPr lang="en-US" sz="1400" dirty="0" err="1">
+                <a:solidFill>
+                  <a:schemeClr val="bg1"/>
+                </a:solidFill>
+                <a:latin typeface="Consolas" panose="020B0609020204030204" pitchFamily="49" charset="0"/>
+                <a:cs typeface="Consolas" panose="020B0609020204030204" pitchFamily="49" charset="0"/>
+              </a:rPr>
+              <a:t>printf</a:t>
+            </a:r>
+            <a:r>
+              <a:rPr lang="en-US" sz="1400" dirty="0">
+                <a:solidFill>
+                  <a:schemeClr val="bg1"/>
+                </a:solidFill>
+                <a:latin typeface="Consolas" panose="020B0609020204030204" pitchFamily="49" charset="0"/>
+                <a:cs typeface="Consolas" panose="020B0609020204030204" pitchFamily="49" charset="0"/>
+              </a:rPr>
+              <a:t> "Value of modified data1: ~a\n" (get-data </a:t>
+            </a:r>
+            <a:r>
+              <a:rPr lang="en-US" sz="1400" dirty="0" err="1">
+                <a:solidFill>
+                  <a:schemeClr val="bg1"/>
+                </a:solidFill>
+                <a:latin typeface="Consolas" panose="020B0609020204030204" pitchFamily="49" charset="0"/>
+                <a:cs typeface="Consolas" panose="020B0609020204030204" pitchFamily="49" charset="0"/>
+              </a:rPr>
+              <a:t>dp</a:t>
+            </a:r>
+            <a:r>
+              <a:rPr lang="en-US" sz="1400" dirty="0">
+                <a:solidFill>
+                  <a:schemeClr val="bg1"/>
+                </a:solidFill>
+                <a:latin typeface="Consolas" panose="020B0609020204030204" pitchFamily="49" charset="0"/>
+                <a:cs typeface="Consolas" panose="020B0609020204030204" pitchFamily="49" charset="0"/>
+              </a:rPr>
+              <a:t> key1))</a:t>
+            </a:r>
+          </a:p>
+          <a:p>
+            <a:pPr marL="0" indent="0">
+              <a:lnSpc>
+                <a:spcPct val="100000"/>
+              </a:lnSpc>
+              <a:spcBef>
+                <a:spcPts val="0"/>
+              </a:spcBef>
+              <a:buNone/>
+            </a:pPr>
+            <a:r>
+              <a:rPr lang="en-US" sz="1400" dirty="0">
+                <a:solidFill>
+                  <a:schemeClr val="bg1"/>
+                </a:solidFill>
+                <a:latin typeface="Consolas" panose="020B0609020204030204" pitchFamily="49" charset="0"/>
+                <a:cs typeface="Consolas" panose="020B0609020204030204" pitchFamily="49" charset="0"/>
+              </a:rPr>
+              <a:t>    (close-</a:t>
+            </a:r>
+            <a:r>
+              <a:rPr lang="en-US" sz="1400" dirty="0" err="1">
+                <a:solidFill>
+                  <a:schemeClr val="bg1"/>
+                </a:solidFill>
+                <a:latin typeface="Consolas" panose="020B0609020204030204" pitchFamily="49" charset="0"/>
+                <a:cs typeface="Consolas" panose="020B0609020204030204" pitchFamily="49" charset="0"/>
+              </a:rPr>
+              <a:t>dp</a:t>
+            </a:r>
+            <a:r>
+              <a:rPr lang="en-US" sz="1400" dirty="0">
+                <a:solidFill>
+                  <a:schemeClr val="bg1"/>
+                </a:solidFill>
+                <a:latin typeface="Consolas" panose="020B0609020204030204" pitchFamily="49" charset="0"/>
+                <a:cs typeface="Consolas" panose="020B0609020204030204" pitchFamily="49" charset="0"/>
+              </a:rPr>
+              <a:t> </a:t>
+            </a:r>
+            <a:r>
+              <a:rPr lang="en-US" sz="1400" dirty="0" err="1">
+                <a:solidFill>
+                  <a:schemeClr val="bg1"/>
+                </a:solidFill>
+                <a:latin typeface="Consolas" panose="020B0609020204030204" pitchFamily="49" charset="0"/>
+                <a:cs typeface="Consolas" panose="020B0609020204030204" pitchFamily="49" charset="0"/>
+              </a:rPr>
+              <a:t>dp</a:t>
+            </a:r>
+            <a:r>
+              <a:rPr lang="en-US" sz="1400" dirty="0">
+                <a:solidFill>
+                  <a:schemeClr val="bg1"/>
+                </a:solidFill>
+                <a:latin typeface="Consolas" panose="020B0609020204030204" pitchFamily="49" charset="0"/>
+                <a:cs typeface="Consolas" panose="020B0609020204030204" pitchFamily="49" charset="0"/>
+              </a:rPr>
+              <a:t>)))</a:t>
+            </a:r>
+            <a:endParaRPr lang="en-US" sz="1400" dirty="0">
+              <a:solidFill>
+                <a:schemeClr val="bg1"/>
+              </a:solidFill>
+              <a:latin typeface="Consolas" panose="020B0609020204030204" pitchFamily="49" charset="0"/>
+              <a:cs typeface="Consolas" panose="020B0609020204030204" pitchFamily="49" charset="0"/>
+            </a:endParaRPr>
+          </a:p>
+        </p:txBody>
+      </p:sp>
+    </p:spTree>
+    <p:extLst>
+      <p:ext uri="{BB962C8B-B14F-4D97-AF65-F5344CB8AC3E}">
+        <p14:creationId xmlns:p14="http://schemas.microsoft.com/office/powerpoint/2010/main" val="2119296780"/>
+      </p:ext>
+    </p:extLst>
+  </p:cSld>
+  <p:clrMapOvr>
+    <a:masterClrMapping/>
+  </p:clrMapOvr>
+  <p:timing>
+    <p:tnLst>
+      <p:par>
+        <p:cTn id="1" dur="indefinite" restart="never" nodeType="tmRoot">
+          <p:childTnLst>
+            <p:seq concurrent="1" nextAc="seek">
+              <p:cTn id="2" dur="indefinite" nodeType="mainSeq">
+                <p:childTnLst>
+                  <p:par>
+                    <p:cTn id="3" fill="hold">
+                      <p:stCondLst>
+                        <p:cond delay="indefinite"/>
+                      </p:stCondLst>
+                      <p:childTnLst>
+                        <p:par>
+                          <p:cTn id="4" fill="hold">
+                            <p:stCondLst>
+                              <p:cond delay="0"/>
+                            </p:stCondLst>
+                            <p:childTnLst>
+                              <p:par>
+                                <p:cTn id="5" presetID="1" presetClass="entr" presetSubtype="0" fill="hold" grpId="0" nodeType="clickEffect">
+                                  <p:stCondLst>
+                                    <p:cond delay="0"/>
+                                  </p:stCondLst>
+                                  <p:childTnLst>
+                                    <p:set>
+                                      <p:cBhvr>
+                                        <p:cTn id="6" dur="1" fill="hold">
+                                          <p:stCondLst>
+                                            <p:cond delay="0"/>
+                                          </p:stCondLst>
+                                        </p:cTn>
+                                        <p:tgtEl>
+                                          <p:spTgt spid="3">
+                                            <p:txEl>
+                                              <p:pRg st="0" end="0"/>
+                                            </p:txEl>
+                                          </p:spTgt>
+                                        </p:tgtEl>
+                                        <p:attrNameLst>
+                                          <p:attrName>style.visibility</p:attrName>
+                                        </p:attrNameLst>
+                                      </p:cBhvr>
+                                      <p:to>
+                                        <p:strVal val="visible"/>
+                                      </p:to>
+                                    </p:set>
+                                  </p:childTnLst>
+                                </p:cTn>
+                              </p:par>
+                            </p:childTnLst>
+                          </p:cTn>
+                        </p:par>
+                      </p:childTnLst>
+                    </p:cTn>
+                  </p:par>
+                  <p:par>
+                    <p:cTn id="7" fill="hold">
+                      <p:stCondLst>
+                        <p:cond delay="indefinite"/>
+                      </p:stCondLst>
+                      <p:childTnLst>
+                        <p:par>
+                          <p:cTn id="8" fill="hold">
+                            <p:stCondLst>
+                              <p:cond delay="0"/>
+                            </p:stCondLst>
+                            <p:childTnLst>
+                              <p:par>
+                                <p:cTn id="9" presetID="1" presetClass="entr" presetSubtype="0" fill="hold" grpId="0" nodeType="clickEffect">
+                                  <p:stCondLst>
+                                    <p:cond delay="0"/>
+                                  </p:stCondLst>
+                                  <p:childTnLst>
+                                    <p:set>
+                                      <p:cBhvr>
+                                        <p:cTn id="10" dur="1" fill="hold">
+                                          <p:stCondLst>
+                                            <p:cond delay="0"/>
+                                          </p:stCondLst>
+                                        </p:cTn>
+                                        <p:tgtEl>
+                                          <p:spTgt spid="3">
+                                            <p:txEl>
+                                              <p:pRg st="1" end="1"/>
+                                            </p:txEl>
+                                          </p:spTgt>
+                                        </p:tgtEl>
+                                        <p:attrNameLst>
+                                          <p:attrName>style.visibility</p:attrName>
+                                        </p:attrNameLst>
+                                      </p:cBhvr>
+                                      <p:to>
+                                        <p:strVal val="visible"/>
+                                      </p:to>
+                                    </p:set>
+                                  </p:childTnLst>
+                                </p:cTn>
+                              </p:par>
+                              <p:par>
+                                <p:cTn id="11" presetID="1" presetClass="entr" presetSubtype="0" fill="hold" grpId="0" nodeType="withEffect">
+                                  <p:stCondLst>
+                                    <p:cond delay="0"/>
+                                  </p:stCondLst>
+                                  <p:childTnLst>
+                                    <p:set>
+                                      <p:cBhvr>
+                                        <p:cTn id="12" dur="1" fill="hold">
+                                          <p:stCondLst>
+                                            <p:cond delay="0"/>
+                                          </p:stCondLst>
+                                        </p:cTn>
+                                        <p:tgtEl>
+                                          <p:spTgt spid="3">
+                                            <p:txEl>
+                                              <p:pRg st="2" end="2"/>
+                                            </p:txEl>
+                                          </p:spTgt>
+                                        </p:tgtEl>
+                                        <p:attrNameLst>
+                                          <p:attrName>style.visibility</p:attrName>
+                                        </p:attrNameLst>
+                                      </p:cBhvr>
+                                      <p:to>
+                                        <p:strVal val="visible"/>
+                                      </p:to>
+                                    </p:set>
+                                  </p:childTnLst>
+                                </p:cTn>
+                              </p:par>
+                            </p:childTnLst>
+                          </p:cTn>
+                        </p:par>
+                      </p:childTnLst>
+                    </p:cTn>
+                  </p:par>
+                  <p:par>
+                    <p:cTn id="13" fill="hold">
+                      <p:stCondLst>
+                        <p:cond delay="indefinite"/>
+                      </p:stCondLst>
+                      <p:childTnLst>
+                        <p:par>
+                          <p:cTn id="14" fill="hold">
+                            <p:stCondLst>
+                              <p:cond delay="0"/>
+                            </p:stCondLst>
+                            <p:childTnLst>
+                              <p:par>
+                                <p:cTn id="15" presetID="1" presetClass="entr" presetSubtype="0" fill="hold" grpId="0" nodeType="clickEffect">
+                                  <p:stCondLst>
+                                    <p:cond delay="0"/>
+                                  </p:stCondLst>
+                                  <p:childTnLst>
+                                    <p:set>
+                                      <p:cBhvr>
+                                        <p:cTn id="16" dur="1" fill="hold">
+                                          <p:stCondLst>
+                                            <p:cond delay="0"/>
+                                          </p:stCondLst>
+                                        </p:cTn>
+                                        <p:tgtEl>
+                                          <p:spTgt spid="3">
+                                            <p:txEl>
+                                              <p:pRg st="4" end="4"/>
+                                            </p:txEl>
+                                          </p:spTgt>
+                                        </p:tgtEl>
+                                        <p:attrNameLst>
+                                          <p:attrName>style.visibility</p:attrName>
+                                        </p:attrNameLst>
+                                      </p:cBhvr>
+                                      <p:to>
+                                        <p:strVal val="visible"/>
+                                      </p:to>
+                                    </p:set>
+                                  </p:childTnLst>
+                                </p:cTn>
+                              </p:par>
+                              <p:par>
+                                <p:cTn id="17" presetID="1" presetClass="entr" presetSubtype="0" fill="hold" grpId="0" nodeType="withEffect">
+                                  <p:stCondLst>
+                                    <p:cond delay="0"/>
+                                  </p:stCondLst>
+                                  <p:childTnLst>
+                                    <p:set>
+                                      <p:cBhvr>
+                                        <p:cTn id="18" dur="1" fill="hold">
+                                          <p:stCondLst>
+                                            <p:cond delay="0"/>
+                                          </p:stCondLst>
+                                        </p:cTn>
+                                        <p:tgtEl>
+                                          <p:spTgt spid="3">
+                                            <p:txEl>
+                                              <p:pRg st="5" end="5"/>
+                                            </p:txEl>
+                                          </p:spTgt>
+                                        </p:tgtEl>
+                                        <p:attrNameLst>
+                                          <p:attrName>style.visibility</p:attrName>
+                                        </p:attrNameLst>
+                                      </p:cBhvr>
+                                      <p:to>
+                                        <p:strVal val="visible"/>
+                                      </p:to>
+                                    </p:set>
+                                  </p:childTnLst>
+                                </p:cTn>
+                              </p:par>
+                              <p:par>
+                                <p:cTn id="19" presetID="1" presetClass="entr" presetSubtype="0" fill="hold" grpId="0" nodeType="withEffect">
+                                  <p:stCondLst>
+                                    <p:cond delay="0"/>
+                                  </p:stCondLst>
+                                  <p:childTnLst>
+                                    <p:set>
+                                      <p:cBhvr>
+                                        <p:cTn id="20" dur="1" fill="hold">
+                                          <p:stCondLst>
+                                            <p:cond delay="0"/>
+                                          </p:stCondLst>
+                                        </p:cTn>
+                                        <p:tgtEl>
+                                          <p:spTgt spid="3">
+                                            <p:txEl>
+                                              <p:pRg st="6" end="6"/>
+                                            </p:txEl>
+                                          </p:spTgt>
+                                        </p:tgtEl>
+                                        <p:attrNameLst>
+                                          <p:attrName>style.visibility</p:attrName>
+                                        </p:attrNameLst>
+                                      </p:cBhvr>
+                                      <p:to>
+                                        <p:strVal val="visible"/>
+                                      </p:to>
+                                    </p:set>
+                                  </p:childTnLst>
+                                </p:cTn>
+                              </p:par>
+                              <p:par>
+                                <p:cTn id="21" presetID="1" presetClass="entr" presetSubtype="0" fill="hold" grpId="0" nodeType="withEffect">
+                                  <p:stCondLst>
+                                    <p:cond delay="0"/>
+                                  </p:stCondLst>
+                                  <p:childTnLst>
+                                    <p:set>
+                                      <p:cBhvr>
+                                        <p:cTn id="22" dur="1" fill="hold">
+                                          <p:stCondLst>
+                                            <p:cond delay="0"/>
+                                          </p:stCondLst>
+                                        </p:cTn>
+                                        <p:tgtEl>
+                                          <p:spTgt spid="3">
+                                            <p:txEl>
+                                              <p:pRg st="7" end="7"/>
+                                            </p:txEl>
+                                          </p:spTgt>
+                                        </p:tgtEl>
+                                        <p:attrNameLst>
+                                          <p:attrName>style.visibility</p:attrName>
+                                        </p:attrNameLst>
+                                      </p:cBhvr>
+                                      <p:to>
+                                        <p:strVal val="visible"/>
+                                      </p:to>
+                                    </p:set>
+                                  </p:childTnLst>
+                                </p:cTn>
+                              </p:par>
+                              <p:par>
+                                <p:cTn id="23" presetID="1" presetClass="entr" presetSubtype="0" fill="hold" grpId="0" nodeType="withEffect">
+                                  <p:stCondLst>
+                                    <p:cond delay="0"/>
+                                  </p:stCondLst>
+                                  <p:childTnLst>
+                                    <p:set>
+                                      <p:cBhvr>
+                                        <p:cTn id="24" dur="1" fill="hold">
+                                          <p:stCondLst>
+                                            <p:cond delay="0"/>
+                                          </p:stCondLst>
+                                        </p:cTn>
+                                        <p:tgtEl>
+                                          <p:spTgt spid="3">
+                                            <p:txEl>
+                                              <p:pRg st="8" end="8"/>
+                                            </p:txEl>
+                                          </p:spTgt>
+                                        </p:tgtEl>
+                                        <p:attrNameLst>
+                                          <p:attrName>style.visibility</p:attrName>
+                                        </p:attrNameLst>
+                                      </p:cBhvr>
+                                      <p:to>
+                                        <p:strVal val="visible"/>
+                                      </p:to>
+                                    </p:set>
+                                  </p:childTnLst>
+                                </p:cTn>
+                              </p:par>
+                            </p:childTnLst>
+                          </p:cTn>
+                        </p:par>
+                      </p:childTnLst>
+                    </p:cTn>
+                  </p:par>
+                  <p:par>
+                    <p:cTn id="25" fill="hold">
+                      <p:stCondLst>
+                        <p:cond delay="indefinite"/>
+                      </p:stCondLst>
+                      <p:childTnLst>
+                        <p:par>
+                          <p:cTn id="26" fill="hold">
+                            <p:stCondLst>
+                              <p:cond delay="0"/>
+                            </p:stCondLst>
+                            <p:childTnLst>
+                              <p:par>
+                                <p:cTn id="27" presetID="1" presetClass="entr" presetSubtype="0" fill="hold" grpId="0" nodeType="clickEffect">
+                                  <p:stCondLst>
+                                    <p:cond delay="0"/>
+                                  </p:stCondLst>
+                                  <p:childTnLst>
+                                    <p:set>
+                                      <p:cBhvr>
+                                        <p:cTn id="28" dur="1" fill="hold">
+                                          <p:stCondLst>
+                                            <p:cond delay="0"/>
+                                          </p:stCondLst>
+                                        </p:cTn>
+                                        <p:tgtEl>
+                                          <p:spTgt spid="3">
+                                            <p:txEl>
+                                              <p:pRg st="10" end="10"/>
+                                            </p:txEl>
+                                          </p:spTgt>
+                                        </p:tgtEl>
+                                        <p:attrNameLst>
+                                          <p:attrName>style.visibility</p:attrName>
+                                        </p:attrNameLst>
+                                      </p:cBhvr>
+                                      <p:to>
+                                        <p:strVal val="visible"/>
+                                      </p:to>
+                                    </p:set>
+                                  </p:childTnLst>
+                                </p:cTn>
+                              </p:par>
+                            </p:childTnLst>
+                          </p:cTn>
+                        </p:par>
+                      </p:childTnLst>
+                    </p:cTn>
+                  </p:par>
+                  <p:par>
+                    <p:cTn id="29" fill="hold">
+                      <p:stCondLst>
+                        <p:cond delay="indefinite"/>
+                      </p:stCondLst>
+                      <p:childTnLst>
+                        <p:par>
+                          <p:cTn id="30" fill="hold">
+                            <p:stCondLst>
+                              <p:cond delay="0"/>
+                            </p:stCondLst>
+                            <p:childTnLst>
+                              <p:par>
+                                <p:cTn id="31" presetID="1" presetClass="entr" presetSubtype="0" fill="hold" grpId="0" nodeType="clickEffect">
+                                  <p:stCondLst>
+                                    <p:cond delay="0"/>
+                                  </p:stCondLst>
+                                  <p:childTnLst>
+                                    <p:set>
+                                      <p:cBhvr>
+                                        <p:cTn id="32" dur="1" fill="hold">
+                                          <p:stCondLst>
+                                            <p:cond delay="0"/>
+                                          </p:stCondLst>
+                                        </p:cTn>
+                                        <p:tgtEl>
+                                          <p:spTgt spid="3">
+                                            <p:txEl>
+                                              <p:pRg st="13" end="13"/>
+                                            </p:txEl>
+                                          </p:spTgt>
+                                        </p:tgtEl>
+                                        <p:attrNameLst>
+                                          <p:attrName>style.visibility</p:attrName>
+                                        </p:attrNameLst>
+                                      </p:cBhvr>
+                                      <p:to>
+                                        <p:strVal val="visible"/>
+                                      </p:to>
+                                    </p:set>
+                                  </p:childTnLst>
+                                </p:cTn>
+                              </p:par>
+                            </p:childTnLst>
+                          </p:cTn>
+                        </p:par>
+                      </p:childTnLst>
+                    </p:cTn>
+                  </p:par>
+                  <p:par>
+                    <p:cTn id="33" fill="hold">
+                      <p:stCondLst>
+                        <p:cond delay="indefinite"/>
+                      </p:stCondLst>
+                      <p:childTnLst>
+                        <p:par>
+                          <p:cTn id="34" fill="hold">
+                            <p:stCondLst>
+                              <p:cond delay="0"/>
+                            </p:stCondLst>
+                            <p:childTnLst>
+                              <p:par>
+                                <p:cTn id="35" presetID="1" presetClass="entr" presetSubtype="0" fill="hold" grpId="0" nodeType="clickEffect">
+                                  <p:stCondLst>
+                                    <p:cond delay="0"/>
+                                  </p:stCondLst>
+                                  <p:childTnLst>
+                                    <p:set>
+                                      <p:cBhvr>
+                                        <p:cTn id="36" dur="1" fill="hold">
+                                          <p:stCondLst>
+                                            <p:cond delay="0"/>
+                                          </p:stCondLst>
+                                        </p:cTn>
+                                        <p:tgtEl>
+                                          <p:spTgt spid="3">
+                                            <p:txEl>
+                                              <p:pRg st="14" end="14"/>
+                                            </p:txEl>
+                                          </p:spTgt>
+                                        </p:tgtEl>
+                                        <p:attrNameLst>
+                                          <p:attrName>style.visibility</p:attrName>
+                                        </p:attrNameLst>
+                                      </p:cBhvr>
+                                      <p:to>
+                                        <p:strVal val="visible"/>
+                                      </p:to>
+                                    </p:set>
+                                  </p:childTnLst>
+                                </p:cTn>
+                              </p:par>
+                              <p:par>
+                                <p:cTn id="37" presetID="1" presetClass="entr" presetSubtype="0" fill="hold" grpId="0" nodeType="withEffect">
+                                  <p:stCondLst>
+                                    <p:cond delay="0"/>
+                                  </p:stCondLst>
+                                  <p:childTnLst>
+                                    <p:set>
+                                      <p:cBhvr>
+                                        <p:cTn id="38" dur="1" fill="hold">
+                                          <p:stCondLst>
+                                            <p:cond delay="0"/>
+                                          </p:stCondLst>
+                                        </p:cTn>
+                                        <p:tgtEl>
+                                          <p:spTgt spid="3">
+                                            <p:txEl>
+                                              <p:pRg st="15" end="15"/>
+                                            </p:txEl>
+                                          </p:spTgt>
+                                        </p:tgtEl>
+                                        <p:attrNameLst>
+                                          <p:attrName>style.visibility</p:attrName>
+                                        </p:attrNameLst>
+                                      </p:cBhvr>
+                                      <p:to>
+                                        <p:strVal val="visible"/>
+                                      </p:to>
+                                    </p:set>
+                                  </p:childTnLst>
+                                </p:cTn>
+                              </p:par>
+                              <p:par>
+                                <p:cTn id="39" presetID="1" presetClass="entr" presetSubtype="0" fill="hold" grpId="0" nodeType="withEffect">
+                                  <p:stCondLst>
+                                    <p:cond delay="0"/>
+                                  </p:stCondLst>
+                                  <p:childTnLst>
+                                    <p:set>
+                                      <p:cBhvr>
+                                        <p:cTn id="40" dur="1" fill="hold">
+                                          <p:stCondLst>
+                                            <p:cond delay="0"/>
+                                          </p:stCondLst>
+                                        </p:cTn>
+                                        <p:tgtEl>
+                                          <p:spTgt spid="3">
+                                            <p:txEl>
+                                              <p:pRg st="16" end="16"/>
+                                            </p:txEl>
+                                          </p:spTgt>
+                                        </p:tgtEl>
+                                        <p:attrNameLst>
+                                          <p:attrName>style.visibility</p:attrName>
+                                        </p:attrNameLst>
+                                      </p:cBhvr>
+                                      <p:to>
+                                        <p:strVal val="visible"/>
+                                      </p:to>
+                                    </p:set>
+                                  </p:childTnLst>
+                                </p:cTn>
+                              </p:par>
+                            </p:childTnLst>
+                          </p:cTn>
+                        </p:par>
+                      </p:childTnLst>
+                    </p:cTn>
+                  </p:par>
+                  <p:par>
+                    <p:cTn id="41" fill="hold">
+                      <p:stCondLst>
+                        <p:cond delay="indefinite"/>
+                      </p:stCondLst>
+                      <p:childTnLst>
+                        <p:par>
+                          <p:cTn id="42" fill="hold">
+                            <p:stCondLst>
+                              <p:cond delay="0"/>
+                            </p:stCondLst>
+                            <p:childTnLst>
+                              <p:par>
+                                <p:cTn id="43" presetID="1" presetClass="entr" presetSubtype="0" fill="hold" grpId="0" nodeType="clickEffect">
+                                  <p:stCondLst>
+                                    <p:cond delay="0"/>
+                                  </p:stCondLst>
+                                  <p:childTnLst>
+                                    <p:set>
+                                      <p:cBhvr>
+                                        <p:cTn id="44" dur="1" fill="hold">
+                                          <p:stCondLst>
+                                            <p:cond delay="0"/>
+                                          </p:stCondLst>
+                                        </p:cTn>
+                                        <p:tgtEl>
+                                          <p:spTgt spid="3">
+                                            <p:txEl>
+                                              <p:pRg st="18" end="18"/>
                                             </p:txEl>
                                           </p:spTgt>
                                         </p:tgtEl>
@@ -24304,7 +26957,7 @@
                                         <p:tgtEl>
                                           <p:spTgt spid="3">
                                             <p:txEl>
-                                              <p:pRg st="17" end="17"/>
+                                              <p:pRg st="19" end="19"/>
                                             </p:txEl>
                                           </p:spTgt>
                                         </p:tgtEl>
@@ -24335,86 +26988,6 @@
                                         <p:tgtEl>
                                           <p:spTgt spid="3">
                                             <p:txEl>
-                                              <p:pRg st="18" end="18"/>
-                                            </p:txEl>
-                                          </p:spTgt>
-                                        </p:tgtEl>
-                                        <p:attrNameLst>
-                                          <p:attrName>style.visibility</p:attrName>
-                                        </p:attrNameLst>
-                                      </p:cBhvr>
-                                      <p:to>
-                                        <p:strVal val="visible"/>
-                                      </p:to>
-                                    </p:set>
-                                  </p:childTnLst>
-                                </p:cTn>
-                              </p:par>
-                            </p:childTnLst>
-                          </p:cTn>
-                        </p:par>
-                      </p:childTnLst>
-                    </p:cTn>
-                  </p:par>
-                  <p:par>
-                    <p:cTn id="49" fill="hold">
-                      <p:stCondLst>
-                        <p:cond delay="indefinite"/>
-                      </p:stCondLst>
-                      <p:childTnLst>
-                        <p:par>
-                          <p:cTn id="50" fill="hold">
-                            <p:stCondLst>
-                              <p:cond delay="0"/>
-                            </p:stCondLst>
-                            <p:childTnLst>
-                              <p:par>
-                                <p:cTn id="51" presetID="1" presetClass="entr" presetSubtype="0" fill="hold" grpId="0" nodeType="clickEffect">
-                                  <p:stCondLst>
-                                    <p:cond delay="0"/>
-                                  </p:stCondLst>
-                                  <p:childTnLst>
-                                    <p:set>
-                                      <p:cBhvr>
-                                        <p:cTn id="52" dur="1" fill="hold">
-                                          <p:stCondLst>
-                                            <p:cond delay="0"/>
-                                          </p:stCondLst>
-                                        </p:cTn>
-                                        <p:tgtEl>
-                                          <p:spTgt spid="3">
-                                            <p:txEl>
-                                              <p:pRg st="19" end="19"/>
-                                            </p:txEl>
-                                          </p:spTgt>
-                                        </p:tgtEl>
-                                        <p:attrNameLst>
-                                          <p:attrName>style.visibility</p:attrName>
-                                        </p:attrNameLst>
-                                      </p:cBhvr>
-                                      <p:to>
-                                        <p:strVal val="visible"/>
-                                      </p:to>
-                                    </p:set>
-                                  </p:childTnLst>
-                                </p:cTn>
-                              </p:par>
-                              <p:par>
-                                <p:cTn id="53" presetID="1" presetClass="entr" presetSubtype="0" fill="hold" grpId="0" nodeType="withEffect">
-                                  <p:stCondLst>
-                                    <p:cond delay="0"/>
-                                  </p:stCondLst>
-                                  <p:childTnLst>
-                                    <p:set>
-                                      <p:cBhvr>
-                                        <p:cTn id="54" dur="1" fill="hold">
-                                          <p:stCondLst>
-                                            <p:cond delay="0"/>
-                                          </p:stCondLst>
-                                        </p:cTn>
-                                        <p:tgtEl>
-                                          <p:spTgt spid="3">
-                                            <p:txEl>
                                               <p:pRg st="20" end="20"/>
                                             </p:txEl>
                                           </p:spTgt>
@@ -24431,14 +27004,14 @@
                                 </p:cTn>
                               </p:par>
                               <p:par>
-                                <p:cTn id="55" presetID="1" presetClass="entr" presetSubtype="0" fill="hold" grpId="0" nodeType="withEffect">
+                                <p:cTn id="49" presetID="1" presetClass="entr" presetSubtype="0" fill="hold" grpId="0" nodeType="withEffect">
                                   <p:stCondLst>
                                     <p:cond delay="0"/>
                                   </p:stCondLst>
                                   <p:childTnLst>
                                     <p:set>
                                       <p:cBhvr>
-                                        <p:cTn id="56" dur="1" fill="hold">
+                                        <p:cTn id="50" dur="1" fill="hold">
                                           <p:stCondLst>
                                             <p:cond delay="0"/>
                                           </p:stCondLst>
@@ -24461,8 +27034,75 @@
                                   </p:childTnLst>
                                 </p:cTn>
                               </p:par>
+                            </p:childTnLst>
+                          </p:cTn>
+                        </p:par>
+                      </p:childTnLst>
+                    </p:cTn>
+                  </p:par>
+                  <p:par>
+                    <p:cTn id="51" fill="hold">
+                      <p:stCondLst>
+                        <p:cond delay="indefinite"/>
+                      </p:stCondLst>
+                      <p:childTnLst>
+                        <p:par>
+                          <p:cTn id="52" fill="hold">
+                            <p:stCondLst>
+                              <p:cond delay="0"/>
+                            </p:stCondLst>
+                            <p:childTnLst>
                               <p:par>
-                                <p:cTn id="57" presetID="1" presetClass="entr" presetSubtype="0" fill="hold" grpId="0" nodeType="withEffect">
+                                <p:cTn id="53" presetID="1" presetClass="entr" presetSubtype="0" fill="hold" grpId="0" nodeType="clickEffect">
+                                  <p:stCondLst>
+                                    <p:cond delay="0"/>
+                                  </p:stCondLst>
+                                  <p:childTnLst>
+                                    <p:set>
+                                      <p:cBhvr>
+                                        <p:cTn id="54" dur="1" fill="hold">
+                                          <p:stCondLst>
+                                            <p:cond delay="0"/>
+                                          </p:stCondLst>
+                                        </p:cTn>
+                                        <p:tgtEl>
+                                          <p:spTgt spid="3">
+                                            <p:txEl>
+                                              <p:pRg st="22" end="22"/>
+                                            </p:txEl>
+                                          </p:spTgt>
+                                        </p:tgtEl>
+                                        <p:attrNameLst>
+                                          <p:attrName>style.visibility</p:attrName>
+                                        </p:attrNameLst>
+                                      </p:cBhvr>
+                                      <p:to>
+                                        <p:strVal val="visible"/>
+                                      </p:to>
+                                    </p:set>
+                                  </p:childTnLst>
+                                </p:cTn>
+                              </p:par>
+                            </p:childTnLst>
+                          </p:cTn>
+                        </p:par>
+                      </p:childTnLst>
+                    </p:cTn>
+                  </p:par>
+                  <p:par>
+                    <p:cTn id="55" fill="hold">
+                      <p:stCondLst>
+                        <p:cond delay="indefinite"/>
+                      </p:stCondLst>
+                      <p:childTnLst>
+                        <p:par>
+                          <p:cTn id="56" fill="hold">
+                            <p:stCondLst>
+                              <p:cond delay="0"/>
+                            </p:stCondLst>
+                            <p:childTnLst>
+                              <p:par>
+                                <p:cTn id="57" presetID="1" presetClass="entr" presetSubtype="0" fill="hold" grpId="0" nodeType="clickEffect">
                                   <p:stCondLst>
                                     <p:cond delay="0"/>
                                   </p:stCondLst>
@@ -24557,7 +27197,7 @@
 </p:sld>
 </file>
 
-<file path=ppt/slides/slide31.xml><?xml version="1.0" encoding="utf-8"?>
+<file path=ppt/slides/slide32.xml><?xml version="1.0" encoding="utf-8"?>
 <p:sld xmlns:a="http://schemas.openxmlformats.org/drawingml/2006/main" xmlns:r="http://schemas.openxmlformats.org/officeDocument/2006/relationships" xmlns:p="http://schemas.openxmlformats.org/presentationml/2006/main">
   <p:cSld>
     <p:spTree>
@@ -24596,7 +27236,15 @@
           <a:p>
             <a:r>
               <a:rPr lang="en-US" dirty="0" smtClean="0"/>
-              <a:t>Go Output Redirection</a:t>
+              <a:t>Go Output </a:t>
+            </a:r>
+            <a:r>
+              <a:rPr lang="en-US" dirty="0" smtClean="0"/>
+              <a:t>Redirection </a:t>
+            </a:r>
+            <a:r>
+              <a:rPr lang="en-US" dirty="0" err="1" smtClean="0"/>
+              <a:t>ExamPLE</a:t>
             </a:r>
             <a:endParaRPr lang="en-US" dirty="0"/>
           </a:p>
@@ -24767,8 +27415,25 @@
                 <a:latin typeface="Consolas" panose="020B0609020204030204" pitchFamily="49" charset="0"/>
                 <a:cs typeface="Consolas" panose="020B0609020204030204" pitchFamily="49" charset="0"/>
               </a:rPr>
-              <a:t> that outputs some data as a list</a:t>
-            </a:r>
+              <a:t> that outputs </a:t>
+            </a:r>
+            <a:r>
+              <a:rPr lang="en-US" sz="1400" dirty="0" smtClean="0">
+                <a:solidFill>
+                  <a:schemeClr val="bg1"/>
+                </a:solidFill>
+                <a:latin typeface="Consolas" panose="020B0609020204030204" pitchFamily="49" charset="0"/>
+                <a:cs typeface="Consolas" panose="020B0609020204030204" pitchFamily="49" charset="0"/>
+              </a:rPr>
+              <a:t>data (in this case 5)</a:t>
+            </a:r>
+            <a:endParaRPr lang="en-US" sz="1400" dirty="0">
+              <a:solidFill>
+                <a:schemeClr val="bg1"/>
+              </a:solidFill>
+              <a:latin typeface="Consolas" panose="020B0609020204030204" pitchFamily="49" charset="0"/>
+              <a:cs typeface="Consolas" panose="020B0609020204030204" pitchFamily="49" charset="0"/>
+            </a:endParaRPr>
           </a:p>
           <a:p>
             <a:pPr marL="0" indent="0">
@@ -25635,15 +28300,33 @@
                                   </p:childTnLst>
                                 </p:cTn>
                               </p:par>
+                            </p:childTnLst>
+                          </p:cTn>
+                        </p:par>
+                      </p:childTnLst>
+                    </p:cTn>
+                  </p:par>
+                  <p:par>
+                    <p:cTn id="7" fill="hold">
+                      <p:stCondLst>
+                        <p:cond delay="indefinite"/>
+                      </p:stCondLst>
+                      <p:childTnLst>
+                        <p:par>
+                          <p:cTn id="8" fill="hold">
+                            <p:stCondLst>
+                              <p:cond delay="0"/>
+                            </p:stCondLst>
+                            <p:childTnLst>
                               <p:par>
-                                <p:cTn id="7" presetID="1" presetClass="entr" presetSubtype="0" fill="hold" grpId="0" nodeType="withEffect">
+                                <p:cTn id="9" presetID="1" presetClass="entr" presetSubtype="0" fill="hold" grpId="0" nodeType="clickEffect">
                                   <p:stCondLst>
                                     <p:cond delay="0"/>
                                   </p:stCondLst>
                                   <p:childTnLst>
                                     <p:set>
                                       <p:cBhvr>
-                                        <p:cTn id="8" dur="1" fill="hold">
+                                        <p:cTn id="10" dur="1" fill="hold">
                                           <p:stCondLst>
                                             <p:cond delay="0"/>
                                           </p:stCondLst>
@@ -25667,14 +28350,14 @@
                                 </p:cTn>
                               </p:par>
                               <p:par>
-                                <p:cTn id="9" presetID="1" presetClass="entr" presetSubtype="0" fill="hold" grpId="0" nodeType="withEffect">
+                                <p:cTn id="11" presetID="1" presetClass="entr" presetSubtype="0" fill="hold" grpId="0" nodeType="withEffect">
                                   <p:stCondLst>
                                     <p:cond delay="0"/>
                                   </p:stCondLst>
                                   <p:childTnLst>
                                     <p:set>
                                       <p:cBhvr>
-                                        <p:cTn id="10" dur="1" fill="hold">
+                                        <p:cTn id="12" dur="1" fill="hold">
                                           <p:stCondLst>
                                             <p:cond delay="0"/>
                                           </p:stCondLst>
@@ -25704,26 +28387,26 @@
                     </p:cTn>
                   </p:par>
                   <p:par>
-                    <p:cTn id="11" fill="hold">
+                    <p:cTn id="13" fill="hold">
                       <p:stCondLst>
                         <p:cond delay="indefinite"/>
                       </p:stCondLst>
                       <p:childTnLst>
                         <p:par>
-                          <p:cTn id="12" fill="hold">
+                          <p:cTn id="14" fill="hold">
                             <p:stCondLst>
                               <p:cond delay="0"/>
                             </p:stCondLst>
                             <p:childTnLst>
                               <p:par>
-                                <p:cTn id="13" presetID="1" presetClass="entr" presetSubtype="0" fill="hold" grpId="0" nodeType="clickEffect">
+                                <p:cTn id="15" presetID="1" presetClass="entr" presetSubtype="0" fill="hold" grpId="0" nodeType="clickEffect">
                                   <p:stCondLst>
                                     <p:cond delay="0"/>
                                   </p:stCondLst>
                                   <p:childTnLst>
                                     <p:set>
                                       <p:cBhvr>
-                                        <p:cTn id="14" dur="1" fill="hold">
+                                        <p:cTn id="16" dur="1" fill="hold">
                                           <p:stCondLst>
                                             <p:cond delay="0"/>
                                           </p:stCondLst>
@@ -25747,14 +28430,14 @@
                                 </p:cTn>
                               </p:par>
                               <p:par>
-                                <p:cTn id="15" presetID="1" presetClass="entr" presetSubtype="0" fill="hold" grpId="0" nodeType="withEffect">
+                                <p:cTn id="17" presetID="1" presetClass="entr" presetSubtype="0" fill="hold" grpId="0" nodeType="withEffect">
                                   <p:stCondLst>
                                     <p:cond delay="0"/>
                                   </p:stCondLst>
                                   <p:childTnLst>
                                     <p:set>
                                       <p:cBhvr>
-                                        <p:cTn id="16" dur="1" fill="hold">
+                                        <p:cTn id="18" dur="1" fill="hold">
                                           <p:stCondLst>
                                             <p:cond delay="0"/>
                                           </p:stCondLst>
@@ -25784,50 +28467,19 @@
                     </p:cTn>
                   </p:par>
                   <p:par>
-                    <p:cTn id="17" fill="hold">
+                    <p:cTn id="19" fill="hold">
                       <p:stCondLst>
                         <p:cond delay="indefinite"/>
                       </p:stCondLst>
                       <p:childTnLst>
                         <p:par>
-                          <p:cTn id="18" fill="hold">
+                          <p:cTn id="20" fill="hold">
                             <p:stCondLst>
                               <p:cond delay="0"/>
                             </p:stCondLst>
                             <p:childTnLst>
                               <p:par>
-                                <p:cTn id="19" presetID="1" presetClass="entr" presetSubtype="0" fill="hold" grpId="0" nodeType="clickEffect">
-                                  <p:stCondLst>
-                                    <p:cond delay="0"/>
-                                  </p:stCondLst>
-                                  <p:childTnLst>
-                                    <p:set>
-                                      <p:cBhvr>
-                                        <p:cTn id="20" dur="1" fill="hold">
-                                          <p:stCondLst>
-                                            <p:cond delay="0"/>
-                                          </p:stCondLst>
-                                        </p:cTn>
-                                        <p:tgtEl>
-                                          <p:spTgt spid="3">
-                                            <p:txEl>
-                                              <p:pRg st="7" end="7"/>
-                                            </p:txEl>
-                                          </p:spTgt>
-                                        </p:tgtEl>
-                                        <p:attrNameLst>
-                                          <p:attrName>style.visibility</p:attrName>
-                                        </p:attrNameLst>
-                                      </p:cBhvr>
-                                      <p:to>
-                                        <p:strVal val="visible"/>
-                                      </p:to>
-                                    </p:set>
-                                  </p:childTnLst>
-                                </p:cTn>
-                              </p:par>
-                              <p:par>
-                                <p:cTn id="21" presetID="1" presetClass="entr" presetSubtype="0" fill="hold" grpId="0" nodeType="withEffect">
+                                <p:cTn id="21" presetID="1" presetClass="entr" presetSubtype="0" fill="hold" grpId="0" nodeType="clickEffect">
                                   <p:stCondLst>
                                     <p:cond delay="0"/>
                                   </p:stCondLst>
@@ -25842,7 +28494,7 @@
                                         <p:tgtEl>
                                           <p:spTgt spid="3">
                                             <p:txEl>
-                                              <p:pRg st="8" end="8"/>
+                                              <p:pRg st="7" end="7"/>
                                             </p:txEl>
                                           </p:spTgt>
                                         </p:tgtEl>
@@ -25873,7 +28525,7 @@
                                         <p:tgtEl>
                                           <p:spTgt spid="3">
                                             <p:txEl>
-                                              <p:pRg st="9" end="9"/>
+                                              <p:pRg st="8" end="8"/>
                                             </p:txEl>
                                           </p:spTgt>
                                         </p:tgtEl>
@@ -25904,6 +28556,37 @@
                                         <p:tgtEl>
                                           <p:spTgt spid="3">
                                             <p:txEl>
+                                              <p:pRg st="9" end="9"/>
+                                            </p:txEl>
+                                          </p:spTgt>
+                                        </p:tgtEl>
+                                        <p:attrNameLst>
+                                          <p:attrName>style.visibility</p:attrName>
+                                        </p:attrNameLst>
+                                      </p:cBhvr>
+                                      <p:to>
+                                        <p:strVal val="visible"/>
+                                      </p:to>
+                                    </p:set>
+                                  </p:childTnLst>
+                                </p:cTn>
+                              </p:par>
+                              <p:par>
+                                <p:cTn id="27" presetID="1" presetClass="entr" presetSubtype="0" fill="hold" grpId="0" nodeType="withEffect">
+                                  <p:stCondLst>
+                                    <p:cond delay="0"/>
+                                  </p:stCondLst>
+                                  <p:childTnLst>
+                                    <p:set>
+                                      <p:cBhvr>
+                                        <p:cTn id="28" dur="1" fill="hold">
+                                          <p:stCondLst>
+                                            <p:cond delay="0"/>
+                                          </p:stCondLst>
+                                        </p:cTn>
+                                        <p:tgtEl>
+                                          <p:spTgt spid="3">
+                                            <p:txEl>
                                               <p:pRg st="10" end="10"/>
                                             </p:txEl>
                                           </p:spTgt>
@@ -25926,26 +28609,26 @@
                     </p:cTn>
                   </p:par>
                   <p:par>
-                    <p:cTn id="27" fill="hold">
+                    <p:cTn id="29" fill="hold">
                       <p:stCondLst>
                         <p:cond delay="indefinite"/>
                       </p:stCondLst>
                       <p:childTnLst>
                         <p:par>
-                          <p:cTn id="28" fill="hold">
+                          <p:cTn id="30" fill="hold">
                             <p:stCondLst>
                               <p:cond delay="0"/>
                             </p:stCondLst>
                             <p:childTnLst>
                               <p:par>
-                                <p:cTn id="29" presetID="1" presetClass="entr" presetSubtype="0" fill="hold" grpId="0" nodeType="clickEffect">
+                                <p:cTn id="31" presetID="1" presetClass="entr" presetSubtype="0" fill="hold" grpId="0" nodeType="clickEffect">
                                   <p:stCondLst>
                                     <p:cond delay="0"/>
                                   </p:stCondLst>
                                   <p:childTnLst>
                                     <p:set>
                                       <p:cBhvr>
-                                        <p:cTn id="30" dur="1" fill="hold">
+                                        <p:cTn id="32" dur="1" fill="hold">
                                           <p:stCondLst>
                                             <p:cond delay="0"/>
                                           </p:stCondLst>
@@ -25969,14 +28652,14 @@
                                 </p:cTn>
                               </p:par>
                               <p:par>
-                                <p:cTn id="31" presetID="1" presetClass="entr" presetSubtype="0" fill="hold" grpId="0" nodeType="withEffect">
+                                <p:cTn id="33" presetID="1" presetClass="entr" presetSubtype="0" fill="hold" grpId="0" nodeType="withEffect">
                                   <p:stCondLst>
                                     <p:cond delay="0"/>
                                   </p:stCondLst>
                                   <p:childTnLst>
                                     <p:set>
                                       <p:cBhvr>
-                                        <p:cTn id="32" dur="1" fill="hold">
+                                        <p:cTn id="34" dur="1" fill="hold">
                                           <p:stCondLst>
                                             <p:cond delay="0"/>
                                           </p:stCondLst>
@@ -26006,26 +28689,26 @@
                     </p:cTn>
                   </p:par>
                   <p:par>
-                    <p:cTn id="33" fill="hold">
+                    <p:cTn id="35" fill="hold">
                       <p:stCondLst>
                         <p:cond delay="indefinite"/>
                       </p:stCondLst>
                       <p:childTnLst>
                         <p:par>
-                          <p:cTn id="34" fill="hold">
+                          <p:cTn id="36" fill="hold">
                             <p:stCondLst>
                               <p:cond delay="0"/>
                             </p:stCondLst>
                             <p:childTnLst>
                               <p:par>
-                                <p:cTn id="35" presetID="1" presetClass="entr" presetSubtype="0" fill="hold" grpId="0" nodeType="clickEffect">
+                                <p:cTn id="37" presetID="1" presetClass="entr" presetSubtype="0" fill="hold" grpId="0" nodeType="clickEffect">
                                   <p:stCondLst>
                                     <p:cond delay="0"/>
                                   </p:stCondLst>
                                   <p:childTnLst>
                                     <p:set>
                                       <p:cBhvr>
-                                        <p:cTn id="36" dur="1" fill="hold">
+                                        <p:cTn id="38" dur="1" fill="hold">
                                           <p:stCondLst>
                                             <p:cond delay="0"/>
                                           </p:stCondLst>
@@ -26049,14 +28732,14 @@
                                 </p:cTn>
                               </p:par>
                               <p:par>
-                                <p:cTn id="37" presetID="1" presetClass="entr" presetSubtype="0" fill="hold" grpId="0" nodeType="withEffect">
+                                <p:cTn id="39" presetID="1" presetClass="entr" presetSubtype="0" fill="hold" grpId="0" nodeType="withEffect">
                                   <p:stCondLst>
                                     <p:cond delay="0"/>
                                   </p:stCondLst>
                                   <p:childTnLst>
                                     <p:set>
                                       <p:cBhvr>
-                                        <p:cTn id="38" dur="1" fill="hold">
+                                        <p:cTn id="40" dur="1" fill="hold">
                                           <p:stCondLst>
                                             <p:cond delay="0"/>
                                           </p:stCondLst>
@@ -26086,26 +28769,26 @@
                     </p:cTn>
                   </p:par>
                   <p:par>
-                    <p:cTn id="39" fill="hold">
+                    <p:cTn id="41" fill="hold">
                       <p:stCondLst>
                         <p:cond delay="indefinite"/>
                       </p:stCondLst>
                       <p:childTnLst>
                         <p:par>
-                          <p:cTn id="40" fill="hold">
+                          <p:cTn id="42" fill="hold">
                             <p:stCondLst>
                               <p:cond delay="0"/>
                             </p:stCondLst>
                             <p:childTnLst>
                               <p:par>
-                                <p:cTn id="41" presetID="1" presetClass="entr" presetSubtype="0" fill="hold" grpId="0" nodeType="clickEffect">
+                                <p:cTn id="43" presetID="1" presetClass="entr" presetSubtype="0" fill="hold" grpId="0" nodeType="clickEffect">
                                   <p:stCondLst>
                                     <p:cond delay="0"/>
                                   </p:stCondLst>
                                   <p:childTnLst>
                                     <p:set>
                                       <p:cBhvr>
-                                        <p:cTn id="42" dur="1" fill="hold">
+                                        <p:cTn id="44" dur="1" fill="hold">
                                           <p:stCondLst>
                                             <p:cond delay="0"/>
                                           </p:stCondLst>
@@ -26129,14 +28812,14 @@
                                 </p:cTn>
                               </p:par>
                               <p:par>
-                                <p:cTn id="43" presetID="1" presetClass="entr" presetSubtype="0" fill="hold" grpId="0" nodeType="withEffect">
+                                <p:cTn id="45" presetID="1" presetClass="entr" presetSubtype="0" fill="hold" grpId="0" nodeType="withEffect">
                                   <p:stCondLst>
                                     <p:cond delay="0"/>
                                   </p:stCondLst>
                                   <p:childTnLst>
                                     <p:set>
                                       <p:cBhvr>
-                                        <p:cTn id="44" dur="1" fill="hold">
+                                        <p:cTn id="46" dur="1" fill="hold">
                                           <p:stCondLst>
                                             <p:cond delay="0"/>
                                           </p:stCondLst>
@@ -26160,14 +28843,14 @@
                                 </p:cTn>
                               </p:par>
                               <p:par>
-                                <p:cTn id="45" presetID="1" presetClass="entr" presetSubtype="0" fill="hold" grpId="0" nodeType="withEffect">
+                                <p:cTn id="47" presetID="1" presetClass="entr" presetSubtype="0" fill="hold" grpId="0" nodeType="withEffect">
                                   <p:stCondLst>
                                     <p:cond delay="0"/>
                                   </p:stCondLst>
                                   <p:childTnLst>
                                     <p:set>
                                       <p:cBhvr>
-                                        <p:cTn id="46" dur="1" fill="hold">
+                                        <p:cTn id="48" dur="1" fill="hold">
                                           <p:stCondLst>
                                             <p:cond delay="0"/>
                                           </p:stCondLst>
@@ -26224,7 +28907,7 @@
 </p:sld>
 </file>
 
-<file path=ppt/slides/slide32.xml><?xml version="1.0" encoding="utf-8"?>
+<file path=ppt/slides/slide33.xml><?xml version="1.0" encoding="utf-8"?>
 <p:sld xmlns:a="http://schemas.openxmlformats.org/drawingml/2006/main" xmlns:r="http://schemas.openxmlformats.org/officeDocument/2006/relationships" xmlns:p="http://schemas.openxmlformats.org/presentationml/2006/main">
   <p:cSld>
     <p:spTree>
@@ -27128,7 +29811,7 @@
                 <a:latin typeface="Consolas" panose="020B0609020204030204" pitchFamily="49" charset="0"/>
                 <a:cs typeface="Consolas" panose="020B0609020204030204" pitchFamily="49" charset="0"/>
               </a:rPr>
-              <a:t>-type</a:t>
+              <a:t>-type ;specify type of message to handle</a:t>
             </a:r>
             <a:endParaRPr lang="en-US" sz="1400" dirty="0">
               <a:solidFill>
@@ -27166,8 +29849,25 @@
                 <a:latin typeface="Consolas" panose="020B0609020204030204" pitchFamily="49" charset="0"/>
                 <a:cs typeface="Consolas" panose="020B0609020204030204" pitchFamily="49" charset="0"/>
               </a:rPr>
-              <a:t>#f</a:t>
-            </a:r>
+              <a:t>#</a:t>
+            </a:r>
+            <a:r>
+              <a:rPr lang="en-US" sz="1400" dirty="0" smtClean="0">
+                <a:solidFill>
+                  <a:schemeClr val="bg1"/>
+                </a:solidFill>
+                <a:latin typeface="Consolas" panose="020B0609020204030204" pitchFamily="49" charset="0"/>
+                <a:cs typeface="Consolas" panose="020B0609020204030204" pitchFamily="49" charset="0"/>
+              </a:rPr>
+              <a:t>f ;specify only handle messages with source set to #f</a:t>
+            </a:r>
+            <a:endParaRPr lang="en-US" sz="1400" dirty="0">
+              <a:solidFill>
+                <a:schemeClr val="bg1"/>
+              </a:solidFill>
+              <a:latin typeface="Consolas" panose="020B0609020204030204" pitchFamily="49" charset="0"/>
+              <a:cs typeface="Consolas" panose="020B0609020204030204" pitchFamily="49" charset="0"/>
+            </a:endParaRPr>
           </a:p>
           <a:p>
             <a:pPr marL="0" indent="0">
@@ -27288,87 +29988,7 @@
               </a:spcBef>
               <a:buNone/>
             </a:pPr>
-            <a:r>
-              <a:rPr lang="en-US" sz="1400" dirty="0" smtClean="0">
-                <a:solidFill>
-                  <a:schemeClr val="bg1"/>
-                </a:solidFill>
-                <a:latin typeface="Consolas" panose="020B0609020204030204" pitchFamily="49" charset="0"/>
-                <a:cs typeface="Consolas" panose="020B0609020204030204" pitchFamily="49" charset="0"/>
-              </a:rPr>
-              <a:t>                               (</a:t>
-            </a:r>
-            <a:r>
-              <a:rPr lang="en-US" sz="1400" dirty="0">
-                <a:solidFill>
-                  <a:schemeClr val="bg1"/>
-                </a:solidFill>
-                <a:latin typeface="Consolas" panose="020B0609020204030204" pitchFamily="49" charset="0"/>
-                <a:cs typeface="Consolas" panose="020B0609020204030204" pitchFamily="49" charset="0"/>
-              </a:rPr>
-              <a:t>send-message </a:t>
-            </a:r>
-            <a:r>
-              <a:rPr lang="en-US" sz="1400" dirty="0" err="1">
-                <a:solidFill>
-                  <a:schemeClr val="bg1"/>
-                </a:solidFill>
-                <a:latin typeface="Consolas" panose="020B0609020204030204" pitchFamily="49" charset="0"/>
-                <a:cs typeface="Consolas" panose="020B0609020204030204" pitchFamily="49" charset="0"/>
-              </a:rPr>
-              <a:t>dp</a:t>
-            </a:r>
-            <a:r>
-              <a:rPr lang="en-US" sz="1400" dirty="0">
-                <a:solidFill>
-                  <a:schemeClr val="bg1"/>
-                </a:solidFill>
-                <a:latin typeface="Consolas" panose="020B0609020204030204" pitchFamily="49" charset="0"/>
-                <a:cs typeface="Consolas" panose="020B0609020204030204" pitchFamily="49" charset="0"/>
-              </a:rPr>
-              <a:t> </a:t>
-            </a:r>
-            <a:r>
-              <a:rPr lang="en-US" sz="1400" dirty="0" err="1">
-                <a:solidFill>
-                  <a:schemeClr val="bg1"/>
-                </a:solidFill>
-                <a:latin typeface="Consolas" panose="020B0609020204030204" pitchFamily="49" charset="0"/>
-                <a:cs typeface="Consolas" panose="020B0609020204030204" pitchFamily="49" charset="0"/>
-              </a:rPr>
-              <a:t>msg</a:t>
-            </a:r>
-            <a:r>
-              <a:rPr lang="en-US" sz="1400" dirty="0" smtClean="0">
-                <a:solidFill>
-                  <a:schemeClr val="bg1"/>
-                </a:solidFill>
-                <a:latin typeface="Consolas" panose="020B0609020204030204" pitchFamily="49" charset="0"/>
-                <a:cs typeface="Consolas" panose="020B0609020204030204" pitchFamily="49" charset="0"/>
-              </a:rPr>
-              <a:t>) </a:t>
-            </a:r>
-            <a:r>
-              <a:rPr lang="en-US" sz="1400" dirty="0">
-                <a:solidFill>
-                  <a:schemeClr val="bg1"/>
-                </a:solidFill>
-                <a:latin typeface="Consolas" panose="020B0609020204030204" pitchFamily="49" charset="0"/>
-                <a:cs typeface="Consolas" panose="020B0609020204030204" pitchFamily="49" charset="0"/>
-              </a:rPr>
-              <a:t>;send a message to our </a:t>
-            </a:r>
-            <a:r>
-              <a:rPr lang="en-US" sz="1400" dirty="0" smtClean="0">
-                <a:solidFill>
-                  <a:schemeClr val="bg1"/>
-                </a:solidFill>
-                <a:latin typeface="Consolas" panose="020B0609020204030204" pitchFamily="49" charset="0"/>
-                <a:cs typeface="Consolas" panose="020B0609020204030204" pitchFamily="49" charset="0"/>
-              </a:rPr>
-              <a:t>handler</a:t>
-            </a:r>
-            <a:endParaRPr lang="en-US" sz="1400" dirty="0">
+            <a:endParaRPr lang="en-US" sz="1400" dirty="0" smtClean="0">
               <a:solidFill>
                 <a:schemeClr val="bg1"/>
               </a:solidFill>
@@ -27386,6 +30006,86 @@
               </a:spcBef>
               <a:buNone/>
             </a:pPr>
+            <a:r>
+              <a:rPr lang="en-US" sz="1400" dirty="0" smtClean="0">
+                <a:solidFill>
+                  <a:schemeClr val="bg1"/>
+                </a:solidFill>
+                <a:latin typeface="Consolas" panose="020B0609020204030204" pitchFamily="49" charset="0"/>
+                <a:cs typeface="Consolas" panose="020B0609020204030204" pitchFamily="49" charset="0"/>
+              </a:rPr>
+              <a:t>      (</a:t>
+            </a:r>
+            <a:r>
+              <a:rPr lang="en-US" sz="1400" dirty="0">
+                <a:solidFill>
+                  <a:schemeClr val="bg1"/>
+                </a:solidFill>
+                <a:latin typeface="Consolas" panose="020B0609020204030204" pitchFamily="49" charset="0"/>
+                <a:cs typeface="Consolas" panose="020B0609020204030204" pitchFamily="49" charset="0"/>
+              </a:rPr>
+              <a:t>send-message </a:t>
+            </a:r>
+            <a:r>
+              <a:rPr lang="en-US" sz="1400" dirty="0" err="1">
+                <a:solidFill>
+                  <a:schemeClr val="bg1"/>
+                </a:solidFill>
+                <a:latin typeface="Consolas" panose="020B0609020204030204" pitchFamily="49" charset="0"/>
+                <a:cs typeface="Consolas" panose="020B0609020204030204" pitchFamily="49" charset="0"/>
+              </a:rPr>
+              <a:t>dp</a:t>
+            </a:r>
+            <a:r>
+              <a:rPr lang="en-US" sz="1400" dirty="0">
+                <a:solidFill>
+                  <a:schemeClr val="bg1"/>
+                </a:solidFill>
+                <a:latin typeface="Consolas" panose="020B0609020204030204" pitchFamily="49" charset="0"/>
+                <a:cs typeface="Consolas" panose="020B0609020204030204" pitchFamily="49" charset="0"/>
+              </a:rPr>
+              <a:t> </a:t>
+            </a:r>
+            <a:r>
+              <a:rPr lang="en-US" sz="1400" dirty="0" err="1">
+                <a:solidFill>
+                  <a:schemeClr val="bg1"/>
+                </a:solidFill>
+                <a:latin typeface="Consolas" panose="020B0609020204030204" pitchFamily="49" charset="0"/>
+                <a:cs typeface="Consolas" panose="020B0609020204030204" pitchFamily="49" charset="0"/>
+              </a:rPr>
+              <a:t>msg</a:t>
+            </a:r>
+            <a:r>
+              <a:rPr lang="en-US" sz="1400" dirty="0" smtClean="0">
+                <a:solidFill>
+                  <a:schemeClr val="bg1"/>
+                </a:solidFill>
+                <a:latin typeface="Consolas" panose="020B0609020204030204" pitchFamily="49" charset="0"/>
+                <a:cs typeface="Consolas" panose="020B0609020204030204" pitchFamily="49" charset="0"/>
+              </a:rPr>
+              <a:t>) </a:t>
+            </a:r>
+            <a:r>
+              <a:rPr lang="en-US" sz="1400" dirty="0">
+                <a:solidFill>
+                  <a:schemeClr val="bg1"/>
+                </a:solidFill>
+                <a:latin typeface="Consolas" panose="020B0609020204030204" pitchFamily="49" charset="0"/>
+                <a:cs typeface="Consolas" panose="020B0609020204030204" pitchFamily="49" charset="0"/>
+              </a:rPr>
+              <a:t>;send a message to our </a:t>
+            </a:r>
+            <a:r>
+              <a:rPr lang="en-US" sz="1400" dirty="0" smtClean="0">
+                <a:solidFill>
+                  <a:schemeClr val="bg1"/>
+                </a:solidFill>
+                <a:latin typeface="Consolas" panose="020B0609020204030204" pitchFamily="49" charset="0"/>
+                <a:cs typeface="Consolas" panose="020B0609020204030204" pitchFamily="49" charset="0"/>
+              </a:rPr>
+              <a:t>handler</a:t>
+            </a:r>
             <a:endParaRPr lang="en-US" sz="1400" dirty="0">
               <a:solidFill>
                 <a:schemeClr val="bg1"/>
@@ -28360,15 +31060,33 @@
                                   </p:childTnLst>
                                 </p:cTn>
                               </p:par>
+                            </p:childTnLst>
+                          </p:cTn>
+                        </p:par>
+                      </p:childTnLst>
+                    </p:cTn>
+                  </p:par>
+                  <p:par>
+                    <p:cTn id="51" fill="hold">
+                      <p:stCondLst>
+                        <p:cond delay="indefinite"/>
+                      </p:stCondLst>
+                      <p:childTnLst>
+                        <p:par>
+                          <p:cTn id="52" fill="hold">
+                            <p:stCondLst>
+                              <p:cond delay="0"/>
+                            </p:stCondLst>
+                            <p:childTnLst>
                               <p:par>
-                                <p:cTn id="51" presetID="1" presetClass="entr" presetSubtype="0" fill="hold" grpId="0" nodeType="withEffect">
+                                <p:cTn id="53" presetID="1" presetClass="entr" presetSubtype="0" fill="hold" grpId="0" nodeType="clickEffect">
                                   <p:stCondLst>
                                     <p:cond delay="0"/>
                                   </p:stCondLst>
                                   <p:childTnLst>
                                     <p:set>
                                       <p:cBhvr>
-                                        <p:cTn id="52" dur="1" fill="hold">
+                                        <p:cTn id="54" dur="1" fill="hold">
                                           <p:stCondLst>
                                             <p:cond delay="0"/>
                                           </p:stCondLst>
@@ -28376,7 +31094,7 @@
                                         <p:tgtEl>
                                           <p:spTgt spid="3">
                                             <p:txEl>
-                                              <p:pRg st="22" end="22"/>
+                                              <p:pRg st="23" end="23"/>
                                             </p:txEl>
                                           </p:spTgt>
                                         </p:tgtEl>
@@ -28398,26 +31116,26 @@
                     </p:cTn>
                   </p:par>
                   <p:par>
-                    <p:cTn id="53" fill="hold">
+                    <p:cTn id="55" fill="hold">
                       <p:stCondLst>
                         <p:cond delay="indefinite"/>
                       </p:stCondLst>
                       <p:childTnLst>
                         <p:par>
-                          <p:cTn id="54" fill="hold">
+                          <p:cTn id="56" fill="hold">
                             <p:stCondLst>
                               <p:cond delay="0"/>
                             </p:stCondLst>
                             <p:childTnLst>
                               <p:par>
-                                <p:cTn id="55" presetID="1" presetClass="entr" presetSubtype="0" fill="hold" grpId="0" nodeType="clickEffect">
+                                <p:cTn id="57" presetID="1" presetClass="entr" presetSubtype="0" fill="hold" grpId="0" nodeType="clickEffect">
                                   <p:stCondLst>
                                     <p:cond delay="0"/>
                                   </p:stCondLst>
                                   <p:childTnLst>
                                     <p:set>
                                       <p:cBhvr>
-                                        <p:cTn id="56" dur="1" fill="hold">
+                                        <p:cTn id="58" dur="1" fill="hold">
                                           <p:stCondLst>
                                             <p:cond delay="0"/>
                                           </p:stCondLst>
@@ -28441,14 +31159,14 @@
                                 </p:cTn>
                               </p:par>
                               <p:par>
-                                <p:cTn id="57" presetID="1" presetClass="entr" presetSubtype="0" fill="hold" grpId="0" nodeType="withEffect">
+                                <p:cTn id="59" presetID="1" presetClass="entr" presetSubtype="0" fill="hold" grpId="0" nodeType="withEffect">
                                   <p:stCondLst>
                                     <p:cond delay="0"/>
                                   </p:stCondLst>
                                   <p:childTnLst>
                                     <p:set>
                                       <p:cBhvr>
-                                        <p:cTn id="58" dur="1" fill="hold">
+                                        <p:cTn id="60" dur="1" fill="hold">
                                           <p:stCondLst>
                                             <p:cond delay="0"/>
                                           </p:stCondLst>
@@ -28472,14 +31190,14 @@
                                 </p:cTn>
                               </p:par>
                               <p:par>
-                                <p:cTn id="59" presetID="1" presetClass="entr" presetSubtype="0" fill="hold" grpId="0" nodeType="withEffect">
+                                <p:cTn id="61" presetID="1" presetClass="entr" presetSubtype="0" fill="hold" grpId="0" nodeType="withEffect">
                                   <p:stCondLst>
                                     <p:cond delay="0"/>
                                   </p:stCondLst>
                                   <p:childTnLst>
                                     <p:set>
                                       <p:cBhvr>
-                                        <p:cTn id="60" dur="1" fill="hold">
+                                        <p:cTn id="62" dur="1" fill="hold">
                                           <p:stCondLst>
                                             <p:cond delay="0"/>
                                           </p:stCondLst>
@@ -28536,8 +31254,8 @@
 </p:sld>
 </file>
 
-<file path=ppt/slides/slide33.xml><?xml version="1.0" encoding="utf-8"?>
-<p:sld xmlns:a="http://schemas.openxmlformats.org/drawingml/2006/main" xmlns:r="http://schemas.openxmlformats.org/officeDocument/2006/relationships" xmlns:p="http://schemas.openxmlformats.org/presentationml/2006/main">
+<file path=ppt/slides/slide34.xml><?xml version="1.0" encoding="utf-8"?>
+<p:sld xmlns:a="http://schemas.openxmlformats.org/drawingml/2006/main" xmlns:r="http://schemas.openxmlformats.org/officeDocument/2006/relationships" xmlns:p="http://schemas.openxmlformats.org/presentationml/2006/main" show="0">
   <p:cSld>
     <p:spTree>
       <p:nvGrpSpPr>
@@ -28621,26 +31339,35 @@
               <a:buNone/>
             </a:pPr>
             <a:r>
-              <a:rPr lang="en-US" sz="1400" dirty="0">
-                <a:solidFill>
-                  <a:schemeClr val="bg1"/>
-                </a:solidFill>
-                <a:latin typeface="Consolas" panose="020B0609020204030204" pitchFamily="49" charset="0"/>
-                <a:cs typeface="Consolas" panose="020B0609020204030204" pitchFamily="49" charset="0"/>
-              </a:rPr>
-              <a:t>(define (non-trivial-computation-ex nth)</a:t>
-            </a:r>
-          </a:p>
-          <a:p>
-            <a:pPr marL="0" indent="0">
-              <a:lnSpc>
-                <a:spcPct val="100000"/>
-              </a:lnSpc>
-              <a:spcBef>
-                <a:spcPts val="0"/>
-              </a:spcBef>
-              <a:buNone/>
-            </a:pPr>
+              <a:rPr lang="en-US" sz="1400" dirty="0" smtClean="0">
+                <a:solidFill>
+                  <a:schemeClr val="bg1"/>
+                </a:solidFill>
+                <a:latin typeface="Consolas" panose="020B0609020204030204" pitchFamily="49" charset="0"/>
+                <a:cs typeface="Consolas" panose="020B0609020204030204" pitchFamily="49" charset="0"/>
+              </a:rPr>
+              <a:t>(</a:t>
+            </a:r>
+            <a:r>
+              <a:rPr lang="en-US" sz="1400" dirty="0">
+                <a:solidFill>
+                  <a:schemeClr val="bg1"/>
+                </a:solidFill>
+                <a:latin typeface="Consolas" panose="020B0609020204030204" pitchFamily="49" charset="0"/>
+                <a:cs typeface="Consolas" panose="020B0609020204030204" pitchFamily="49" charset="0"/>
+              </a:rPr>
+              <a:t>define (non-trivial-computation-ex nth</a:t>
+            </a:r>
+            <a:r>
+              <a:rPr lang="en-US" sz="1400" dirty="0" smtClean="0">
+                <a:solidFill>
+                  <a:schemeClr val="bg1"/>
+                </a:solidFill>
+                <a:latin typeface="Consolas" panose="020B0609020204030204" pitchFamily="49" charset="0"/>
+                <a:cs typeface="Consolas" panose="020B0609020204030204" pitchFamily="49" charset="0"/>
+              </a:rPr>
+              <a:t>)</a:t>
+            </a:r>
             <a:endParaRPr lang="en-US" sz="1400" dirty="0">
               <a:solidFill>
                 <a:schemeClr val="bg1"/>
@@ -30207,6 +32934,14 @@
   <p:clrMapOvr>
     <a:masterClrMapping/>
   </p:clrMapOvr>
+  <mc:AlternateContent xmlns:mc="http://schemas.openxmlformats.org/markup-compatibility/2006">
+    <mc:Choice xmlns:p14="http://schemas.microsoft.com/office/powerpoint/2010/main" Requires="p14">
+      <p:transition spd="slow" p14:dur="2000"/>
+    </mc:Choice>
+    <mc:Fallback>
+      <p:transition spd="slow"/>
+    </mc:Fallback>
+  </mc:AlternateContent>
   <p:timing>
     <p:tnLst>
       <p:par>
@@ -30292,7 +33027,7 @@
                                         <p:tgtEl>
                                           <p:spTgt spid="3">
                                             <p:txEl>
-                                              <p:pRg st="2" end="2"/>
+                                              <p:pRg st="1" end="1"/>
                                             </p:txEl>
                                           </p:spTgt>
                                         </p:tgtEl>
@@ -30323,7 +33058,7 @@
                                         <p:tgtEl>
                                           <p:spTgt spid="3">
                                             <p:txEl>
-                                              <p:pRg st="3" end="3"/>
+                                              <p:pRg st="2" end="2"/>
                                             </p:txEl>
                                           </p:spTgt>
                                         </p:tgtEl>
@@ -30354,7 +33089,7 @@
                                         <p:tgtEl>
                                           <p:spTgt spid="3">
                                             <p:txEl>
-                                              <p:pRg st="4" end="4"/>
+                                              <p:pRg st="3" end="3"/>
                                             </p:txEl>
                                           </p:spTgt>
                                         </p:tgtEl>
@@ -30403,7 +33138,7 @@
                                         <p:tgtEl>
                                           <p:spTgt spid="3">
                                             <p:txEl>
-                                              <p:pRg st="6" end="6"/>
+                                              <p:pRg st="5" end="5"/>
                                             </p:txEl>
                                           </p:spTgt>
                                         </p:tgtEl>
@@ -30434,7 +33169,7 @@
                                         <p:tgtEl>
                                           <p:spTgt spid="3">
                                             <p:txEl>
-                                              <p:pRg st="7" end="7"/>
+                                              <p:pRg st="6" end="6"/>
                                             </p:txEl>
                                           </p:spTgt>
                                         </p:tgtEl>
@@ -30465,7 +33200,7 @@
                                         <p:tgtEl>
                                           <p:spTgt spid="3">
                                             <p:txEl>
-                                              <p:pRg st="8" end="8"/>
+                                              <p:pRg st="7" end="7"/>
                                             </p:txEl>
                                           </p:spTgt>
                                         </p:tgtEl>
@@ -30496,7 +33231,7 @@
                                         <p:tgtEl>
                                           <p:spTgt spid="3">
                                             <p:txEl>
-                                              <p:pRg st="9" end="9"/>
+                                              <p:pRg st="8" end="8"/>
                                             </p:txEl>
                                           </p:spTgt>
                                         </p:tgtEl>
@@ -30527,7 +33262,7 @@
                                         <p:tgtEl>
                                           <p:spTgt spid="3">
                                             <p:txEl>
-                                              <p:pRg st="10" end="10"/>
+                                              <p:pRg st="9" end="9"/>
                                             </p:txEl>
                                           </p:spTgt>
                                         </p:tgtEl>
@@ -30558,7 +33293,7 @@
                                         <p:tgtEl>
                                           <p:spTgt spid="3">
                                             <p:txEl>
-                                              <p:pRg st="11" end="11"/>
+                                              <p:pRg st="10" end="10"/>
                                             </p:txEl>
                                           </p:spTgt>
                                         </p:tgtEl>
@@ -30589,7 +33324,7 @@
                                         <p:tgtEl>
                                           <p:spTgt spid="3">
                                             <p:txEl>
-                                              <p:pRg st="12" end="12"/>
+                                              <p:pRg st="11" end="11"/>
                                             </p:txEl>
                                           </p:spTgt>
                                         </p:tgtEl>
@@ -30620,7 +33355,7 @@
                                         <p:tgtEl>
                                           <p:spTgt spid="3">
                                             <p:txEl>
-                                              <p:pRg st="13" end="13"/>
+                                              <p:pRg st="12" end="12"/>
                                             </p:txEl>
                                           </p:spTgt>
                                         </p:tgtEl>
@@ -30635,26 +33370,39 @@
                                   </p:childTnLst>
                                 </p:cTn>
                               </p:par>
-                            </p:childTnLst>
-                          </p:cTn>
-                        </p:par>
-                      </p:childTnLst>
-                    </p:cTn>
-                  </p:par>
-                  <p:par>
-                    <p:cTn id="33" fill="hold">
-                      <p:stCondLst>
-                        <p:cond delay="indefinite"/>
-                      </p:stCondLst>
-                      <p:childTnLst>
-                        <p:par>
-                          <p:cTn id="34" fill="hold">
-                            <p:stCondLst>
-                              <p:cond delay="0"/>
-                            </p:stCondLst>
-                            <p:childTnLst>
                               <p:par>
-                                <p:cTn id="35" presetID="1" presetClass="entr" presetSubtype="0" fill="hold" grpId="0" nodeType="clickEffect">
+                                <p:cTn id="33" presetID="1" presetClass="entr" presetSubtype="0" fill="hold" grpId="0" nodeType="withEffect">
+                                  <p:stCondLst>
+                                    <p:cond delay="0"/>
+                                  </p:stCondLst>
+                                  <p:childTnLst>
+                                    <p:set>
+                                      <p:cBhvr>
+                                        <p:cTn id="34" dur="1" fill="hold">
+                                          <p:stCondLst>
+                                            <p:cond delay="0"/>
+                                          </p:stCondLst>
+                                        </p:cTn>
+                                        <p:tgtEl>
+                                          <p:spTgt spid="3">
+                                            <p:txEl>
+                                              <p:pRg st="14" end="14"/>
+                                            </p:txEl>
+                                          </p:spTgt>
+                                        </p:tgtEl>
+                                        <p:attrNameLst>
+                                          <p:attrName>style.visibility</p:attrName>
+                                        </p:attrNameLst>
+                                      </p:cBhvr>
+                                      <p:to>
+                                        <p:strVal val="visible"/>
+                                      </p:to>
+                                    </p:set>
+                                  </p:childTnLst>
+                                </p:cTn>
+                              </p:par>
+                              <p:par>
+                                <p:cTn id="35" presetID="1" presetClass="entr" presetSubtype="0" fill="hold" grpId="0" nodeType="withEffect">
                                   <p:stCondLst>
                                     <p:cond delay="0"/>
                                   </p:stCondLst>
@@ -30886,7 +33634,7 @@
                                         <p:tgtEl>
                                           <p:spTgt spid="3">
                                             <p:txEl>
-                                              <p:pRg st="22" end="22"/>
+                                              <p:pRg st="23" end="23"/>
                                             </p:txEl>
                                           </p:spTgt>
                                         </p:tgtEl>
@@ -30901,33 +33649,15 @@
                                   </p:childTnLst>
                                 </p:cTn>
                               </p:par>
-                            </p:childTnLst>
-                          </p:cTn>
-                        </p:par>
-                      </p:childTnLst>
-                    </p:cTn>
-                  </p:par>
-                  <p:par>
-                    <p:cTn id="51" fill="hold">
-                      <p:stCondLst>
-                        <p:cond delay="indefinite"/>
-                      </p:stCondLst>
-                      <p:childTnLst>
-                        <p:par>
-                          <p:cTn id="52" fill="hold">
-                            <p:stCondLst>
-                              <p:cond delay="0"/>
-                            </p:stCondLst>
-                            <p:childTnLst>
                               <p:par>
-                                <p:cTn id="53" presetID="1" presetClass="entr" presetSubtype="0" fill="hold" grpId="0" nodeType="clickEffect">
+                                <p:cTn id="51" presetID="1" presetClass="entr" presetSubtype="0" fill="hold" grpId="0" nodeType="withEffect">
                                   <p:stCondLst>
                                     <p:cond delay="0"/>
                                   </p:stCondLst>
                                   <p:childTnLst>
                                     <p:set>
                                       <p:cBhvr>
-                                        <p:cTn id="54" dur="1" fill="hold">
+                                        <p:cTn id="52" dur="1" fill="hold">
                                           <p:stCondLst>
                                             <p:cond delay="0"/>
                                           </p:stCondLst>
@@ -30950,8 +33680,26 @@
                                   </p:childTnLst>
                                 </p:cTn>
                               </p:par>
+                            </p:childTnLst>
+                          </p:cTn>
+                        </p:par>
+                      </p:childTnLst>
+                    </p:cTn>
+                  </p:par>
+                  <p:par>
+                    <p:cTn id="53" fill="hold">
+                      <p:stCondLst>
+                        <p:cond delay="indefinite"/>
+                      </p:stCondLst>
+                      <p:childTnLst>
+                        <p:par>
+                          <p:cTn id="54" fill="hold">
+                            <p:stCondLst>
+                              <p:cond delay="0"/>
+                            </p:stCondLst>
+                            <p:childTnLst>
                               <p:par>
-                                <p:cTn id="55" presetID="1" presetClass="entr" presetSubtype="0" fill="hold" grpId="0" nodeType="withEffect">
+                                <p:cTn id="55" presetID="1" presetClass="entr" presetSubtype="0" fill="hold" grpId="0" nodeType="clickEffect">
                                   <p:stCondLst>
                                     <p:cond delay="0"/>
                                   </p:stCondLst>
@@ -30966,7 +33714,7 @@
                                         <p:tgtEl>
                                           <p:spTgt spid="3">
                                             <p:txEl>
-                                              <p:pRg st="25" end="25"/>
+                                              <p:pRg st="26" end="26"/>
                                             </p:txEl>
                                           </p:spTgt>
                                         </p:tgtEl>
@@ -30981,26 +33729,39 @@
                                   </p:childTnLst>
                                 </p:cTn>
                               </p:par>
-                            </p:childTnLst>
-                          </p:cTn>
-                        </p:par>
-                      </p:childTnLst>
-                    </p:cTn>
-                  </p:par>
-                  <p:par>
-                    <p:cTn id="57" fill="hold">
-                      <p:stCondLst>
-                        <p:cond delay="indefinite"/>
-                      </p:stCondLst>
-                      <p:childTnLst>
-                        <p:par>
-                          <p:cTn id="58" fill="hold">
-                            <p:stCondLst>
-                              <p:cond delay="0"/>
-                            </p:stCondLst>
-                            <p:childTnLst>
                               <p:par>
-                                <p:cTn id="59" presetID="1" presetClass="entr" presetSubtype="0" fill="hold" grpId="0" nodeType="clickEffect">
+                                <p:cTn id="57" presetID="1" presetClass="entr" presetSubtype="0" fill="hold" grpId="0" nodeType="withEffect">
+                                  <p:stCondLst>
+                                    <p:cond delay="0"/>
+                                  </p:stCondLst>
+                                  <p:childTnLst>
+                                    <p:set>
+                                      <p:cBhvr>
+                                        <p:cTn id="58" dur="1" fill="hold">
+                                          <p:stCondLst>
+                                            <p:cond delay="0"/>
+                                          </p:stCondLst>
+                                        </p:cTn>
+                                        <p:tgtEl>
+                                          <p:spTgt spid="3">
+                                            <p:txEl>
+                                              <p:pRg st="27" end="27"/>
+                                            </p:txEl>
+                                          </p:spTgt>
+                                        </p:tgtEl>
+                                        <p:attrNameLst>
+                                          <p:attrName>style.visibility</p:attrName>
+                                        </p:attrNameLst>
+                                      </p:cBhvr>
+                                      <p:to>
+                                        <p:strVal val="visible"/>
+                                      </p:to>
+                                    </p:set>
+                                  </p:childTnLst>
+                                </p:cTn>
+                              </p:par>
+                              <p:par>
+                                <p:cTn id="59" presetID="1" presetClass="entr" presetSubtype="0" fill="hold" grpId="0" nodeType="withEffect">
                                   <p:stCondLst>
                                     <p:cond delay="0"/>
                                   </p:stCondLst>
@@ -31015,7 +33776,7 @@
                                         <p:tgtEl>
                                           <p:spTgt spid="3">
                                             <p:txEl>
-                                              <p:pRg st="27" end="27"/>
+                                              <p:pRg st="28" end="28"/>
                                             </p:txEl>
                                           </p:spTgt>
                                         </p:tgtEl>
@@ -31046,7 +33807,7 @@
                                         <p:tgtEl>
                                           <p:spTgt spid="3">
                                             <p:txEl>
-                                              <p:pRg st="28" end="28"/>
+                                              <p:pRg st="29" end="29"/>
                                             </p:txEl>
                                           </p:spTgt>
                                         </p:tgtEl>
@@ -31077,7 +33838,7 @@
                                         <p:tgtEl>
                                           <p:spTgt spid="3">
                                             <p:txEl>
-                                              <p:pRg st="29" end="29"/>
+                                              <p:pRg st="30" end="30"/>
                                             </p:txEl>
                                           </p:spTgt>
                                         </p:tgtEl>
@@ -31108,37 +33869,6 @@
                                         <p:tgtEl>
                                           <p:spTgt spid="3">
                                             <p:txEl>
-                                              <p:pRg st="30" end="30"/>
-                                            </p:txEl>
-                                          </p:spTgt>
-                                        </p:tgtEl>
-                                        <p:attrNameLst>
-                                          <p:attrName>style.visibility</p:attrName>
-                                        </p:attrNameLst>
-                                      </p:cBhvr>
-                                      <p:to>
-                                        <p:strVal val="visible"/>
-                                      </p:to>
-                                    </p:set>
-                                  </p:childTnLst>
-                                </p:cTn>
-                              </p:par>
-                              <p:par>
-                                <p:cTn id="67" presetID="1" presetClass="entr" presetSubtype="0" fill="hold" grpId="0" nodeType="withEffect">
-                                  <p:stCondLst>
-                                    <p:cond delay="0"/>
-                                  </p:stCondLst>
-                                  <p:childTnLst>
-                                    <p:set>
-                                      <p:cBhvr>
-                                        <p:cTn id="68" dur="1" fill="hold">
-                                          <p:stCondLst>
-                                            <p:cond delay="0"/>
-                                          </p:stCondLst>
-                                        </p:cTn>
-                                        <p:tgtEl>
-                                          <p:spTgt spid="3">
-                                            <p:txEl>
                                               <p:pRg st="31" end="31"/>
                                             </p:txEl>
                                           </p:spTgt>
@@ -31154,8 +33884,26 @@
                                   </p:childTnLst>
                                 </p:cTn>
                               </p:par>
+                            </p:childTnLst>
+                          </p:cTn>
+                        </p:par>
+                      </p:childTnLst>
+                    </p:cTn>
+                  </p:par>
+                  <p:par>
+                    <p:cTn id="67" fill="hold">
+                      <p:stCondLst>
+                        <p:cond delay="indefinite"/>
+                      </p:stCondLst>
+                      <p:childTnLst>
+                        <p:par>
+                          <p:cTn id="68" fill="hold">
+                            <p:stCondLst>
+                              <p:cond delay="0"/>
+                            </p:stCondLst>
+                            <p:childTnLst>
                               <p:par>
-                                <p:cTn id="69" presetID="1" presetClass="entr" presetSubtype="0" fill="hold" grpId="0" nodeType="withEffect">
+                                <p:cTn id="69" presetID="1" presetClass="entr" presetSubtype="0" fill="hold" grpId="0" nodeType="clickEffect">
                                   <p:stCondLst>
                                     <p:cond delay="0"/>
                                   </p:stCondLst>
@@ -31185,33 +33933,15 @@
                                   </p:childTnLst>
                                 </p:cTn>
                               </p:par>
-                            </p:childTnLst>
-                          </p:cTn>
-                        </p:par>
-                      </p:childTnLst>
-                    </p:cTn>
-                  </p:par>
-                  <p:par>
-                    <p:cTn id="71" fill="hold">
-                      <p:stCondLst>
-                        <p:cond delay="indefinite"/>
-                      </p:stCondLst>
-                      <p:childTnLst>
-                        <p:par>
-                          <p:cTn id="72" fill="hold">
-                            <p:stCondLst>
-                              <p:cond delay="0"/>
-                            </p:stCondLst>
-                            <p:childTnLst>
                               <p:par>
-                                <p:cTn id="73" presetID="1" presetClass="entr" presetSubtype="0" fill="hold" grpId="0" nodeType="clickEffect">
+                                <p:cTn id="71" presetID="1" presetClass="entr" presetSubtype="0" fill="hold" grpId="0" nodeType="withEffect">
                                   <p:stCondLst>
                                     <p:cond delay="0"/>
                                   </p:stCondLst>
                                   <p:childTnLst>
                                     <p:set>
                                       <p:cBhvr>
-                                        <p:cTn id="74" dur="1" fill="hold">
+                                        <p:cTn id="72" dur="1" fill="hold">
                                           <p:stCondLst>
                                             <p:cond delay="0"/>
                                           </p:stCondLst>
@@ -31235,14 +33965,14 @@
                                 </p:cTn>
                               </p:par>
                               <p:par>
-                                <p:cTn id="75" presetID="1" presetClass="entr" presetSubtype="0" fill="hold" grpId="0" nodeType="withEffect">
+                                <p:cTn id="73" presetID="1" presetClass="entr" presetSubtype="0" fill="hold" grpId="0" nodeType="withEffect">
                                   <p:stCondLst>
                                     <p:cond delay="0"/>
                                   </p:stCondLst>
                                   <p:childTnLst>
                                     <p:set>
                                       <p:cBhvr>
-                                        <p:cTn id="76" dur="1" fill="hold">
+                                        <p:cTn id="74" dur="1" fill="hold">
                                           <p:stCondLst>
                                             <p:cond delay="0"/>
                                           </p:stCondLst>
@@ -31265,8 +33995,26 @@
                                   </p:childTnLst>
                                 </p:cTn>
                               </p:par>
+                            </p:childTnLst>
+                          </p:cTn>
+                        </p:par>
+                      </p:childTnLst>
+                    </p:cTn>
+                  </p:par>
+                  <p:par>
+                    <p:cTn id="75" fill="hold">
+                      <p:stCondLst>
+                        <p:cond delay="indefinite"/>
+                      </p:stCondLst>
+                      <p:childTnLst>
+                        <p:par>
+                          <p:cTn id="76" fill="hold">
+                            <p:stCondLst>
+                              <p:cond delay="0"/>
+                            </p:stCondLst>
+                            <p:childTnLst>
                               <p:par>
-                                <p:cTn id="77" presetID="1" presetClass="entr" presetSubtype="0" fill="hold" grpId="0" nodeType="withEffect">
+                                <p:cTn id="77" presetID="1" presetClass="entr" presetSubtype="0" fill="hold" grpId="0" nodeType="clickEffect">
                                   <p:stCondLst>
                                     <p:cond delay="0"/>
                                   </p:stCondLst>
@@ -31296,33 +34044,15 @@
                                   </p:childTnLst>
                                 </p:cTn>
                               </p:par>
-                            </p:childTnLst>
-                          </p:cTn>
-                        </p:par>
-                      </p:childTnLst>
-                    </p:cTn>
-                  </p:par>
-                  <p:par>
-                    <p:cTn id="79" fill="hold">
-                      <p:stCondLst>
-                        <p:cond delay="indefinite"/>
-                      </p:stCondLst>
-                      <p:childTnLst>
-                        <p:par>
-                          <p:cTn id="80" fill="hold">
-                            <p:stCondLst>
-                              <p:cond delay="0"/>
-                            </p:stCondLst>
-                            <p:childTnLst>
                               <p:par>
-                                <p:cTn id="81" presetID="1" presetClass="entr" presetSubtype="0" fill="hold" grpId="0" nodeType="clickEffect">
+                                <p:cTn id="79" presetID="1" presetClass="entr" presetSubtype="0" fill="hold" grpId="0" nodeType="withEffect">
                                   <p:stCondLst>
                                     <p:cond delay="0"/>
                                   </p:stCondLst>
                                   <p:childTnLst>
                                     <p:set>
                                       <p:cBhvr>
-                                        <p:cTn id="82" dur="1" fill="hold">
+                                        <p:cTn id="80" dur="1" fill="hold">
                                           <p:stCondLst>
                                             <p:cond delay="0"/>
                                           </p:stCondLst>
@@ -31345,8 +34075,26 @@
                                   </p:childTnLst>
                                 </p:cTn>
                               </p:par>
+                            </p:childTnLst>
+                          </p:cTn>
+                        </p:par>
+                      </p:childTnLst>
+                    </p:cTn>
+                  </p:par>
+                  <p:par>
+                    <p:cTn id="81" fill="hold">
+                      <p:stCondLst>
+                        <p:cond delay="indefinite"/>
+                      </p:stCondLst>
+                      <p:childTnLst>
+                        <p:par>
+                          <p:cTn id="82" fill="hold">
+                            <p:stCondLst>
+                              <p:cond delay="0"/>
+                            </p:stCondLst>
+                            <p:childTnLst>
                               <p:par>
-                                <p:cTn id="83" presetID="1" presetClass="entr" presetSubtype="0" fill="hold" grpId="0" nodeType="withEffect">
+                                <p:cTn id="83" presetID="1" presetClass="entr" presetSubtype="0" fill="hold" grpId="0" nodeType="clickEffect">
                                   <p:stCondLst>
                                     <p:cond delay="0"/>
                                   </p:stCondLst>
@@ -31407,39 +34155,26 @@
                                   </p:childTnLst>
                                 </p:cTn>
                               </p:par>
+                            </p:childTnLst>
+                          </p:cTn>
+                        </p:par>
+                      </p:childTnLst>
+                    </p:cTn>
+                  </p:par>
+                  <p:par>
+                    <p:cTn id="87" fill="hold">
+                      <p:stCondLst>
+                        <p:cond delay="indefinite"/>
+                      </p:stCondLst>
+                      <p:childTnLst>
+                        <p:par>
+                          <p:cTn id="88" fill="hold">
+                            <p:stCondLst>
+                              <p:cond delay="0"/>
+                            </p:stCondLst>
+                            <p:childTnLst>
                               <p:par>
-                                <p:cTn id="87" presetID="1" presetClass="entr" presetSubtype="0" fill="hold" grpId="0" nodeType="withEffect">
-                                  <p:stCondLst>
-                                    <p:cond delay="0"/>
-                                  </p:stCondLst>
-                                  <p:childTnLst>
-                                    <p:set>
-                                      <p:cBhvr>
-                                        <p:cTn id="88" dur="1" fill="hold">
-                                          <p:stCondLst>
-                                            <p:cond delay="0"/>
-                                          </p:stCondLst>
-                                        </p:cTn>
-                                        <p:tgtEl>
-                                          <p:spTgt spid="3">
-                                            <p:txEl>
-                                              <p:pRg st="39" end="39"/>
-                                            </p:txEl>
-                                          </p:spTgt>
-                                        </p:tgtEl>
-                                        <p:attrNameLst>
-                                          <p:attrName>style.visibility</p:attrName>
-                                        </p:attrNameLst>
-                                      </p:cBhvr>
-                                      <p:to>
-                                        <p:strVal val="visible"/>
-                                      </p:to>
-                                    </p:set>
-                                  </p:childTnLst>
-                                </p:cTn>
-                              </p:par>
-                              <p:par>
-                                <p:cTn id="89" presetID="1" presetClass="entr" presetSubtype="0" fill="hold" grpId="0" nodeType="withEffect">
+                                <p:cTn id="89" presetID="1" presetClass="entr" presetSubtype="0" fill="hold" grpId="0" nodeType="clickEffect">
                                   <p:stCondLst>
                                     <p:cond delay="0"/>
                                   </p:stCondLst>
@@ -31454,7 +34189,7 @@
                                         <p:tgtEl>
                                           <p:spTgt spid="3">
                                             <p:txEl>
-                                              <p:pRg st="40" end="40"/>
+                                              <p:pRg st="39" end="39"/>
                                             </p:txEl>
                                           </p:spTgt>
                                         </p:tgtEl>
@@ -31485,7 +34220,7 @@
                                         <p:tgtEl>
                                           <p:spTgt spid="3">
                                             <p:txEl>
-                                              <p:pRg st="41" end="41"/>
+                                              <p:pRg st="40" end="40"/>
                                             </p:txEl>
                                           </p:spTgt>
                                         </p:tgtEl>
@@ -31516,7 +34251,7 @@
                                         <p:tgtEl>
                                           <p:spTgt spid="3">
                                             <p:txEl>
-                                              <p:pRg st="42" end="42"/>
+                                              <p:pRg st="41" end="41"/>
                                             </p:txEl>
                                           </p:spTgt>
                                         </p:tgtEl>
@@ -31547,7 +34282,7 @@
                                         <p:tgtEl>
                                           <p:spTgt spid="3">
                                             <p:txEl>
-                                              <p:pRg st="43" end="43"/>
+                                              <p:pRg st="42" end="42"/>
                                             </p:txEl>
                                           </p:spTgt>
                                         </p:tgtEl>
@@ -31596,7 +34331,7 @@
                                         <p:tgtEl>
                                           <p:spTgt spid="3">
                                             <p:txEl>
-                                              <p:pRg st="44" end="44"/>
+                                              <p:pRg st="43" end="43"/>
                                             </p:txEl>
                                           </p:spTgt>
                                         </p:tgtEl>
@@ -31627,7 +34362,7 @@
                                         <p:tgtEl>
                                           <p:spTgt spid="3">
                                             <p:txEl>
-                                              <p:pRg st="45" end="45"/>
+                                              <p:pRg st="44" end="44"/>
                                             </p:txEl>
                                           </p:spTgt>
                                         </p:tgtEl>
@@ -31676,7 +34411,7 @@
 </p:sld>
 </file>
 
-<file path=ppt/slides/slide34.xml><?xml version="1.0" encoding="utf-8"?>
+<file path=ppt/slides/slide35.xml><?xml version="1.0" encoding="utf-8"?>
 <p:sld xmlns:a="http://schemas.openxmlformats.org/drawingml/2006/main" xmlns:r="http://schemas.openxmlformats.org/officeDocument/2006/relationships" xmlns:p="http://schemas.openxmlformats.org/presentationml/2006/main">
   <p:cSld>
     <p:spTree>
@@ -32864,8 +35599,13 @@
           <a:p>
             <a:r>
               <a:rPr lang="en-US" dirty="0" smtClean="0"/>
-              <a:t>The DFC3 prototype is written in Racket Lisp</a:t>
-            </a:r>
+              <a:t>The DFC3 prototype is written in </a:t>
+            </a:r>
+            <a:r>
+              <a:rPr lang="en-US" dirty="0" smtClean="0"/>
+              <a:t>the programming language “Racket Lisp”</a:t>
+            </a:r>
+            <a:endParaRPr lang="en-US" dirty="0" smtClean="0"/>
           </a:p>
           <a:p>
             <a:r>
@@ -33189,7 +35929,7 @@
         <p:spPr/>
         <p:txBody>
           <a:bodyPr>
-            <a:normAutofit/>
+            <a:normAutofit lnSpcReduction="10000"/>
           </a:bodyPr>
           <a:lstStyle/>
           <a:p>
@@ -33210,32 +35950,59 @@
             </a:r>
             <a:r>
               <a:rPr lang="en-US" dirty="0" smtClean="0"/>
-              <a:t>are only available to the current scope and child scopes</a:t>
+              <a:t>are only available to the current scope and child </a:t>
+            </a:r>
+            <a:r>
+              <a:rPr lang="en-US" dirty="0" smtClean="0"/>
+              <a:t>scopes</a:t>
+            </a:r>
+          </a:p>
+          <a:p>
+            <a:pPr lvl="1"/>
+            <a:r>
+              <a:rPr lang="en-US" dirty="0" smtClean="0"/>
+              <a:t>Square brackets [ ] are sometimes used instead of parenthesis for readability</a:t>
             </a:r>
             <a:endParaRPr lang="en-US" dirty="0"/>
           </a:p>
           <a:p>
             <a:r>
               <a:rPr lang="en-US" dirty="0" smtClean="0"/>
-              <a:t>Comments </a:t>
-            </a:r>
+              <a:t>Parenthesis </a:t>
+            </a:r>
+            <a:r>
+              <a:rPr lang="en-US" dirty="0" smtClean="0"/>
+              <a:t>enclose all code including functions:</a:t>
+            </a:r>
+          </a:p>
+          <a:p>
+            <a:pPr lvl="1"/>
+            <a:r>
+              <a:rPr lang="en-US" dirty="0" smtClean="0"/>
+              <a:t>(+ 1 2) ;returns </a:t>
+            </a:r>
+            <a:r>
+              <a:rPr lang="en-US" dirty="0" smtClean="0"/>
+              <a:t>3</a:t>
+            </a:r>
+          </a:p>
+          <a:p>
             <a:r>
               <a:rPr lang="en-US" dirty="0"/>
-              <a:t>begin with a semicolon ‘;’</a:t>
-            </a:r>
-          </a:p>
-          <a:p>
+              <a:t>Comments begin with a semicolon ‘;’</a:t>
+            </a:r>
+          </a:p>
+          <a:p>
+            <a:pPr lvl="1"/>
+            <a:r>
+              <a:rPr lang="en-US" dirty="0"/>
+              <a:t>(this-is-code) ;this is a </a:t>
+            </a:r>
             <a:r>
               <a:rPr lang="en-US" dirty="0" smtClean="0"/>
-              <a:t>Parenthesis enclose all code including functions:</a:t>
-            </a:r>
-          </a:p>
-          <a:p>
-            <a:pPr lvl="1"/>
-            <a:r>
-              <a:rPr lang="en-US" dirty="0" smtClean="0"/>
-              <a:t>(+ 1 2) ;returns 3</a:t>
-            </a:r>
+              <a:t>comment</a:t>
+            </a:r>
+            <a:endParaRPr lang="en-US" dirty="0"/>
           </a:p>
         </p:txBody>
       </p:sp>
@@ -33243,450 +36010,6 @@
     <p:extLst>
       <p:ext uri="{BB962C8B-B14F-4D97-AF65-F5344CB8AC3E}">
         <p14:creationId xmlns:p14="http://schemas.microsoft.com/office/powerpoint/2010/main" val="2075292874"/>
-      </p:ext>
-    </p:extLst>
-  </p:cSld>
-  <p:clrMapOvr>
-    <a:masterClrMapping/>
-  </p:clrMapOvr>
-  <p:timing>
-    <p:tnLst>
-      <p:par>
-        <p:cTn id="1" dur="indefinite" restart="never" nodeType="tmRoot">
-          <p:childTnLst>
-            <p:seq concurrent="1" nextAc="seek">
-              <p:cTn id="2" dur="indefinite" nodeType="mainSeq">
-                <p:childTnLst>
-                  <p:par>
-                    <p:cTn id="3" fill="hold">
-                      <p:stCondLst>
-                        <p:cond delay="indefinite"/>
-                      </p:stCondLst>
-                      <p:childTnLst>
-                        <p:par>
-                          <p:cTn id="4" fill="hold">
-                            <p:stCondLst>
-                              <p:cond delay="0"/>
-                            </p:stCondLst>
-                            <p:childTnLst>
-                              <p:par>
-                                <p:cTn id="5" presetID="1" presetClass="entr" presetSubtype="0" fill="hold" grpId="0" nodeType="clickEffect">
-                                  <p:stCondLst>
-                                    <p:cond delay="0"/>
-                                  </p:stCondLst>
-                                  <p:childTnLst>
-                                    <p:set>
-                                      <p:cBhvr>
-                                        <p:cTn id="6" dur="1" fill="hold">
-                                          <p:stCondLst>
-                                            <p:cond delay="0"/>
-                                          </p:stCondLst>
-                                        </p:cTn>
-                                        <p:tgtEl>
-                                          <p:spTgt spid="3">
-                                            <p:txEl>
-                                              <p:pRg st="0" end="0"/>
-                                            </p:txEl>
-                                          </p:spTgt>
-                                        </p:tgtEl>
-                                        <p:attrNameLst>
-                                          <p:attrName>style.visibility</p:attrName>
-                                        </p:attrNameLst>
-                                      </p:cBhvr>
-                                      <p:to>
-                                        <p:strVal val="visible"/>
-                                      </p:to>
-                                    </p:set>
-                                  </p:childTnLst>
-                                </p:cTn>
-                              </p:par>
-                              <p:par>
-                                <p:cTn id="7" presetID="1" presetClass="entr" presetSubtype="0" fill="hold" grpId="0" nodeType="withEffect">
-                                  <p:stCondLst>
-                                    <p:cond delay="0"/>
-                                  </p:stCondLst>
-                                  <p:childTnLst>
-                                    <p:set>
-                                      <p:cBhvr>
-                                        <p:cTn id="8" dur="1" fill="hold">
-                                          <p:stCondLst>
-                                            <p:cond delay="0"/>
-                                          </p:stCondLst>
-                                        </p:cTn>
-                                        <p:tgtEl>
-                                          <p:spTgt spid="3">
-                                            <p:txEl>
-                                              <p:pRg st="1" end="1"/>
-                                            </p:txEl>
-                                          </p:spTgt>
-                                        </p:tgtEl>
-                                        <p:attrNameLst>
-                                          <p:attrName>style.visibility</p:attrName>
-                                        </p:attrNameLst>
-                                      </p:cBhvr>
-                                      <p:to>
-                                        <p:strVal val="visible"/>
-                                      </p:to>
-                                    </p:set>
-                                  </p:childTnLst>
-                                </p:cTn>
-                              </p:par>
-                            </p:childTnLst>
-                          </p:cTn>
-                        </p:par>
-                      </p:childTnLst>
-                    </p:cTn>
-                  </p:par>
-                  <p:par>
-                    <p:cTn id="9" fill="hold">
-                      <p:stCondLst>
-                        <p:cond delay="indefinite"/>
-                      </p:stCondLst>
-                      <p:childTnLst>
-                        <p:par>
-                          <p:cTn id="10" fill="hold">
-                            <p:stCondLst>
-                              <p:cond delay="0"/>
-                            </p:stCondLst>
-                            <p:childTnLst>
-                              <p:par>
-                                <p:cTn id="11" presetID="1" presetClass="entr" presetSubtype="0" fill="hold" grpId="0" nodeType="clickEffect">
-                                  <p:stCondLst>
-                                    <p:cond delay="0"/>
-                                  </p:stCondLst>
-                                  <p:childTnLst>
-                                    <p:set>
-                                      <p:cBhvr>
-                                        <p:cTn id="12" dur="1" fill="hold">
-                                          <p:stCondLst>
-                                            <p:cond delay="0"/>
-                                          </p:stCondLst>
-                                        </p:cTn>
-                                        <p:tgtEl>
-                                          <p:spTgt spid="3">
-                                            <p:txEl>
-                                              <p:pRg st="2" end="2"/>
-                                            </p:txEl>
-                                          </p:spTgt>
-                                        </p:tgtEl>
-                                        <p:attrNameLst>
-                                          <p:attrName>style.visibility</p:attrName>
-                                        </p:attrNameLst>
-                                      </p:cBhvr>
-                                      <p:to>
-                                        <p:strVal val="visible"/>
-                                      </p:to>
-                                    </p:set>
-                                  </p:childTnLst>
-                                </p:cTn>
-                              </p:par>
-                            </p:childTnLst>
-                          </p:cTn>
-                        </p:par>
-                      </p:childTnLst>
-                    </p:cTn>
-                  </p:par>
-                  <p:par>
-                    <p:cTn id="13" fill="hold">
-                      <p:stCondLst>
-                        <p:cond delay="indefinite"/>
-                      </p:stCondLst>
-                      <p:childTnLst>
-                        <p:par>
-                          <p:cTn id="14" fill="hold">
-                            <p:stCondLst>
-                              <p:cond delay="0"/>
-                            </p:stCondLst>
-                            <p:childTnLst>
-                              <p:par>
-                                <p:cTn id="15" presetID="1" presetClass="entr" presetSubtype="0" fill="hold" grpId="0" nodeType="clickEffect">
-                                  <p:stCondLst>
-                                    <p:cond delay="0"/>
-                                  </p:stCondLst>
-                                  <p:childTnLst>
-                                    <p:set>
-                                      <p:cBhvr>
-                                        <p:cTn id="16" dur="1" fill="hold">
-                                          <p:stCondLst>
-                                            <p:cond delay="0"/>
-                                          </p:stCondLst>
-                                        </p:cTn>
-                                        <p:tgtEl>
-                                          <p:spTgt spid="3">
-                                            <p:txEl>
-                                              <p:pRg st="3" end="3"/>
-                                            </p:txEl>
-                                          </p:spTgt>
-                                        </p:tgtEl>
-                                        <p:attrNameLst>
-                                          <p:attrName>style.visibility</p:attrName>
-                                        </p:attrNameLst>
-                                      </p:cBhvr>
-                                      <p:to>
-                                        <p:strVal val="visible"/>
-                                      </p:to>
-                                    </p:set>
-                                  </p:childTnLst>
-                                </p:cTn>
-                              </p:par>
-                              <p:par>
-                                <p:cTn id="17" presetID="1" presetClass="entr" presetSubtype="0" fill="hold" grpId="0" nodeType="withEffect">
-                                  <p:stCondLst>
-                                    <p:cond delay="0"/>
-                                  </p:stCondLst>
-                                  <p:childTnLst>
-                                    <p:set>
-                                      <p:cBhvr>
-                                        <p:cTn id="18" dur="1" fill="hold">
-                                          <p:stCondLst>
-                                            <p:cond delay="0"/>
-                                          </p:stCondLst>
-                                        </p:cTn>
-                                        <p:tgtEl>
-                                          <p:spTgt spid="3">
-                                            <p:txEl>
-                                              <p:pRg st="4" end="4"/>
-                                            </p:txEl>
-                                          </p:spTgt>
-                                        </p:tgtEl>
-                                        <p:attrNameLst>
-                                          <p:attrName>style.visibility</p:attrName>
-                                        </p:attrNameLst>
-                                      </p:cBhvr>
-                                      <p:to>
-                                        <p:strVal val="visible"/>
-                                      </p:to>
-                                    </p:set>
-                                  </p:childTnLst>
-                                </p:cTn>
-                              </p:par>
-                            </p:childTnLst>
-                          </p:cTn>
-                        </p:par>
-                      </p:childTnLst>
-                    </p:cTn>
-                  </p:par>
-                </p:childTnLst>
-              </p:cTn>
-              <p:prevCondLst>
-                <p:cond evt="onPrev" delay="0">
-                  <p:tgtEl>
-                    <p:sldTgt/>
-                  </p:tgtEl>
-                </p:cond>
-              </p:prevCondLst>
-              <p:nextCondLst>
-                <p:cond evt="onNext" delay="0">
-                  <p:tgtEl>
-                    <p:sldTgt/>
-                  </p:tgtEl>
-                </p:cond>
-              </p:nextCondLst>
-            </p:seq>
-          </p:childTnLst>
-        </p:cTn>
-      </p:par>
-    </p:tnLst>
-    <p:bldLst>
-      <p:bldP spid="3" grpId="0" build="p"/>
-    </p:bldLst>
-  </p:timing>
-</p:sld>
-</file>
-
-<file path=ppt/slides/slide9.xml><?xml version="1.0" encoding="utf-8"?>
-<p:sld xmlns:a="http://schemas.openxmlformats.org/drawingml/2006/main" xmlns:r="http://schemas.openxmlformats.org/officeDocument/2006/relationships" xmlns:p="http://schemas.openxmlformats.org/presentationml/2006/main">
-  <p:cSld>
-    <p:spTree>
-      <p:nvGrpSpPr>
-        <p:cNvPr id="1" name=""/>
-        <p:cNvGrpSpPr/>
-        <p:nvPr/>
-      </p:nvGrpSpPr>
-      <p:grpSpPr>
-        <a:xfrm>
-          <a:off x="0" y="0"/>
-          <a:ext cx="0" cy="0"/>
-          <a:chOff x="0" y="0"/>
-          <a:chExt cx="0" cy="0"/>
-        </a:xfrm>
-      </p:grpSpPr>
-      <p:sp>
-        <p:nvSpPr>
-          <p:cNvPr id="2" name="Title 1"/>
-          <p:cNvSpPr>
-            <a:spLocks noGrp="1"/>
-          </p:cNvSpPr>
-          <p:nvPr>
-            <p:ph type="title"/>
-          </p:nvPr>
-        </p:nvSpPr>
-        <p:spPr/>
-        <p:txBody>
-          <a:bodyPr/>
-          <a:lstStyle/>
-          <a:p>
-            <a:r>
-              <a:rPr lang="en-US" dirty="0" smtClean="0"/>
-              <a:t>Lisp variables</a:t>
-            </a:r>
-            <a:endParaRPr lang="en-US" dirty="0"/>
-          </a:p>
-        </p:txBody>
-      </p:sp>
-      <p:sp>
-        <p:nvSpPr>
-          <p:cNvPr id="3" name="Content Placeholder 2"/>
-          <p:cNvSpPr>
-            <a:spLocks noGrp="1"/>
-          </p:cNvSpPr>
-          <p:nvPr>
-            <p:ph idx="1"/>
-          </p:nvPr>
-        </p:nvSpPr>
-        <p:spPr>
-          <a:xfrm>
-            <a:off x="1141412" y="1904301"/>
-            <a:ext cx="9905999" cy="4630723"/>
-          </a:xfrm>
-        </p:spPr>
-        <p:txBody>
-          <a:bodyPr>
-            <a:normAutofit fontScale="92500" lnSpcReduction="20000"/>
-          </a:bodyPr>
-          <a:lstStyle/>
-          <a:p>
-            <a:r>
-              <a:rPr lang="en-US" dirty="0" smtClean="0"/>
-              <a:t>Variable declaration happens with (define) or (let):</a:t>
-            </a:r>
-          </a:p>
-          <a:p>
-            <a:pPr lvl="1"/>
-            <a:r>
-              <a:rPr lang="en-US" dirty="0" smtClean="0"/>
-              <a:t>(define my-variable my-value) ;declare and define a variable in the current scope</a:t>
-            </a:r>
-          </a:p>
-          <a:p>
-            <a:pPr lvl="1"/>
-            <a:r>
-              <a:rPr lang="en-US" dirty="0" smtClean="0"/>
-              <a:t>(let ([my-variable1 my-value1] ;declare and define variables in a new scope</a:t>
-            </a:r>
-            <a:br>
-              <a:rPr lang="en-US" dirty="0" smtClean="0"/>
-            </a:br>
-            <a:r>
-              <a:rPr lang="en-US" dirty="0"/>
-              <a:t> </a:t>
-            </a:r>
-            <a:r>
-              <a:rPr lang="en-US" dirty="0" smtClean="0"/>
-              <a:t>      …</a:t>
-            </a:r>
-            <a:br>
-              <a:rPr lang="en-US" dirty="0" smtClean="0"/>
-            </a:br>
-            <a:r>
-              <a:rPr lang="en-US" dirty="0" smtClean="0"/>
-              <a:t>       [my-</a:t>
-            </a:r>
-            <a:r>
-              <a:rPr lang="en-US" dirty="0" err="1" smtClean="0"/>
-              <a:t>variableN</a:t>
-            </a:r>
-            <a:r>
-              <a:rPr lang="en-US" dirty="0" smtClean="0"/>
-              <a:t> my-</a:t>
-            </a:r>
-            <a:r>
-              <a:rPr lang="en-US" dirty="0" err="1" smtClean="0"/>
-              <a:t>valueN</a:t>
-            </a:r>
-            <a:r>
-              <a:rPr lang="en-US" dirty="0" smtClean="0"/>
-              <a:t>])</a:t>
-            </a:r>
-            <a:br>
-              <a:rPr lang="en-US" dirty="0" smtClean="0"/>
-            </a:br>
-            <a:r>
-              <a:rPr lang="en-US" dirty="0" smtClean="0"/>
-              <a:t>  … ;do things here with your variables)</a:t>
-            </a:r>
-          </a:p>
-          <a:p>
-            <a:r>
-              <a:rPr lang="en-US" dirty="0" smtClean="0"/>
-              <a:t>Variables are dynamically typed by default in Lisp. Optional </a:t>
-            </a:r>
-            <a:r>
-              <a:rPr lang="en-US" dirty="0"/>
-              <a:t>t</a:t>
-            </a:r>
-            <a:r>
-              <a:rPr lang="en-US" dirty="0" smtClean="0"/>
-              <a:t>ype systems are also available. Example variable values:</a:t>
-            </a:r>
-          </a:p>
-          <a:p>
-            <a:pPr lvl="1"/>
-            <a:r>
-              <a:rPr lang="en-US" dirty="0" smtClean="0"/>
-              <a:t>#t ;is </a:t>
-            </a:r>
-            <a:r>
-              <a:rPr lang="en-US" dirty="0" err="1" smtClean="0"/>
-              <a:t>boolean</a:t>
-            </a:r>
-            <a:r>
-              <a:rPr lang="en-US" dirty="0" smtClean="0"/>
-              <a:t> True</a:t>
-            </a:r>
-          </a:p>
-          <a:p>
-            <a:pPr lvl="1"/>
-            <a:r>
-              <a:rPr lang="en-US" dirty="0" smtClean="0"/>
-              <a:t>#f ;is </a:t>
-            </a:r>
-            <a:r>
-              <a:rPr lang="en-US" dirty="0" err="1" smtClean="0"/>
-              <a:t>boolean</a:t>
-            </a:r>
-            <a:r>
-              <a:rPr lang="en-US" dirty="0" smtClean="0"/>
-              <a:t> False</a:t>
-            </a:r>
-          </a:p>
-          <a:p>
-            <a:pPr lvl="1"/>
-            <a:r>
-              <a:rPr lang="en-US" dirty="0" smtClean="0"/>
-              <a:t>“a string”</a:t>
-            </a:r>
-          </a:p>
-          <a:p>
-            <a:pPr lvl="1"/>
-            <a:r>
-              <a:rPr lang="en-US" dirty="0" smtClean="0"/>
-              <a:t>5</a:t>
-            </a:r>
-          </a:p>
-          <a:p>
-            <a:pPr lvl="1"/>
-            <a:r>
-              <a:rPr lang="en-US" dirty="0" smtClean="0"/>
-              <a:t> ‘a-symbol</a:t>
-            </a:r>
-          </a:p>
-        </p:txBody>
-      </p:sp>
-    </p:spTree>
-    <p:extLst>
-      <p:ext uri="{BB962C8B-B14F-4D97-AF65-F5344CB8AC3E}">
-        <p14:creationId xmlns:p14="http://schemas.microsoft.com/office/powerpoint/2010/main" val="1159362544"/>
       </p:ext>
     </p:extLst>
   </p:cSld>
@@ -33886,39 +36209,26 @@
                                   </p:childTnLst>
                                 </p:cTn>
                               </p:par>
+                            </p:childTnLst>
+                          </p:cTn>
+                        </p:par>
+                      </p:childTnLst>
+                    </p:cTn>
+                  </p:par>
+                  <p:par>
+                    <p:cTn id="17" fill="hold">
+                      <p:stCondLst>
+                        <p:cond delay="indefinite"/>
+                      </p:stCondLst>
+                      <p:childTnLst>
+                        <p:par>
+                          <p:cTn id="18" fill="hold">
+                            <p:stCondLst>
+                              <p:cond delay="0"/>
+                            </p:stCondLst>
+                            <p:childTnLst>
                               <p:par>
-                                <p:cTn id="17" presetID="1" presetClass="entr" presetSubtype="0" fill="hold" grpId="0" nodeType="withEffect">
-                                  <p:stCondLst>
-                                    <p:cond delay="0"/>
-                                  </p:stCondLst>
-                                  <p:childTnLst>
-                                    <p:set>
-                                      <p:cBhvr>
-                                        <p:cTn id="18" dur="1" fill="hold">
-                                          <p:stCondLst>
-                                            <p:cond delay="0"/>
-                                          </p:stCondLst>
-                                        </p:cTn>
-                                        <p:tgtEl>
-                                          <p:spTgt spid="3">
-                                            <p:txEl>
-                                              <p:pRg st="5" end="5"/>
-                                            </p:txEl>
-                                          </p:spTgt>
-                                        </p:tgtEl>
-                                        <p:attrNameLst>
-                                          <p:attrName>style.visibility</p:attrName>
-                                        </p:attrNameLst>
-                                      </p:cBhvr>
-                                      <p:to>
-                                        <p:strVal val="visible"/>
-                                      </p:to>
-                                    </p:set>
-                                  </p:childTnLst>
-                                </p:cTn>
-                              </p:par>
-                              <p:par>
-                                <p:cTn id="19" presetID="1" presetClass="entr" presetSubtype="0" fill="hold" grpId="0" nodeType="withEffect">
+                                <p:cTn id="19" presetID="1" presetClass="entr" presetSubtype="0" fill="hold" grpId="0" nodeType="clickEffect">
                                   <p:stCondLst>
                                     <p:cond delay="0"/>
                                   </p:stCondLst>
@@ -33933,7 +36243,7 @@
                                         <p:tgtEl>
                                           <p:spTgt spid="3">
                                             <p:txEl>
-                                              <p:pRg st="6" end="6"/>
+                                              <p:pRg st="5" end="5"/>
                                             </p:txEl>
                                           </p:spTgt>
                                         </p:tgtEl>
@@ -33964,7 +36274,487 @@
                                         <p:tgtEl>
                                           <p:spTgt spid="3">
                                             <p:txEl>
-                                              <p:pRg st="7" end="7"/>
+                                              <p:pRg st="6" end="6"/>
+                                            </p:txEl>
+                                          </p:spTgt>
+                                        </p:tgtEl>
+                                        <p:attrNameLst>
+                                          <p:attrName>style.visibility</p:attrName>
+                                        </p:attrNameLst>
+                                      </p:cBhvr>
+                                      <p:to>
+                                        <p:strVal val="visible"/>
+                                      </p:to>
+                                    </p:set>
+                                  </p:childTnLst>
+                                </p:cTn>
+                              </p:par>
+                            </p:childTnLst>
+                          </p:cTn>
+                        </p:par>
+                      </p:childTnLst>
+                    </p:cTn>
+                  </p:par>
+                </p:childTnLst>
+              </p:cTn>
+              <p:prevCondLst>
+                <p:cond evt="onPrev" delay="0">
+                  <p:tgtEl>
+                    <p:sldTgt/>
+                  </p:tgtEl>
+                </p:cond>
+              </p:prevCondLst>
+              <p:nextCondLst>
+                <p:cond evt="onNext" delay="0">
+                  <p:tgtEl>
+                    <p:sldTgt/>
+                  </p:tgtEl>
+                </p:cond>
+              </p:nextCondLst>
+            </p:seq>
+          </p:childTnLst>
+        </p:cTn>
+      </p:par>
+    </p:tnLst>
+    <p:bldLst>
+      <p:bldP spid="3" grpId="0" build="p"/>
+    </p:bldLst>
+  </p:timing>
+</p:sld>
+</file>
+
+<file path=ppt/slides/slide9.xml><?xml version="1.0" encoding="utf-8"?>
+<p:sld xmlns:a="http://schemas.openxmlformats.org/drawingml/2006/main" xmlns:r="http://schemas.openxmlformats.org/officeDocument/2006/relationships" xmlns:p="http://schemas.openxmlformats.org/presentationml/2006/main">
+  <p:cSld>
+    <p:spTree>
+      <p:nvGrpSpPr>
+        <p:cNvPr id="1" name=""/>
+        <p:cNvGrpSpPr/>
+        <p:nvPr/>
+      </p:nvGrpSpPr>
+      <p:grpSpPr>
+        <a:xfrm>
+          <a:off x="0" y="0"/>
+          <a:ext cx="0" cy="0"/>
+          <a:chOff x="0" y="0"/>
+          <a:chExt cx="0" cy="0"/>
+        </a:xfrm>
+      </p:grpSpPr>
+      <p:sp>
+        <p:nvSpPr>
+          <p:cNvPr id="2" name="Title 1"/>
+          <p:cNvSpPr>
+            <a:spLocks noGrp="1"/>
+          </p:cNvSpPr>
+          <p:nvPr>
+            <p:ph type="title"/>
+          </p:nvPr>
+        </p:nvSpPr>
+        <p:spPr/>
+        <p:txBody>
+          <a:bodyPr/>
+          <a:lstStyle/>
+          <a:p>
+            <a:r>
+              <a:rPr lang="en-US" dirty="0" smtClean="0"/>
+              <a:t>Lisp variables</a:t>
+            </a:r>
+            <a:endParaRPr lang="en-US" dirty="0"/>
+          </a:p>
+        </p:txBody>
+      </p:sp>
+      <p:sp>
+        <p:nvSpPr>
+          <p:cNvPr id="3" name="Content Placeholder 2"/>
+          <p:cNvSpPr>
+            <a:spLocks noGrp="1"/>
+          </p:cNvSpPr>
+          <p:nvPr>
+            <p:ph idx="1"/>
+          </p:nvPr>
+        </p:nvSpPr>
+        <p:spPr>
+          <a:xfrm>
+            <a:off x="1141412" y="1904301"/>
+            <a:ext cx="9905999" cy="4630723"/>
+          </a:xfrm>
+        </p:spPr>
+        <p:txBody>
+          <a:bodyPr>
+            <a:normAutofit fontScale="92500" lnSpcReduction="20000"/>
+          </a:bodyPr>
+          <a:lstStyle/>
+          <a:p>
+            <a:r>
+              <a:rPr lang="en-US" dirty="0" smtClean="0"/>
+              <a:t>Variable declaration happens with (define) or (let):</a:t>
+            </a:r>
+          </a:p>
+          <a:p>
+            <a:pPr lvl="1"/>
+            <a:r>
+              <a:rPr lang="en-US" dirty="0" smtClean="0"/>
+              <a:t>(define my-variable my-value) ;declare and define a variable in the current scope</a:t>
+            </a:r>
+          </a:p>
+          <a:p>
+            <a:pPr lvl="1"/>
+            <a:r>
+              <a:rPr lang="en-US" dirty="0" smtClean="0"/>
+              <a:t>(let ([my-variable1 my-value1] ;declare and define variables in a new scope</a:t>
+            </a:r>
+            <a:br>
+              <a:rPr lang="en-US" dirty="0" smtClean="0"/>
+            </a:br>
+            <a:r>
+              <a:rPr lang="en-US" dirty="0"/>
+              <a:t> </a:t>
+            </a:r>
+            <a:r>
+              <a:rPr lang="en-US" dirty="0" smtClean="0"/>
+              <a:t>      …</a:t>
+            </a:r>
+            <a:br>
+              <a:rPr lang="en-US" dirty="0" smtClean="0"/>
+            </a:br>
+            <a:r>
+              <a:rPr lang="en-US" dirty="0" smtClean="0"/>
+              <a:t>       [my-</a:t>
+            </a:r>
+            <a:r>
+              <a:rPr lang="en-US" dirty="0" err="1" smtClean="0"/>
+              <a:t>variableN</a:t>
+            </a:r>
+            <a:r>
+              <a:rPr lang="en-US" dirty="0" smtClean="0"/>
+              <a:t> my-</a:t>
+            </a:r>
+            <a:r>
+              <a:rPr lang="en-US" dirty="0" err="1" smtClean="0"/>
+              <a:t>valueN</a:t>
+            </a:r>
+            <a:r>
+              <a:rPr lang="en-US" dirty="0" smtClean="0"/>
+              <a:t>])</a:t>
+            </a:r>
+            <a:br>
+              <a:rPr lang="en-US" dirty="0" smtClean="0"/>
+            </a:br>
+            <a:r>
+              <a:rPr lang="en-US" dirty="0" smtClean="0"/>
+              <a:t>  … ;do things here with your variables)</a:t>
+            </a:r>
+          </a:p>
+          <a:p>
+            <a:r>
+              <a:rPr lang="en-US" dirty="0" smtClean="0"/>
+              <a:t>Variables are dynamically typed by default in Lisp. Optional </a:t>
+            </a:r>
+            <a:r>
+              <a:rPr lang="en-US" dirty="0"/>
+              <a:t>t</a:t>
+            </a:r>
+            <a:r>
+              <a:rPr lang="en-US" dirty="0" smtClean="0"/>
+              <a:t>ype systems are also available. Example variable values:</a:t>
+            </a:r>
+          </a:p>
+          <a:p>
+            <a:pPr lvl="1"/>
+            <a:r>
+              <a:rPr lang="en-US" dirty="0" smtClean="0"/>
+              <a:t>#t ;is </a:t>
+            </a:r>
+            <a:r>
+              <a:rPr lang="en-US" dirty="0" err="1" smtClean="0"/>
+              <a:t>boolean</a:t>
+            </a:r>
+            <a:r>
+              <a:rPr lang="en-US" dirty="0" smtClean="0"/>
+              <a:t> True</a:t>
+            </a:r>
+          </a:p>
+          <a:p>
+            <a:pPr lvl="1"/>
+            <a:r>
+              <a:rPr lang="en-US" dirty="0" smtClean="0"/>
+              <a:t>#f ;is </a:t>
+            </a:r>
+            <a:r>
+              <a:rPr lang="en-US" dirty="0" err="1" smtClean="0"/>
+              <a:t>boolean</a:t>
+            </a:r>
+            <a:r>
+              <a:rPr lang="en-US" dirty="0" smtClean="0"/>
+              <a:t> False</a:t>
+            </a:r>
+          </a:p>
+          <a:p>
+            <a:pPr lvl="1"/>
+            <a:r>
+              <a:rPr lang="en-US" dirty="0" smtClean="0"/>
+              <a:t>“a string”</a:t>
+            </a:r>
+          </a:p>
+          <a:p>
+            <a:pPr lvl="1"/>
+            <a:r>
+              <a:rPr lang="en-US" dirty="0" smtClean="0"/>
+              <a:t>5</a:t>
+            </a:r>
+          </a:p>
+          <a:p>
+            <a:pPr lvl="1"/>
+            <a:r>
+              <a:rPr lang="en-US" dirty="0" smtClean="0"/>
+              <a:t> ‘a-symbol</a:t>
+            </a:r>
+          </a:p>
+        </p:txBody>
+      </p:sp>
+    </p:spTree>
+    <p:extLst>
+      <p:ext uri="{BB962C8B-B14F-4D97-AF65-F5344CB8AC3E}">
+        <p14:creationId xmlns:p14="http://schemas.microsoft.com/office/powerpoint/2010/main" val="1159362544"/>
+      </p:ext>
+    </p:extLst>
+  </p:cSld>
+  <p:clrMapOvr>
+    <a:masterClrMapping/>
+  </p:clrMapOvr>
+  <p:timing>
+    <p:tnLst>
+      <p:par>
+        <p:cTn id="1" dur="indefinite" restart="never" nodeType="tmRoot">
+          <p:childTnLst>
+            <p:seq concurrent="1" nextAc="seek">
+              <p:cTn id="2" dur="indefinite" nodeType="mainSeq">
+                <p:childTnLst>
+                  <p:par>
+                    <p:cTn id="3" fill="hold">
+                      <p:stCondLst>
+                        <p:cond delay="indefinite"/>
+                      </p:stCondLst>
+                      <p:childTnLst>
+                        <p:par>
+                          <p:cTn id="4" fill="hold">
+                            <p:stCondLst>
+                              <p:cond delay="0"/>
+                            </p:stCondLst>
+                            <p:childTnLst>
+                              <p:par>
+                                <p:cTn id="5" presetID="1" presetClass="entr" presetSubtype="0" fill="hold" grpId="0" nodeType="clickEffect">
+                                  <p:stCondLst>
+                                    <p:cond delay="0"/>
+                                  </p:stCondLst>
+                                  <p:childTnLst>
+                                    <p:set>
+                                      <p:cBhvr>
+                                        <p:cTn id="6" dur="1" fill="hold">
+                                          <p:stCondLst>
+                                            <p:cond delay="0"/>
+                                          </p:stCondLst>
+                                        </p:cTn>
+                                        <p:tgtEl>
+                                          <p:spTgt spid="3">
+                                            <p:txEl>
+                                              <p:pRg st="0" end="0"/>
+                                            </p:txEl>
+                                          </p:spTgt>
+                                        </p:tgtEl>
+                                        <p:attrNameLst>
+                                          <p:attrName>style.visibility</p:attrName>
+                                        </p:attrNameLst>
+                                      </p:cBhvr>
+                                      <p:to>
+                                        <p:strVal val="visible"/>
+                                      </p:to>
+                                    </p:set>
+                                  </p:childTnLst>
+                                </p:cTn>
+                              </p:par>
+                            </p:childTnLst>
+                          </p:cTn>
+                        </p:par>
+                      </p:childTnLst>
+                    </p:cTn>
+                  </p:par>
+                  <p:par>
+                    <p:cTn id="7" fill="hold">
+                      <p:stCondLst>
+                        <p:cond delay="indefinite"/>
+                      </p:stCondLst>
+                      <p:childTnLst>
+                        <p:par>
+                          <p:cTn id="8" fill="hold">
+                            <p:stCondLst>
+                              <p:cond delay="0"/>
+                            </p:stCondLst>
+                            <p:childTnLst>
+                              <p:par>
+                                <p:cTn id="9" presetID="1" presetClass="entr" presetSubtype="0" fill="hold" grpId="0" nodeType="clickEffect">
+                                  <p:stCondLst>
+                                    <p:cond delay="0"/>
+                                  </p:stCondLst>
+                                  <p:childTnLst>
+                                    <p:set>
+                                      <p:cBhvr>
+                                        <p:cTn id="10" dur="1" fill="hold">
+                                          <p:stCondLst>
+                                            <p:cond delay="0"/>
+                                          </p:stCondLst>
+                                        </p:cTn>
+                                        <p:tgtEl>
+                                          <p:spTgt spid="3">
+                                            <p:txEl>
+                                              <p:pRg st="1" end="1"/>
+                                            </p:txEl>
+                                          </p:spTgt>
+                                        </p:tgtEl>
+                                        <p:attrNameLst>
+                                          <p:attrName>style.visibility</p:attrName>
+                                        </p:attrNameLst>
+                                      </p:cBhvr>
+                                      <p:to>
+                                        <p:strVal val="visible"/>
+                                      </p:to>
+                                    </p:set>
+                                  </p:childTnLst>
+                                </p:cTn>
+                              </p:par>
+                            </p:childTnLst>
+                          </p:cTn>
+                        </p:par>
+                      </p:childTnLst>
+                    </p:cTn>
+                  </p:par>
+                  <p:par>
+                    <p:cTn id="11" fill="hold">
+                      <p:stCondLst>
+                        <p:cond delay="indefinite"/>
+                      </p:stCondLst>
+                      <p:childTnLst>
+                        <p:par>
+                          <p:cTn id="12" fill="hold">
+                            <p:stCondLst>
+                              <p:cond delay="0"/>
+                            </p:stCondLst>
+                            <p:childTnLst>
+                              <p:par>
+                                <p:cTn id="13" presetID="1" presetClass="entr" presetSubtype="0" fill="hold" grpId="0" nodeType="clickEffect">
+                                  <p:stCondLst>
+                                    <p:cond delay="0"/>
+                                  </p:stCondLst>
+                                  <p:childTnLst>
+                                    <p:set>
+                                      <p:cBhvr>
+                                        <p:cTn id="14" dur="1" fill="hold">
+                                          <p:stCondLst>
+                                            <p:cond delay="0"/>
+                                          </p:stCondLst>
+                                        </p:cTn>
+                                        <p:tgtEl>
+                                          <p:spTgt spid="3">
+                                            <p:txEl>
+                                              <p:pRg st="2" end="2"/>
+                                            </p:txEl>
+                                          </p:spTgt>
+                                        </p:tgtEl>
+                                        <p:attrNameLst>
+                                          <p:attrName>style.visibility</p:attrName>
+                                        </p:attrNameLst>
+                                      </p:cBhvr>
+                                      <p:to>
+                                        <p:strVal val="visible"/>
+                                      </p:to>
+                                    </p:set>
+                                  </p:childTnLst>
+                                </p:cTn>
+                              </p:par>
+                            </p:childTnLst>
+                          </p:cTn>
+                        </p:par>
+                      </p:childTnLst>
+                    </p:cTn>
+                  </p:par>
+                  <p:par>
+                    <p:cTn id="15" fill="hold">
+                      <p:stCondLst>
+                        <p:cond delay="indefinite"/>
+                      </p:stCondLst>
+                      <p:childTnLst>
+                        <p:par>
+                          <p:cTn id="16" fill="hold">
+                            <p:stCondLst>
+                              <p:cond delay="0"/>
+                            </p:stCondLst>
+                            <p:childTnLst>
+                              <p:par>
+                                <p:cTn id="17" presetID="1" presetClass="entr" presetSubtype="0" fill="hold" grpId="0" nodeType="clickEffect">
+                                  <p:stCondLst>
+                                    <p:cond delay="0"/>
+                                  </p:stCondLst>
+                                  <p:childTnLst>
+                                    <p:set>
+                                      <p:cBhvr>
+                                        <p:cTn id="18" dur="1" fill="hold">
+                                          <p:stCondLst>
+                                            <p:cond delay="0"/>
+                                          </p:stCondLst>
+                                        </p:cTn>
+                                        <p:tgtEl>
+                                          <p:spTgt spid="3">
+                                            <p:txEl>
+                                              <p:pRg st="3" end="3"/>
+                                            </p:txEl>
+                                          </p:spTgt>
+                                        </p:tgtEl>
+                                        <p:attrNameLst>
+                                          <p:attrName>style.visibility</p:attrName>
+                                        </p:attrNameLst>
+                                      </p:cBhvr>
+                                      <p:to>
+                                        <p:strVal val="visible"/>
+                                      </p:to>
+                                    </p:set>
+                                  </p:childTnLst>
+                                </p:cTn>
+                              </p:par>
+                            </p:childTnLst>
+                          </p:cTn>
+                        </p:par>
+                      </p:childTnLst>
+                    </p:cTn>
+                  </p:par>
+                  <p:par>
+                    <p:cTn id="19" fill="hold">
+                      <p:stCondLst>
+                        <p:cond delay="indefinite"/>
+                      </p:stCondLst>
+                      <p:childTnLst>
+                        <p:par>
+                          <p:cTn id="20" fill="hold">
+                            <p:stCondLst>
+                              <p:cond delay="0"/>
+                            </p:stCondLst>
+                            <p:childTnLst>
+                              <p:par>
+                                <p:cTn id="21" presetID="1" presetClass="entr" presetSubtype="0" fill="hold" grpId="0" nodeType="clickEffect">
+                                  <p:stCondLst>
+                                    <p:cond delay="0"/>
+                                  </p:stCondLst>
+                                  <p:childTnLst>
+                                    <p:set>
+                                      <p:cBhvr>
+                                        <p:cTn id="22" dur="1" fill="hold">
+                                          <p:stCondLst>
+                                            <p:cond delay="0"/>
+                                          </p:stCondLst>
+                                        </p:cTn>
+                                        <p:tgtEl>
+                                          <p:spTgt spid="3">
+                                            <p:txEl>
+                                              <p:pRg st="4" end="4"/>
                                             </p:txEl>
                                           </p:spTgt>
                                         </p:tgtEl>
@@ -33988,6 +36778,99 @@
                                     <p:set>
                                       <p:cBhvr>
                                         <p:cTn id="24" dur="1" fill="hold">
+                                          <p:stCondLst>
+                                            <p:cond delay="0"/>
+                                          </p:stCondLst>
+                                        </p:cTn>
+                                        <p:tgtEl>
+                                          <p:spTgt spid="3">
+                                            <p:txEl>
+                                              <p:pRg st="5" end="5"/>
+                                            </p:txEl>
+                                          </p:spTgt>
+                                        </p:tgtEl>
+                                        <p:attrNameLst>
+                                          <p:attrName>style.visibility</p:attrName>
+                                        </p:attrNameLst>
+                                      </p:cBhvr>
+                                      <p:to>
+                                        <p:strVal val="visible"/>
+                                      </p:to>
+                                    </p:set>
+                                  </p:childTnLst>
+                                </p:cTn>
+                              </p:par>
+                              <p:par>
+                                <p:cTn id="25" presetID="1" presetClass="entr" presetSubtype="0" fill="hold" grpId="0" nodeType="withEffect">
+                                  <p:stCondLst>
+                                    <p:cond delay="0"/>
+                                  </p:stCondLst>
+                                  <p:childTnLst>
+                                    <p:set>
+                                      <p:cBhvr>
+                                        <p:cTn id="26" dur="1" fill="hold">
+                                          <p:stCondLst>
+                                            <p:cond delay="0"/>
+                                          </p:stCondLst>
+                                        </p:cTn>
+                                        <p:tgtEl>
+                                          <p:spTgt spid="3">
+                                            <p:txEl>
+                                              <p:pRg st="6" end="6"/>
+                                            </p:txEl>
+                                          </p:spTgt>
+                                        </p:tgtEl>
+                                        <p:attrNameLst>
+                                          <p:attrName>style.visibility</p:attrName>
+                                        </p:attrNameLst>
+                                      </p:cBhvr>
+                                      <p:to>
+                                        <p:strVal val="visible"/>
+                                      </p:to>
+                                    </p:set>
+                                  </p:childTnLst>
+                                </p:cTn>
+                              </p:par>
+                              <p:par>
+                                <p:cTn id="27" presetID="1" presetClass="entr" presetSubtype="0" fill="hold" grpId="0" nodeType="withEffect">
+                                  <p:stCondLst>
+                                    <p:cond delay="0"/>
+                                  </p:stCondLst>
+                                  <p:childTnLst>
+                                    <p:set>
+                                      <p:cBhvr>
+                                        <p:cTn id="28" dur="1" fill="hold">
+                                          <p:stCondLst>
+                                            <p:cond delay="0"/>
+                                          </p:stCondLst>
+                                        </p:cTn>
+                                        <p:tgtEl>
+                                          <p:spTgt spid="3">
+                                            <p:txEl>
+                                              <p:pRg st="7" end="7"/>
+                                            </p:txEl>
+                                          </p:spTgt>
+                                        </p:tgtEl>
+                                        <p:attrNameLst>
+                                          <p:attrName>style.visibility</p:attrName>
+                                        </p:attrNameLst>
+                                      </p:cBhvr>
+                                      <p:to>
+                                        <p:strVal val="visible"/>
+                                      </p:to>
+                                    </p:set>
+                                  </p:childTnLst>
+                                </p:cTn>
+                              </p:par>
+                              <p:par>
+                                <p:cTn id="29" presetID="1" presetClass="entr" presetSubtype="0" fill="hold" grpId="0" nodeType="withEffect">
+                                  <p:stCondLst>
+                                    <p:cond delay="0"/>
+                                  </p:stCondLst>
+                                  <p:childTnLst>
+                                    <p:set>
+                                      <p:cBhvr>
+                                        <p:cTn id="30" dur="1" fill="hold">
                                           <p:stCondLst>
                                             <p:cond delay="0"/>
                                           </p:stCondLst>
@@ -34038,7 +36921,7 @@
       </p:par>
     </p:tnLst>
     <p:bldLst>
-      <p:bldP spid="3" grpId="0" build="p"/>
+      <p:bldP spid="3" grpId="0" uiExpand="1" build="p"/>
     </p:bldLst>
   </p:timing>
 </p:sld>

--- a/DFC3.pptx
+++ b/DFC3.pptx
@@ -14920,8 +14920,15 @@
             </a:r>
             <a:r>
               <a:rPr lang="en-US" dirty="0" smtClean="0"/>
-              <a:t>.” – Richard Mansfield</a:t>
-            </a:r>
+              <a:t>.” – Richard </a:t>
+            </a:r>
+            <a:r>
+              <a:rPr lang="en-US" dirty="0" smtClean="0"/>
+              <a:t>Mansfield</a:t>
+            </a:r>
+          </a:p>
+          <a:p>
+            <a:endParaRPr lang="en-US" dirty="0" smtClean="0"/>
           </a:p>
           <a:p>
             <a:r>
@@ -18697,14 +18704,24 @@
               <a:t> </a:t>
             </a:r>
             <a:r>
-              <a:rPr lang="en-US" sz="1400" smtClean="0">
-                <a:solidFill>
-                  <a:schemeClr val="bg1"/>
-                </a:solidFill>
-                <a:latin typeface="Consolas" panose="020B0609020204030204" pitchFamily="49" charset="0"/>
-                <a:cs typeface="Consolas" panose="020B0609020204030204" pitchFamily="49" charset="0"/>
-              </a:rPr>
-              <a:t>datapool)</a:t>
+              <a:rPr lang="en-US" sz="1400" dirty="0" err="1" smtClean="0">
+                <a:solidFill>
+                  <a:schemeClr val="bg1"/>
+                </a:solidFill>
+                <a:latin typeface="Consolas" panose="020B0609020204030204" pitchFamily="49" charset="0"/>
+                <a:cs typeface="Consolas" panose="020B0609020204030204" pitchFamily="49" charset="0"/>
+              </a:rPr>
+              <a:t>datapool</a:t>
+            </a:r>
+            <a:r>
+              <a:rPr lang="en-US" sz="1400" dirty="0" smtClean="0">
+                <a:solidFill>
+                  <a:schemeClr val="bg1"/>
+                </a:solidFill>
+                <a:latin typeface="Consolas" panose="020B0609020204030204" pitchFamily="49" charset="0"/>
+                <a:cs typeface="Consolas" panose="020B0609020204030204" pitchFamily="49" charset="0"/>
+              </a:rPr>
+              <a:t>)</a:t>
             </a:r>
             <a:endParaRPr lang="en-US" sz="1400" dirty="0">
               <a:solidFill>
@@ -22663,7 +22680,15 @@
             </a:r>
             <a:r>
               <a:rPr lang="en-US" dirty="0" smtClean="0"/>
-              <a:t>best practice design </a:t>
+              <a:t>best practice Object Oriented </a:t>
+            </a:r>
+            <a:r>
+              <a:rPr lang="en-US" dirty="0" smtClean="0"/>
+              <a:t>Programming </a:t>
+            </a:r>
+            <a:r>
+              <a:rPr lang="en-US" dirty="0" smtClean="0"/>
+              <a:t>design </a:t>
             </a:r>
             <a:r>
               <a:rPr lang="en-US" dirty="0" smtClean="0"/>
@@ -22717,7 +22742,7 @@
             </a:r>
             <a:r>
               <a:rPr lang="en-US" dirty="0" smtClean="0"/>
-              <a:t>functions can access is the API, these issues don’t happen</a:t>
+              <a:t>functions can access is the API, these issues are mitigated</a:t>
             </a:r>
             <a:endParaRPr lang="en-US" dirty="0" smtClean="0"/>
           </a:p>
@@ -29811,15 +29836,8 @@
                 <a:latin typeface="Consolas" panose="020B0609020204030204" pitchFamily="49" charset="0"/>
                 <a:cs typeface="Consolas" panose="020B0609020204030204" pitchFamily="49" charset="0"/>
               </a:rPr>
-              <a:t>-type ;specify type of message to handle</a:t>
-            </a:r>
-            <a:endParaRPr lang="en-US" sz="1400" dirty="0">
-              <a:solidFill>
-                <a:schemeClr val="bg1"/>
-              </a:solidFill>
-              <a:latin typeface="Consolas" panose="020B0609020204030204" pitchFamily="49" charset="0"/>
-              <a:cs typeface="Consolas" panose="020B0609020204030204" pitchFamily="49" charset="0"/>
-            </a:endParaRPr>
+              <a:t>-type</a:t>
+            </a:r>
           </a:p>
           <a:p>
             <a:pPr marL="0" indent="0">
@@ -29839,35 +29857,8 @@
                 <a:latin typeface="Consolas" panose="020B0609020204030204" pitchFamily="49" charset="0"/>
                 <a:cs typeface="Consolas" panose="020B0609020204030204" pitchFamily="49" charset="0"/>
               </a:rPr>
-              <a:t>                                </a:t>
-            </a:r>
-            <a:r>
-              <a:rPr lang="en-US" sz="1400" dirty="0">
-                <a:solidFill>
-                  <a:schemeClr val="bg1"/>
-                </a:solidFill>
-                <a:latin typeface="Consolas" panose="020B0609020204030204" pitchFamily="49" charset="0"/>
-                <a:cs typeface="Consolas" panose="020B0609020204030204" pitchFamily="49" charset="0"/>
-              </a:rPr>
-              <a:t>#</a:t>
-            </a:r>
-            <a:r>
-              <a:rPr lang="en-US" sz="1400" dirty="0" smtClean="0">
-                <a:solidFill>
-                  <a:schemeClr val="bg1"/>
-                </a:solidFill>
-                <a:latin typeface="Consolas" panose="020B0609020204030204" pitchFamily="49" charset="0"/>
-                <a:cs typeface="Consolas" panose="020B0609020204030204" pitchFamily="49" charset="0"/>
-              </a:rPr>
-              <a:t>f ;specify only handle messages with source set to #f</a:t>
-            </a:r>
-            <a:endParaRPr lang="en-US" sz="1400" dirty="0">
-              <a:solidFill>
-                <a:schemeClr val="bg1"/>
-              </a:solidFill>
-              <a:latin typeface="Consolas" panose="020B0609020204030204" pitchFamily="49" charset="0"/>
-              <a:cs typeface="Consolas" panose="020B0609020204030204" pitchFamily="49" charset="0"/>
-            </a:endParaRPr>
+              <a:t>                                #f </a:t>
+            </a:r>
           </a:p>
           <a:p>
             <a:pPr marL="0" indent="0">
@@ -29907,7 +29898,7 @@
                 <a:latin typeface="Consolas" panose="020B0609020204030204" pitchFamily="49" charset="0"/>
                 <a:cs typeface="Consolas" panose="020B0609020204030204" pitchFamily="49" charset="0"/>
               </a:rPr>
-              <a:t>)) ;list of input to gather from </a:t>
+              <a:t>)) ;input to gather from </a:t>
             </a:r>
             <a:r>
               <a:rPr lang="en-US" sz="1400" dirty="0" err="1" smtClean="0">
@@ -29965,17 +29956,17 @@
                 <a:latin typeface="Consolas" panose="020B0609020204030204" pitchFamily="49" charset="0"/>
                 <a:cs typeface="Consolas" panose="020B0609020204030204" pitchFamily="49" charset="0"/>
               </a:rPr>
-              <a:t>))) </a:t>
-            </a:r>
-            <a:r>
-              <a:rPr lang="en-US" sz="1400" dirty="0">
-                <a:solidFill>
-                  <a:schemeClr val="bg1"/>
-                </a:solidFill>
-                <a:latin typeface="Consolas" panose="020B0609020204030204" pitchFamily="49" charset="0"/>
-                <a:cs typeface="Consolas" panose="020B0609020204030204" pitchFamily="49" charset="0"/>
-              </a:rPr>
-              <a:t>;specify return destinations </a:t>
+              <a:t>))) ;return </a:t>
+            </a:r>
+            <a:r>
+              <a:rPr lang="en-US" sz="1400" dirty="0">
+                <a:solidFill>
+                  <a:schemeClr val="bg1"/>
+                </a:solidFill>
+                <a:latin typeface="Consolas" panose="020B0609020204030204" pitchFamily="49" charset="0"/>
+                <a:cs typeface="Consolas" panose="020B0609020204030204" pitchFamily="49" charset="0"/>
+              </a:rPr>
+              <a:t>destinations </a:t>
             </a:r>
           </a:p>
           <a:p>
@@ -34807,28 +34798,28 @@
             </a:r>
             <a:r>
               <a:rPr lang="en-US" dirty="0" smtClean="0"/>
-              <a:t>necessary when:</a:t>
+              <a:t>necessary to:</a:t>
             </a:r>
           </a:p>
           <a:p>
             <a:pPr lvl="1"/>
             <a:r>
               <a:rPr lang="en-US" dirty="0" smtClean="0"/>
-              <a:t>to enable communication</a:t>
+              <a:t>enable communication</a:t>
             </a:r>
           </a:p>
           <a:p>
             <a:pPr lvl="1"/>
             <a:r>
               <a:rPr lang="en-US" dirty="0" smtClean="0"/>
-              <a:t>to make programs event driven</a:t>
+              <a:t>make programs event driven</a:t>
             </a:r>
           </a:p>
           <a:p>
             <a:pPr lvl="1"/>
             <a:r>
               <a:rPr lang="en-US" dirty="0" smtClean="0"/>
-              <a:t>to make</a:t>
+              <a:t>make</a:t>
             </a:r>
             <a:r>
               <a:rPr lang="en-US" dirty="0" smtClean="0"/>
@@ -34839,18 +34830,18 @@
           <a:p>
             <a:r>
               <a:rPr lang="en-US" dirty="0" smtClean="0"/>
-              <a:t>Traditional concurrency techniques have problems:</a:t>
+              <a:t>Traditional concurrency techniques have problems, they:</a:t>
             </a:r>
           </a:p>
           <a:p>
             <a:pPr lvl="1"/>
             <a:r>
               <a:rPr lang="en-US" dirty="0" smtClean="0"/>
-              <a:t>they </a:t>
+              <a:t>are </a:t>
             </a:r>
             <a:r>
               <a:rPr lang="en-US" dirty="0" smtClean="0"/>
-              <a:t>are error </a:t>
+              <a:t>error </a:t>
             </a:r>
             <a:r>
               <a:rPr lang="en-US" dirty="0" smtClean="0"/>

--- a/DFC3.pptx
+++ b/DFC3.pptx
@@ -16,30 +16,31 @@
     <p:sldId id="257" r:id="rId10"/>
     <p:sldId id="260" r:id="rId11"/>
     <p:sldId id="261" r:id="rId12"/>
-    <p:sldId id="262" r:id="rId13"/>
-    <p:sldId id="268" r:id="rId14"/>
-    <p:sldId id="270" r:id="rId15"/>
-    <p:sldId id="271" r:id="rId16"/>
-    <p:sldId id="272" r:id="rId17"/>
-    <p:sldId id="269" r:id="rId18"/>
-    <p:sldId id="273" r:id="rId19"/>
-    <p:sldId id="274" r:id="rId20"/>
-    <p:sldId id="275" r:id="rId21"/>
-    <p:sldId id="277" r:id="rId22"/>
-    <p:sldId id="276" r:id="rId23"/>
-    <p:sldId id="290" r:id="rId24"/>
-    <p:sldId id="278" r:id="rId25"/>
-    <p:sldId id="279" r:id="rId26"/>
-    <p:sldId id="281" r:id="rId27"/>
-    <p:sldId id="282" r:id="rId28"/>
-    <p:sldId id="283" r:id="rId29"/>
-    <p:sldId id="284" r:id="rId30"/>
-    <p:sldId id="285" r:id="rId31"/>
-    <p:sldId id="291" r:id="rId32"/>
-    <p:sldId id="288" r:id="rId33"/>
-    <p:sldId id="289" r:id="rId34"/>
-    <p:sldId id="287" r:id="rId35"/>
-    <p:sldId id="280" r:id="rId36"/>
+    <p:sldId id="292" r:id="rId13"/>
+    <p:sldId id="262" r:id="rId14"/>
+    <p:sldId id="268" r:id="rId15"/>
+    <p:sldId id="270" r:id="rId16"/>
+    <p:sldId id="271" r:id="rId17"/>
+    <p:sldId id="272" r:id="rId18"/>
+    <p:sldId id="269" r:id="rId19"/>
+    <p:sldId id="273" r:id="rId20"/>
+    <p:sldId id="274" r:id="rId21"/>
+    <p:sldId id="275" r:id="rId22"/>
+    <p:sldId id="277" r:id="rId23"/>
+    <p:sldId id="276" r:id="rId24"/>
+    <p:sldId id="290" r:id="rId25"/>
+    <p:sldId id="278" r:id="rId26"/>
+    <p:sldId id="279" r:id="rId27"/>
+    <p:sldId id="281" r:id="rId28"/>
+    <p:sldId id="282" r:id="rId29"/>
+    <p:sldId id="283" r:id="rId30"/>
+    <p:sldId id="284" r:id="rId31"/>
+    <p:sldId id="285" r:id="rId32"/>
+    <p:sldId id="291" r:id="rId33"/>
+    <p:sldId id="288" r:id="rId34"/>
+    <p:sldId id="289" r:id="rId35"/>
+    <p:sldId id="287" r:id="rId36"/>
+    <p:sldId id="280" r:id="rId37"/>
   </p:sldIdLst>
   <p:sldSz cx="12192000" cy="6858000"/>
   <p:notesSz cx="6858000" cy="9144000"/>
@@ -13043,8 +13044,16 @@
             </a:r>
             <a:r>
               <a:rPr lang="en-US" dirty="0" smtClean="0"/>
-              <a:t>-equals-true)</a:t>
-            </a:r>
+              <a:t>-equals-true</a:t>
+            </a:r>
+            <a:r>
+              <a:rPr lang="en-US" dirty="0" smtClean="0"/>
+              <a:t>)</a:t>
+            </a:r>
+          </a:p>
+          <a:p>
+            <a:pPr lvl="1"/>
+            <a:endParaRPr lang="en-US" dirty="0" smtClean="0"/>
           </a:p>
         </p:txBody>
       </p:sp>
@@ -13275,7 +13284,7 @@
           <a:p>
             <a:r>
               <a:rPr lang="en-US" dirty="0" smtClean="0"/>
-              <a:t>Putting it together</a:t>
+              <a:t>Readability</a:t>
             </a:r>
             <a:endParaRPr lang="en-US" dirty="0"/>
           </a:p>
@@ -13298,7 +13307,369 @@
           <a:p>
             <a:r>
               <a:rPr lang="en-US" dirty="0" smtClean="0"/>
-              <a:t>An example:</a:t>
+              <a:t>Whitespace is ignored in lisp</a:t>
+            </a:r>
+          </a:p>
+          <a:p>
+            <a:r>
+              <a:rPr lang="en-US" dirty="0" smtClean="0"/>
+              <a:t>Newlines can be added to make lines more readable</a:t>
+            </a:r>
+          </a:p>
+          <a:p>
+            <a:pPr lvl="1"/>
+            <a:r>
+              <a:rPr lang="en-US" dirty="0" smtClean="0"/>
+              <a:t>(define variable1 #f)</a:t>
+            </a:r>
+            <a:br>
+              <a:rPr lang="en-US" dirty="0" smtClean="0"/>
+            </a:br>
+            <a:r>
+              <a:rPr lang="en-US" dirty="0" smtClean="0"/>
+              <a:t>(define variable2 (list 1 2))</a:t>
+            </a:r>
+          </a:p>
+          <a:p>
+            <a:r>
+              <a:rPr lang="en-US" dirty="0" smtClean="0"/>
+              <a:t>Newlines on new scopes are indented with 2 spaces</a:t>
+            </a:r>
+          </a:p>
+          <a:p>
+            <a:pPr lvl="1"/>
+            <a:r>
+              <a:rPr lang="en-US" dirty="0" smtClean="0"/>
+              <a:t>(let ()</a:t>
+            </a:r>
+            <a:br>
+              <a:rPr lang="en-US" dirty="0" smtClean="0"/>
+            </a:br>
+            <a:r>
+              <a:rPr lang="en-US" dirty="0" smtClean="0"/>
+              <a:t>  (indented-line))</a:t>
+            </a:r>
+            <a:endParaRPr lang="en-US" dirty="0"/>
+          </a:p>
+        </p:txBody>
+      </p:sp>
+    </p:spTree>
+    <p:extLst>
+      <p:ext uri="{BB962C8B-B14F-4D97-AF65-F5344CB8AC3E}">
+        <p14:creationId xmlns:p14="http://schemas.microsoft.com/office/powerpoint/2010/main" val="3473300887"/>
+      </p:ext>
+    </p:extLst>
+  </p:cSld>
+  <p:clrMapOvr>
+    <a:masterClrMapping/>
+  </p:clrMapOvr>
+  <p:timing>
+    <p:tnLst>
+      <p:par>
+        <p:cTn id="1" dur="indefinite" restart="never" nodeType="tmRoot">
+          <p:childTnLst>
+            <p:seq concurrent="1" nextAc="seek">
+              <p:cTn id="2" dur="indefinite" nodeType="mainSeq">
+                <p:childTnLst>
+                  <p:par>
+                    <p:cTn id="3" fill="hold">
+                      <p:stCondLst>
+                        <p:cond delay="indefinite"/>
+                      </p:stCondLst>
+                      <p:childTnLst>
+                        <p:par>
+                          <p:cTn id="4" fill="hold">
+                            <p:stCondLst>
+                              <p:cond delay="0"/>
+                            </p:stCondLst>
+                            <p:childTnLst>
+                              <p:par>
+                                <p:cTn id="5" presetID="1" presetClass="entr" presetSubtype="0" fill="hold" grpId="0" nodeType="clickEffect">
+                                  <p:stCondLst>
+                                    <p:cond delay="0"/>
+                                  </p:stCondLst>
+                                  <p:childTnLst>
+                                    <p:set>
+                                      <p:cBhvr>
+                                        <p:cTn id="6" dur="1" fill="hold">
+                                          <p:stCondLst>
+                                            <p:cond delay="0"/>
+                                          </p:stCondLst>
+                                        </p:cTn>
+                                        <p:tgtEl>
+                                          <p:spTgt spid="3">
+                                            <p:txEl>
+                                              <p:pRg st="0" end="0"/>
+                                            </p:txEl>
+                                          </p:spTgt>
+                                        </p:tgtEl>
+                                        <p:attrNameLst>
+                                          <p:attrName>style.visibility</p:attrName>
+                                        </p:attrNameLst>
+                                      </p:cBhvr>
+                                      <p:to>
+                                        <p:strVal val="visible"/>
+                                      </p:to>
+                                    </p:set>
+                                  </p:childTnLst>
+                                </p:cTn>
+                              </p:par>
+                            </p:childTnLst>
+                          </p:cTn>
+                        </p:par>
+                      </p:childTnLst>
+                    </p:cTn>
+                  </p:par>
+                  <p:par>
+                    <p:cTn id="7" fill="hold">
+                      <p:stCondLst>
+                        <p:cond delay="indefinite"/>
+                      </p:stCondLst>
+                      <p:childTnLst>
+                        <p:par>
+                          <p:cTn id="8" fill="hold">
+                            <p:stCondLst>
+                              <p:cond delay="0"/>
+                            </p:stCondLst>
+                            <p:childTnLst>
+                              <p:par>
+                                <p:cTn id="9" presetID="1" presetClass="entr" presetSubtype="0" fill="hold" grpId="0" nodeType="clickEffect">
+                                  <p:stCondLst>
+                                    <p:cond delay="0"/>
+                                  </p:stCondLst>
+                                  <p:childTnLst>
+                                    <p:set>
+                                      <p:cBhvr>
+                                        <p:cTn id="10" dur="1" fill="hold">
+                                          <p:stCondLst>
+                                            <p:cond delay="0"/>
+                                          </p:stCondLst>
+                                        </p:cTn>
+                                        <p:tgtEl>
+                                          <p:spTgt spid="3">
+                                            <p:txEl>
+                                              <p:pRg st="1" end="1"/>
+                                            </p:txEl>
+                                          </p:spTgt>
+                                        </p:tgtEl>
+                                        <p:attrNameLst>
+                                          <p:attrName>style.visibility</p:attrName>
+                                        </p:attrNameLst>
+                                      </p:cBhvr>
+                                      <p:to>
+                                        <p:strVal val="visible"/>
+                                      </p:to>
+                                    </p:set>
+                                  </p:childTnLst>
+                                </p:cTn>
+                              </p:par>
+                              <p:par>
+                                <p:cTn id="11" presetID="1" presetClass="entr" presetSubtype="0" fill="hold" grpId="0" nodeType="withEffect">
+                                  <p:stCondLst>
+                                    <p:cond delay="0"/>
+                                  </p:stCondLst>
+                                  <p:childTnLst>
+                                    <p:set>
+                                      <p:cBhvr>
+                                        <p:cTn id="12" dur="1" fill="hold">
+                                          <p:stCondLst>
+                                            <p:cond delay="0"/>
+                                          </p:stCondLst>
+                                        </p:cTn>
+                                        <p:tgtEl>
+                                          <p:spTgt spid="3">
+                                            <p:txEl>
+                                              <p:pRg st="2" end="2"/>
+                                            </p:txEl>
+                                          </p:spTgt>
+                                        </p:tgtEl>
+                                        <p:attrNameLst>
+                                          <p:attrName>style.visibility</p:attrName>
+                                        </p:attrNameLst>
+                                      </p:cBhvr>
+                                      <p:to>
+                                        <p:strVal val="visible"/>
+                                      </p:to>
+                                    </p:set>
+                                  </p:childTnLst>
+                                </p:cTn>
+                              </p:par>
+                            </p:childTnLst>
+                          </p:cTn>
+                        </p:par>
+                      </p:childTnLst>
+                    </p:cTn>
+                  </p:par>
+                  <p:par>
+                    <p:cTn id="13" fill="hold">
+                      <p:stCondLst>
+                        <p:cond delay="indefinite"/>
+                      </p:stCondLst>
+                      <p:childTnLst>
+                        <p:par>
+                          <p:cTn id="14" fill="hold">
+                            <p:stCondLst>
+                              <p:cond delay="0"/>
+                            </p:stCondLst>
+                            <p:childTnLst>
+                              <p:par>
+                                <p:cTn id="15" presetID="1" presetClass="entr" presetSubtype="0" fill="hold" grpId="0" nodeType="clickEffect">
+                                  <p:stCondLst>
+                                    <p:cond delay="0"/>
+                                  </p:stCondLst>
+                                  <p:childTnLst>
+                                    <p:set>
+                                      <p:cBhvr>
+                                        <p:cTn id="16" dur="1" fill="hold">
+                                          <p:stCondLst>
+                                            <p:cond delay="0"/>
+                                          </p:stCondLst>
+                                        </p:cTn>
+                                        <p:tgtEl>
+                                          <p:spTgt spid="3">
+                                            <p:txEl>
+                                              <p:pRg st="3" end="3"/>
+                                            </p:txEl>
+                                          </p:spTgt>
+                                        </p:tgtEl>
+                                        <p:attrNameLst>
+                                          <p:attrName>style.visibility</p:attrName>
+                                        </p:attrNameLst>
+                                      </p:cBhvr>
+                                      <p:to>
+                                        <p:strVal val="visible"/>
+                                      </p:to>
+                                    </p:set>
+                                  </p:childTnLst>
+                                </p:cTn>
+                              </p:par>
+                              <p:par>
+                                <p:cTn id="17" presetID="1" presetClass="entr" presetSubtype="0" fill="hold" grpId="0" nodeType="withEffect">
+                                  <p:stCondLst>
+                                    <p:cond delay="0"/>
+                                  </p:stCondLst>
+                                  <p:childTnLst>
+                                    <p:set>
+                                      <p:cBhvr>
+                                        <p:cTn id="18" dur="1" fill="hold">
+                                          <p:stCondLst>
+                                            <p:cond delay="0"/>
+                                          </p:stCondLst>
+                                        </p:cTn>
+                                        <p:tgtEl>
+                                          <p:spTgt spid="3">
+                                            <p:txEl>
+                                              <p:pRg st="4" end="4"/>
+                                            </p:txEl>
+                                          </p:spTgt>
+                                        </p:tgtEl>
+                                        <p:attrNameLst>
+                                          <p:attrName>style.visibility</p:attrName>
+                                        </p:attrNameLst>
+                                      </p:cBhvr>
+                                      <p:to>
+                                        <p:strVal val="visible"/>
+                                      </p:to>
+                                    </p:set>
+                                  </p:childTnLst>
+                                </p:cTn>
+                              </p:par>
+                            </p:childTnLst>
+                          </p:cTn>
+                        </p:par>
+                      </p:childTnLst>
+                    </p:cTn>
+                  </p:par>
+                </p:childTnLst>
+              </p:cTn>
+              <p:prevCondLst>
+                <p:cond evt="onPrev" delay="0">
+                  <p:tgtEl>
+                    <p:sldTgt/>
+                  </p:tgtEl>
+                </p:cond>
+              </p:prevCondLst>
+              <p:nextCondLst>
+                <p:cond evt="onNext" delay="0">
+                  <p:tgtEl>
+                    <p:sldTgt/>
+                  </p:tgtEl>
+                </p:cond>
+              </p:nextCondLst>
+            </p:seq>
+          </p:childTnLst>
+        </p:cTn>
+      </p:par>
+    </p:tnLst>
+    <p:bldLst>
+      <p:bldP spid="3" grpId="0" build="p"/>
+    </p:bldLst>
+  </p:timing>
+</p:sld>
+</file>
+
+<file path=ppt/slides/slide13.xml><?xml version="1.0" encoding="utf-8"?>
+<p:sld xmlns:a="http://schemas.openxmlformats.org/drawingml/2006/main" xmlns:r="http://schemas.openxmlformats.org/officeDocument/2006/relationships" xmlns:p="http://schemas.openxmlformats.org/presentationml/2006/main">
+  <p:cSld>
+    <p:spTree>
+      <p:nvGrpSpPr>
+        <p:cNvPr id="1" name=""/>
+        <p:cNvGrpSpPr/>
+        <p:nvPr/>
+      </p:nvGrpSpPr>
+      <p:grpSpPr>
+        <a:xfrm>
+          <a:off x="0" y="0"/>
+          <a:ext cx="0" cy="0"/>
+          <a:chOff x="0" y="0"/>
+          <a:chExt cx="0" cy="0"/>
+        </a:xfrm>
+      </p:grpSpPr>
+      <p:sp>
+        <p:nvSpPr>
+          <p:cNvPr id="2" name="Title 1"/>
+          <p:cNvSpPr>
+            <a:spLocks noGrp="1"/>
+          </p:cNvSpPr>
+          <p:nvPr>
+            <p:ph type="title"/>
+          </p:nvPr>
+        </p:nvSpPr>
+        <p:spPr/>
+        <p:txBody>
+          <a:bodyPr/>
+          <a:lstStyle/>
+          <a:p>
+            <a:r>
+              <a:rPr lang="en-US" dirty="0" smtClean="0"/>
+              <a:t>Putting it together</a:t>
+            </a:r>
+            <a:endParaRPr lang="en-US" dirty="0"/>
+          </a:p>
+        </p:txBody>
+      </p:sp>
+      <p:sp>
+        <p:nvSpPr>
+          <p:cNvPr id="3" name="Content Placeholder 2"/>
+          <p:cNvSpPr>
+            <a:spLocks noGrp="1"/>
+          </p:cNvSpPr>
+          <p:nvPr>
+            <p:ph idx="1"/>
+          </p:nvPr>
+        </p:nvSpPr>
+        <p:spPr/>
+        <p:txBody>
+          <a:bodyPr/>
+          <a:lstStyle/>
+          <a:p>
+            <a:r>
+              <a:rPr lang="en-US" dirty="0" smtClean="0"/>
+              <a:t>An </a:t>
+            </a:r>
+            <a:r>
+              <a:rPr lang="en-US" dirty="0" smtClean="0"/>
+              <a:t>example:</a:t>
             </a:r>
           </a:p>
           <a:p>
@@ -13715,7 +14086,7 @@
 </p:sld>
 </file>
 
-<file path=ppt/slides/slide13.xml><?xml version="1.0" encoding="utf-8"?>
+<file path=ppt/slides/slide14.xml><?xml version="1.0" encoding="utf-8"?>
 <p:sld xmlns:a="http://schemas.openxmlformats.org/drawingml/2006/main" xmlns:r="http://schemas.openxmlformats.org/officeDocument/2006/relationships" xmlns:p="http://schemas.openxmlformats.org/presentationml/2006/main">
   <p:cSld>
     <p:spTree>
@@ -13775,7 +14146,7 @@
 </p:sld>
 </file>
 
-<file path=ppt/slides/slide14.xml><?xml version="1.0" encoding="utf-8"?>
+<file path=ppt/slides/slide15.xml><?xml version="1.0" encoding="utf-8"?>
 <p:sld xmlns:a="http://schemas.openxmlformats.org/drawingml/2006/main" xmlns:r="http://schemas.openxmlformats.org/officeDocument/2006/relationships" xmlns:p="http://schemas.openxmlformats.org/presentationml/2006/main">
   <p:cSld>
     <p:spTree>
@@ -14147,7 +14518,7 @@
 </p:sld>
 </file>
 
-<file path=ppt/slides/slide15.xml><?xml version="1.0" encoding="utf-8"?>
+<file path=ppt/slides/slide16.xml><?xml version="1.0" encoding="utf-8"?>
 <p:sld xmlns:a="http://schemas.openxmlformats.org/drawingml/2006/main" xmlns:r="http://schemas.openxmlformats.org/officeDocument/2006/relationships" xmlns:p="http://schemas.openxmlformats.org/presentationml/2006/main">
   <p:cSld>
     <p:spTree>
@@ -14271,7 +14642,7 @@
 </p:sld>
 </file>
 
-<file path=ppt/slides/slide16.xml><?xml version="1.0" encoding="utf-8"?>
+<file path=ppt/slides/slide17.xml><?xml version="1.0" encoding="utf-8"?>
 <p:sld xmlns:a="http://schemas.openxmlformats.org/drawingml/2006/main" xmlns:r="http://schemas.openxmlformats.org/officeDocument/2006/relationships" xmlns:p="http://schemas.openxmlformats.org/presentationml/2006/main">
   <p:cSld>
     <p:spTree>
@@ -14332,7 +14703,7 @@
 </p:sld>
 </file>
 
-<file path=ppt/slides/slide17.xml><?xml version="1.0" encoding="utf-8"?>
+<file path=ppt/slides/slide18.xml><?xml version="1.0" encoding="utf-8"?>
 <p:sld xmlns:a="http://schemas.openxmlformats.org/drawingml/2006/main" xmlns:r="http://schemas.openxmlformats.org/officeDocument/2006/relationships" xmlns:p="http://schemas.openxmlformats.org/presentationml/2006/main">
   <p:cSld>
     <p:spTree>
@@ -14737,7 +15108,7 @@
 </p:sld>
 </file>
 
-<file path=ppt/slides/slide18.xml><?xml version="1.0" encoding="utf-8"?>
+<file path=ppt/slides/slide19.xml><?xml version="1.0" encoding="utf-8"?>
 <p:sld xmlns:a="http://schemas.openxmlformats.org/drawingml/2006/main" xmlns:r="http://schemas.openxmlformats.org/officeDocument/2006/relationships" xmlns:p="http://schemas.openxmlformats.org/presentationml/2006/main">
   <p:cSld>
     <p:spTree>
@@ -14798,7 +15169,115 @@
 </p:sld>
 </file>
 
-<file path=ppt/slides/slide19.xml><?xml version="1.0" encoding="utf-8"?>
+<file path=ppt/slides/slide2.xml><?xml version="1.0" encoding="utf-8"?>
+<p:sld xmlns:a="http://schemas.openxmlformats.org/drawingml/2006/main" xmlns:r="http://schemas.openxmlformats.org/officeDocument/2006/relationships" xmlns:p="http://schemas.openxmlformats.org/presentationml/2006/main">
+  <p:cSld>
+    <p:spTree>
+      <p:nvGrpSpPr>
+        <p:cNvPr id="1" name=""/>
+        <p:cNvGrpSpPr/>
+        <p:nvPr/>
+      </p:nvGrpSpPr>
+      <p:grpSpPr>
+        <a:xfrm>
+          <a:off x="0" y="0"/>
+          <a:ext cx="0" cy="0"/>
+          <a:chOff x="0" y="0"/>
+          <a:chExt cx="0" cy="0"/>
+        </a:xfrm>
+      </p:grpSpPr>
+      <p:sp>
+        <p:nvSpPr>
+          <p:cNvPr id="2" name="Title 1"/>
+          <p:cNvSpPr>
+            <a:spLocks noGrp="1"/>
+          </p:cNvSpPr>
+          <p:nvPr>
+            <p:ph type="title"/>
+          </p:nvPr>
+        </p:nvSpPr>
+        <p:spPr/>
+        <p:txBody>
+          <a:bodyPr/>
+          <a:lstStyle/>
+          <a:p>
+            <a:r>
+              <a:rPr lang="en-US" dirty="0" smtClean="0"/>
+              <a:t>Object Oriented Code has problems</a:t>
+            </a:r>
+            <a:endParaRPr lang="en-US" dirty="0"/>
+          </a:p>
+        </p:txBody>
+      </p:sp>
+      <p:sp>
+        <p:nvSpPr>
+          <p:cNvPr id="3" name="Content Placeholder 2"/>
+          <p:cNvSpPr>
+            <a:spLocks noGrp="1"/>
+          </p:cNvSpPr>
+          <p:nvPr>
+            <p:ph idx="1"/>
+          </p:nvPr>
+        </p:nvSpPr>
+        <p:spPr/>
+        <p:txBody>
+          <a:bodyPr/>
+          <a:lstStyle/>
+          <a:p>
+            <a:r>
+              <a:rPr lang="en-US" dirty="0"/>
+              <a:t>“With OOP-inflected programming languages, computer software becomes more verbose, less readable, less descriptive, and harder to modify and maintain</a:t>
+            </a:r>
+            <a:r>
+              <a:rPr lang="en-US" dirty="0" smtClean="0"/>
+              <a:t>.” – Richard </a:t>
+            </a:r>
+            <a:r>
+              <a:rPr lang="en-US" dirty="0" smtClean="0"/>
+              <a:t>Mansfield</a:t>
+            </a:r>
+          </a:p>
+          <a:p>
+            <a:endParaRPr lang="en-US" dirty="0" smtClean="0"/>
+          </a:p>
+          <a:p>
+            <a:r>
+              <a:rPr lang="en-US" dirty="0"/>
+              <a:t>“OOP is about taming complexity through modeling, but we have not mastered this yet, possibly because we have difficulty distinguishing real and accidental complexity</a:t>
+            </a:r>
+            <a:r>
+              <a:rPr lang="en-US" dirty="0" smtClean="0"/>
+              <a:t>.” – Oscar </a:t>
+            </a:r>
+            <a:r>
+              <a:rPr lang="en-US" dirty="0" err="1" smtClean="0"/>
+              <a:t>Nierstraz</a:t>
+            </a:r>
+            <a:endParaRPr lang="en-US" dirty="0"/>
+          </a:p>
+        </p:txBody>
+      </p:sp>
+    </p:spTree>
+    <p:extLst>
+      <p:ext uri="{BB962C8B-B14F-4D97-AF65-F5344CB8AC3E}">
+        <p14:creationId xmlns:p14="http://schemas.microsoft.com/office/powerpoint/2010/main" val="3286954311"/>
+      </p:ext>
+    </p:extLst>
+  </p:cSld>
+  <p:clrMapOvr>
+    <a:masterClrMapping/>
+  </p:clrMapOvr>
+  <p:timing>
+    <p:tnLst>
+      <p:par>
+        <p:cTn id="1" dur="indefinite" restart="never" nodeType="tmRoot"/>
+      </p:par>
+    </p:tnLst>
+  </p:timing>
+</p:sld>
+</file>
+
+<file path=ppt/slides/slide20.xml><?xml version="1.0" encoding="utf-8"?>
 <p:sld xmlns:a="http://schemas.openxmlformats.org/drawingml/2006/main" xmlns:r="http://schemas.openxmlformats.org/officeDocument/2006/relationships" xmlns:p="http://schemas.openxmlformats.org/presentationml/2006/main">
   <p:cSld>
     <p:spTree>
@@ -14859,115 +15338,7 @@
 </p:sld>
 </file>
 
-<file path=ppt/slides/slide2.xml><?xml version="1.0" encoding="utf-8"?>
-<p:sld xmlns:a="http://schemas.openxmlformats.org/drawingml/2006/main" xmlns:r="http://schemas.openxmlformats.org/officeDocument/2006/relationships" xmlns:p="http://schemas.openxmlformats.org/presentationml/2006/main">
-  <p:cSld>
-    <p:spTree>
-      <p:nvGrpSpPr>
-        <p:cNvPr id="1" name=""/>
-        <p:cNvGrpSpPr/>
-        <p:nvPr/>
-      </p:nvGrpSpPr>
-      <p:grpSpPr>
-        <a:xfrm>
-          <a:off x="0" y="0"/>
-          <a:ext cx="0" cy="0"/>
-          <a:chOff x="0" y="0"/>
-          <a:chExt cx="0" cy="0"/>
-        </a:xfrm>
-      </p:grpSpPr>
-      <p:sp>
-        <p:nvSpPr>
-          <p:cNvPr id="2" name="Title 1"/>
-          <p:cNvSpPr>
-            <a:spLocks noGrp="1"/>
-          </p:cNvSpPr>
-          <p:nvPr>
-            <p:ph type="title"/>
-          </p:nvPr>
-        </p:nvSpPr>
-        <p:spPr/>
-        <p:txBody>
-          <a:bodyPr/>
-          <a:lstStyle/>
-          <a:p>
-            <a:r>
-              <a:rPr lang="en-US" dirty="0" smtClean="0"/>
-              <a:t>Object Oriented Code has problems</a:t>
-            </a:r>
-            <a:endParaRPr lang="en-US" dirty="0"/>
-          </a:p>
-        </p:txBody>
-      </p:sp>
-      <p:sp>
-        <p:nvSpPr>
-          <p:cNvPr id="3" name="Content Placeholder 2"/>
-          <p:cNvSpPr>
-            <a:spLocks noGrp="1"/>
-          </p:cNvSpPr>
-          <p:nvPr>
-            <p:ph idx="1"/>
-          </p:nvPr>
-        </p:nvSpPr>
-        <p:spPr/>
-        <p:txBody>
-          <a:bodyPr/>
-          <a:lstStyle/>
-          <a:p>
-            <a:r>
-              <a:rPr lang="en-US" dirty="0"/>
-              <a:t>“With OOP-inflected programming languages, computer software becomes more verbose, less readable, less descriptive, and harder to modify and maintain</a:t>
-            </a:r>
-            <a:r>
-              <a:rPr lang="en-US" dirty="0" smtClean="0"/>
-              <a:t>.” – Richard </a:t>
-            </a:r>
-            <a:r>
-              <a:rPr lang="en-US" dirty="0" smtClean="0"/>
-              <a:t>Mansfield</a:t>
-            </a:r>
-          </a:p>
-          <a:p>
-            <a:endParaRPr lang="en-US" dirty="0" smtClean="0"/>
-          </a:p>
-          <a:p>
-            <a:r>
-              <a:rPr lang="en-US" dirty="0"/>
-              <a:t>“OOP is about taming complexity through modeling, but we have not mastered this yet, possibly because we have difficulty distinguishing real and accidental complexity</a:t>
-            </a:r>
-            <a:r>
-              <a:rPr lang="en-US" dirty="0" smtClean="0"/>
-              <a:t>.” – Oscar </a:t>
-            </a:r>
-            <a:r>
-              <a:rPr lang="en-US" dirty="0" err="1" smtClean="0"/>
-              <a:t>Nierstraz</a:t>
-            </a:r>
-            <a:endParaRPr lang="en-US" dirty="0"/>
-          </a:p>
-        </p:txBody>
-      </p:sp>
-    </p:spTree>
-    <p:extLst>
-      <p:ext uri="{BB962C8B-B14F-4D97-AF65-F5344CB8AC3E}">
-        <p14:creationId xmlns:p14="http://schemas.microsoft.com/office/powerpoint/2010/main" val="3286954311"/>
-      </p:ext>
-    </p:extLst>
-  </p:cSld>
-  <p:clrMapOvr>
-    <a:masterClrMapping/>
-  </p:clrMapOvr>
-  <p:timing>
-    <p:tnLst>
-      <p:par>
-        <p:cTn id="1" dur="indefinite" restart="never" nodeType="tmRoot"/>
-      </p:par>
-    </p:tnLst>
-  </p:timing>
-</p:sld>
-</file>
-
-<file path=ppt/slides/slide20.xml><?xml version="1.0" encoding="utf-8"?>
+<file path=ppt/slides/slide21.xml><?xml version="1.0" encoding="utf-8"?>
 <p:sld xmlns:a="http://schemas.openxmlformats.org/drawingml/2006/main" xmlns:r="http://schemas.openxmlformats.org/officeDocument/2006/relationships" xmlns:p="http://schemas.openxmlformats.org/presentationml/2006/main">
   <p:cSld>
     <p:spTree>
@@ -15028,7 +15399,7 @@
 </p:sld>
 </file>
 
-<file path=ppt/slides/slide21.xml><?xml version="1.0" encoding="utf-8"?>
+<file path=ppt/slides/slide22.xml><?xml version="1.0" encoding="utf-8"?>
 <p:sld xmlns:a="http://schemas.openxmlformats.org/drawingml/2006/main" xmlns:r="http://schemas.openxmlformats.org/officeDocument/2006/relationships" xmlns:p="http://schemas.openxmlformats.org/presentationml/2006/main">
   <p:cSld>
     <p:spTree>
@@ -15426,7 +15797,7 @@
 </p:sld>
 </file>
 
-<file path=ppt/slides/slide22.xml><?xml version="1.0" encoding="utf-8"?>
+<file path=ppt/slides/slide23.xml><?xml version="1.0" encoding="utf-8"?>
 <p:sld xmlns:a="http://schemas.openxmlformats.org/drawingml/2006/main" xmlns:r="http://schemas.openxmlformats.org/officeDocument/2006/relationships" xmlns:p="http://schemas.openxmlformats.org/presentationml/2006/main">
   <p:cSld>
     <p:spTree>
@@ -15487,74 +15858,6 @@
 </p:sld>
 </file>
 
-<file path=ppt/slides/slide23.xml><?xml version="1.0" encoding="utf-8"?>
-<p:sld xmlns:a="http://schemas.openxmlformats.org/drawingml/2006/main" xmlns:r="http://schemas.openxmlformats.org/officeDocument/2006/relationships" xmlns:p="http://schemas.openxmlformats.org/presentationml/2006/main">
-  <p:cSld>
-    <p:spTree>
-      <p:nvGrpSpPr>
-        <p:cNvPr id="1" name=""/>
-        <p:cNvGrpSpPr/>
-        <p:nvPr/>
-      </p:nvGrpSpPr>
-      <p:grpSpPr>
-        <a:xfrm>
-          <a:off x="0" y="0"/>
-          <a:ext cx="0" cy="0"/>
-          <a:chOff x="0" y="0"/>
-          <a:chExt cx="0" cy="0"/>
-        </a:xfrm>
-      </p:grpSpPr>
-      <p:sp>
-        <p:nvSpPr>
-          <p:cNvPr id="2" name="Title 1"/>
-          <p:cNvSpPr>
-            <a:spLocks noGrp="1"/>
-          </p:cNvSpPr>
-          <p:nvPr>
-            <p:ph type="title"/>
-          </p:nvPr>
-        </p:nvSpPr>
-        <p:spPr/>
-        <p:txBody>
-          <a:bodyPr/>
-          <a:lstStyle/>
-          <a:p>
-            <a:r>
-              <a:rPr lang="en-US" dirty="0" smtClean="0"/>
-              <a:t>Before code examples - </a:t>
-            </a:r>
-            <a:r>
-              <a:rPr lang="en-US" dirty="0" smtClean="0"/>
-              <a:t>Questions </a:t>
-            </a:r>
-            <a:r>
-              <a:rPr lang="en-US" dirty="0" smtClean="0"/>
-              <a:t>on dfc3?</a:t>
-            </a:r>
-            <a:endParaRPr lang="en-US" dirty="0"/>
-          </a:p>
-        </p:txBody>
-      </p:sp>
-    </p:spTree>
-    <p:extLst>
-      <p:ext uri="{BB962C8B-B14F-4D97-AF65-F5344CB8AC3E}">
-        <p14:creationId xmlns:p14="http://schemas.microsoft.com/office/powerpoint/2010/main" val="573360119"/>
-      </p:ext>
-    </p:extLst>
-  </p:cSld>
-  <p:clrMapOvr>
-    <a:masterClrMapping/>
-  </p:clrMapOvr>
-  <p:timing>
-    <p:tnLst>
-      <p:par>
-        <p:cTn id="1" dur="indefinite" restart="never" nodeType="tmRoot"/>
-      </p:par>
-    </p:tnLst>
-  </p:timing>
-</p:sld>
-</file>
-
 <file path=ppt/slides/slide24.xml><?xml version="1.0" encoding="utf-8"?>
 <p:sld xmlns:a="http://schemas.openxmlformats.org/drawingml/2006/main" xmlns:r="http://schemas.openxmlformats.org/officeDocument/2006/relationships" xmlns:p="http://schemas.openxmlformats.org/presentationml/2006/main">
   <p:cSld>
@@ -15589,6 +15892,74 @@
           <a:p>
             <a:r>
               <a:rPr lang="en-US" dirty="0" smtClean="0"/>
+              <a:t>Before code examples - </a:t>
+            </a:r>
+            <a:r>
+              <a:rPr lang="en-US" dirty="0" smtClean="0"/>
+              <a:t>Questions </a:t>
+            </a:r>
+            <a:r>
+              <a:rPr lang="en-US" dirty="0" smtClean="0"/>
+              <a:t>on dfc3?</a:t>
+            </a:r>
+            <a:endParaRPr lang="en-US" dirty="0"/>
+          </a:p>
+        </p:txBody>
+      </p:sp>
+    </p:spTree>
+    <p:extLst>
+      <p:ext uri="{BB962C8B-B14F-4D97-AF65-F5344CB8AC3E}">
+        <p14:creationId xmlns:p14="http://schemas.microsoft.com/office/powerpoint/2010/main" val="573360119"/>
+      </p:ext>
+    </p:extLst>
+  </p:cSld>
+  <p:clrMapOvr>
+    <a:masterClrMapping/>
+  </p:clrMapOvr>
+  <p:timing>
+    <p:tnLst>
+      <p:par>
+        <p:cTn id="1" dur="indefinite" restart="never" nodeType="tmRoot"/>
+      </p:par>
+    </p:tnLst>
+  </p:timing>
+</p:sld>
+</file>
+
+<file path=ppt/slides/slide25.xml><?xml version="1.0" encoding="utf-8"?>
+<p:sld xmlns:a="http://schemas.openxmlformats.org/drawingml/2006/main" xmlns:r="http://schemas.openxmlformats.org/officeDocument/2006/relationships" xmlns:p="http://schemas.openxmlformats.org/presentationml/2006/main">
+  <p:cSld>
+    <p:spTree>
+      <p:nvGrpSpPr>
+        <p:cNvPr id="1" name=""/>
+        <p:cNvGrpSpPr/>
+        <p:nvPr/>
+      </p:nvGrpSpPr>
+      <p:grpSpPr>
+        <a:xfrm>
+          <a:off x="0" y="0"/>
+          <a:ext cx="0" cy="0"/>
+          <a:chOff x="0" y="0"/>
+          <a:chExt cx="0" cy="0"/>
+        </a:xfrm>
+      </p:grpSpPr>
+      <p:sp>
+        <p:nvSpPr>
+          <p:cNvPr id="2" name="Title 1"/>
+          <p:cNvSpPr>
+            <a:spLocks noGrp="1"/>
+          </p:cNvSpPr>
+          <p:nvPr>
+            <p:ph type="title"/>
+          </p:nvPr>
+        </p:nvSpPr>
+        <p:spPr/>
+        <p:txBody>
+          <a:bodyPr/>
+          <a:lstStyle/>
+          <a:p>
+            <a:r>
+              <a:rPr lang="en-US" dirty="0" smtClean="0"/>
               <a:t>DFC3 Code Examples</a:t>
             </a:r>
             <a:endParaRPr lang="en-US" dirty="0"/>
@@ -15643,7 +16014,7 @@
 </p:sld>
 </file>
 
-<file path=ppt/slides/slide25.xml><?xml version="1.0" encoding="utf-8"?>
+<file path=ppt/slides/slide26.xml><?xml version="1.0" encoding="utf-8"?>
 <p:sld xmlns:a="http://schemas.openxmlformats.org/drawingml/2006/main" xmlns:r="http://schemas.openxmlformats.org/officeDocument/2006/relationships" xmlns:p="http://schemas.openxmlformats.org/presentationml/2006/main">
   <p:cSld>
     <p:spTree>
@@ -16790,7 +17161,7 @@
 </p:sld>
 </file>
 
-<file path=ppt/slides/slide26.xml><?xml version="1.0" encoding="utf-8"?>
+<file path=ppt/slides/slide27.xml><?xml version="1.0" encoding="utf-8"?>
 <p:sld xmlns:a="http://schemas.openxmlformats.org/drawingml/2006/main" xmlns:r="http://schemas.openxmlformats.org/officeDocument/2006/relationships" xmlns:p="http://schemas.openxmlformats.org/presentationml/2006/main">
   <p:cSld>
     <p:spTree>
@@ -17910,7 +18281,7 @@
 </p:sld>
 </file>
 
-<file path=ppt/slides/slide27.xml><?xml version="1.0" encoding="utf-8"?>
+<file path=ppt/slides/slide28.xml><?xml version="1.0" encoding="utf-8"?>
 <p:sld xmlns:a="http://schemas.openxmlformats.org/drawingml/2006/main" xmlns:r="http://schemas.openxmlformats.org/officeDocument/2006/relationships" xmlns:p="http://schemas.openxmlformats.org/presentationml/2006/main">
   <p:cSld>
     <p:spTree>
@@ -19573,7 +19944,7 @@
 </p:sld>
 </file>
 
-<file path=ppt/slides/slide28.xml><?xml version="1.0" encoding="utf-8"?>
+<file path=ppt/slides/slide29.xml><?xml version="1.0" encoding="utf-8"?>
 <p:sld xmlns:a="http://schemas.openxmlformats.org/drawingml/2006/main" xmlns:r="http://schemas.openxmlformats.org/officeDocument/2006/relationships" xmlns:p="http://schemas.openxmlformats.org/presentationml/2006/main">
   <p:cSld>
     <p:spTree>
@@ -21373,7 +21744,429 @@
 </p:sld>
 </file>
 
-<file path=ppt/slides/slide29.xml><?xml version="1.0" encoding="utf-8"?>
+<file path=ppt/slides/slide3.xml><?xml version="1.0" encoding="utf-8"?>
+<p:sld xmlns:a="http://schemas.openxmlformats.org/drawingml/2006/main" xmlns:r="http://schemas.openxmlformats.org/officeDocument/2006/relationships" xmlns:p="http://schemas.openxmlformats.org/presentationml/2006/main">
+  <p:cSld>
+    <p:spTree>
+      <p:nvGrpSpPr>
+        <p:cNvPr id="1" name=""/>
+        <p:cNvGrpSpPr/>
+        <p:nvPr/>
+      </p:nvGrpSpPr>
+      <p:grpSpPr>
+        <a:xfrm>
+          <a:off x="0" y="0"/>
+          <a:ext cx="0" cy="0"/>
+          <a:chOff x="0" y="0"/>
+          <a:chExt cx="0" cy="0"/>
+        </a:xfrm>
+      </p:grpSpPr>
+      <p:sp>
+        <p:nvSpPr>
+          <p:cNvPr id="2" name="Title 1"/>
+          <p:cNvSpPr>
+            <a:spLocks noGrp="1"/>
+          </p:cNvSpPr>
+          <p:nvPr>
+            <p:ph type="title"/>
+          </p:nvPr>
+        </p:nvSpPr>
+        <p:spPr/>
+        <p:txBody>
+          <a:bodyPr/>
+          <a:lstStyle/>
+          <a:p>
+            <a:r>
+              <a:rPr lang="en-US" dirty="0" smtClean="0"/>
+              <a:t>Keeping State data and Functions Separate</a:t>
+            </a:r>
+            <a:endParaRPr lang="en-US" dirty="0"/>
+          </a:p>
+        </p:txBody>
+      </p:sp>
+      <p:sp>
+        <p:nvSpPr>
+          <p:cNvPr id="3" name="Content Placeholder 2"/>
+          <p:cNvSpPr>
+            <a:spLocks noGrp="1"/>
+          </p:cNvSpPr>
+          <p:nvPr>
+            <p:ph idx="1"/>
+          </p:nvPr>
+        </p:nvSpPr>
+        <p:spPr>
+          <a:xfrm>
+            <a:off x="1141412" y="2249487"/>
+            <a:ext cx="10260013" cy="4237038"/>
+          </a:xfrm>
+        </p:spPr>
+        <p:txBody>
+          <a:bodyPr>
+            <a:normAutofit/>
+          </a:bodyPr>
+          <a:lstStyle/>
+          <a:p>
+            <a:r>
+              <a:rPr lang="en-US" dirty="0" smtClean="0"/>
+              <a:t>Current </a:t>
+            </a:r>
+            <a:r>
+              <a:rPr lang="en-US" dirty="0" smtClean="0"/>
+              <a:t>best practice Object Oriented </a:t>
+            </a:r>
+            <a:r>
+              <a:rPr lang="en-US" dirty="0" smtClean="0"/>
+              <a:t>Programming </a:t>
+            </a:r>
+            <a:r>
+              <a:rPr lang="en-US" dirty="0" smtClean="0"/>
+              <a:t>design </a:t>
+            </a:r>
+            <a:r>
+              <a:rPr lang="en-US" dirty="0" smtClean="0"/>
+              <a:t>mixes program state and program functionality by default</a:t>
+            </a:r>
+          </a:p>
+          <a:p>
+            <a:r>
+              <a:rPr lang="en-US" dirty="0" smtClean="0"/>
+              <a:t>Mixing program state with </a:t>
+            </a:r>
+            <a:r>
+              <a:rPr lang="en-US" dirty="0" smtClean="0"/>
+              <a:t>functions:</a:t>
+            </a:r>
+          </a:p>
+          <a:p>
+            <a:pPr lvl="1"/>
+            <a:r>
+              <a:rPr lang="en-US" dirty="0" smtClean="0"/>
+              <a:t>makes testing difficult because program state must be simulated</a:t>
+            </a:r>
+          </a:p>
+          <a:p>
+            <a:pPr lvl="1"/>
+            <a:r>
+              <a:rPr lang="en-US" dirty="0" smtClean="0"/>
+              <a:t>creates </a:t>
+            </a:r>
+            <a:r>
+              <a:rPr lang="en-US" dirty="0" smtClean="0"/>
+              <a:t>unpredictable errors at unexpected </a:t>
+            </a:r>
+            <a:r>
+              <a:rPr lang="en-US" dirty="0" smtClean="0"/>
+              <a:t>times</a:t>
+            </a:r>
+          </a:p>
+          <a:p>
+            <a:pPr lvl="1"/>
+            <a:r>
+              <a:rPr lang="en-US" dirty="0" smtClean="0"/>
+              <a:t>changes in one part of your program can unexpectedly break other parts</a:t>
+            </a:r>
+            <a:endParaRPr lang="en-US" dirty="0"/>
+          </a:p>
+          <a:p>
+            <a:r>
+              <a:rPr lang="en-US" dirty="0" smtClean="0"/>
+              <a:t>If the only information </a:t>
+            </a:r>
+            <a:r>
+              <a:rPr lang="en-US" dirty="0" smtClean="0"/>
+              <a:t>functions can access is the API, these issues are mitigated</a:t>
+            </a:r>
+            <a:endParaRPr lang="en-US" dirty="0" smtClean="0"/>
+          </a:p>
+        </p:txBody>
+      </p:sp>
+    </p:spTree>
+    <p:extLst>
+      <p:ext uri="{BB962C8B-B14F-4D97-AF65-F5344CB8AC3E}">
+        <p14:creationId xmlns:p14="http://schemas.microsoft.com/office/powerpoint/2010/main" val="2594013615"/>
+      </p:ext>
+    </p:extLst>
+  </p:cSld>
+  <p:clrMapOvr>
+    <a:masterClrMapping/>
+  </p:clrMapOvr>
+  <p:timing>
+    <p:tnLst>
+      <p:par>
+        <p:cTn id="1" dur="indefinite" restart="never" nodeType="tmRoot">
+          <p:childTnLst>
+            <p:seq concurrent="1" nextAc="seek">
+              <p:cTn id="2" dur="indefinite" nodeType="mainSeq">
+                <p:childTnLst>
+                  <p:par>
+                    <p:cTn id="3" fill="hold">
+                      <p:stCondLst>
+                        <p:cond delay="indefinite"/>
+                      </p:stCondLst>
+                      <p:childTnLst>
+                        <p:par>
+                          <p:cTn id="4" fill="hold">
+                            <p:stCondLst>
+                              <p:cond delay="0"/>
+                            </p:stCondLst>
+                            <p:childTnLst>
+                              <p:par>
+                                <p:cTn id="5" presetID="1" presetClass="entr" presetSubtype="0" fill="hold" grpId="0" nodeType="clickEffect">
+                                  <p:stCondLst>
+                                    <p:cond delay="0"/>
+                                  </p:stCondLst>
+                                  <p:childTnLst>
+                                    <p:set>
+                                      <p:cBhvr>
+                                        <p:cTn id="6" dur="1" fill="hold">
+                                          <p:stCondLst>
+                                            <p:cond delay="0"/>
+                                          </p:stCondLst>
+                                        </p:cTn>
+                                        <p:tgtEl>
+                                          <p:spTgt spid="3">
+                                            <p:txEl>
+                                              <p:pRg st="0" end="0"/>
+                                            </p:txEl>
+                                          </p:spTgt>
+                                        </p:tgtEl>
+                                        <p:attrNameLst>
+                                          <p:attrName>style.visibility</p:attrName>
+                                        </p:attrNameLst>
+                                      </p:cBhvr>
+                                      <p:to>
+                                        <p:strVal val="visible"/>
+                                      </p:to>
+                                    </p:set>
+                                  </p:childTnLst>
+                                </p:cTn>
+                              </p:par>
+                            </p:childTnLst>
+                          </p:cTn>
+                        </p:par>
+                      </p:childTnLst>
+                    </p:cTn>
+                  </p:par>
+                  <p:par>
+                    <p:cTn id="7" fill="hold">
+                      <p:stCondLst>
+                        <p:cond delay="indefinite"/>
+                      </p:stCondLst>
+                      <p:childTnLst>
+                        <p:par>
+                          <p:cTn id="8" fill="hold">
+                            <p:stCondLst>
+                              <p:cond delay="0"/>
+                            </p:stCondLst>
+                            <p:childTnLst>
+                              <p:par>
+                                <p:cTn id="9" presetID="1" presetClass="entr" presetSubtype="0" fill="hold" grpId="0" nodeType="clickEffect">
+                                  <p:stCondLst>
+                                    <p:cond delay="0"/>
+                                  </p:stCondLst>
+                                  <p:childTnLst>
+                                    <p:set>
+                                      <p:cBhvr>
+                                        <p:cTn id="10" dur="1" fill="hold">
+                                          <p:stCondLst>
+                                            <p:cond delay="0"/>
+                                          </p:stCondLst>
+                                        </p:cTn>
+                                        <p:tgtEl>
+                                          <p:spTgt spid="3">
+                                            <p:txEl>
+                                              <p:pRg st="1" end="1"/>
+                                            </p:txEl>
+                                          </p:spTgt>
+                                        </p:tgtEl>
+                                        <p:attrNameLst>
+                                          <p:attrName>style.visibility</p:attrName>
+                                        </p:attrNameLst>
+                                      </p:cBhvr>
+                                      <p:to>
+                                        <p:strVal val="visible"/>
+                                      </p:to>
+                                    </p:set>
+                                  </p:childTnLst>
+                                </p:cTn>
+                              </p:par>
+                              <p:par>
+                                <p:cTn id="11" presetID="1" presetClass="entr" presetSubtype="0" fill="hold" grpId="0" nodeType="withEffect">
+                                  <p:stCondLst>
+                                    <p:cond delay="0"/>
+                                  </p:stCondLst>
+                                  <p:childTnLst>
+                                    <p:set>
+                                      <p:cBhvr>
+                                        <p:cTn id="12" dur="1" fill="hold">
+                                          <p:stCondLst>
+                                            <p:cond delay="0"/>
+                                          </p:stCondLst>
+                                        </p:cTn>
+                                        <p:tgtEl>
+                                          <p:spTgt spid="3">
+                                            <p:txEl>
+                                              <p:pRg st="2" end="2"/>
+                                            </p:txEl>
+                                          </p:spTgt>
+                                        </p:tgtEl>
+                                        <p:attrNameLst>
+                                          <p:attrName>style.visibility</p:attrName>
+                                        </p:attrNameLst>
+                                      </p:cBhvr>
+                                      <p:to>
+                                        <p:strVal val="visible"/>
+                                      </p:to>
+                                    </p:set>
+                                  </p:childTnLst>
+                                </p:cTn>
+                              </p:par>
+                              <p:par>
+                                <p:cTn id="13" presetID="1" presetClass="entr" presetSubtype="0" fill="hold" grpId="0" nodeType="withEffect">
+                                  <p:stCondLst>
+                                    <p:cond delay="0"/>
+                                  </p:stCondLst>
+                                  <p:childTnLst>
+                                    <p:set>
+                                      <p:cBhvr>
+                                        <p:cTn id="14" dur="1" fill="hold">
+                                          <p:stCondLst>
+                                            <p:cond delay="0"/>
+                                          </p:stCondLst>
+                                        </p:cTn>
+                                        <p:tgtEl>
+                                          <p:spTgt spid="3">
+                                            <p:txEl>
+                                              <p:pRg st="3" end="3"/>
+                                            </p:txEl>
+                                          </p:spTgt>
+                                        </p:tgtEl>
+                                        <p:attrNameLst>
+                                          <p:attrName>style.visibility</p:attrName>
+                                        </p:attrNameLst>
+                                      </p:cBhvr>
+                                      <p:to>
+                                        <p:strVal val="visible"/>
+                                      </p:to>
+                                    </p:set>
+                                  </p:childTnLst>
+                                </p:cTn>
+                              </p:par>
+                              <p:par>
+                                <p:cTn id="15" presetID="1" presetClass="entr" presetSubtype="0" fill="hold" grpId="0" nodeType="withEffect">
+                                  <p:stCondLst>
+                                    <p:cond delay="0"/>
+                                  </p:stCondLst>
+                                  <p:childTnLst>
+                                    <p:set>
+                                      <p:cBhvr>
+                                        <p:cTn id="16" dur="1" fill="hold">
+                                          <p:stCondLst>
+                                            <p:cond delay="0"/>
+                                          </p:stCondLst>
+                                        </p:cTn>
+                                        <p:tgtEl>
+                                          <p:spTgt spid="3">
+                                            <p:txEl>
+                                              <p:pRg st="4" end="4"/>
+                                            </p:txEl>
+                                          </p:spTgt>
+                                        </p:tgtEl>
+                                        <p:attrNameLst>
+                                          <p:attrName>style.visibility</p:attrName>
+                                        </p:attrNameLst>
+                                      </p:cBhvr>
+                                      <p:to>
+                                        <p:strVal val="visible"/>
+                                      </p:to>
+                                    </p:set>
+                                  </p:childTnLst>
+                                </p:cTn>
+                              </p:par>
+                            </p:childTnLst>
+                          </p:cTn>
+                        </p:par>
+                      </p:childTnLst>
+                    </p:cTn>
+                  </p:par>
+                  <p:par>
+                    <p:cTn id="17" fill="hold">
+                      <p:stCondLst>
+                        <p:cond delay="indefinite"/>
+                      </p:stCondLst>
+                      <p:childTnLst>
+                        <p:par>
+                          <p:cTn id="18" fill="hold">
+                            <p:stCondLst>
+                              <p:cond delay="0"/>
+                            </p:stCondLst>
+                            <p:childTnLst>
+                              <p:par>
+                                <p:cTn id="19" presetID="1" presetClass="entr" presetSubtype="0" fill="hold" grpId="0" nodeType="clickEffect">
+                                  <p:stCondLst>
+                                    <p:cond delay="0"/>
+                                  </p:stCondLst>
+                                  <p:childTnLst>
+                                    <p:set>
+                                      <p:cBhvr>
+                                        <p:cTn id="20" dur="1" fill="hold">
+                                          <p:stCondLst>
+                                            <p:cond delay="0"/>
+                                          </p:stCondLst>
+                                        </p:cTn>
+                                        <p:tgtEl>
+                                          <p:spTgt spid="3">
+                                            <p:txEl>
+                                              <p:pRg st="5" end="5"/>
+                                            </p:txEl>
+                                          </p:spTgt>
+                                        </p:tgtEl>
+                                        <p:attrNameLst>
+                                          <p:attrName>style.visibility</p:attrName>
+                                        </p:attrNameLst>
+                                      </p:cBhvr>
+                                      <p:to>
+                                        <p:strVal val="visible"/>
+                                      </p:to>
+                                    </p:set>
+                                  </p:childTnLst>
+                                </p:cTn>
+                              </p:par>
+                            </p:childTnLst>
+                          </p:cTn>
+                        </p:par>
+                      </p:childTnLst>
+                    </p:cTn>
+                  </p:par>
+                </p:childTnLst>
+              </p:cTn>
+              <p:prevCondLst>
+                <p:cond evt="onPrev" delay="0">
+                  <p:tgtEl>
+                    <p:sldTgt/>
+                  </p:tgtEl>
+                </p:cond>
+              </p:prevCondLst>
+              <p:nextCondLst>
+                <p:cond evt="onNext" delay="0">
+                  <p:tgtEl>
+                    <p:sldTgt/>
+                  </p:tgtEl>
+                </p:cond>
+              </p:nextCondLst>
+            </p:seq>
+          </p:childTnLst>
+        </p:cTn>
+      </p:par>
+    </p:tnLst>
+    <p:bldLst>
+      <p:bldP spid="3" grpId="0" build="p"/>
+    </p:bldLst>
+  </p:timing>
+</p:sld>
+</file>
+
+<file path=ppt/slides/slide30.xml><?xml version="1.0" encoding="utf-8"?>
 <p:sld xmlns:a="http://schemas.openxmlformats.org/drawingml/2006/main" xmlns:r="http://schemas.openxmlformats.org/officeDocument/2006/relationships" xmlns:p="http://schemas.openxmlformats.org/presentationml/2006/main">
   <p:cSld>
     <p:spTree>
@@ -22612,429 +23405,7 @@
 </p:sld>
 </file>
 
-<file path=ppt/slides/slide3.xml><?xml version="1.0" encoding="utf-8"?>
-<p:sld xmlns:a="http://schemas.openxmlformats.org/drawingml/2006/main" xmlns:r="http://schemas.openxmlformats.org/officeDocument/2006/relationships" xmlns:p="http://schemas.openxmlformats.org/presentationml/2006/main">
-  <p:cSld>
-    <p:spTree>
-      <p:nvGrpSpPr>
-        <p:cNvPr id="1" name=""/>
-        <p:cNvGrpSpPr/>
-        <p:nvPr/>
-      </p:nvGrpSpPr>
-      <p:grpSpPr>
-        <a:xfrm>
-          <a:off x="0" y="0"/>
-          <a:ext cx="0" cy="0"/>
-          <a:chOff x="0" y="0"/>
-          <a:chExt cx="0" cy="0"/>
-        </a:xfrm>
-      </p:grpSpPr>
-      <p:sp>
-        <p:nvSpPr>
-          <p:cNvPr id="2" name="Title 1"/>
-          <p:cNvSpPr>
-            <a:spLocks noGrp="1"/>
-          </p:cNvSpPr>
-          <p:nvPr>
-            <p:ph type="title"/>
-          </p:nvPr>
-        </p:nvSpPr>
-        <p:spPr/>
-        <p:txBody>
-          <a:bodyPr/>
-          <a:lstStyle/>
-          <a:p>
-            <a:r>
-              <a:rPr lang="en-US" dirty="0" smtClean="0"/>
-              <a:t>Keeping State data and Functions Separate</a:t>
-            </a:r>
-            <a:endParaRPr lang="en-US" dirty="0"/>
-          </a:p>
-        </p:txBody>
-      </p:sp>
-      <p:sp>
-        <p:nvSpPr>
-          <p:cNvPr id="3" name="Content Placeholder 2"/>
-          <p:cNvSpPr>
-            <a:spLocks noGrp="1"/>
-          </p:cNvSpPr>
-          <p:nvPr>
-            <p:ph idx="1"/>
-          </p:nvPr>
-        </p:nvSpPr>
-        <p:spPr>
-          <a:xfrm>
-            <a:off x="1141412" y="2249487"/>
-            <a:ext cx="10260013" cy="4237038"/>
-          </a:xfrm>
-        </p:spPr>
-        <p:txBody>
-          <a:bodyPr>
-            <a:normAutofit/>
-          </a:bodyPr>
-          <a:lstStyle/>
-          <a:p>
-            <a:r>
-              <a:rPr lang="en-US" dirty="0" smtClean="0"/>
-              <a:t>Current </a:t>
-            </a:r>
-            <a:r>
-              <a:rPr lang="en-US" dirty="0" smtClean="0"/>
-              <a:t>best practice Object Oriented </a:t>
-            </a:r>
-            <a:r>
-              <a:rPr lang="en-US" dirty="0" smtClean="0"/>
-              <a:t>Programming </a:t>
-            </a:r>
-            <a:r>
-              <a:rPr lang="en-US" dirty="0" smtClean="0"/>
-              <a:t>design </a:t>
-            </a:r>
-            <a:r>
-              <a:rPr lang="en-US" dirty="0" smtClean="0"/>
-              <a:t>mixes program state and program functionality by default</a:t>
-            </a:r>
-          </a:p>
-          <a:p>
-            <a:r>
-              <a:rPr lang="en-US" dirty="0" smtClean="0"/>
-              <a:t>Mixing program state with </a:t>
-            </a:r>
-            <a:r>
-              <a:rPr lang="en-US" dirty="0" smtClean="0"/>
-              <a:t>functions:</a:t>
-            </a:r>
-          </a:p>
-          <a:p>
-            <a:pPr lvl="1"/>
-            <a:r>
-              <a:rPr lang="en-US" dirty="0" smtClean="0"/>
-              <a:t>makes testing difficult because program state must be simulated</a:t>
-            </a:r>
-          </a:p>
-          <a:p>
-            <a:pPr lvl="1"/>
-            <a:r>
-              <a:rPr lang="en-US" dirty="0" smtClean="0"/>
-              <a:t>creates </a:t>
-            </a:r>
-            <a:r>
-              <a:rPr lang="en-US" dirty="0" smtClean="0"/>
-              <a:t>unpredictable errors at unexpected </a:t>
-            </a:r>
-            <a:r>
-              <a:rPr lang="en-US" dirty="0" smtClean="0"/>
-              <a:t>times</a:t>
-            </a:r>
-          </a:p>
-          <a:p>
-            <a:pPr lvl="1"/>
-            <a:r>
-              <a:rPr lang="en-US" dirty="0" smtClean="0"/>
-              <a:t>changes in one part of your program can unexpectedly break other parts</a:t>
-            </a:r>
-            <a:endParaRPr lang="en-US" dirty="0"/>
-          </a:p>
-          <a:p>
-            <a:r>
-              <a:rPr lang="en-US" dirty="0" smtClean="0"/>
-              <a:t>If the only information </a:t>
-            </a:r>
-            <a:r>
-              <a:rPr lang="en-US" dirty="0" smtClean="0"/>
-              <a:t>functions can access is the API, these issues are mitigated</a:t>
-            </a:r>
-            <a:endParaRPr lang="en-US" dirty="0" smtClean="0"/>
-          </a:p>
-        </p:txBody>
-      </p:sp>
-    </p:spTree>
-    <p:extLst>
-      <p:ext uri="{BB962C8B-B14F-4D97-AF65-F5344CB8AC3E}">
-        <p14:creationId xmlns:p14="http://schemas.microsoft.com/office/powerpoint/2010/main" val="2594013615"/>
-      </p:ext>
-    </p:extLst>
-  </p:cSld>
-  <p:clrMapOvr>
-    <a:masterClrMapping/>
-  </p:clrMapOvr>
-  <p:timing>
-    <p:tnLst>
-      <p:par>
-        <p:cTn id="1" dur="indefinite" restart="never" nodeType="tmRoot">
-          <p:childTnLst>
-            <p:seq concurrent="1" nextAc="seek">
-              <p:cTn id="2" dur="indefinite" nodeType="mainSeq">
-                <p:childTnLst>
-                  <p:par>
-                    <p:cTn id="3" fill="hold">
-                      <p:stCondLst>
-                        <p:cond delay="indefinite"/>
-                      </p:stCondLst>
-                      <p:childTnLst>
-                        <p:par>
-                          <p:cTn id="4" fill="hold">
-                            <p:stCondLst>
-                              <p:cond delay="0"/>
-                            </p:stCondLst>
-                            <p:childTnLst>
-                              <p:par>
-                                <p:cTn id="5" presetID="1" presetClass="entr" presetSubtype="0" fill="hold" grpId="0" nodeType="clickEffect">
-                                  <p:stCondLst>
-                                    <p:cond delay="0"/>
-                                  </p:stCondLst>
-                                  <p:childTnLst>
-                                    <p:set>
-                                      <p:cBhvr>
-                                        <p:cTn id="6" dur="1" fill="hold">
-                                          <p:stCondLst>
-                                            <p:cond delay="0"/>
-                                          </p:stCondLst>
-                                        </p:cTn>
-                                        <p:tgtEl>
-                                          <p:spTgt spid="3">
-                                            <p:txEl>
-                                              <p:pRg st="0" end="0"/>
-                                            </p:txEl>
-                                          </p:spTgt>
-                                        </p:tgtEl>
-                                        <p:attrNameLst>
-                                          <p:attrName>style.visibility</p:attrName>
-                                        </p:attrNameLst>
-                                      </p:cBhvr>
-                                      <p:to>
-                                        <p:strVal val="visible"/>
-                                      </p:to>
-                                    </p:set>
-                                  </p:childTnLst>
-                                </p:cTn>
-                              </p:par>
-                            </p:childTnLst>
-                          </p:cTn>
-                        </p:par>
-                      </p:childTnLst>
-                    </p:cTn>
-                  </p:par>
-                  <p:par>
-                    <p:cTn id="7" fill="hold">
-                      <p:stCondLst>
-                        <p:cond delay="indefinite"/>
-                      </p:stCondLst>
-                      <p:childTnLst>
-                        <p:par>
-                          <p:cTn id="8" fill="hold">
-                            <p:stCondLst>
-                              <p:cond delay="0"/>
-                            </p:stCondLst>
-                            <p:childTnLst>
-                              <p:par>
-                                <p:cTn id="9" presetID="1" presetClass="entr" presetSubtype="0" fill="hold" grpId="0" nodeType="clickEffect">
-                                  <p:stCondLst>
-                                    <p:cond delay="0"/>
-                                  </p:stCondLst>
-                                  <p:childTnLst>
-                                    <p:set>
-                                      <p:cBhvr>
-                                        <p:cTn id="10" dur="1" fill="hold">
-                                          <p:stCondLst>
-                                            <p:cond delay="0"/>
-                                          </p:stCondLst>
-                                        </p:cTn>
-                                        <p:tgtEl>
-                                          <p:spTgt spid="3">
-                                            <p:txEl>
-                                              <p:pRg st="1" end="1"/>
-                                            </p:txEl>
-                                          </p:spTgt>
-                                        </p:tgtEl>
-                                        <p:attrNameLst>
-                                          <p:attrName>style.visibility</p:attrName>
-                                        </p:attrNameLst>
-                                      </p:cBhvr>
-                                      <p:to>
-                                        <p:strVal val="visible"/>
-                                      </p:to>
-                                    </p:set>
-                                  </p:childTnLst>
-                                </p:cTn>
-                              </p:par>
-                              <p:par>
-                                <p:cTn id="11" presetID="1" presetClass="entr" presetSubtype="0" fill="hold" grpId="0" nodeType="withEffect">
-                                  <p:stCondLst>
-                                    <p:cond delay="0"/>
-                                  </p:stCondLst>
-                                  <p:childTnLst>
-                                    <p:set>
-                                      <p:cBhvr>
-                                        <p:cTn id="12" dur="1" fill="hold">
-                                          <p:stCondLst>
-                                            <p:cond delay="0"/>
-                                          </p:stCondLst>
-                                        </p:cTn>
-                                        <p:tgtEl>
-                                          <p:spTgt spid="3">
-                                            <p:txEl>
-                                              <p:pRg st="2" end="2"/>
-                                            </p:txEl>
-                                          </p:spTgt>
-                                        </p:tgtEl>
-                                        <p:attrNameLst>
-                                          <p:attrName>style.visibility</p:attrName>
-                                        </p:attrNameLst>
-                                      </p:cBhvr>
-                                      <p:to>
-                                        <p:strVal val="visible"/>
-                                      </p:to>
-                                    </p:set>
-                                  </p:childTnLst>
-                                </p:cTn>
-                              </p:par>
-                              <p:par>
-                                <p:cTn id="13" presetID="1" presetClass="entr" presetSubtype="0" fill="hold" grpId="0" nodeType="withEffect">
-                                  <p:stCondLst>
-                                    <p:cond delay="0"/>
-                                  </p:stCondLst>
-                                  <p:childTnLst>
-                                    <p:set>
-                                      <p:cBhvr>
-                                        <p:cTn id="14" dur="1" fill="hold">
-                                          <p:stCondLst>
-                                            <p:cond delay="0"/>
-                                          </p:stCondLst>
-                                        </p:cTn>
-                                        <p:tgtEl>
-                                          <p:spTgt spid="3">
-                                            <p:txEl>
-                                              <p:pRg st="3" end="3"/>
-                                            </p:txEl>
-                                          </p:spTgt>
-                                        </p:tgtEl>
-                                        <p:attrNameLst>
-                                          <p:attrName>style.visibility</p:attrName>
-                                        </p:attrNameLst>
-                                      </p:cBhvr>
-                                      <p:to>
-                                        <p:strVal val="visible"/>
-                                      </p:to>
-                                    </p:set>
-                                  </p:childTnLst>
-                                </p:cTn>
-                              </p:par>
-                              <p:par>
-                                <p:cTn id="15" presetID="1" presetClass="entr" presetSubtype="0" fill="hold" grpId="0" nodeType="withEffect">
-                                  <p:stCondLst>
-                                    <p:cond delay="0"/>
-                                  </p:stCondLst>
-                                  <p:childTnLst>
-                                    <p:set>
-                                      <p:cBhvr>
-                                        <p:cTn id="16" dur="1" fill="hold">
-                                          <p:stCondLst>
-                                            <p:cond delay="0"/>
-                                          </p:stCondLst>
-                                        </p:cTn>
-                                        <p:tgtEl>
-                                          <p:spTgt spid="3">
-                                            <p:txEl>
-                                              <p:pRg st="4" end="4"/>
-                                            </p:txEl>
-                                          </p:spTgt>
-                                        </p:tgtEl>
-                                        <p:attrNameLst>
-                                          <p:attrName>style.visibility</p:attrName>
-                                        </p:attrNameLst>
-                                      </p:cBhvr>
-                                      <p:to>
-                                        <p:strVal val="visible"/>
-                                      </p:to>
-                                    </p:set>
-                                  </p:childTnLst>
-                                </p:cTn>
-                              </p:par>
-                            </p:childTnLst>
-                          </p:cTn>
-                        </p:par>
-                      </p:childTnLst>
-                    </p:cTn>
-                  </p:par>
-                  <p:par>
-                    <p:cTn id="17" fill="hold">
-                      <p:stCondLst>
-                        <p:cond delay="indefinite"/>
-                      </p:stCondLst>
-                      <p:childTnLst>
-                        <p:par>
-                          <p:cTn id="18" fill="hold">
-                            <p:stCondLst>
-                              <p:cond delay="0"/>
-                            </p:stCondLst>
-                            <p:childTnLst>
-                              <p:par>
-                                <p:cTn id="19" presetID="1" presetClass="entr" presetSubtype="0" fill="hold" grpId="0" nodeType="clickEffect">
-                                  <p:stCondLst>
-                                    <p:cond delay="0"/>
-                                  </p:stCondLst>
-                                  <p:childTnLst>
-                                    <p:set>
-                                      <p:cBhvr>
-                                        <p:cTn id="20" dur="1" fill="hold">
-                                          <p:stCondLst>
-                                            <p:cond delay="0"/>
-                                          </p:stCondLst>
-                                        </p:cTn>
-                                        <p:tgtEl>
-                                          <p:spTgt spid="3">
-                                            <p:txEl>
-                                              <p:pRg st="5" end="5"/>
-                                            </p:txEl>
-                                          </p:spTgt>
-                                        </p:tgtEl>
-                                        <p:attrNameLst>
-                                          <p:attrName>style.visibility</p:attrName>
-                                        </p:attrNameLst>
-                                      </p:cBhvr>
-                                      <p:to>
-                                        <p:strVal val="visible"/>
-                                      </p:to>
-                                    </p:set>
-                                  </p:childTnLst>
-                                </p:cTn>
-                              </p:par>
-                            </p:childTnLst>
-                          </p:cTn>
-                        </p:par>
-                      </p:childTnLst>
-                    </p:cTn>
-                  </p:par>
-                </p:childTnLst>
-              </p:cTn>
-              <p:prevCondLst>
-                <p:cond evt="onPrev" delay="0">
-                  <p:tgtEl>
-                    <p:sldTgt/>
-                  </p:tgtEl>
-                </p:cond>
-              </p:prevCondLst>
-              <p:nextCondLst>
-                <p:cond evt="onNext" delay="0">
-                  <p:tgtEl>
-                    <p:sldTgt/>
-                  </p:tgtEl>
-                </p:cond>
-              </p:nextCondLst>
-            </p:seq>
-          </p:childTnLst>
-        </p:cTn>
-      </p:par>
-    </p:tnLst>
-    <p:bldLst>
-      <p:bldP spid="3" grpId="0" build="p"/>
-    </p:bldLst>
-  </p:timing>
-</p:sld>
-</file>
-
-<file path=ppt/slides/slide30.xml><?xml version="1.0" encoding="utf-8"?>
+<file path=ppt/slides/slide31.xml><?xml version="1.0" encoding="utf-8"?>
 <p:sld xmlns:a="http://schemas.openxmlformats.org/drawingml/2006/main" xmlns:r="http://schemas.openxmlformats.org/officeDocument/2006/relationships" xmlns:p="http://schemas.openxmlformats.org/presentationml/2006/main">
   <p:cSld>
     <p:spTree>
@@ -25377,7 +25748,7 @@
 </p:sld>
 </file>
 
-<file path=ppt/slides/slide31.xml><?xml version="1.0" encoding="utf-8"?>
+<file path=ppt/slides/slide32.xml><?xml version="1.0" encoding="utf-8"?>
 <p:sld xmlns:a="http://schemas.openxmlformats.org/drawingml/2006/main" xmlns:r="http://schemas.openxmlformats.org/officeDocument/2006/relationships" xmlns:p="http://schemas.openxmlformats.org/presentationml/2006/main">
   <p:cSld>
     <p:spTree>
@@ -27222,7 +27593,7 @@
 </p:sld>
 </file>
 
-<file path=ppt/slides/slide32.xml><?xml version="1.0" encoding="utf-8"?>
+<file path=ppt/slides/slide33.xml><?xml version="1.0" encoding="utf-8"?>
 <p:sld xmlns:a="http://schemas.openxmlformats.org/drawingml/2006/main" xmlns:r="http://schemas.openxmlformats.org/officeDocument/2006/relationships" xmlns:p="http://schemas.openxmlformats.org/presentationml/2006/main">
   <p:cSld>
     <p:spTree>
@@ -28932,7 +29303,7 @@
 </p:sld>
 </file>
 
-<file path=ppt/slides/slide33.xml><?xml version="1.0" encoding="utf-8"?>
+<file path=ppt/slides/slide34.xml><?xml version="1.0" encoding="utf-8"?>
 <p:sld xmlns:a="http://schemas.openxmlformats.org/drawingml/2006/main" xmlns:r="http://schemas.openxmlformats.org/officeDocument/2006/relationships" xmlns:p="http://schemas.openxmlformats.org/presentationml/2006/main">
   <p:cSld>
     <p:spTree>
@@ -31245,7 +31616,7 @@
 </p:sld>
 </file>
 
-<file path=ppt/slides/slide34.xml><?xml version="1.0" encoding="utf-8"?>
+<file path=ppt/slides/slide35.xml><?xml version="1.0" encoding="utf-8"?>
 <p:sld xmlns:a="http://schemas.openxmlformats.org/drawingml/2006/main" xmlns:r="http://schemas.openxmlformats.org/officeDocument/2006/relationships" xmlns:p="http://schemas.openxmlformats.org/presentationml/2006/main" show="0">
   <p:cSld>
     <p:spTree>
@@ -34402,7 +34773,7 @@
 </p:sld>
 </file>
 
-<file path=ppt/slides/slide35.xml><?xml version="1.0" encoding="utf-8"?>
+<file path=ppt/slides/slide36.xml><?xml version="1.0" encoding="utf-8"?>
 <p:sld xmlns:a="http://schemas.openxmlformats.org/drawingml/2006/main" xmlns:r="http://schemas.openxmlformats.org/officeDocument/2006/relationships" xmlns:p="http://schemas.openxmlformats.org/presentationml/2006/main">
   <p:cSld>
     <p:spTree>

--- a/DFC3.pptx
+++ b/DFC3.pptx
@@ -12424,7 +12424,7 @@
         </p:spPr>
         <p:txBody>
           <a:bodyPr>
-            <a:normAutofit fontScale="77500" lnSpcReduction="20000"/>
+            <a:normAutofit fontScale="92500" lnSpcReduction="20000"/>
           </a:bodyPr>
           <a:lstStyle/>
           <a:p>
@@ -12442,7 +12442,11 @@
             </a:r>
             <a:r>
               <a:rPr lang="en-US" dirty="0" smtClean="0"/>
-              <a:t>PROGRAMS WITH simple and efficient concurrency, strongly testable functions, and separation of data and functions</a:t>
+              <a:t>Better Programs</a:t>
+            </a:r>
+            <a:r>
+              <a:rPr lang="en-US" dirty="0" smtClean="0"/>
+              <a:t/>
             </a:r>
             <a:br>
               <a:rPr lang="en-US" dirty="0" smtClean="0"/>

--- a/DFC3.pptx
+++ b/DFC3.pptx
@@ -8,8 +8,8 @@
     <p:sldId id="256" r:id="rId2"/>
     <p:sldId id="263" r:id="rId3"/>
     <p:sldId id="265" r:id="rId4"/>
-    <p:sldId id="264" r:id="rId5"/>
-    <p:sldId id="266" r:id="rId6"/>
+    <p:sldId id="266" r:id="rId5"/>
+    <p:sldId id="264" r:id="rId6"/>
     <p:sldId id="267" r:id="rId7"/>
     <p:sldId id="259" r:id="rId8"/>
     <p:sldId id="258" r:id="rId9"/>
@@ -34871,274 +34871,6 @@
           <a:p>
             <a:r>
               <a:rPr lang="en-US" dirty="0" smtClean="0"/>
-              <a:t>Keep it simple stupid</a:t>
-            </a:r>
-            <a:endParaRPr lang="en-US" dirty="0"/>
-          </a:p>
-        </p:txBody>
-      </p:sp>
-      <p:sp>
-        <p:nvSpPr>
-          <p:cNvPr id="3" name="Content Placeholder 2"/>
-          <p:cNvSpPr>
-            <a:spLocks noGrp="1"/>
-          </p:cNvSpPr>
-          <p:nvPr>
-            <p:ph idx="1"/>
-          </p:nvPr>
-        </p:nvSpPr>
-        <p:spPr/>
-        <p:txBody>
-          <a:bodyPr/>
-          <a:lstStyle/>
-          <a:p>
-            <a:r>
-              <a:rPr lang="en-US" dirty="0" smtClean="0"/>
-              <a:t>The first step to solving a complex problem is to break it into pieces</a:t>
-            </a:r>
-          </a:p>
-          <a:p>
-            <a:r>
-              <a:rPr lang="en-US" dirty="0" smtClean="0"/>
-              <a:t>The DFC3 library allows code to be broken into separate Data and Functionality areas.</a:t>
-            </a:r>
-          </a:p>
-          <a:p>
-            <a:r>
-              <a:rPr lang="en-US" dirty="0" smtClean="0"/>
-              <a:t>DFC3 hooks the realms of Data and Functionality together with powerful concurrent, multithreading techniques</a:t>
-            </a:r>
-            <a:endParaRPr lang="en-US" dirty="0"/>
-          </a:p>
-        </p:txBody>
-      </p:sp>
-    </p:spTree>
-    <p:extLst>
-      <p:ext uri="{BB962C8B-B14F-4D97-AF65-F5344CB8AC3E}">
-        <p14:creationId xmlns:p14="http://schemas.microsoft.com/office/powerpoint/2010/main" val="2809141946"/>
-      </p:ext>
-    </p:extLst>
-  </p:cSld>
-  <p:clrMapOvr>
-    <a:masterClrMapping/>
-  </p:clrMapOvr>
-  <p:timing>
-    <p:tnLst>
-      <p:par>
-        <p:cTn id="1" dur="indefinite" restart="never" nodeType="tmRoot">
-          <p:childTnLst>
-            <p:seq concurrent="1" nextAc="seek">
-              <p:cTn id="2" dur="indefinite" nodeType="mainSeq">
-                <p:childTnLst>
-                  <p:par>
-                    <p:cTn id="3" fill="hold">
-                      <p:stCondLst>
-                        <p:cond delay="indefinite"/>
-                      </p:stCondLst>
-                      <p:childTnLst>
-                        <p:par>
-                          <p:cTn id="4" fill="hold">
-                            <p:stCondLst>
-                              <p:cond delay="0"/>
-                            </p:stCondLst>
-                            <p:childTnLst>
-                              <p:par>
-                                <p:cTn id="5" presetID="1" presetClass="entr" presetSubtype="0" fill="hold" grpId="0" nodeType="clickEffect">
-                                  <p:stCondLst>
-                                    <p:cond delay="0"/>
-                                  </p:stCondLst>
-                                  <p:childTnLst>
-                                    <p:set>
-                                      <p:cBhvr>
-                                        <p:cTn id="6" dur="1" fill="hold">
-                                          <p:stCondLst>
-                                            <p:cond delay="0"/>
-                                          </p:stCondLst>
-                                        </p:cTn>
-                                        <p:tgtEl>
-                                          <p:spTgt spid="3">
-                                            <p:txEl>
-                                              <p:pRg st="0" end="0"/>
-                                            </p:txEl>
-                                          </p:spTgt>
-                                        </p:tgtEl>
-                                        <p:attrNameLst>
-                                          <p:attrName>style.visibility</p:attrName>
-                                        </p:attrNameLst>
-                                      </p:cBhvr>
-                                      <p:to>
-                                        <p:strVal val="visible"/>
-                                      </p:to>
-                                    </p:set>
-                                  </p:childTnLst>
-                                </p:cTn>
-                              </p:par>
-                            </p:childTnLst>
-                          </p:cTn>
-                        </p:par>
-                      </p:childTnLst>
-                    </p:cTn>
-                  </p:par>
-                  <p:par>
-                    <p:cTn id="7" fill="hold">
-                      <p:stCondLst>
-                        <p:cond delay="indefinite"/>
-                      </p:stCondLst>
-                      <p:childTnLst>
-                        <p:par>
-                          <p:cTn id="8" fill="hold">
-                            <p:stCondLst>
-                              <p:cond delay="0"/>
-                            </p:stCondLst>
-                            <p:childTnLst>
-                              <p:par>
-                                <p:cTn id="9" presetID="1" presetClass="entr" presetSubtype="0" fill="hold" grpId="0" nodeType="clickEffect">
-                                  <p:stCondLst>
-                                    <p:cond delay="0"/>
-                                  </p:stCondLst>
-                                  <p:childTnLst>
-                                    <p:set>
-                                      <p:cBhvr>
-                                        <p:cTn id="10" dur="1" fill="hold">
-                                          <p:stCondLst>
-                                            <p:cond delay="0"/>
-                                          </p:stCondLst>
-                                        </p:cTn>
-                                        <p:tgtEl>
-                                          <p:spTgt spid="3">
-                                            <p:txEl>
-                                              <p:pRg st="1" end="1"/>
-                                            </p:txEl>
-                                          </p:spTgt>
-                                        </p:tgtEl>
-                                        <p:attrNameLst>
-                                          <p:attrName>style.visibility</p:attrName>
-                                        </p:attrNameLst>
-                                      </p:cBhvr>
-                                      <p:to>
-                                        <p:strVal val="visible"/>
-                                      </p:to>
-                                    </p:set>
-                                  </p:childTnLst>
-                                </p:cTn>
-                              </p:par>
-                            </p:childTnLst>
-                          </p:cTn>
-                        </p:par>
-                      </p:childTnLst>
-                    </p:cTn>
-                  </p:par>
-                  <p:par>
-                    <p:cTn id="11" fill="hold">
-                      <p:stCondLst>
-                        <p:cond delay="indefinite"/>
-                      </p:stCondLst>
-                      <p:childTnLst>
-                        <p:par>
-                          <p:cTn id="12" fill="hold">
-                            <p:stCondLst>
-                              <p:cond delay="0"/>
-                            </p:stCondLst>
-                            <p:childTnLst>
-                              <p:par>
-                                <p:cTn id="13" presetID="1" presetClass="entr" presetSubtype="0" fill="hold" grpId="0" nodeType="clickEffect">
-                                  <p:stCondLst>
-                                    <p:cond delay="0"/>
-                                  </p:stCondLst>
-                                  <p:childTnLst>
-                                    <p:set>
-                                      <p:cBhvr>
-                                        <p:cTn id="14" dur="1" fill="hold">
-                                          <p:stCondLst>
-                                            <p:cond delay="0"/>
-                                          </p:stCondLst>
-                                        </p:cTn>
-                                        <p:tgtEl>
-                                          <p:spTgt spid="3">
-                                            <p:txEl>
-                                              <p:pRg st="2" end="2"/>
-                                            </p:txEl>
-                                          </p:spTgt>
-                                        </p:tgtEl>
-                                        <p:attrNameLst>
-                                          <p:attrName>style.visibility</p:attrName>
-                                        </p:attrNameLst>
-                                      </p:cBhvr>
-                                      <p:to>
-                                        <p:strVal val="visible"/>
-                                      </p:to>
-                                    </p:set>
-                                  </p:childTnLst>
-                                </p:cTn>
-                              </p:par>
-                            </p:childTnLst>
-                          </p:cTn>
-                        </p:par>
-                      </p:childTnLst>
-                    </p:cTn>
-                  </p:par>
-                </p:childTnLst>
-              </p:cTn>
-              <p:prevCondLst>
-                <p:cond evt="onPrev" delay="0">
-                  <p:tgtEl>
-                    <p:sldTgt/>
-                  </p:tgtEl>
-                </p:cond>
-              </p:prevCondLst>
-              <p:nextCondLst>
-                <p:cond evt="onNext" delay="0">
-                  <p:tgtEl>
-                    <p:sldTgt/>
-                  </p:tgtEl>
-                </p:cond>
-              </p:nextCondLst>
-            </p:seq>
-          </p:childTnLst>
-        </p:cTn>
-      </p:par>
-    </p:tnLst>
-    <p:bldLst>
-      <p:bldP spid="3" grpId="0" build="p"/>
-    </p:bldLst>
-  </p:timing>
-</p:sld>
-</file>
-
-<file path=ppt/slides/slide5.xml><?xml version="1.0" encoding="utf-8"?>
-<p:sld xmlns:a="http://schemas.openxmlformats.org/drawingml/2006/main" xmlns:r="http://schemas.openxmlformats.org/officeDocument/2006/relationships" xmlns:p="http://schemas.openxmlformats.org/presentationml/2006/main">
-  <p:cSld>
-    <p:spTree>
-      <p:nvGrpSpPr>
-        <p:cNvPr id="1" name=""/>
-        <p:cNvGrpSpPr/>
-        <p:nvPr/>
-      </p:nvGrpSpPr>
-      <p:grpSpPr>
-        <a:xfrm>
-          <a:off x="0" y="0"/>
-          <a:ext cx="0" cy="0"/>
-          <a:chOff x="0" y="0"/>
-          <a:chExt cx="0" cy="0"/>
-        </a:xfrm>
-      </p:grpSpPr>
-      <p:sp>
-        <p:nvSpPr>
-          <p:cNvPr id="2" name="Title 1"/>
-          <p:cNvSpPr>
-            <a:spLocks noGrp="1"/>
-          </p:cNvSpPr>
-          <p:nvPr>
-            <p:ph type="title"/>
-          </p:nvPr>
-        </p:nvSpPr>
-        <p:spPr/>
-        <p:txBody>
-          <a:bodyPr/>
-          <a:lstStyle/>
-          <a:p>
-            <a:r>
-              <a:rPr lang="en-US" dirty="0" smtClean="0"/>
               <a:t>Concurrent programming is necessary but dangerous in many languages</a:t>
             </a:r>
             <a:endParaRPr lang="en-US" dirty="0"/>
@@ -35580,6 +35312,343 @@
                                           <p:spTgt spid="3">
                                             <p:txEl>
                                               <p:pRg st="8" end="8"/>
+                                            </p:txEl>
+                                          </p:spTgt>
+                                        </p:tgtEl>
+                                        <p:attrNameLst>
+                                          <p:attrName>style.visibility</p:attrName>
+                                        </p:attrNameLst>
+                                      </p:cBhvr>
+                                      <p:to>
+                                        <p:strVal val="visible"/>
+                                      </p:to>
+                                    </p:set>
+                                  </p:childTnLst>
+                                </p:cTn>
+                              </p:par>
+                            </p:childTnLst>
+                          </p:cTn>
+                        </p:par>
+                      </p:childTnLst>
+                    </p:cTn>
+                  </p:par>
+                </p:childTnLst>
+              </p:cTn>
+              <p:prevCondLst>
+                <p:cond evt="onPrev" delay="0">
+                  <p:tgtEl>
+                    <p:sldTgt/>
+                  </p:tgtEl>
+                </p:cond>
+              </p:prevCondLst>
+              <p:nextCondLst>
+                <p:cond evt="onNext" delay="0">
+                  <p:tgtEl>
+                    <p:sldTgt/>
+                  </p:tgtEl>
+                </p:cond>
+              </p:nextCondLst>
+            </p:seq>
+          </p:childTnLst>
+        </p:cTn>
+      </p:par>
+    </p:tnLst>
+    <p:bldLst>
+      <p:bldP spid="3" grpId="0" build="p"/>
+    </p:bldLst>
+  </p:timing>
+</p:sld>
+</file>
+
+<file path=ppt/slides/slide5.xml><?xml version="1.0" encoding="utf-8"?>
+<p:sld xmlns:a="http://schemas.openxmlformats.org/drawingml/2006/main" xmlns:r="http://schemas.openxmlformats.org/officeDocument/2006/relationships" xmlns:p="http://schemas.openxmlformats.org/presentationml/2006/main">
+  <p:cSld>
+    <p:spTree>
+      <p:nvGrpSpPr>
+        <p:cNvPr id="1" name=""/>
+        <p:cNvGrpSpPr/>
+        <p:nvPr/>
+      </p:nvGrpSpPr>
+      <p:grpSpPr>
+        <a:xfrm>
+          <a:off x="0" y="0"/>
+          <a:ext cx="0" cy="0"/>
+          <a:chOff x="0" y="0"/>
+          <a:chExt cx="0" cy="0"/>
+        </a:xfrm>
+      </p:grpSpPr>
+      <p:sp>
+        <p:nvSpPr>
+          <p:cNvPr id="2" name="Title 1"/>
+          <p:cNvSpPr>
+            <a:spLocks noGrp="1"/>
+          </p:cNvSpPr>
+          <p:nvPr>
+            <p:ph type="title"/>
+          </p:nvPr>
+        </p:nvSpPr>
+        <p:spPr/>
+        <p:txBody>
+          <a:bodyPr/>
+          <a:lstStyle/>
+          <a:p>
+            <a:r>
+              <a:rPr lang="en-US" dirty="0" smtClean="0"/>
+              <a:t>Keep it simple stupid</a:t>
+            </a:r>
+            <a:endParaRPr lang="en-US" dirty="0"/>
+          </a:p>
+        </p:txBody>
+      </p:sp>
+      <p:sp>
+        <p:nvSpPr>
+          <p:cNvPr id="3" name="Content Placeholder 2"/>
+          <p:cNvSpPr>
+            <a:spLocks noGrp="1"/>
+          </p:cNvSpPr>
+          <p:nvPr>
+            <p:ph idx="1"/>
+          </p:nvPr>
+        </p:nvSpPr>
+        <p:spPr/>
+        <p:txBody>
+          <a:bodyPr>
+            <a:normAutofit lnSpcReduction="10000"/>
+          </a:bodyPr>
+          <a:lstStyle/>
+          <a:p>
+            <a:r>
+              <a:rPr lang="en-US" dirty="0" smtClean="0"/>
+              <a:t>A lot of the complexity and readability problems are from trying to package too much complexity together</a:t>
+            </a:r>
+          </a:p>
+          <a:p>
+            <a:r>
+              <a:rPr lang="en-US" dirty="0" smtClean="0"/>
+              <a:t>The </a:t>
+            </a:r>
+            <a:r>
+              <a:rPr lang="en-US" dirty="0" smtClean="0"/>
+              <a:t>first step to solving a complex problem is to break it into pieces</a:t>
+            </a:r>
+          </a:p>
+          <a:p>
+            <a:r>
+              <a:rPr lang="en-US" dirty="0" smtClean="0"/>
+              <a:t>The DFC3 library allows code to be broken into separate Data and Functionality areas.</a:t>
+            </a:r>
+          </a:p>
+          <a:p>
+            <a:r>
+              <a:rPr lang="en-US" dirty="0" smtClean="0"/>
+              <a:t>DFC3 hooks the realms of Data and Functionality together with powerful concurrent, </a:t>
+            </a:r>
+            <a:r>
+              <a:rPr lang="en-US" smtClean="0"/>
+              <a:t>multithreading </a:t>
+            </a:r>
+            <a:r>
+              <a:rPr lang="en-US" smtClean="0"/>
+              <a:t>techniques…</a:t>
+            </a:r>
+            <a:endParaRPr lang="en-US" dirty="0"/>
+          </a:p>
+        </p:txBody>
+      </p:sp>
+    </p:spTree>
+    <p:extLst>
+      <p:ext uri="{BB962C8B-B14F-4D97-AF65-F5344CB8AC3E}">
+        <p14:creationId xmlns:p14="http://schemas.microsoft.com/office/powerpoint/2010/main" val="2809141946"/>
+      </p:ext>
+    </p:extLst>
+  </p:cSld>
+  <p:clrMapOvr>
+    <a:masterClrMapping/>
+  </p:clrMapOvr>
+  <p:timing>
+    <p:tnLst>
+      <p:par>
+        <p:cTn id="1" dur="indefinite" restart="never" nodeType="tmRoot">
+          <p:childTnLst>
+            <p:seq concurrent="1" nextAc="seek">
+              <p:cTn id="2" dur="indefinite" nodeType="mainSeq">
+                <p:childTnLst>
+                  <p:par>
+                    <p:cTn id="3" fill="hold">
+                      <p:stCondLst>
+                        <p:cond delay="indefinite"/>
+                      </p:stCondLst>
+                      <p:childTnLst>
+                        <p:par>
+                          <p:cTn id="4" fill="hold">
+                            <p:stCondLst>
+                              <p:cond delay="0"/>
+                            </p:stCondLst>
+                            <p:childTnLst>
+                              <p:par>
+                                <p:cTn id="5" presetID="1" presetClass="entr" presetSubtype="0" fill="hold" grpId="0" nodeType="clickEffect">
+                                  <p:stCondLst>
+                                    <p:cond delay="0"/>
+                                  </p:stCondLst>
+                                  <p:childTnLst>
+                                    <p:set>
+                                      <p:cBhvr>
+                                        <p:cTn id="6" dur="1" fill="hold">
+                                          <p:stCondLst>
+                                            <p:cond delay="0"/>
+                                          </p:stCondLst>
+                                        </p:cTn>
+                                        <p:tgtEl>
+                                          <p:spTgt spid="3">
+                                            <p:txEl>
+                                              <p:pRg st="0" end="0"/>
+                                            </p:txEl>
+                                          </p:spTgt>
+                                        </p:tgtEl>
+                                        <p:attrNameLst>
+                                          <p:attrName>style.visibility</p:attrName>
+                                        </p:attrNameLst>
+                                      </p:cBhvr>
+                                      <p:to>
+                                        <p:strVal val="visible"/>
+                                      </p:to>
+                                    </p:set>
+                                  </p:childTnLst>
+                                </p:cTn>
+                              </p:par>
+                            </p:childTnLst>
+                          </p:cTn>
+                        </p:par>
+                      </p:childTnLst>
+                    </p:cTn>
+                  </p:par>
+                  <p:par>
+                    <p:cTn id="7" fill="hold">
+                      <p:stCondLst>
+                        <p:cond delay="indefinite"/>
+                      </p:stCondLst>
+                      <p:childTnLst>
+                        <p:par>
+                          <p:cTn id="8" fill="hold">
+                            <p:stCondLst>
+                              <p:cond delay="0"/>
+                            </p:stCondLst>
+                            <p:childTnLst>
+                              <p:par>
+                                <p:cTn id="9" presetID="1" presetClass="entr" presetSubtype="0" fill="hold" grpId="0" nodeType="clickEffect">
+                                  <p:stCondLst>
+                                    <p:cond delay="0"/>
+                                  </p:stCondLst>
+                                  <p:childTnLst>
+                                    <p:set>
+                                      <p:cBhvr>
+                                        <p:cTn id="10" dur="1" fill="hold">
+                                          <p:stCondLst>
+                                            <p:cond delay="0"/>
+                                          </p:stCondLst>
+                                        </p:cTn>
+                                        <p:tgtEl>
+                                          <p:spTgt spid="3">
+                                            <p:txEl>
+                                              <p:pRg st="1" end="1"/>
+                                            </p:txEl>
+                                          </p:spTgt>
+                                        </p:tgtEl>
+                                        <p:attrNameLst>
+                                          <p:attrName>style.visibility</p:attrName>
+                                        </p:attrNameLst>
+                                      </p:cBhvr>
+                                      <p:to>
+                                        <p:strVal val="visible"/>
+                                      </p:to>
+                                    </p:set>
+                                  </p:childTnLst>
+                                </p:cTn>
+                              </p:par>
+                            </p:childTnLst>
+                          </p:cTn>
+                        </p:par>
+                      </p:childTnLst>
+                    </p:cTn>
+                  </p:par>
+                  <p:par>
+                    <p:cTn id="11" fill="hold">
+                      <p:stCondLst>
+                        <p:cond delay="indefinite"/>
+                      </p:stCondLst>
+                      <p:childTnLst>
+                        <p:par>
+                          <p:cTn id="12" fill="hold">
+                            <p:stCondLst>
+                              <p:cond delay="0"/>
+                            </p:stCondLst>
+                            <p:childTnLst>
+                              <p:par>
+                                <p:cTn id="13" presetID="1" presetClass="entr" presetSubtype="0" fill="hold" grpId="0" nodeType="clickEffect">
+                                  <p:stCondLst>
+                                    <p:cond delay="0"/>
+                                  </p:stCondLst>
+                                  <p:childTnLst>
+                                    <p:set>
+                                      <p:cBhvr>
+                                        <p:cTn id="14" dur="1" fill="hold">
+                                          <p:stCondLst>
+                                            <p:cond delay="0"/>
+                                          </p:stCondLst>
+                                        </p:cTn>
+                                        <p:tgtEl>
+                                          <p:spTgt spid="3">
+                                            <p:txEl>
+                                              <p:pRg st="2" end="2"/>
+                                            </p:txEl>
+                                          </p:spTgt>
+                                        </p:tgtEl>
+                                        <p:attrNameLst>
+                                          <p:attrName>style.visibility</p:attrName>
+                                        </p:attrNameLst>
+                                      </p:cBhvr>
+                                      <p:to>
+                                        <p:strVal val="visible"/>
+                                      </p:to>
+                                    </p:set>
+                                  </p:childTnLst>
+                                </p:cTn>
+                              </p:par>
+                            </p:childTnLst>
+                          </p:cTn>
+                        </p:par>
+                      </p:childTnLst>
+                    </p:cTn>
+                  </p:par>
+                  <p:par>
+                    <p:cTn id="15" fill="hold">
+                      <p:stCondLst>
+                        <p:cond delay="indefinite"/>
+                      </p:stCondLst>
+                      <p:childTnLst>
+                        <p:par>
+                          <p:cTn id="16" fill="hold">
+                            <p:stCondLst>
+                              <p:cond delay="0"/>
+                            </p:stCondLst>
+                            <p:childTnLst>
+                              <p:par>
+                                <p:cTn id="17" presetID="1" presetClass="entr" presetSubtype="0" fill="hold" grpId="0" nodeType="clickEffect">
+                                  <p:stCondLst>
+                                    <p:cond delay="0"/>
+                                  </p:stCondLst>
+                                  <p:childTnLst>
+                                    <p:set>
+                                      <p:cBhvr>
+                                        <p:cTn id="18" dur="1" fill="hold">
+                                          <p:stCondLst>
+                                            <p:cond delay="0"/>
+                                          </p:stCondLst>
+                                        </p:cTn>
+                                        <p:tgtEl>
+                                          <p:spTgt spid="3">
+                                            <p:txEl>
+                                              <p:pRg st="3" end="3"/>
                                             </p:txEl>
                                           </p:spTgt>
                                         </p:tgtEl>

--- a/DFC3.pptx
+++ b/DFC3.pptx
@@ -11,24 +11,24 @@
     <p:sldId id="266" r:id="rId5"/>
     <p:sldId id="264" r:id="rId6"/>
     <p:sldId id="267" r:id="rId7"/>
-    <p:sldId id="259" r:id="rId8"/>
-    <p:sldId id="258" r:id="rId9"/>
-    <p:sldId id="257" r:id="rId10"/>
-    <p:sldId id="260" r:id="rId11"/>
-    <p:sldId id="261" r:id="rId12"/>
-    <p:sldId id="292" r:id="rId13"/>
-    <p:sldId id="262" r:id="rId14"/>
-    <p:sldId id="268" r:id="rId15"/>
-    <p:sldId id="270" r:id="rId16"/>
-    <p:sldId id="271" r:id="rId17"/>
-    <p:sldId id="272" r:id="rId18"/>
-    <p:sldId id="269" r:id="rId19"/>
-    <p:sldId id="273" r:id="rId20"/>
-    <p:sldId id="274" r:id="rId21"/>
-    <p:sldId id="275" r:id="rId22"/>
-    <p:sldId id="277" r:id="rId23"/>
-    <p:sldId id="276" r:id="rId24"/>
-    <p:sldId id="290" r:id="rId25"/>
+    <p:sldId id="270" r:id="rId8"/>
+    <p:sldId id="271" r:id="rId9"/>
+    <p:sldId id="272" r:id="rId10"/>
+    <p:sldId id="269" r:id="rId11"/>
+    <p:sldId id="273" r:id="rId12"/>
+    <p:sldId id="300" r:id="rId13"/>
+    <p:sldId id="274" r:id="rId14"/>
+    <p:sldId id="301" r:id="rId15"/>
+    <p:sldId id="275" r:id="rId16"/>
+    <p:sldId id="290" r:id="rId17"/>
+    <p:sldId id="292" r:id="rId18"/>
+    <p:sldId id="293" r:id="rId19"/>
+    <p:sldId id="294" r:id="rId20"/>
+    <p:sldId id="295" r:id="rId21"/>
+    <p:sldId id="296" r:id="rId22"/>
+    <p:sldId id="297" r:id="rId23"/>
+    <p:sldId id="298" r:id="rId24"/>
+    <p:sldId id="299" r:id="rId25"/>
     <p:sldId id="278" r:id="rId26"/>
     <p:sldId id="279" r:id="rId27"/>
     <p:sldId id="281" r:id="rId28"/>
@@ -197,7 +197,7 @@
           <a:noFill/>
           <a:extLst>
             <a:ext uri="{909E8E84-426E-40dd-AFC4-6F175D3DCCD1}">
-              <a14:hiddenFill xmlns:a14="http://schemas.microsoft.com/office/drawing/2010/main" xmlns="">
+              <a14:hiddenFill xmlns="" xmlns:a14="http://schemas.microsoft.com/office/drawing/2010/main">
                 <a:solidFill>
                   <a:srgbClr val="FFFFFF"/>
                 </a:solidFill>
@@ -257,7 +257,7 @@
             </a:ln>
             <a:extLst>
               <a:ext uri="{91240B29-F687-4f45-9708-019B960494DF}">
-                <a14:hiddenLine xmlns:a14="http://schemas.microsoft.com/office/drawing/2010/main" xmlns="" w="9525">
+                <a14:hiddenLine xmlns="" xmlns:a14="http://schemas.microsoft.com/office/drawing/2010/main" w="9525">
                   <a:solidFill>
                     <a:srgbClr val="000000"/>
                   </a:solidFill>
@@ -347,7 +347,7 @@
             </a:ln>
             <a:extLst>
               <a:ext uri="{91240B29-F687-4f45-9708-019B960494DF}">
-                <a14:hiddenLine xmlns:a14="http://schemas.microsoft.com/office/drawing/2010/main" xmlns="" w="9525">
+                <a14:hiddenLine xmlns="" xmlns:a14="http://schemas.microsoft.com/office/drawing/2010/main" w="9525">
                   <a:solidFill>
                     <a:srgbClr val="000000"/>
                   </a:solidFill>
@@ -437,7 +437,7 @@
             </a:ln>
             <a:extLst>
               <a:ext uri="{91240B29-F687-4f45-9708-019B960494DF}">
-                <a14:hiddenLine xmlns:a14="http://schemas.microsoft.com/office/drawing/2010/main" xmlns="" w="9525">
+                <a14:hiddenLine xmlns="" xmlns:a14="http://schemas.microsoft.com/office/drawing/2010/main" w="9525">
                   <a:solidFill>
                     <a:srgbClr val="000000"/>
                   </a:solidFill>
@@ -471,7 +471,7 @@
             </a:ln>
             <a:extLst>
               <a:ext uri="{91240B29-F687-4f45-9708-019B960494DF}">
-                <a14:hiddenLine xmlns:a14="http://schemas.microsoft.com/office/drawing/2010/main" xmlns="" w="9525">
+                <a14:hiddenLine xmlns="" xmlns:a14="http://schemas.microsoft.com/office/drawing/2010/main" w="9525">
                   <a:solidFill>
                     <a:srgbClr val="000000"/>
                   </a:solidFill>
@@ -561,7 +561,7 @@
             </a:ln>
             <a:extLst>
               <a:ext uri="{91240B29-F687-4f45-9708-019B960494DF}">
-                <a14:hiddenLine xmlns:a14="http://schemas.microsoft.com/office/drawing/2010/main" xmlns="" w="9525">
+                <a14:hiddenLine xmlns="" xmlns:a14="http://schemas.microsoft.com/office/drawing/2010/main" w="9525">
                   <a:solidFill>
                     <a:srgbClr val="000000"/>
                   </a:solidFill>
@@ -623,7 +623,7 @@
             </a:ln>
             <a:extLst>
               <a:ext uri="{91240B29-F687-4f45-9708-019B960494DF}">
-                <a14:hiddenLine xmlns:a14="http://schemas.microsoft.com/office/drawing/2010/main" xmlns="" w="9525">
+                <a14:hiddenLine xmlns="" xmlns:a14="http://schemas.microsoft.com/office/drawing/2010/main" w="9525">
                   <a:solidFill>
                     <a:srgbClr val="000000"/>
                   </a:solidFill>
@@ -685,7 +685,7 @@
             </a:ln>
             <a:extLst>
               <a:ext uri="{91240B29-F687-4f45-9708-019B960494DF}">
-                <a14:hiddenLine xmlns:a14="http://schemas.microsoft.com/office/drawing/2010/main" xmlns="" w="9525">
+                <a14:hiddenLine xmlns="" xmlns:a14="http://schemas.microsoft.com/office/drawing/2010/main" w="9525">
                   <a:solidFill>
                     <a:srgbClr val="000000"/>
                   </a:solidFill>
@@ -775,7 +775,7 @@
             </a:ln>
             <a:extLst>
               <a:ext uri="{91240B29-F687-4f45-9708-019B960494DF}">
-                <a14:hiddenLine xmlns:a14="http://schemas.microsoft.com/office/drawing/2010/main" xmlns="" w="9525">
+                <a14:hiddenLine xmlns="" xmlns:a14="http://schemas.microsoft.com/office/drawing/2010/main" w="9525">
                   <a:solidFill>
                     <a:srgbClr val="000000"/>
                   </a:solidFill>
@@ -837,7 +837,7 @@
             </a:ln>
             <a:extLst>
               <a:ext uri="{91240B29-F687-4f45-9708-019B960494DF}">
-                <a14:hiddenLine xmlns:a14="http://schemas.microsoft.com/office/drawing/2010/main" xmlns="" w="9525">
+                <a14:hiddenLine xmlns="" xmlns:a14="http://schemas.microsoft.com/office/drawing/2010/main" w="9525">
                   <a:solidFill>
                     <a:srgbClr val="000000"/>
                   </a:solidFill>
@@ -899,7 +899,7 @@
             </a:ln>
             <a:extLst>
               <a:ext uri="{91240B29-F687-4f45-9708-019B960494DF}">
-                <a14:hiddenLine xmlns:a14="http://schemas.microsoft.com/office/drawing/2010/main" xmlns="" w="9525">
+                <a14:hiddenLine xmlns="" xmlns:a14="http://schemas.microsoft.com/office/drawing/2010/main" w="9525">
                   <a:solidFill>
                     <a:srgbClr val="000000"/>
                   </a:solidFill>
@@ -989,7 +989,7 @@
             </a:ln>
             <a:extLst>
               <a:ext uri="{91240B29-F687-4f45-9708-019B960494DF}">
-                <a14:hiddenLine xmlns:a14="http://schemas.microsoft.com/office/drawing/2010/main" xmlns="" w="9525">
+                <a14:hiddenLine xmlns="" xmlns:a14="http://schemas.microsoft.com/office/drawing/2010/main" w="9525">
                   <a:solidFill>
                     <a:srgbClr val="000000"/>
                   </a:solidFill>
@@ -1079,7 +1079,7 @@
             </a:ln>
             <a:extLst>
               <a:ext uri="{91240B29-F687-4f45-9708-019B960494DF}">
-                <a14:hiddenLine xmlns:a14="http://schemas.microsoft.com/office/drawing/2010/main" xmlns="" w="9525">
+                <a14:hiddenLine xmlns="" xmlns:a14="http://schemas.microsoft.com/office/drawing/2010/main" w="9525">
                   <a:solidFill>
                     <a:srgbClr val="000000"/>
                   </a:solidFill>
@@ -1141,7 +1141,7 @@
             </a:ln>
             <a:extLst>
               <a:ext uri="{91240B29-F687-4f45-9708-019B960494DF}">
-                <a14:hiddenLine xmlns:a14="http://schemas.microsoft.com/office/drawing/2010/main" xmlns="" w="9525">
+                <a14:hiddenLine xmlns="" xmlns:a14="http://schemas.microsoft.com/office/drawing/2010/main" w="9525">
                   <a:solidFill>
                     <a:srgbClr val="000000"/>
                   </a:solidFill>
@@ -1251,7 +1251,7 @@
             </a:ln>
             <a:extLst>
               <a:ext uri="{91240B29-F687-4f45-9708-019B960494DF}">
-                <a14:hiddenLine xmlns:a14="http://schemas.microsoft.com/office/drawing/2010/main" xmlns="" w="9525">
+                <a14:hiddenLine xmlns="" xmlns:a14="http://schemas.microsoft.com/office/drawing/2010/main" w="9525">
                   <a:solidFill>
                     <a:srgbClr val="000000"/>
                   </a:solidFill>
@@ -1313,7 +1313,7 @@
             </a:ln>
             <a:extLst>
               <a:ext uri="{91240B29-F687-4f45-9708-019B960494DF}">
-                <a14:hiddenLine xmlns:a14="http://schemas.microsoft.com/office/drawing/2010/main" xmlns="" w="9525">
+                <a14:hiddenLine xmlns="" xmlns:a14="http://schemas.microsoft.com/office/drawing/2010/main" w="9525">
                   <a:solidFill>
                     <a:srgbClr val="000000"/>
                   </a:solidFill>
@@ -1403,7 +1403,7 @@
             </a:ln>
             <a:extLst>
               <a:ext uri="{91240B29-F687-4f45-9708-019B960494DF}">
-                <a14:hiddenLine xmlns:a14="http://schemas.microsoft.com/office/drawing/2010/main" xmlns="" w="9525">
+                <a14:hiddenLine xmlns="" xmlns:a14="http://schemas.microsoft.com/office/drawing/2010/main" w="9525">
                   <a:solidFill>
                     <a:srgbClr val="000000"/>
                   </a:solidFill>
@@ -1493,7 +1493,7 @@
             </a:ln>
             <a:extLst>
               <a:ext uri="{91240B29-F687-4f45-9708-019B960494DF}">
-                <a14:hiddenLine xmlns:a14="http://schemas.microsoft.com/office/drawing/2010/main" xmlns="" w="9525">
+                <a14:hiddenLine xmlns="" xmlns:a14="http://schemas.microsoft.com/office/drawing/2010/main" w="9525">
                   <a:solidFill>
                     <a:srgbClr val="000000"/>
                   </a:solidFill>
@@ -1555,7 +1555,7 @@
             </a:ln>
             <a:extLst>
               <a:ext uri="{91240B29-F687-4f45-9708-019B960494DF}">
-                <a14:hiddenLine xmlns:a14="http://schemas.microsoft.com/office/drawing/2010/main" xmlns="" w="9525">
+                <a14:hiddenLine xmlns="" xmlns:a14="http://schemas.microsoft.com/office/drawing/2010/main" w="9525">
                   <a:solidFill>
                     <a:srgbClr val="000000"/>
                   </a:solidFill>
@@ -1645,7 +1645,7 @@
             </a:ln>
             <a:extLst>
               <a:ext uri="{91240B29-F687-4f45-9708-019B960494DF}">
-                <a14:hiddenLine xmlns:a14="http://schemas.microsoft.com/office/drawing/2010/main" xmlns="" w="9525">
+                <a14:hiddenLine xmlns="" xmlns:a14="http://schemas.microsoft.com/office/drawing/2010/main" w="9525">
                   <a:solidFill>
                     <a:srgbClr val="000000"/>
                   </a:solidFill>
@@ -1735,7 +1735,7 @@
             </a:ln>
             <a:extLst>
               <a:ext uri="{91240B29-F687-4f45-9708-019B960494DF}">
-                <a14:hiddenLine xmlns:a14="http://schemas.microsoft.com/office/drawing/2010/main" xmlns="" w="9525">
+                <a14:hiddenLine xmlns="" xmlns:a14="http://schemas.microsoft.com/office/drawing/2010/main" w="9525">
                   <a:solidFill>
                     <a:srgbClr val="000000"/>
                   </a:solidFill>
@@ -1791,7 +1791,7 @@
             </a:ln>
             <a:extLst>
               <a:ext uri="{91240B29-F687-4f45-9708-019B960494DF}">
-                <a14:hiddenLine xmlns:a14="http://schemas.microsoft.com/office/drawing/2010/main" xmlns="" w="9525">
+                <a14:hiddenLine xmlns="" xmlns:a14="http://schemas.microsoft.com/office/drawing/2010/main" w="9525">
                   <a:solidFill>
                     <a:srgbClr val="000000"/>
                   </a:solidFill>
@@ -1881,7 +1881,7 @@
             </a:ln>
             <a:extLst>
               <a:ext uri="{91240B29-F687-4f45-9708-019B960494DF}">
-                <a14:hiddenLine xmlns:a14="http://schemas.microsoft.com/office/drawing/2010/main" xmlns="" w="9525">
+                <a14:hiddenLine xmlns="" xmlns:a14="http://schemas.microsoft.com/office/drawing/2010/main" w="9525">
                   <a:solidFill>
                     <a:srgbClr val="000000"/>
                   </a:solidFill>
@@ -1937,7 +1937,7 @@
             </a:ln>
             <a:extLst>
               <a:ext uri="{91240B29-F687-4f45-9708-019B960494DF}">
-                <a14:hiddenLine xmlns:a14="http://schemas.microsoft.com/office/drawing/2010/main" xmlns="" w="9525">
+                <a14:hiddenLine xmlns="" xmlns:a14="http://schemas.microsoft.com/office/drawing/2010/main" w="9525">
                   <a:solidFill>
                     <a:srgbClr val="000000"/>
                   </a:solidFill>
@@ -2027,7 +2027,7 @@
             </a:ln>
             <a:extLst>
               <a:ext uri="{91240B29-F687-4f45-9708-019B960494DF}">
-                <a14:hiddenLine xmlns:a14="http://schemas.microsoft.com/office/drawing/2010/main" xmlns="" w="9525">
+                <a14:hiddenLine xmlns="" xmlns:a14="http://schemas.microsoft.com/office/drawing/2010/main" w="9525">
                   <a:solidFill>
                     <a:srgbClr val="000000"/>
                   </a:solidFill>
@@ -2095,7 +2095,7 @@
             </a:ln>
             <a:extLst>
               <a:ext uri="{91240B29-F687-4f45-9708-019B960494DF}">
-                <a14:hiddenLine xmlns:a14="http://schemas.microsoft.com/office/drawing/2010/main" xmlns="" w="9525">
+                <a14:hiddenLine xmlns="" xmlns:a14="http://schemas.microsoft.com/office/drawing/2010/main" w="9525">
                   <a:solidFill>
                     <a:srgbClr val="000000"/>
                   </a:solidFill>
@@ -2185,7 +2185,7 @@
             </a:ln>
             <a:extLst>
               <a:ext uri="{91240B29-F687-4f45-9708-019B960494DF}">
-                <a14:hiddenLine xmlns:a14="http://schemas.microsoft.com/office/drawing/2010/main" xmlns="" w="9525">
+                <a14:hiddenLine xmlns="" xmlns:a14="http://schemas.microsoft.com/office/drawing/2010/main" w="9525">
                   <a:solidFill>
                     <a:srgbClr val="000000"/>
                   </a:solidFill>
@@ -2253,7 +2253,7 @@
             </a:ln>
             <a:extLst>
               <a:ext uri="{91240B29-F687-4f45-9708-019B960494DF}">
-                <a14:hiddenLine xmlns:a14="http://schemas.microsoft.com/office/drawing/2010/main" xmlns="" w="9525">
+                <a14:hiddenLine xmlns="" xmlns:a14="http://schemas.microsoft.com/office/drawing/2010/main" w="9525">
                   <a:solidFill>
                     <a:srgbClr val="000000"/>
                   </a:solidFill>
@@ -2343,7 +2343,7 @@
             </a:ln>
             <a:extLst>
               <a:ext uri="{91240B29-F687-4f45-9708-019B960494DF}">
-                <a14:hiddenLine xmlns:a14="http://schemas.microsoft.com/office/drawing/2010/main" xmlns="" w="9525">
+                <a14:hiddenLine xmlns="" xmlns:a14="http://schemas.microsoft.com/office/drawing/2010/main" w="9525">
                   <a:solidFill>
                     <a:srgbClr val="000000"/>
                   </a:solidFill>
@@ -2377,7 +2377,7 @@
             </a:ln>
             <a:extLst>
               <a:ext uri="{91240B29-F687-4f45-9708-019B960494DF}">
-                <a14:hiddenLine xmlns:a14="http://schemas.microsoft.com/office/drawing/2010/main" xmlns="" w="9525">
+                <a14:hiddenLine xmlns="" xmlns:a14="http://schemas.microsoft.com/office/drawing/2010/main" w="9525">
                   <a:solidFill>
                     <a:srgbClr val="000000"/>
                   </a:solidFill>
@@ -2467,7 +2467,7 @@
             </a:ln>
             <a:extLst>
               <a:ext uri="{91240B29-F687-4f45-9708-019B960494DF}">
-                <a14:hiddenLine xmlns:a14="http://schemas.microsoft.com/office/drawing/2010/main" xmlns="" w="9525">
+                <a14:hiddenLine xmlns="" xmlns:a14="http://schemas.microsoft.com/office/drawing/2010/main" w="9525">
                   <a:solidFill>
                     <a:srgbClr val="000000"/>
                   </a:solidFill>
@@ -2529,7 +2529,7 @@
             </a:ln>
             <a:extLst>
               <a:ext uri="{91240B29-F687-4f45-9708-019B960494DF}">
-                <a14:hiddenLine xmlns:a14="http://schemas.microsoft.com/office/drawing/2010/main" xmlns="" w="9525">
+                <a14:hiddenLine xmlns="" xmlns:a14="http://schemas.microsoft.com/office/drawing/2010/main" w="9525">
                   <a:solidFill>
                     <a:srgbClr val="000000"/>
                   </a:solidFill>
@@ -2591,7 +2591,7 @@
             </a:ln>
             <a:extLst>
               <a:ext uri="{91240B29-F687-4f45-9708-019B960494DF}">
-                <a14:hiddenLine xmlns:a14="http://schemas.microsoft.com/office/drawing/2010/main" xmlns="" w="9525">
+                <a14:hiddenLine xmlns="" xmlns:a14="http://schemas.microsoft.com/office/drawing/2010/main" w="9525">
                   <a:solidFill>
                     <a:srgbClr val="000000"/>
                   </a:solidFill>
@@ -2681,7 +2681,7 @@
             </a:ln>
             <a:extLst>
               <a:ext uri="{91240B29-F687-4f45-9708-019B960494DF}">
-                <a14:hiddenLine xmlns:a14="http://schemas.microsoft.com/office/drawing/2010/main" xmlns="" w="9525">
+                <a14:hiddenLine xmlns="" xmlns:a14="http://schemas.microsoft.com/office/drawing/2010/main" w="9525">
                   <a:solidFill>
                     <a:srgbClr val="000000"/>
                   </a:solidFill>
@@ -2749,7 +2749,7 @@
             </a:ln>
             <a:extLst>
               <a:ext uri="{91240B29-F687-4f45-9708-019B960494DF}">
-                <a14:hiddenLine xmlns:a14="http://schemas.microsoft.com/office/drawing/2010/main" xmlns="" w="9525">
+                <a14:hiddenLine xmlns="" xmlns:a14="http://schemas.microsoft.com/office/drawing/2010/main" w="9525">
                   <a:solidFill>
                     <a:srgbClr val="000000"/>
                   </a:solidFill>
@@ -2811,7 +2811,7 @@
             </a:ln>
             <a:extLst>
               <a:ext uri="{91240B29-F687-4f45-9708-019B960494DF}">
-                <a14:hiddenLine xmlns:a14="http://schemas.microsoft.com/office/drawing/2010/main" xmlns="" w="9525">
+                <a14:hiddenLine xmlns="" xmlns:a14="http://schemas.microsoft.com/office/drawing/2010/main" w="9525">
                   <a:solidFill>
                     <a:srgbClr val="000000"/>
                   </a:solidFill>
@@ -2901,7 +2901,7 @@
             </a:ln>
             <a:extLst>
               <a:ext uri="{91240B29-F687-4f45-9708-019B960494DF}">
-                <a14:hiddenLine xmlns:a14="http://schemas.microsoft.com/office/drawing/2010/main" xmlns="" w="9525">
+                <a14:hiddenLine xmlns="" xmlns:a14="http://schemas.microsoft.com/office/drawing/2010/main" w="9525">
                   <a:solidFill>
                     <a:srgbClr val="000000"/>
                   </a:solidFill>
@@ -2963,7 +2963,7 @@
             </a:ln>
             <a:extLst>
               <a:ext uri="{91240B29-F687-4f45-9708-019B960494DF}">
-                <a14:hiddenLine xmlns:a14="http://schemas.microsoft.com/office/drawing/2010/main" xmlns="" w="9525">
+                <a14:hiddenLine xmlns="" xmlns:a14="http://schemas.microsoft.com/office/drawing/2010/main" w="9525">
                   <a:solidFill>
                     <a:srgbClr val="000000"/>
                   </a:solidFill>
@@ -3053,7 +3053,7 @@
             </a:ln>
             <a:extLst>
               <a:ext uri="{91240B29-F687-4f45-9708-019B960494DF}">
-                <a14:hiddenLine xmlns:a14="http://schemas.microsoft.com/office/drawing/2010/main" xmlns="" w="9525">
+                <a14:hiddenLine xmlns="" xmlns:a14="http://schemas.microsoft.com/office/drawing/2010/main" w="9525">
                   <a:solidFill>
                     <a:srgbClr val="000000"/>
                   </a:solidFill>
@@ -3115,7 +3115,7 @@
             </a:ln>
             <a:extLst>
               <a:ext uri="{91240B29-F687-4f45-9708-019B960494DF}">
-                <a14:hiddenLine xmlns:a14="http://schemas.microsoft.com/office/drawing/2010/main" xmlns="" w="9525">
+                <a14:hiddenLine xmlns="" xmlns:a14="http://schemas.microsoft.com/office/drawing/2010/main" w="9525">
                   <a:solidFill>
                     <a:srgbClr val="000000"/>
                   </a:solidFill>
@@ -3205,7 +3205,7 @@
             </a:ln>
             <a:extLst>
               <a:ext uri="{91240B29-F687-4f45-9708-019B960494DF}">
-                <a14:hiddenLine xmlns:a14="http://schemas.microsoft.com/office/drawing/2010/main" xmlns="" w="9525">
+                <a14:hiddenLine xmlns="" xmlns:a14="http://schemas.microsoft.com/office/drawing/2010/main" w="9525">
                   <a:solidFill>
                     <a:srgbClr val="000000"/>
                   </a:solidFill>
@@ -3239,7 +3239,7 @@
             </a:ln>
             <a:extLst>
               <a:ext uri="{91240B29-F687-4f45-9708-019B960494DF}">
-                <a14:hiddenLine xmlns:a14="http://schemas.microsoft.com/office/drawing/2010/main" xmlns="" w="9525">
+                <a14:hiddenLine xmlns="" xmlns:a14="http://schemas.microsoft.com/office/drawing/2010/main" w="9525">
                   <a:solidFill>
                     <a:srgbClr val="000000"/>
                   </a:solidFill>
@@ -3304,7 +3304,7 @@
             </a:ln>
             <a:extLst>
               <a:ext uri="{91240B29-F687-4f45-9708-019B960494DF}">
-                <a14:hiddenLine xmlns:a14="http://schemas.microsoft.com/office/drawing/2010/main" xmlns="" w="9525">
+                <a14:hiddenLine xmlns="" xmlns:a14="http://schemas.microsoft.com/office/drawing/2010/main" w="9525">
                   <a:solidFill>
                     <a:srgbClr val="000000"/>
                   </a:solidFill>
@@ -3394,7 +3394,7 @@
             </a:ln>
             <a:extLst>
               <a:ext uri="{91240B29-F687-4f45-9708-019B960494DF}">
-                <a14:hiddenLine xmlns:a14="http://schemas.microsoft.com/office/drawing/2010/main" xmlns="" w="9525">
+                <a14:hiddenLine xmlns="" xmlns:a14="http://schemas.microsoft.com/office/drawing/2010/main" w="9525">
                   <a:solidFill>
                     <a:srgbClr val="000000"/>
                   </a:solidFill>
@@ -3456,7 +3456,7 @@
             </a:ln>
             <a:extLst>
               <a:ext uri="{91240B29-F687-4f45-9708-019B960494DF}">
-                <a14:hiddenLine xmlns:a14="http://schemas.microsoft.com/office/drawing/2010/main" xmlns="" w="9525">
+                <a14:hiddenLine xmlns="" xmlns:a14="http://schemas.microsoft.com/office/drawing/2010/main" w="9525">
                   <a:solidFill>
                     <a:srgbClr val="000000"/>
                   </a:solidFill>
@@ -3546,7 +3546,7 @@
             </a:ln>
             <a:extLst>
               <a:ext uri="{91240B29-F687-4f45-9708-019B960494DF}">
-                <a14:hiddenLine xmlns:a14="http://schemas.microsoft.com/office/drawing/2010/main" xmlns="" w="9525">
+                <a14:hiddenLine xmlns="" xmlns:a14="http://schemas.microsoft.com/office/drawing/2010/main" w="9525">
                   <a:solidFill>
                     <a:srgbClr val="000000"/>
                   </a:solidFill>
@@ -3636,7 +3636,7 @@
             </a:ln>
             <a:extLst>
               <a:ext uri="{91240B29-F687-4f45-9708-019B960494DF}">
-                <a14:hiddenLine xmlns:a14="http://schemas.microsoft.com/office/drawing/2010/main" xmlns="" w="9525">
+                <a14:hiddenLine xmlns="" xmlns:a14="http://schemas.microsoft.com/office/drawing/2010/main" w="9525">
                   <a:solidFill>
                     <a:srgbClr val="000000"/>
                   </a:solidFill>
@@ -3701,7 +3701,7 @@
             </a:ln>
             <a:extLst>
               <a:ext uri="{91240B29-F687-4f45-9708-019B960494DF}">
-                <a14:hiddenLine xmlns:a14="http://schemas.microsoft.com/office/drawing/2010/main" xmlns="" w="9525">
+                <a14:hiddenLine xmlns="" xmlns:a14="http://schemas.microsoft.com/office/drawing/2010/main" w="9525">
                   <a:solidFill>
                     <a:srgbClr val="000000"/>
                   </a:solidFill>
@@ -3763,7 +3763,7 @@
             </a:ln>
             <a:extLst>
               <a:ext uri="{91240B29-F687-4f45-9708-019B960494DF}">
-                <a14:hiddenLine xmlns:a14="http://schemas.microsoft.com/office/drawing/2010/main" xmlns="" w="9525">
+                <a14:hiddenLine xmlns="" xmlns:a14="http://schemas.microsoft.com/office/drawing/2010/main" w="9525">
                   <a:solidFill>
                     <a:srgbClr val="000000"/>
                   </a:solidFill>
@@ -3853,7 +3853,7 @@
             </a:ln>
             <a:extLst>
               <a:ext uri="{91240B29-F687-4f45-9708-019B960494DF}">
-                <a14:hiddenLine xmlns:a14="http://schemas.microsoft.com/office/drawing/2010/main" xmlns="" w="9525">
+                <a14:hiddenLine xmlns="" xmlns:a14="http://schemas.microsoft.com/office/drawing/2010/main" w="9525">
                   <a:solidFill>
                     <a:srgbClr val="000000"/>
                   </a:solidFill>
@@ -3943,7 +3943,7 @@
             </a:ln>
             <a:extLst>
               <a:ext uri="{91240B29-F687-4f45-9708-019B960494DF}">
-                <a14:hiddenLine xmlns:a14="http://schemas.microsoft.com/office/drawing/2010/main" xmlns="" w="9525">
+                <a14:hiddenLine xmlns="" xmlns:a14="http://schemas.microsoft.com/office/drawing/2010/main" w="9525">
                   <a:solidFill>
                     <a:srgbClr val="000000"/>
                   </a:solidFill>
@@ -4005,7 +4005,7 @@
             </a:ln>
             <a:extLst>
               <a:ext uri="{91240B29-F687-4f45-9708-019B960494DF}">
-                <a14:hiddenLine xmlns:a14="http://schemas.microsoft.com/office/drawing/2010/main" xmlns="" w="9525">
+                <a14:hiddenLine xmlns="" xmlns:a14="http://schemas.microsoft.com/office/drawing/2010/main" w="9525">
                   <a:solidFill>
                     <a:srgbClr val="000000"/>
                   </a:solidFill>
@@ -4125,7 +4125,7 @@
             </a:ln>
             <a:extLst>
               <a:ext uri="{91240B29-F687-4f45-9708-019B960494DF}">
-                <a14:hiddenLine xmlns:a14="http://schemas.microsoft.com/office/drawing/2010/main" xmlns="" w="9525">
+                <a14:hiddenLine xmlns="" xmlns:a14="http://schemas.microsoft.com/office/drawing/2010/main" w="9525">
                   <a:solidFill>
                     <a:srgbClr val="000000"/>
                   </a:solidFill>
@@ -4193,7 +4193,7 @@
             </a:ln>
             <a:extLst>
               <a:ext uri="{91240B29-F687-4f45-9708-019B960494DF}">
-                <a14:hiddenLine xmlns:a14="http://schemas.microsoft.com/office/drawing/2010/main" xmlns="" w="9525">
+                <a14:hiddenLine xmlns="" xmlns:a14="http://schemas.microsoft.com/office/drawing/2010/main" w="9525">
                   <a:solidFill>
                     <a:srgbClr val="000000"/>
                   </a:solidFill>
@@ -4283,7 +4283,7 @@
             </a:ln>
             <a:extLst>
               <a:ext uri="{91240B29-F687-4f45-9708-019B960494DF}">
-                <a14:hiddenLine xmlns:a14="http://schemas.microsoft.com/office/drawing/2010/main" xmlns="" w="9525">
+                <a14:hiddenLine xmlns="" xmlns:a14="http://schemas.microsoft.com/office/drawing/2010/main" w="9525">
                   <a:solidFill>
                     <a:srgbClr val="000000"/>
                   </a:solidFill>
@@ -4423,7 +4423,7 @@
           <a:p>
             <a:fld id="{48A87A34-81AB-432B-8DAE-1953F412C126}" type="datetimeFigureOut">
               <a:rPr lang="en-US" dirty="0"/>
-              <a:t>11/15/2018</a:t>
+              <a:t>11/26/2018</a:t>
             </a:fld>
             <a:endParaRPr lang="en-US" dirty="0"/>
           </a:p>
@@ -4685,7 +4685,7 @@
           <a:p>
             <a:fld id="{48A87A34-81AB-432B-8DAE-1953F412C126}" type="datetimeFigureOut">
               <a:rPr lang="en-US" dirty="0"/>
-              <a:t>11/15/2018</a:t>
+              <a:t>11/26/2018</a:t>
             </a:fld>
             <a:endParaRPr lang="en-US" dirty="0"/>
           </a:p>
@@ -4876,7 +4876,7 @@
           <a:p>
             <a:fld id="{48A87A34-81AB-432B-8DAE-1953F412C126}" type="datetimeFigureOut">
               <a:rPr lang="en-US" dirty="0"/>
-              <a:t>11/15/2018</a:t>
+              <a:t>11/26/2018</a:t>
             </a:fld>
             <a:endParaRPr lang="en-US" dirty="0"/>
           </a:p>
@@ -5134,7 +5134,7 @@
           <a:p>
             <a:fld id="{48A87A34-81AB-432B-8DAE-1953F412C126}" type="datetimeFigureOut">
               <a:rPr lang="en-US" dirty="0"/>
-              <a:t>11/15/2018</a:t>
+              <a:t>11/26/2018</a:t>
             </a:fld>
             <a:endParaRPr lang="en-US" dirty="0"/>
           </a:p>
@@ -5563,7 +5563,7 @@
           <a:p>
             <a:fld id="{48A87A34-81AB-432B-8DAE-1953F412C126}" type="datetimeFigureOut">
               <a:rPr lang="en-US" dirty="0"/>
-              <a:t>11/15/2018</a:t>
+              <a:t>11/26/2018</a:t>
             </a:fld>
             <a:endParaRPr lang="en-US" dirty="0"/>
           </a:p>
@@ -6104,7 +6104,7 @@
           <a:p>
             <a:fld id="{48A87A34-81AB-432B-8DAE-1953F412C126}" type="datetimeFigureOut">
               <a:rPr lang="en-US" dirty="0"/>
-              <a:t>11/15/2018</a:t>
+              <a:t>11/26/2018</a:t>
             </a:fld>
             <a:endParaRPr lang="en-US" dirty="0"/>
           </a:p>
@@ -6819,7 +6819,7 @@
           <a:p>
             <a:fld id="{48A87A34-81AB-432B-8DAE-1953F412C126}" type="datetimeFigureOut">
               <a:rPr lang="en-US" dirty="0"/>
-              <a:t>11/15/2018</a:t>
+              <a:t>11/26/2018</a:t>
             </a:fld>
             <a:endParaRPr lang="en-US" dirty="0"/>
           </a:p>
@@ -6984,7 +6984,7 @@
           <a:p>
             <a:fld id="{48A87A34-81AB-432B-8DAE-1953F412C126}" type="datetimeFigureOut">
               <a:rPr lang="en-US" dirty="0"/>
-              <a:t>11/15/2018</a:t>
+              <a:t>11/26/2018</a:t>
             </a:fld>
             <a:endParaRPr lang="en-US" dirty="0"/>
           </a:p>
@@ -7159,7 +7159,7 @@
           <a:p>
             <a:fld id="{48A87A34-81AB-432B-8DAE-1953F412C126}" type="datetimeFigureOut">
               <a:rPr lang="en-US" dirty="0"/>
-              <a:t>11/15/2018</a:t>
+              <a:t>11/26/2018</a:t>
             </a:fld>
             <a:endParaRPr lang="en-US" dirty="0"/>
           </a:p>
@@ -7324,7 +7324,7 @@
           <a:p>
             <a:fld id="{48A87A34-81AB-432B-8DAE-1953F412C126}" type="datetimeFigureOut">
               <a:rPr lang="en-US" dirty="0"/>
-              <a:t>11/15/2018</a:t>
+              <a:t>11/26/2018</a:t>
             </a:fld>
             <a:endParaRPr lang="en-US" dirty="0"/>
           </a:p>
@@ -7569,7 +7569,7 @@
           <a:p>
             <a:fld id="{48A87A34-81AB-432B-8DAE-1953F412C126}" type="datetimeFigureOut">
               <a:rPr lang="en-US" dirty="0"/>
-              <a:t>11/15/2018</a:t>
+              <a:t>11/26/2018</a:t>
             </a:fld>
             <a:endParaRPr lang="en-US" dirty="0"/>
           </a:p>
@@ -7796,7 +7796,7 @@
           <a:p>
             <a:fld id="{48A87A34-81AB-432B-8DAE-1953F412C126}" type="datetimeFigureOut">
               <a:rPr lang="en-US" dirty="0"/>
-              <a:t>11/15/2018</a:t>
+              <a:t>11/26/2018</a:t>
             </a:fld>
             <a:endParaRPr lang="en-US" dirty="0"/>
           </a:p>
@@ -8172,7 +8172,7 @@
           <a:p>
             <a:fld id="{48A87A34-81AB-432B-8DAE-1953F412C126}" type="datetimeFigureOut">
               <a:rPr lang="en-US" dirty="0"/>
-              <a:t>11/15/2018</a:t>
+              <a:t>11/26/2018</a:t>
             </a:fld>
             <a:endParaRPr lang="en-US" dirty="0"/>
           </a:p>
@@ -8285,7 +8285,7 @@
           <a:p>
             <a:fld id="{48A87A34-81AB-432B-8DAE-1953F412C126}" type="datetimeFigureOut">
               <a:rPr lang="en-US" dirty="0"/>
-              <a:t>11/15/2018</a:t>
+              <a:t>11/26/2018</a:t>
             </a:fld>
             <a:endParaRPr lang="en-US" dirty="0"/>
           </a:p>
@@ -8375,7 +8375,7 @@
           <a:p>
             <a:fld id="{48A87A34-81AB-432B-8DAE-1953F412C126}" type="datetimeFigureOut">
               <a:rPr lang="en-US" dirty="0"/>
-              <a:t>11/15/2018</a:t>
+              <a:t>11/26/2018</a:t>
             </a:fld>
             <a:endParaRPr lang="en-US" dirty="0"/>
           </a:p>
@@ -8619,7 +8619,7 @@
           <a:p>
             <a:fld id="{48A87A34-81AB-432B-8DAE-1953F412C126}" type="datetimeFigureOut">
               <a:rPr lang="en-US" dirty="0"/>
-              <a:t>11/15/2018</a:t>
+              <a:t>11/26/2018</a:t>
             </a:fld>
             <a:endParaRPr lang="en-US" dirty="0"/>
           </a:p>
@@ -8894,7 +8894,7 @@
           <a:p>
             <a:fld id="{48A87A34-81AB-432B-8DAE-1953F412C126}" type="datetimeFigureOut">
               <a:rPr lang="en-US" dirty="0"/>
-              <a:t>11/15/2018</a:t>
+              <a:t>11/26/2018</a:t>
             </a:fld>
             <a:endParaRPr lang="en-US" dirty="0"/>
           </a:p>
@@ -9005,7 +9005,7 @@
           <a:noFill/>
           <a:extLst>
             <a:ext uri="{909E8E84-426E-40dd-AFC4-6F175D3DCCD1}">
-              <a14:hiddenFill xmlns:a14="http://schemas.microsoft.com/office/drawing/2010/main" xmlns="">
+              <a14:hiddenFill xmlns="" xmlns:a14="http://schemas.microsoft.com/office/drawing/2010/main">
                 <a:solidFill>
                   <a:srgbClr val="FFFFFF"/>
                 </a:solidFill>
@@ -9079,7 +9079,7 @@
               </a:ln>
               <a:extLst>
                 <a:ext uri="{91240B29-F687-4f45-9708-019B960494DF}">
-                  <a14:hiddenLine xmlns:a14="http://schemas.microsoft.com/office/drawing/2010/main" xmlns="" w="9525">
+                  <a14:hiddenLine xmlns="" xmlns:a14="http://schemas.microsoft.com/office/drawing/2010/main" w="9525">
                     <a:solidFill>
                       <a:srgbClr val="000000"/>
                     </a:solidFill>
@@ -9169,7 +9169,7 @@
               </a:ln>
               <a:extLst>
                 <a:ext uri="{91240B29-F687-4f45-9708-019B960494DF}">
-                  <a14:hiddenLine xmlns:a14="http://schemas.microsoft.com/office/drawing/2010/main" xmlns="" w="9525">
+                  <a14:hiddenLine xmlns="" xmlns:a14="http://schemas.microsoft.com/office/drawing/2010/main" w="9525">
                     <a:solidFill>
                       <a:srgbClr val="000000"/>
                     </a:solidFill>
@@ -9259,7 +9259,7 @@
               </a:ln>
               <a:extLst>
                 <a:ext uri="{91240B29-F687-4f45-9708-019B960494DF}">
-                  <a14:hiddenLine xmlns:a14="http://schemas.microsoft.com/office/drawing/2010/main" xmlns="" w="9525">
+                  <a14:hiddenLine xmlns="" xmlns:a14="http://schemas.microsoft.com/office/drawing/2010/main" w="9525">
                     <a:solidFill>
                       <a:srgbClr val="000000"/>
                     </a:solidFill>
@@ -9321,7 +9321,7 @@
               </a:ln>
               <a:extLst>
                 <a:ext uri="{91240B29-F687-4f45-9708-019B960494DF}">
-                  <a14:hiddenLine xmlns:a14="http://schemas.microsoft.com/office/drawing/2010/main" xmlns="" w="9525">
+                  <a14:hiddenLine xmlns="" xmlns:a14="http://schemas.microsoft.com/office/drawing/2010/main" w="9525">
                     <a:solidFill>
                       <a:srgbClr val="000000"/>
                     </a:solidFill>
@@ -9411,7 +9411,7 @@
               </a:ln>
               <a:extLst>
                 <a:ext uri="{91240B29-F687-4f45-9708-019B960494DF}">
-                  <a14:hiddenLine xmlns:a14="http://schemas.microsoft.com/office/drawing/2010/main" xmlns="" w="9525">
+                  <a14:hiddenLine xmlns="" xmlns:a14="http://schemas.microsoft.com/office/drawing/2010/main" w="9525">
                     <a:solidFill>
                       <a:srgbClr val="000000"/>
                     </a:solidFill>
@@ -9473,7 +9473,7 @@
               </a:ln>
               <a:extLst>
                 <a:ext uri="{91240B29-F687-4f45-9708-019B960494DF}">
-                  <a14:hiddenLine xmlns:a14="http://schemas.microsoft.com/office/drawing/2010/main" xmlns="" w="9525">
+                  <a14:hiddenLine xmlns="" xmlns:a14="http://schemas.microsoft.com/office/drawing/2010/main" w="9525">
                     <a:solidFill>
                       <a:srgbClr val="000000"/>
                     </a:solidFill>
@@ -9535,7 +9535,7 @@
               </a:ln>
               <a:extLst>
                 <a:ext uri="{91240B29-F687-4f45-9708-019B960494DF}">
-                  <a14:hiddenLine xmlns:a14="http://schemas.microsoft.com/office/drawing/2010/main" xmlns="" w="9525">
+                  <a14:hiddenLine xmlns="" xmlns:a14="http://schemas.microsoft.com/office/drawing/2010/main" w="9525">
                     <a:solidFill>
                       <a:srgbClr val="000000"/>
                     </a:solidFill>
@@ -9625,7 +9625,7 @@
               </a:ln>
               <a:extLst>
                 <a:ext uri="{91240B29-F687-4f45-9708-019B960494DF}">
-                  <a14:hiddenLine xmlns:a14="http://schemas.microsoft.com/office/drawing/2010/main" xmlns="" w="9525">
+                  <a14:hiddenLine xmlns="" xmlns:a14="http://schemas.microsoft.com/office/drawing/2010/main" w="9525">
                     <a:solidFill>
                       <a:srgbClr val="000000"/>
                     </a:solidFill>
@@ -9715,7 +9715,7 @@
               </a:ln>
               <a:extLst>
                 <a:ext uri="{91240B29-F687-4f45-9708-019B960494DF}">
-                  <a14:hiddenLine xmlns:a14="http://schemas.microsoft.com/office/drawing/2010/main" xmlns="" w="9525">
+                  <a14:hiddenLine xmlns="" xmlns:a14="http://schemas.microsoft.com/office/drawing/2010/main" w="9525">
                     <a:solidFill>
                       <a:srgbClr val="000000"/>
                     </a:solidFill>
@@ -9777,7 +9777,7 @@
               </a:ln>
               <a:extLst>
                 <a:ext uri="{91240B29-F687-4f45-9708-019B960494DF}">
-                  <a14:hiddenLine xmlns:a14="http://schemas.microsoft.com/office/drawing/2010/main" xmlns="" w="9525">
+                  <a14:hiddenLine xmlns="" xmlns:a14="http://schemas.microsoft.com/office/drawing/2010/main" w="9525">
                     <a:solidFill>
                       <a:srgbClr val="000000"/>
                     </a:solidFill>
@@ -9887,7 +9887,7 @@
               </a:ln>
               <a:extLst>
                 <a:ext uri="{91240B29-F687-4f45-9708-019B960494DF}">
-                  <a14:hiddenLine xmlns:a14="http://schemas.microsoft.com/office/drawing/2010/main" xmlns="" w="9525">
+                  <a14:hiddenLine xmlns="" xmlns:a14="http://schemas.microsoft.com/office/drawing/2010/main" w="9525">
                     <a:solidFill>
                       <a:srgbClr val="000000"/>
                     </a:solidFill>
@@ -9971,7 +9971,7 @@
               </a:ln>
               <a:extLst>
                 <a:ext uri="{91240B29-F687-4f45-9708-019B960494DF}">
-                  <a14:hiddenLine xmlns:a14="http://schemas.microsoft.com/office/drawing/2010/main" xmlns="" w="9525">
+                  <a14:hiddenLine xmlns="" xmlns:a14="http://schemas.microsoft.com/office/drawing/2010/main" w="9525">
                     <a:solidFill>
                       <a:srgbClr val="000000"/>
                     </a:solidFill>
@@ -10033,7 +10033,7 @@
               </a:ln>
               <a:extLst>
                 <a:ext uri="{91240B29-F687-4f45-9708-019B960494DF}">
-                  <a14:hiddenLine xmlns:a14="http://schemas.microsoft.com/office/drawing/2010/main" xmlns="" w="9525">
+                  <a14:hiddenLine xmlns="" xmlns:a14="http://schemas.microsoft.com/office/drawing/2010/main" w="9525">
                     <a:solidFill>
                       <a:srgbClr val="000000"/>
                     </a:solidFill>
@@ -10095,7 +10095,7 @@
               </a:ln>
               <a:extLst>
                 <a:ext uri="{91240B29-F687-4f45-9708-019B960494DF}">
-                  <a14:hiddenLine xmlns:a14="http://schemas.microsoft.com/office/drawing/2010/main" xmlns="" w="9525">
+                  <a14:hiddenLine xmlns="" xmlns:a14="http://schemas.microsoft.com/office/drawing/2010/main" w="9525">
                     <a:solidFill>
                       <a:srgbClr val="000000"/>
                     </a:solidFill>
@@ -10185,7 +10185,7 @@
               </a:ln>
               <a:extLst>
                 <a:ext uri="{91240B29-F687-4f45-9708-019B960494DF}">
-                  <a14:hiddenLine xmlns:a14="http://schemas.microsoft.com/office/drawing/2010/main" xmlns="" w="9525">
+                  <a14:hiddenLine xmlns="" xmlns:a14="http://schemas.microsoft.com/office/drawing/2010/main" w="9525">
                     <a:solidFill>
                       <a:srgbClr val="000000"/>
                     </a:solidFill>
@@ -10219,7 +10219,7 @@
               </a:ln>
               <a:extLst>
                 <a:ext uri="{91240B29-F687-4f45-9708-019B960494DF}">
-                  <a14:hiddenLine xmlns:a14="http://schemas.microsoft.com/office/drawing/2010/main" xmlns="" w="9525">
+                  <a14:hiddenLine xmlns="" xmlns:a14="http://schemas.microsoft.com/office/drawing/2010/main" w="9525">
                     <a:solidFill>
                       <a:srgbClr val="000000"/>
                     </a:solidFill>
@@ -10284,7 +10284,7 @@
               </a:ln>
               <a:extLst>
                 <a:ext uri="{91240B29-F687-4f45-9708-019B960494DF}">
-                  <a14:hiddenLine xmlns:a14="http://schemas.microsoft.com/office/drawing/2010/main" xmlns="" w="9525">
+                  <a14:hiddenLine xmlns="" xmlns:a14="http://schemas.microsoft.com/office/drawing/2010/main" w="9525">
                     <a:solidFill>
                       <a:srgbClr val="000000"/>
                     </a:solidFill>
@@ -10374,7 +10374,7 @@
               </a:ln>
               <a:extLst>
                 <a:ext uri="{91240B29-F687-4f45-9708-019B960494DF}">
-                  <a14:hiddenLine xmlns:a14="http://schemas.microsoft.com/office/drawing/2010/main" xmlns="" w="9525">
+                  <a14:hiddenLine xmlns="" xmlns:a14="http://schemas.microsoft.com/office/drawing/2010/main" w="9525">
                     <a:solidFill>
                       <a:srgbClr val="000000"/>
                     </a:solidFill>
@@ -10436,7 +10436,7 @@
               </a:ln>
               <a:extLst>
                 <a:ext uri="{91240B29-F687-4f45-9708-019B960494DF}">
-                  <a14:hiddenLine xmlns:a14="http://schemas.microsoft.com/office/drawing/2010/main" xmlns="" w="9525">
+                  <a14:hiddenLine xmlns="" xmlns:a14="http://schemas.microsoft.com/office/drawing/2010/main" w="9525">
                     <a:solidFill>
                       <a:srgbClr val="000000"/>
                     </a:solidFill>
@@ -10526,7 +10526,7 @@
               </a:ln>
               <a:extLst>
                 <a:ext uri="{91240B29-F687-4f45-9708-019B960494DF}">
-                  <a14:hiddenLine xmlns:a14="http://schemas.microsoft.com/office/drawing/2010/main" xmlns="" w="9525">
+                  <a14:hiddenLine xmlns="" xmlns:a14="http://schemas.microsoft.com/office/drawing/2010/main" w="9525">
                     <a:solidFill>
                       <a:srgbClr val="000000"/>
                     </a:solidFill>
@@ -10591,7 +10591,7 @@
               </a:ln>
               <a:extLst>
                 <a:ext uri="{91240B29-F687-4f45-9708-019B960494DF}">
-                  <a14:hiddenLine xmlns:a14="http://schemas.microsoft.com/office/drawing/2010/main" xmlns="" w="9525">
+                  <a14:hiddenLine xmlns="" xmlns:a14="http://schemas.microsoft.com/office/drawing/2010/main" w="9525">
                     <a:solidFill>
                       <a:srgbClr val="000000"/>
                     </a:solidFill>
@@ -10653,7 +10653,7 @@
               </a:ln>
               <a:extLst>
                 <a:ext uri="{91240B29-F687-4f45-9708-019B960494DF}">
-                  <a14:hiddenLine xmlns:a14="http://schemas.microsoft.com/office/drawing/2010/main" xmlns="" w="9525">
+                  <a14:hiddenLine xmlns="" xmlns:a14="http://schemas.microsoft.com/office/drawing/2010/main" w="9525">
                     <a:solidFill>
                       <a:srgbClr val="000000"/>
                     </a:solidFill>
@@ -10743,7 +10743,7 @@
               </a:ln>
               <a:extLst>
                 <a:ext uri="{91240B29-F687-4f45-9708-019B960494DF}">
-                  <a14:hiddenLine xmlns:a14="http://schemas.microsoft.com/office/drawing/2010/main" xmlns="" w="9525">
+                  <a14:hiddenLine xmlns="" xmlns:a14="http://schemas.microsoft.com/office/drawing/2010/main" w="9525">
                     <a:solidFill>
                       <a:srgbClr val="000000"/>
                     </a:solidFill>
@@ -10833,7 +10833,7 @@
               </a:ln>
               <a:extLst>
                 <a:ext uri="{91240B29-F687-4f45-9708-019B960494DF}">
-                  <a14:hiddenLine xmlns:a14="http://schemas.microsoft.com/office/drawing/2010/main" xmlns="" w="9525">
+                  <a14:hiddenLine xmlns="" xmlns:a14="http://schemas.microsoft.com/office/drawing/2010/main" w="9525">
                     <a:solidFill>
                       <a:srgbClr val="000000"/>
                     </a:solidFill>
@@ -10898,7 +10898,7 @@
               </a:ln>
               <a:extLst>
                 <a:ext uri="{91240B29-F687-4f45-9708-019B960494DF}">
-                  <a14:hiddenLine xmlns:a14="http://schemas.microsoft.com/office/drawing/2010/main" xmlns="" w="9525">
+                  <a14:hiddenLine xmlns="" xmlns:a14="http://schemas.microsoft.com/office/drawing/2010/main" w="9525">
                     <a:solidFill>
                       <a:srgbClr val="000000"/>
                     </a:solidFill>
@@ -11018,7 +11018,7 @@
               </a:ln>
               <a:extLst>
                 <a:ext uri="{91240B29-F687-4f45-9708-019B960494DF}">
-                  <a14:hiddenLine xmlns:a14="http://schemas.microsoft.com/office/drawing/2010/main" xmlns="" w="9525">
+                  <a14:hiddenLine xmlns="" xmlns:a14="http://schemas.microsoft.com/office/drawing/2010/main" w="9525">
                     <a:solidFill>
                       <a:srgbClr val="000000"/>
                     </a:solidFill>
@@ -11116,7 +11116,7 @@
               </a:ln>
               <a:extLst>
                 <a:ext uri="{91240B29-F687-4f45-9708-019B960494DF}">
-                  <a14:hiddenLine xmlns:a14="http://schemas.microsoft.com/office/drawing/2010/main" xmlns="" w="9525">
+                  <a14:hiddenLine xmlns="" xmlns:a14="http://schemas.microsoft.com/office/drawing/2010/main" w="9525">
                     <a:solidFill>
                       <a:srgbClr val="000000"/>
                     </a:solidFill>
@@ -11231,7 +11231,7 @@
               </a:ln>
               <a:extLst>
                 <a:ext uri="{91240B29-F687-4f45-9708-019B960494DF}">
-                  <a14:hiddenLine xmlns:a14="http://schemas.microsoft.com/office/drawing/2010/main" xmlns="" w="9525">
+                  <a14:hiddenLine xmlns="" xmlns:a14="http://schemas.microsoft.com/office/drawing/2010/main" w="9525">
                     <a:solidFill>
                       <a:srgbClr val="000000"/>
                     </a:solidFill>
@@ -11321,7 +11321,7 @@
               </a:ln>
               <a:extLst>
                 <a:ext uri="{91240B29-F687-4f45-9708-019B960494DF}">
-                  <a14:hiddenLine xmlns:a14="http://schemas.microsoft.com/office/drawing/2010/main" xmlns="" w="9525">
+                  <a14:hiddenLine xmlns="" xmlns:a14="http://schemas.microsoft.com/office/drawing/2010/main" w="9525">
                     <a:solidFill>
                       <a:srgbClr val="000000"/>
                     </a:solidFill>
@@ -11386,7 +11386,7 @@
               </a:ln>
               <a:extLst>
                 <a:ext uri="{91240B29-F687-4f45-9708-019B960494DF}">
-                  <a14:hiddenLine xmlns:a14="http://schemas.microsoft.com/office/drawing/2010/main" xmlns="" w="9525">
+                  <a14:hiddenLine xmlns="" xmlns:a14="http://schemas.microsoft.com/office/drawing/2010/main" w="9525">
                     <a:solidFill>
                       <a:srgbClr val="000000"/>
                     </a:solidFill>
@@ -11476,7 +11476,7 @@
               </a:ln>
               <a:extLst>
                 <a:ext uri="{91240B29-F687-4f45-9708-019B960494DF}">
-                  <a14:hiddenLine xmlns:a14="http://schemas.microsoft.com/office/drawing/2010/main" xmlns="" w="9525">
+                  <a14:hiddenLine xmlns="" xmlns:a14="http://schemas.microsoft.com/office/drawing/2010/main" w="9525">
                     <a:solidFill>
                       <a:srgbClr val="000000"/>
                     </a:solidFill>
@@ -11544,7 +11544,7 @@
               </a:ln>
               <a:extLst>
                 <a:ext uri="{91240B29-F687-4f45-9708-019B960494DF}">
-                  <a14:hiddenLine xmlns:a14="http://schemas.microsoft.com/office/drawing/2010/main" xmlns="" w="9525">
+                  <a14:hiddenLine xmlns="" xmlns:a14="http://schemas.microsoft.com/office/drawing/2010/main" w="9525">
                     <a:solidFill>
                       <a:srgbClr val="000000"/>
                     </a:solidFill>
@@ -11634,7 +11634,7 @@
               </a:ln>
               <a:extLst>
                 <a:ext uri="{91240B29-F687-4f45-9708-019B960494DF}">
-                  <a14:hiddenLine xmlns:a14="http://schemas.microsoft.com/office/drawing/2010/main" xmlns="" w="9525">
+                  <a14:hiddenLine xmlns="" xmlns:a14="http://schemas.microsoft.com/office/drawing/2010/main" w="9525">
                     <a:solidFill>
                       <a:srgbClr val="000000"/>
                     </a:solidFill>
@@ -11702,7 +11702,7 @@
               </a:ln>
               <a:extLst>
                 <a:ext uri="{91240B29-F687-4f45-9708-019B960494DF}">
-                  <a14:hiddenLine xmlns:a14="http://schemas.microsoft.com/office/drawing/2010/main" xmlns="" w="9525">
+                  <a14:hiddenLine xmlns="" xmlns:a14="http://schemas.microsoft.com/office/drawing/2010/main" w="9525">
                     <a:solidFill>
                       <a:srgbClr val="000000"/>
                     </a:solidFill>
@@ -11792,7 +11792,7 @@
               </a:ln>
               <a:extLst>
                 <a:ext uri="{91240B29-F687-4f45-9708-019B960494DF}">
-                  <a14:hiddenLine xmlns:a14="http://schemas.microsoft.com/office/drawing/2010/main" xmlns="" w="9525">
+                  <a14:hiddenLine xmlns="" xmlns:a14="http://schemas.microsoft.com/office/drawing/2010/main" w="9525">
                     <a:solidFill>
                       <a:srgbClr val="000000"/>
                     </a:solidFill>
@@ -11826,7 +11826,7 @@
               </a:ln>
               <a:extLst>
                 <a:ext uri="{91240B29-F687-4f45-9708-019B960494DF}">
-                  <a14:hiddenLine xmlns:a14="http://schemas.microsoft.com/office/drawing/2010/main" xmlns="" w="9525">
+                  <a14:hiddenLine xmlns="" xmlns:a14="http://schemas.microsoft.com/office/drawing/2010/main" w="9525">
                     <a:solidFill>
                       <a:srgbClr val="000000"/>
                     </a:solidFill>
@@ -11967,7 +11967,7 @@
             <a:fld id="{48A87A34-81AB-432B-8DAE-1953F412C126}" type="datetimeFigureOut">
               <a:rPr lang="en-US" dirty="0"/>
               <a:pPr/>
-              <a:t>11/15/2018</a:t>
+              <a:t>11/26/2018</a:t>
             </a:fld>
             <a:endParaRPr lang="en-US" dirty="0"/>
           </a:p>
@@ -12433,20 +12433,12 @@
               <a:t>A Library </a:t>
             </a:r>
             <a:r>
-              <a:rPr lang="en-US" dirty="0" smtClean="0"/>
-              <a:t>to help </a:t>
-            </a:r>
-            <a:r>
-              <a:rPr lang="en-US" dirty="0"/>
-              <a:t>create </a:t>
+              <a:rPr lang="en-US" smtClean="0"/>
+              <a:t>to create </a:t>
             </a:r>
             <a:r>
               <a:rPr lang="en-US" dirty="0" smtClean="0"/>
               <a:t>Better Programs</a:t>
-            </a:r>
-            <a:r>
-              <a:rPr lang="en-US" dirty="0" smtClean="0"/>
-              <a:t/>
             </a:r>
             <a:br>
               <a:rPr lang="en-US" dirty="0" smtClean="0"/>
@@ -12527,6 +12519,471 @@
             <p:ph type="title"/>
           </p:nvPr>
         </p:nvSpPr>
+        <p:spPr>
+          <a:xfrm>
+            <a:off x="1141413" y="618518"/>
+            <a:ext cx="9990778" cy="1478570"/>
+          </a:xfrm>
+        </p:spPr>
+        <p:txBody>
+          <a:bodyPr/>
+          <a:lstStyle/>
+          <a:p>
+            <a:r>
+              <a:rPr lang="en-US" dirty="0" smtClean="0"/>
+              <a:t>Program State Management with </a:t>
+            </a:r>
+            <a:r>
+              <a:rPr lang="en-US" dirty="0" err="1" smtClean="0"/>
+              <a:t>Datapools</a:t>
+            </a:r>
+            <a:endParaRPr lang="en-US" dirty="0"/>
+          </a:p>
+        </p:txBody>
+      </p:sp>
+      <p:sp>
+        <p:nvSpPr>
+          <p:cNvPr id="4" name="Content Placeholder 5"/>
+          <p:cNvSpPr>
+            <a:spLocks noGrp="1"/>
+          </p:cNvSpPr>
+          <p:nvPr>
+            <p:ph idx="1"/>
+          </p:nvPr>
+        </p:nvSpPr>
+        <p:spPr>
+          <a:xfrm>
+            <a:off x="1141413" y="1980182"/>
+            <a:ext cx="9905999" cy="3724331"/>
+          </a:xfrm>
+        </p:spPr>
+        <p:txBody>
+          <a:bodyPr>
+            <a:normAutofit/>
+          </a:bodyPr>
+          <a:lstStyle/>
+          <a:p>
+            <a:pPr marL="285750" indent="-285750">
+              <a:buFontTx/>
+              <a:buChar char="-"/>
+            </a:pPr>
+            <a:r>
+              <a:rPr lang="en-US" dirty="0" err="1"/>
+              <a:t>Datapools</a:t>
+            </a:r>
+            <a:r>
+              <a:rPr lang="en-US" dirty="0"/>
+              <a:t> are containers where </a:t>
+            </a:r>
+            <a:r>
+              <a:rPr lang="en-US" dirty="0" smtClean="0"/>
+              <a:t>program data can be stored</a:t>
+            </a:r>
+          </a:p>
+          <a:p>
+            <a:pPr marL="285750" indent="-285750">
+              <a:buFontTx/>
+              <a:buChar char="-"/>
+            </a:pPr>
+            <a:r>
+              <a:rPr lang="en-US" dirty="0" err="1" smtClean="0"/>
+              <a:t>Datapools</a:t>
+            </a:r>
+            <a:r>
+              <a:rPr lang="en-US" dirty="0" smtClean="0"/>
+              <a:t> </a:t>
+            </a:r>
+            <a:r>
+              <a:rPr lang="en-US" dirty="0"/>
+              <a:t>also store </a:t>
+            </a:r>
+            <a:r>
+              <a:rPr lang="en-US" dirty="0" smtClean="0"/>
+              <a:t>callbacks (message handlers)</a:t>
+            </a:r>
+            <a:endParaRPr lang="en-US" dirty="0"/>
+          </a:p>
+          <a:p>
+            <a:pPr marL="285750" indent="-285750">
+              <a:buFontTx/>
+              <a:buChar char="-"/>
+            </a:pPr>
+            <a:r>
+              <a:rPr lang="en-US" dirty="0" err="1"/>
+              <a:t>Datapools</a:t>
+            </a:r>
+            <a:r>
+              <a:rPr lang="en-US" dirty="0"/>
+              <a:t> are connected to a </a:t>
+            </a:r>
+            <a:r>
+              <a:rPr lang="en-US" dirty="0" err="1"/>
+              <a:t>Computepool</a:t>
+            </a:r>
+            <a:endParaRPr lang="en-US" dirty="0"/>
+          </a:p>
+          <a:p>
+            <a:pPr marL="285750" indent="-285750">
+              <a:buFontTx/>
+              <a:buChar char="-"/>
+            </a:pPr>
+            <a:r>
+              <a:rPr lang="en-US" dirty="0"/>
+              <a:t>Data stored in </a:t>
+            </a:r>
+            <a:r>
+              <a:rPr lang="en-US" dirty="0" err="1"/>
+              <a:t>datapools</a:t>
+            </a:r>
+            <a:r>
+              <a:rPr lang="en-US" dirty="0"/>
+              <a:t> is accessible to the </a:t>
+            </a:r>
+            <a:r>
+              <a:rPr lang="en-US" dirty="0" err="1"/>
+              <a:t>Computepool</a:t>
+            </a:r>
+            <a:r>
+              <a:rPr lang="en-US" dirty="0"/>
+              <a:t> worker </a:t>
+            </a:r>
+            <a:r>
+              <a:rPr lang="en-US" dirty="0" smtClean="0"/>
+              <a:t>threads</a:t>
+            </a:r>
+          </a:p>
+        </p:txBody>
+      </p:sp>
+    </p:spTree>
+    <p:extLst>
+      <p:ext uri="{BB962C8B-B14F-4D97-AF65-F5344CB8AC3E}">
+        <p14:creationId xmlns:p14="http://schemas.microsoft.com/office/powerpoint/2010/main" val="3693186947"/>
+      </p:ext>
+    </p:extLst>
+  </p:cSld>
+  <p:clrMapOvr>
+    <a:masterClrMapping/>
+  </p:clrMapOvr>
+  <p:timing>
+    <p:tnLst>
+      <p:par>
+        <p:cTn id="1" dur="indefinite" restart="never" nodeType="tmRoot">
+          <p:childTnLst>
+            <p:seq concurrent="1" nextAc="seek">
+              <p:cTn id="2" dur="indefinite" nodeType="mainSeq">
+                <p:childTnLst>
+                  <p:par>
+                    <p:cTn id="3" fill="hold">
+                      <p:stCondLst>
+                        <p:cond delay="indefinite"/>
+                      </p:stCondLst>
+                      <p:childTnLst>
+                        <p:par>
+                          <p:cTn id="4" fill="hold">
+                            <p:stCondLst>
+                              <p:cond delay="0"/>
+                            </p:stCondLst>
+                            <p:childTnLst>
+                              <p:par>
+                                <p:cTn id="5" presetID="1" presetClass="entr" presetSubtype="0" fill="hold" grpId="0" nodeType="clickEffect">
+                                  <p:stCondLst>
+                                    <p:cond delay="0"/>
+                                  </p:stCondLst>
+                                  <p:childTnLst>
+                                    <p:set>
+                                      <p:cBhvr>
+                                        <p:cTn id="6" dur="1" fill="hold">
+                                          <p:stCondLst>
+                                            <p:cond delay="0"/>
+                                          </p:stCondLst>
+                                        </p:cTn>
+                                        <p:tgtEl>
+                                          <p:spTgt spid="4">
+                                            <p:txEl>
+                                              <p:pRg st="0" end="0"/>
+                                            </p:txEl>
+                                          </p:spTgt>
+                                        </p:tgtEl>
+                                        <p:attrNameLst>
+                                          <p:attrName>style.visibility</p:attrName>
+                                        </p:attrNameLst>
+                                      </p:cBhvr>
+                                      <p:to>
+                                        <p:strVal val="visible"/>
+                                      </p:to>
+                                    </p:set>
+                                  </p:childTnLst>
+                                </p:cTn>
+                              </p:par>
+                            </p:childTnLst>
+                          </p:cTn>
+                        </p:par>
+                      </p:childTnLst>
+                    </p:cTn>
+                  </p:par>
+                  <p:par>
+                    <p:cTn id="7" fill="hold">
+                      <p:stCondLst>
+                        <p:cond delay="indefinite"/>
+                      </p:stCondLst>
+                      <p:childTnLst>
+                        <p:par>
+                          <p:cTn id="8" fill="hold">
+                            <p:stCondLst>
+                              <p:cond delay="0"/>
+                            </p:stCondLst>
+                            <p:childTnLst>
+                              <p:par>
+                                <p:cTn id="9" presetID="1" presetClass="entr" presetSubtype="0" fill="hold" grpId="0" nodeType="clickEffect">
+                                  <p:stCondLst>
+                                    <p:cond delay="0"/>
+                                  </p:stCondLst>
+                                  <p:childTnLst>
+                                    <p:set>
+                                      <p:cBhvr>
+                                        <p:cTn id="10" dur="1" fill="hold">
+                                          <p:stCondLst>
+                                            <p:cond delay="0"/>
+                                          </p:stCondLst>
+                                        </p:cTn>
+                                        <p:tgtEl>
+                                          <p:spTgt spid="4">
+                                            <p:txEl>
+                                              <p:pRg st="1" end="1"/>
+                                            </p:txEl>
+                                          </p:spTgt>
+                                        </p:tgtEl>
+                                        <p:attrNameLst>
+                                          <p:attrName>style.visibility</p:attrName>
+                                        </p:attrNameLst>
+                                      </p:cBhvr>
+                                      <p:to>
+                                        <p:strVal val="visible"/>
+                                      </p:to>
+                                    </p:set>
+                                  </p:childTnLst>
+                                </p:cTn>
+                              </p:par>
+                            </p:childTnLst>
+                          </p:cTn>
+                        </p:par>
+                      </p:childTnLst>
+                    </p:cTn>
+                  </p:par>
+                  <p:par>
+                    <p:cTn id="11" fill="hold">
+                      <p:stCondLst>
+                        <p:cond delay="indefinite"/>
+                      </p:stCondLst>
+                      <p:childTnLst>
+                        <p:par>
+                          <p:cTn id="12" fill="hold">
+                            <p:stCondLst>
+                              <p:cond delay="0"/>
+                            </p:stCondLst>
+                            <p:childTnLst>
+                              <p:par>
+                                <p:cTn id="13" presetID="1" presetClass="entr" presetSubtype="0" fill="hold" grpId="0" nodeType="clickEffect">
+                                  <p:stCondLst>
+                                    <p:cond delay="0"/>
+                                  </p:stCondLst>
+                                  <p:childTnLst>
+                                    <p:set>
+                                      <p:cBhvr>
+                                        <p:cTn id="14" dur="1" fill="hold">
+                                          <p:stCondLst>
+                                            <p:cond delay="0"/>
+                                          </p:stCondLst>
+                                        </p:cTn>
+                                        <p:tgtEl>
+                                          <p:spTgt spid="4">
+                                            <p:txEl>
+                                              <p:pRg st="2" end="2"/>
+                                            </p:txEl>
+                                          </p:spTgt>
+                                        </p:tgtEl>
+                                        <p:attrNameLst>
+                                          <p:attrName>style.visibility</p:attrName>
+                                        </p:attrNameLst>
+                                      </p:cBhvr>
+                                      <p:to>
+                                        <p:strVal val="visible"/>
+                                      </p:to>
+                                    </p:set>
+                                  </p:childTnLst>
+                                </p:cTn>
+                              </p:par>
+                            </p:childTnLst>
+                          </p:cTn>
+                        </p:par>
+                      </p:childTnLst>
+                    </p:cTn>
+                  </p:par>
+                  <p:par>
+                    <p:cTn id="15" fill="hold">
+                      <p:stCondLst>
+                        <p:cond delay="indefinite"/>
+                      </p:stCondLst>
+                      <p:childTnLst>
+                        <p:par>
+                          <p:cTn id="16" fill="hold">
+                            <p:stCondLst>
+                              <p:cond delay="0"/>
+                            </p:stCondLst>
+                            <p:childTnLst>
+                              <p:par>
+                                <p:cTn id="17" presetID="1" presetClass="entr" presetSubtype="0" fill="hold" grpId="0" nodeType="clickEffect">
+                                  <p:stCondLst>
+                                    <p:cond delay="0"/>
+                                  </p:stCondLst>
+                                  <p:childTnLst>
+                                    <p:set>
+                                      <p:cBhvr>
+                                        <p:cTn id="18" dur="1" fill="hold">
+                                          <p:stCondLst>
+                                            <p:cond delay="0"/>
+                                          </p:stCondLst>
+                                        </p:cTn>
+                                        <p:tgtEl>
+                                          <p:spTgt spid="4">
+                                            <p:txEl>
+                                              <p:pRg st="3" end="3"/>
+                                            </p:txEl>
+                                          </p:spTgt>
+                                        </p:tgtEl>
+                                        <p:attrNameLst>
+                                          <p:attrName>style.visibility</p:attrName>
+                                        </p:attrNameLst>
+                                      </p:cBhvr>
+                                      <p:to>
+                                        <p:strVal val="visible"/>
+                                      </p:to>
+                                    </p:set>
+                                  </p:childTnLst>
+                                </p:cTn>
+                              </p:par>
+                            </p:childTnLst>
+                          </p:cTn>
+                        </p:par>
+                      </p:childTnLst>
+                    </p:cTn>
+                  </p:par>
+                </p:childTnLst>
+              </p:cTn>
+              <p:prevCondLst>
+                <p:cond evt="onPrev" delay="0">
+                  <p:tgtEl>
+                    <p:sldTgt/>
+                  </p:tgtEl>
+                </p:cond>
+              </p:prevCondLst>
+              <p:nextCondLst>
+                <p:cond evt="onNext" delay="0">
+                  <p:tgtEl>
+                    <p:sldTgt/>
+                  </p:tgtEl>
+                </p:cond>
+              </p:nextCondLst>
+            </p:seq>
+          </p:childTnLst>
+        </p:cTn>
+      </p:par>
+    </p:tnLst>
+    <p:bldLst>
+      <p:bldP spid="4" grpId="0" build="p"/>
+    </p:bldLst>
+  </p:timing>
+</p:sld>
+</file>
+
+<file path=ppt/slides/slide11.xml><?xml version="1.0" encoding="utf-8"?>
+<p:sld xmlns:a="http://schemas.openxmlformats.org/drawingml/2006/main" xmlns:r="http://schemas.openxmlformats.org/officeDocument/2006/relationships" xmlns:p="http://schemas.openxmlformats.org/presentationml/2006/main">
+  <p:cSld>
+    <p:spTree>
+      <p:nvGrpSpPr>
+        <p:cNvPr id="1" name=""/>
+        <p:cNvGrpSpPr/>
+        <p:nvPr/>
+      </p:nvGrpSpPr>
+      <p:grpSpPr>
+        <a:xfrm>
+          <a:off x="0" y="0"/>
+          <a:ext cx="0" cy="0"/>
+          <a:chOff x="0" y="0"/>
+          <a:chExt cx="0" cy="0"/>
+        </a:xfrm>
+      </p:grpSpPr>
+      <p:pic>
+        <p:nvPicPr>
+          <p:cNvPr id="4" name="Picture 3"/>
+          <p:cNvPicPr>
+            <a:picLocks noChangeAspect="1"/>
+          </p:cNvPicPr>
+          <p:nvPr/>
+        </p:nvPicPr>
+        <p:blipFill>
+          <a:blip r:embed="rId2"/>
+          <a:stretch>
+            <a:fillRect/>
+          </a:stretch>
+        </p:blipFill>
+        <p:spPr>
+          <a:xfrm>
+            <a:off x="1689183" y="191001"/>
+            <a:ext cx="8620887" cy="6394015"/>
+          </a:xfrm>
+          <a:prstGeom prst="rect">
+            <a:avLst/>
+          </a:prstGeom>
+        </p:spPr>
+      </p:pic>
+    </p:spTree>
+    <p:extLst>
+      <p:ext uri="{BB962C8B-B14F-4D97-AF65-F5344CB8AC3E}">
+        <p14:creationId xmlns:p14="http://schemas.microsoft.com/office/powerpoint/2010/main" val="1072505047"/>
+      </p:ext>
+    </p:extLst>
+  </p:cSld>
+  <p:clrMapOvr>
+    <a:masterClrMapping/>
+  </p:clrMapOvr>
+  <p:timing>
+    <p:tnLst>
+      <p:par>
+        <p:cTn id="1" dur="indefinite" restart="never" nodeType="tmRoot"/>
+      </p:par>
+    </p:tnLst>
+  </p:timing>
+</p:sld>
+</file>
+
+<file path=ppt/slides/slide12.xml><?xml version="1.0" encoding="utf-8"?>
+<p:sld xmlns:a="http://schemas.openxmlformats.org/drawingml/2006/main" xmlns:r="http://schemas.openxmlformats.org/officeDocument/2006/relationships" xmlns:p="http://schemas.openxmlformats.org/presentationml/2006/main">
+  <p:cSld>
+    <p:spTree>
+      <p:nvGrpSpPr>
+        <p:cNvPr id="1" name=""/>
+        <p:cNvGrpSpPr/>
+        <p:nvPr/>
+      </p:nvGrpSpPr>
+      <p:grpSpPr>
+        <a:xfrm>
+          <a:off x="0" y="0"/>
+          <a:ext cx="0" cy="0"/>
+          <a:chOff x="0" y="0"/>
+          <a:chExt cx="0" cy="0"/>
+        </a:xfrm>
+      </p:grpSpPr>
+      <p:sp>
+        <p:nvSpPr>
+          <p:cNvPr id="2" name="Title 1"/>
+          <p:cNvSpPr>
+            <a:spLocks noGrp="1"/>
+          </p:cNvSpPr>
+          <p:nvPr>
+            <p:ph type="title"/>
+          </p:nvPr>
+        </p:nvSpPr>
         <p:spPr/>
         <p:txBody>
           <a:bodyPr/>
@@ -12534,7 +12991,15 @@
           <a:p>
             <a:r>
               <a:rPr lang="en-US" dirty="0" smtClean="0"/>
-              <a:t>Lisp Functions</a:t>
+              <a:t>Data Redirection to and From </a:t>
+            </a:r>
+            <a:r>
+              <a:rPr lang="en-US" dirty="0" err="1" smtClean="0"/>
+              <a:t>Computepool</a:t>
+            </a:r>
+            <a:r>
+              <a:rPr lang="en-US" dirty="0" smtClean="0"/>
+              <a:t> Tasks</a:t>
             </a:r>
             <a:endParaRPr lang="en-US" dirty="0"/>
           </a:p>
@@ -12557,96 +13022,2242 @@
           <a:p>
             <a:r>
               <a:rPr lang="en-US" dirty="0" smtClean="0"/>
-              <a:t>Functions are also created with the (define) function:</a:t>
+              <a:t>Data from </a:t>
+            </a:r>
+            <a:r>
+              <a:rPr lang="en-US" dirty="0" err="1" smtClean="0"/>
+              <a:t>Datapools</a:t>
+            </a:r>
+            <a:r>
+              <a:rPr lang="en-US" dirty="0" smtClean="0"/>
+              <a:t> can be retrieved </a:t>
+            </a:r>
+            <a:r>
+              <a:rPr lang="en-US" dirty="0"/>
+              <a:t>as input </a:t>
+            </a:r>
+            <a:r>
+              <a:rPr lang="en-US" dirty="0" smtClean="0"/>
+              <a:t>for </a:t>
+            </a:r>
+            <a:r>
+              <a:rPr lang="en-US" dirty="0" err="1" smtClean="0"/>
+              <a:t>Computepool</a:t>
+            </a:r>
+            <a:r>
+              <a:rPr lang="en-US" dirty="0"/>
+              <a:t> </a:t>
+            </a:r>
+            <a:r>
+              <a:rPr lang="en-US" dirty="0" smtClean="0"/>
+              <a:t>tasks</a:t>
+            </a:r>
+          </a:p>
+          <a:p>
+            <a:r>
+              <a:rPr lang="en-US" dirty="0" smtClean="0"/>
+              <a:t>Output from a </a:t>
+            </a:r>
+            <a:r>
+              <a:rPr lang="en-US" dirty="0" err="1" smtClean="0"/>
+              <a:t>Computepool</a:t>
+            </a:r>
+            <a:r>
+              <a:rPr lang="en-US" dirty="0" smtClean="0"/>
+              <a:t> task can be redirected:</a:t>
             </a:r>
           </a:p>
           <a:p>
             <a:pPr lvl="1"/>
             <a:r>
               <a:rPr lang="en-US" dirty="0" smtClean="0"/>
-              <a:t>(define (function-name </a:t>
-            </a:r>
+              <a:t>back into </a:t>
+            </a:r>
+            <a:r>
+              <a:rPr lang="en-US" dirty="0" err="1" smtClean="0"/>
+              <a:t>Datapools</a:t>
+            </a:r>
+            <a:endParaRPr lang="en-US" dirty="0" smtClean="0"/>
+          </a:p>
+          <a:p>
+            <a:pPr lvl="1"/>
             <a:r>
               <a:rPr lang="en-US" dirty="0" smtClean="0"/>
-              <a:t>arg1… </a:t>
-            </a:r>
-            <a:r>
-              <a:rPr lang="en-US" dirty="0" err="1" smtClean="0"/>
-              <a:t>argN</a:t>
+              <a:t>as </a:t>
             </a:r>
             <a:r>
               <a:rPr lang="en-US" dirty="0" smtClean="0"/>
-              <a:t>)</a:t>
-            </a:r>
-            <a:r>
-              <a:rPr lang="en-US" dirty="0"/>
-              <a:t/>
-            </a:r>
-            <a:br>
-              <a:rPr lang="en-US" dirty="0"/>
-            </a:br>
+              <a:t>messages</a:t>
+            </a:r>
+            <a:endParaRPr lang="en-US" dirty="0" smtClean="0"/>
+          </a:p>
+          <a:p>
+            <a:pPr lvl="1"/>
             <a:r>
               <a:rPr lang="en-US" dirty="0" smtClean="0"/>
-              <a:t>  ;function statements</a:t>
-            </a:r>
-            <a:br>
-              <a:rPr lang="en-US" dirty="0" smtClean="0"/>
-            </a:br>
-            <a:r>
-              <a:rPr lang="en-US" dirty="0" smtClean="0"/>
-              <a:t>  ;</a:t>
-            </a:r>
-            <a:r>
-              <a:rPr lang="en-US" dirty="0" smtClean="0"/>
-              <a:t>last </a:t>
-            </a:r>
-            <a:r>
-              <a:rPr lang="en-US" dirty="0" smtClean="0"/>
-              <a:t>value is the return value of the function)</a:t>
-            </a:r>
-          </a:p>
-          <a:p>
-            <a:r>
-              <a:rPr lang="en-US" dirty="0" smtClean="0"/>
-              <a:t>Functions are invoked with parenthesis:</a:t>
-            </a:r>
-          </a:p>
-          <a:p>
-            <a:pPr lvl="1"/>
-            <a:r>
-              <a:rPr lang="en-US" dirty="0" smtClean="0"/>
-              <a:t>(+ 1 2 3) ;the ‘+’ function returns 6 here</a:t>
-            </a:r>
-          </a:p>
-          <a:p>
-            <a:pPr lvl="1"/>
-            <a:r>
-              <a:rPr lang="en-US" dirty="0" smtClean="0"/>
-              <a:t>(</a:t>
-            </a:r>
-            <a:r>
-              <a:rPr lang="en-US" dirty="0" err="1" smtClean="0"/>
-              <a:t>printf</a:t>
-            </a:r>
-            <a:r>
-              <a:rPr lang="en-US" dirty="0" smtClean="0"/>
-              <a:t> “Hello World!\n”) ;the ‘</a:t>
-            </a:r>
-            <a:r>
-              <a:rPr lang="en-US" dirty="0" err="1" smtClean="0"/>
-              <a:t>printf</a:t>
-            </a:r>
-            <a:r>
-              <a:rPr lang="en-US" dirty="0" smtClean="0"/>
-              <a:t>’ function prints “Hello World!” to the terminal</a:t>
-            </a:r>
+              <a:t>or stored in asynchronous channels</a:t>
+            </a:r>
+            <a:endParaRPr lang="en-US" dirty="0"/>
           </a:p>
         </p:txBody>
       </p:sp>
     </p:spTree>
     <p:extLst>
       <p:ext uri="{BB962C8B-B14F-4D97-AF65-F5344CB8AC3E}">
-        <p14:creationId xmlns:p14="http://schemas.microsoft.com/office/powerpoint/2010/main" val="2787763291"/>
+        <p14:creationId xmlns:p14="http://schemas.microsoft.com/office/powerpoint/2010/main" val="630464088"/>
+      </p:ext>
+    </p:extLst>
+  </p:cSld>
+  <p:clrMapOvr>
+    <a:masterClrMapping/>
+  </p:clrMapOvr>
+  <p:timing>
+    <p:tnLst>
+      <p:par>
+        <p:cTn id="1" dur="indefinite" restart="never" nodeType="tmRoot">
+          <p:childTnLst>
+            <p:seq concurrent="1" nextAc="seek">
+              <p:cTn id="2" dur="indefinite" nodeType="mainSeq">
+                <p:childTnLst>
+                  <p:par>
+                    <p:cTn id="3" fill="hold">
+                      <p:stCondLst>
+                        <p:cond delay="indefinite"/>
+                      </p:stCondLst>
+                      <p:childTnLst>
+                        <p:par>
+                          <p:cTn id="4" fill="hold">
+                            <p:stCondLst>
+                              <p:cond delay="0"/>
+                            </p:stCondLst>
+                            <p:childTnLst>
+                              <p:par>
+                                <p:cTn id="5" presetID="1" presetClass="entr" presetSubtype="0" fill="hold" grpId="0" nodeType="clickEffect">
+                                  <p:stCondLst>
+                                    <p:cond delay="0"/>
+                                  </p:stCondLst>
+                                  <p:childTnLst>
+                                    <p:set>
+                                      <p:cBhvr>
+                                        <p:cTn id="6" dur="1" fill="hold">
+                                          <p:stCondLst>
+                                            <p:cond delay="0"/>
+                                          </p:stCondLst>
+                                        </p:cTn>
+                                        <p:tgtEl>
+                                          <p:spTgt spid="3">
+                                            <p:txEl>
+                                              <p:pRg st="0" end="0"/>
+                                            </p:txEl>
+                                          </p:spTgt>
+                                        </p:tgtEl>
+                                        <p:attrNameLst>
+                                          <p:attrName>style.visibility</p:attrName>
+                                        </p:attrNameLst>
+                                      </p:cBhvr>
+                                      <p:to>
+                                        <p:strVal val="visible"/>
+                                      </p:to>
+                                    </p:set>
+                                  </p:childTnLst>
+                                </p:cTn>
+                              </p:par>
+                            </p:childTnLst>
+                          </p:cTn>
+                        </p:par>
+                      </p:childTnLst>
+                    </p:cTn>
+                  </p:par>
+                  <p:par>
+                    <p:cTn id="7" fill="hold">
+                      <p:stCondLst>
+                        <p:cond delay="indefinite"/>
+                      </p:stCondLst>
+                      <p:childTnLst>
+                        <p:par>
+                          <p:cTn id="8" fill="hold">
+                            <p:stCondLst>
+                              <p:cond delay="0"/>
+                            </p:stCondLst>
+                            <p:childTnLst>
+                              <p:par>
+                                <p:cTn id="9" presetID="1" presetClass="entr" presetSubtype="0" fill="hold" grpId="0" nodeType="clickEffect">
+                                  <p:stCondLst>
+                                    <p:cond delay="0"/>
+                                  </p:stCondLst>
+                                  <p:childTnLst>
+                                    <p:set>
+                                      <p:cBhvr>
+                                        <p:cTn id="10" dur="1" fill="hold">
+                                          <p:stCondLst>
+                                            <p:cond delay="0"/>
+                                          </p:stCondLst>
+                                        </p:cTn>
+                                        <p:tgtEl>
+                                          <p:spTgt spid="3">
+                                            <p:txEl>
+                                              <p:pRg st="1" end="1"/>
+                                            </p:txEl>
+                                          </p:spTgt>
+                                        </p:tgtEl>
+                                        <p:attrNameLst>
+                                          <p:attrName>style.visibility</p:attrName>
+                                        </p:attrNameLst>
+                                      </p:cBhvr>
+                                      <p:to>
+                                        <p:strVal val="visible"/>
+                                      </p:to>
+                                    </p:set>
+                                  </p:childTnLst>
+                                </p:cTn>
+                              </p:par>
+                            </p:childTnLst>
+                          </p:cTn>
+                        </p:par>
+                      </p:childTnLst>
+                    </p:cTn>
+                  </p:par>
+                  <p:par>
+                    <p:cTn id="11" fill="hold">
+                      <p:stCondLst>
+                        <p:cond delay="indefinite"/>
+                      </p:stCondLst>
+                      <p:childTnLst>
+                        <p:par>
+                          <p:cTn id="12" fill="hold">
+                            <p:stCondLst>
+                              <p:cond delay="0"/>
+                            </p:stCondLst>
+                            <p:childTnLst>
+                              <p:par>
+                                <p:cTn id="13" presetID="1" presetClass="entr" presetSubtype="0" fill="hold" grpId="0" nodeType="clickEffect">
+                                  <p:stCondLst>
+                                    <p:cond delay="0"/>
+                                  </p:stCondLst>
+                                  <p:childTnLst>
+                                    <p:set>
+                                      <p:cBhvr>
+                                        <p:cTn id="14" dur="1" fill="hold">
+                                          <p:stCondLst>
+                                            <p:cond delay="0"/>
+                                          </p:stCondLst>
+                                        </p:cTn>
+                                        <p:tgtEl>
+                                          <p:spTgt spid="3">
+                                            <p:txEl>
+                                              <p:pRg st="2" end="2"/>
+                                            </p:txEl>
+                                          </p:spTgt>
+                                        </p:tgtEl>
+                                        <p:attrNameLst>
+                                          <p:attrName>style.visibility</p:attrName>
+                                        </p:attrNameLst>
+                                      </p:cBhvr>
+                                      <p:to>
+                                        <p:strVal val="visible"/>
+                                      </p:to>
+                                    </p:set>
+                                  </p:childTnLst>
+                                </p:cTn>
+                              </p:par>
+                            </p:childTnLst>
+                          </p:cTn>
+                        </p:par>
+                      </p:childTnLst>
+                    </p:cTn>
+                  </p:par>
+                  <p:par>
+                    <p:cTn id="15" fill="hold">
+                      <p:stCondLst>
+                        <p:cond delay="indefinite"/>
+                      </p:stCondLst>
+                      <p:childTnLst>
+                        <p:par>
+                          <p:cTn id="16" fill="hold">
+                            <p:stCondLst>
+                              <p:cond delay="0"/>
+                            </p:stCondLst>
+                            <p:childTnLst>
+                              <p:par>
+                                <p:cTn id="17" presetID="1" presetClass="entr" presetSubtype="0" fill="hold" grpId="0" nodeType="clickEffect">
+                                  <p:stCondLst>
+                                    <p:cond delay="0"/>
+                                  </p:stCondLst>
+                                  <p:childTnLst>
+                                    <p:set>
+                                      <p:cBhvr>
+                                        <p:cTn id="18" dur="1" fill="hold">
+                                          <p:stCondLst>
+                                            <p:cond delay="0"/>
+                                          </p:stCondLst>
+                                        </p:cTn>
+                                        <p:tgtEl>
+                                          <p:spTgt spid="3">
+                                            <p:txEl>
+                                              <p:pRg st="3" end="3"/>
+                                            </p:txEl>
+                                          </p:spTgt>
+                                        </p:tgtEl>
+                                        <p:attrNameLst>
+                                          <p:attrName>style.visibility</p:attrName>
+                                        </p:attrNameLst>
+                                      </p:cBhvr>
+                                      <p:to>
+                                        <p:strVal val="visible"/>
+                                      </p:to>
+                                    </p:set>
+                                  </p:childTnLst>
+                                </p:cTn>
+                              </p:par>
+                            </p:childTnLst>
+                          </p:cTn>
+                        </p:par>
+                      </p:childTnLst>
+                    </p:cTn>
+                  </p:par>
+                  <p:par>
+                    <p:cTn id="19" fill="hold">
+                      <p:stCondLst>
+                        <p:cond delay="indefinite"/>
+                      </p:stCondLst>
+                      <p:childTnLst>
+                        <p:par>
+                          <p:cTn id="20" fill="hold">
+                            <p:stCondLst>
+                              <p:cond delay="0"/>
+                            </p:stCondLst>
+                            <p:childTnLst>
+                              <p:par>
+                                <p:cTn id="21" presetID="1" presetClass="entr" presetSubtype="0" fill="hold" grpId="0" nodeType="clickEffect">
+                                  <p:stCondLst>
+                                    <p:cond delay="0"/>
+                                  </p:stCondLst>
+                                  <p:childTnLst>
+                                    <p:set>
+                                      <p:cBhvr>
+                                        <p:cTn id="22" dur="1" fill="hold">
+                                          <p:stCondLst>
+                                            <p:cond delay="0"/>
+                                          </p:stCondLst>
+                                        </p:cTn>
+                                        <p:tgtEl>
+                                          <p:spTgt spid="3">
+                                            <p:txEl>
+                                              <p:pRg st="4" end="4"/>
+                                            </p:txEl>
+                                          </p:spTgt>
+                                        </p:tgtEl>
+                                        <p:attrNameLst>
+                                          <p:attrName>style.visibility</p:attrName>
+                                        </p:attrNameLst>
+                                      </p:cBhvr>
+                                      <p:to>
+                                        <p:strVal val="visible"/>
+                                      </p:to>
+                                    </p:set>
+                                  </p:childTnLst>
+                                </p:cTn>
+                              </p:par>
+                            </p:childTnLst>
+                          </p:cTn>
+                        </p:par>
+                      </p:childTnLst>
+                    </p:cTn>
+                  </p:par>
+                </p:childTnLst>
+              </p:cTn>
+              <p:prevCondLst>
+                <p:cond evt="onPrev" delay="0">
+                  <p:tgtEl>
+                    <p:sldTgt/>
+                  </p:tgtEl>
+                </p:cond>
+              </p:prevCondLst>
+              <p:nextCondLst>
+                <p:cond evt="onNext" delay="0">
+                  <p:tgtEl>
+                    <p:sldTgt/>
+                  </p:tgtEl>
+                </p:cond>
+              </p:nextCondLst>
+            </p:seq>
+          </p:childTnLst>
+        </p:cTn>
+      </p:par>
+    </p:tnLst>
+    <p:bldLst>
+      <p:bldP spid="3" grpId="0" build="p"/>
+    </p:bldLst>
+  </p:timing>
+</p:sld>
+</file>
+
+<file path=ppt/slides/slide13.xml><?xml version="1.0" encoding="utf-8"?>
+<p:sld xmlns:a="http://schemas.openxmlformats.org/drawingml/2006/main" xmlns:r="http://schemas.openxmlformats.org/officeDocument/2006/relationships" xmlns:p="http://schemas.openxmlformats.org/presentationml/2006/main">
+  <p:cSld>
+    <p:spTree>
+      <p:nvGrpSpPr>
+        <p:cNvPr id="1" name=""/>
+        <p:cNvGrpSpPr/>
+        <p:nvPr/>
+      </p:nvGrpSpPr>
+      <p:grpSpPr>
+        <a:xfrm>
+          <a:off x="0" y="0"/>
+          <a:ext cx="0" cy="0"/>
+          <a:chOff x="0" y="0"/>
+          <a:chExt cx="0" cy="0"/>
+        </a:xfrm>
+      </p:grpSpPr>
+      <p:pic>
+        <p:nvPicPr>
+          <p:cNvPr id="5" name="Picture 4"/>
+          <p:cNvPicPr>
+            <a:picLocks noChangeAspect="1"/>
+          </p:cNvPicPr>
+          <p:nvPr/>
+        </p:nvPicPr>
+        <p:blipFill>
+          <a:blip r:embed="rId2"/>
+          <a:stretch>
+            <a:fillRect/>
+          </a:stretch>
+        </p:blipFill>
+        <p:spPr>
+          <a:xfrm>
+            <a:off x="2009031" y="352838"/>
+            <a:ext cx="8116480" cy="6236321"/>
+          </a:xfrm>
+          <a:prstGeom prst="rect">
+            <a:avLst/>
+          </a:prstGeom>
+        </p:spPr>
+      </p:pic>
+    </p:spTree>
+    <p:extLst>
+      <p:ext uri="{BB962C8B-B14F-4D97-AF65-F5344CB8AC3E}">
+        <p14:creationId xmlns:p14="http://schemas.microsoft.com/office/powerpoint/2010/main" val="2742550859"/>
+      </p:ext>
+    </p:extLst>
+  </p:cSld>
+  <p:clrMapOvr>
+    <a:masterClrMapping/>
+  </p:clrMapOvr>
+  <p:timing>
+    <p:tnLst>
+      <p:par>
+        <p:cTn id="1" dur="indefinite" restart="never" nodeType="tmRoot"/>
+      </p:par>
+    </p:tnLst>
+  </p:timing>
+</p:sld>
+</file>
+
+<file path=ppt/slides/slide14.xml><?xml version="1.0" encoding="utf-8"?>
+<p:sld xmlns:a="http://schemas.openxmlformats.org/drawingml/2006/main" xmlns:r="http://schemas.openxmlformats.org/officeDocument/2006/relationships" xmlns:p="http://schemas.openxmlformats.org/presentationml/2006/main">
+  <p:cSld>
+    <p:spTree>
+      <p:nvGrpSpPr>
+        <p:cNvPr id="1" name=""/>
+        <p:cNvGrpSpPr/>
+        <p:nvPr/>
+      </p:nvGrpSpPr>
+      <p:grpSpPr>
+        <a:xfrm>
+          <a:off x="0" y="0"/>
+          <a:ext cx="0" cy="0"/>
+          <a:chOff x="0" y="0"/>
+          <a:chExt cx="0" cy="0"/>
+        </a:xfrm>
+      </p:grpSpPr>
+      <p:pic>
+        <p:nvPicPr>
+          <p:cNvPr id="5" name="Picture 4"/>
+          <p:cNvPicPr>
+            <a:picLocks noChangeAspect="1"/>
+          </p:cNvPicPr>
+          <p:nvPr/>
+        </p:nvPicPr>
+        <p:blipFill>
+          <a:blip r:embed="rId2"/>
+          <a:stretch>
+            <a:fillRect/>
+          </a:stretch>
+        </p:blipFill>
+        <p:spPr>
+          <a:xfrm>
+            <a:off x="1964415" y="303126"/>
+            <a:ext cx="8387600" cy="6264457"/>
+          </a:xfrm>
+          <a:prstGeom prst="rect">
+            <a:avLst/>
+          </a:prstGeom>
+        </p:spPr>
+      </p:pic>
+    </p:spTree>
+    <p:extLst>
+      <p:ext uri="{BB962C8B-B14F-4D97-AF65-F5344CB8AC3E}">
+        <p14:creationId xmlns:p14="http://schemas.microsoft.com/office/powerpoint/2010/main" val="1112313632"/>
+      </p:ext>
+    </p:extLst>
+  </p:cSld>
+  <p:clrMapOvr>
+    <a:masterClrMapping/>
+  </p:clrMapOvr>
+  <p:timing>
+    <p:tnLst>
+      <p:par>
+        <p:cTn id="1" dur="indefinite" restart="never" nodeType="tmRoot"/>
+      </p:par>
+    </p:tnLst>
+  </p:timing>
+</p:sld>
+</file>
+
+<file path=ppt/slides/slide15.xml><?xml version="1.0" encoding="utf-8"?>
+<p:sld xmlns:a="http://schemas.openxmlformats.org/drawingml/2006/main" xmlns:r="http://schemas.openxmlformats.org/officeDocument/2006/relationships" xmlns:p="http://schemas.openxmlformats.org/presentationml/2006/main">
+  <p:cSld>
+    <p:spTree>
+      <p:nvGrpSpPr>
+        <p:cNvPr id="1" name=""/>
+        <p:cNvGrpSpPr/>
+        <p:nvPr/>
+      </p:nvGrpSpPr>
+      <p:grpSpPr>
+        <a:xfrm>
+          <a:off x="0" y="0"/>
+          <a:ext cx="0" cy="0"/>
+          <a:chOff x="0" y="0"/>
+          <a:chExt cx="0" cy="0"/>
+        </a:xfrm>
+      </p:grpSpPr>
+      <p:pic>
+        <p:nvPicPr>
+          <p:cNvPr id="2" name="Picture 1"/>
+          <p:cNvPicPr>
+            <a:picLocks noChangeAspect="1"/>
+          </p:cNvPicPr>
+          <p:nvPr/>
+        </p:nvPicPr>
+        <p:blipFill>
+          <a:blip r:embed="rId2"/>
+          <a:stretch>
+            <a:fillRect/>
+          </a:stretch>
+        </p:blipFill>
+        <p:spPr>
+          <a:xfrm>
+            <a:off x="1573299" y="430926"/>
+            <a:ext cx="9546150" cy="6094727"/>
+          </a:xfrm>
+          <a:prstGeom prst="rect">
+            <a:avLst/>
+          </a:prstGeom>
+        </p:spPr>
+      </p:pic>
+    </p:spTree>
+    <p:extLst>
+      <p:ext uri="{BB962C8B-B14F-4D97-AF65-F5344CB8AC3E}">
+        <p14:creationId xmlns:p14="http://schemas.microsoft.com/office/powerpoint/2010/main" val="1066954048"/>
+      </p:ext>
+    </p:extLst>
+  </p:cSld>
+  <p:clrMapOvr>
+    <a:masterClrMapping/>
+  </p:clrMapOvr>
+  <p:timing>
+    <p:tnLst>
+      <p:par>
+        <p:cTn id="1" dur="indefinite" restart="never" nodeType="tmRoot"/>
+      </p:par>
+    </p:tnLst>
+  </p:timing>
+</p:sld>
+</file>
+
+<file path=ppt/slides/slide16.xml><?xml version="1.0" encoding="utf-8"?>
+<p:sld xmlns:a="http://schemas.openxmlformats.org/drawingml/2006/main" xmlns:r="http://schemas.openxmlformats.org/officeDocument/2006/relationships" xmlns:p="http://schemas.openxmlformats.org/presentationml/2006/main">
+  <p:cSld>
+    <p:spTree>
+      <p:nvGrpSpPr>
+        <p:cNvPr id="1" name=""/>
+        <p:cNvGrpSpPr/>
+        <p:nvPr/>
+      </p:nvGrpSpPr>
+      <p:grpSpPr>
+        <a:xfrm>
+          <a:off x="0" y="0"/>
+          <a:ext cx="0" cy="0"/>
+          <a:chOff x="0" y="0"/>
+          <a:chExt cx="0" cy="0"/>
+        </a:xfrm>
+      </p:grpSpPr>
+      <p:sp>
+        <p:nvSpPr>
+          <p:cNvPr id="2" name="Title 1"/>
+          <p:cNvSpPr>
+            <a:spLocks noGrp="1"/>
+          </p:cNvSpPr>
+          <p:nvPr>
+            <p:ph type="title"/>
+          </p:nvPr>
+        </p:nvSpPr>
+        <p:spPr/>
+        <p:txBody>
+          <a:bodyPr/>
+          <a:lstStyle/>
+          <a:p>
+            <a:r>
+              <a:rPr lang="en-US" smtClean="0"/>
+              <a:t>Before a Lisp tutorial and DFC3 </a:t>
+            </a:r>
+            <a:r>
+              <a:rPr lang="en-US" dirty="0" smtClean="0"/>
+              <a:t>code examples - Questions on dfc3?</a:t>
+            </a:r>
+            <a:endParaRPr lang="en-US" dirty="0"/>
+          </a:p>
+        </p:txBody>
+      </p:sp>
+    </p:spTree>
+    <p:extLst>
+      <p:ext uri="{BB962C8B-B14F-4D97-AF65-F5344CB8AC3E}">
+        <p14:creationId xmlns:p14="http://schemas.microsoft.com/office/powerpoint/2010/main" val="573360119"/>
+      </p:ext>
+    </p:extLst>
+  </p:cSld>
+  <p:clrMapOvr>
+    <a:masterClrMapping/>
+  </p:clrMapOvr>
+  <p:timing>
+    <p:tnLst>
+      <p:par>
+        <p:cTn id="1" dur="indefinite" restart="never" nodeType="tmRoot"/>
+      </p:par>
+    </p:tnLst>
+  </p:timing>
+</p:sld>
+</file>
+
+<file path=ppt/slides/slide17.xml><?xml version="1.0" encoding="utf-8"?>
+<p:sld xmlns:a="http://schemas.openxmlformats.org/drawingml/2006/main" xmlns:r="http://schemas.openxmlformats.org/officeDocument/2006/relationships" xmlns:p="http://schemas.openxmlformats.org/presentationml/2006/main">
+  <p:cSld>
+    <p:spTree>
+      <p:nvGrpSpPr>
+        <p:cNvPr id="1" name=""/>
+        <p:cNvGrpSpPr/>
+        <p:nvPr/>
+      </p:nvGrpSpPr>
+      <p:grpSpPr>
+        <a:xfrm>
+          <a:off x="0" y="0"/>
+          <a:ext cx="0" cy="0"/>
+          <a:chOff x="0" y="0"/>
+          <a:chExt cx="0" cy="0"/>
+        </a:xfrm>
+      </p:grpSpPr>
+      <p:sp>
+        <p:nvSpPr>
+          <p:cNvPr id="2" name="Title 1"/>
+          <p:cNvSpPr>
+            <a:spLocks noGrp="1"/>
+          </p:cNvSpPr>
+          <p:nvPr>
+            <p:ph type="title"/>
+          </p:nvPr>
+        </p:nvSpPr>
+        <p:spPr/>
+        <p:txBody>
+          <a:bodyPr/>
+          <a:lstStyle/>
+          <a:p>
+            <a:r>
+              <a:rPr lang="en-US" dirty="0" smtClean="0"/>
+              <a:t>A Brief Introduction to </a:t>
+            </a:r>
+            <a:r>
+              <a:rPr lang="en-US" dirty="0" err="1" smtClean="0"/>
+              <a:t>LIsp</a:t>
+            </a:r>
+            <a:endParaRPr lang="en-US" dirty="0"/>
+          </a:p>
+        </p:txBody>
+      </p:sp>
+      <p:sp>
+        <p:nvSpPr>
+          <p:cNvPr id="3" name="Content Placeholder 2"/>
+          <p:cNvSpPr>
+            <a:spLocks noGrp="1"/>
+          </p:cNvSpPr>
+          <p:nvPr>
+            <p:ph idx="1"/>
+          </p:nvPr>
+        </p:nvSpPr>
+        <p:spPr/>
+        <p:txBody>
+          <a:bodyPr/>
+          <a:lstStyle/>
+          <a:p>
+            <a:r>
+              <a:rPr lang="en-US" dirty="0" smtClean="0"/>
+              <a:t>The DFC3 prototype is written in the programming language “Racket Lisp”</a:t>
+            </a:r>
+          </a:p>
+          <a:p>
+            <a:r>
+              <a:rPr lang="en-US" dirty="0" smtClean="0"/>
+              <a:t>The functionality DFC3 implements can be written in other languages</a:t>
+            </a:r>
+          </a:p>
+          <a:p>
+            <a:r>
+              <a:rPr lang="en-US" dirty="0" smtClean="0"/>
+              <a:t>Further information is included in the Lisp primer I have given out before this presentation</a:t>
+            </a:r>
+          </a:p>
+          <a:p>
+            <a:r>
+              <a:rPr lang="en-US" dirty="0"/>
+              <a:t>Please ask questions if something is not clear!</a:t>
+            </a:r>
+          </a:p>
+          <a:p>
+            <a:endParaRPr lang="en-US" dirty="0"/>
+          </a:p>
+        </p:txBody>
+      </p:sp>
+    </p:spTree>
+    <p:extLst>
+      <p:ext uri="{BB962C8B-B14F-4D97-AF65-F5344CB8AC3E}">
+        <p14:creationId xmlns:p14="http://schemas.microsoft.com/office/powerpoint/2010/main" val="140383741"/>
+      </p:ext>
+    </p:extLst>
+  </p:cSld>
+  <p:clrMapOvr>
+    <a:masterClrMapping/>
+  </p:clrMapOvr>
+  <p:timing>
+    <p:tnLst>
+      <p:par>
+        <p:cTn id="1" dur="indefinite" restart="never" nodeType="tmRoot">
+          <p:childTnLst>
+            <p:seq concurrent="1" nextAc="seek">
+              <p:cTn id="2" dur="indefinite" nodeType="mainSeq">
+                <p:childTnLst>
+                  <p:par>
+                    <p:cTn id="3" fill="hold">
+                      <p:stCondLst>
+                        <p:cond delay="indefinite"/>
+                      </p:stCondLst>
+                      <p:childTnLst>
+                        <p:par>
+                          <p:cTn id="4" fill="hold">
+                            <p:stCondLst>
+                              <p:cond delay="0"/>
+                            </p:stCondLst>
+                            <p:childTnLst>
+                              <p:par>
+                                <p:cTn id="5" presetID="1" presetClass="entr" presetSubtype="0" fill="hold" grpId="0" nodeType="clickEffect">
+                                  <p:stCondLst>
+                                    <p:cond delay="0"/>
+                                  </p:stCondLst>
+                                  <p:childTnLst>
+                                    <p:set>
+                                      <p:cBhvr>
+                                        <p:cTn id="6" dur="1" fill="hold">
+                                          <p:stCondLst>
+                                            <p:cond delay="0"/>
+                                          </p:stCondLst>
+                                        </p:cTn>
+                                        <p:tgtEl>
+                                          <p:spTgt spid="3">
+                                            <p:txEl>
+                                              <p:pRg st="0" end="0"/>
+                                            </p:txEl>
+                                          </p:spTgt>
+                                        </p:tgtEl>
+                                        <p:attrNameLst>
+                                          <p:attrName>style.visibility</p:attrName>
+                                        </p:attrNameLst>
+                                      </p:cBhvr>
+                                      <p:to>
+                                        <p:strVal val="visible"/>
+                                      </p:to>
+                                    </p:set>
+                                  </p:childTnLst>
+                                </p:cTn>
+                              </p:par>
+                            </p:childTnLst>
+                          </p:cTn>
+                        </p:par>
+                      </p:childTnLst>
+                    </p:cTn>
+                  </p:par>
+                  <p:par>
+                    <p:cTn id="7" fill="hold">
+                      <p:stCondLst>
+                        <p:cond delay="indefinite"/>
+                      </p:stCondLst>
+                      <p:childTnLst>
+                        <p:par>
+                          <p:cTn id="8" fill="hold">
+                            <p:stCondLst>
+                              <p:cond delay="0"/>
+                            </p:stCondLst>
+                            <p:childTnLst>
+                              <p:par>
+                                <p:cTn id="9" presetID="1" presetClass="entr" presetSubtype="0" fill="hold" grpId="0" nodeType="clickEffect">
+                                  <p:stCondLst>
+                                    <p:cond delay="0"/>
+                                  </p:stCondLst>
+                                  <p:childTnLst>
+                                    <p:set>
+                                      <p:cBhvr>
+                                        <p:cTn id="10" dur="1" fill="hold">
+                                          <p:stCondLst>
+                                            <p:cond delay="0"/>
+                                          </p:stCondLst>
+                                        </p:cTn>
+                                        <p:tgtEl>
+                                          <p:spTgt spid="3">
+                                            <p:txEl>
+                                              <p:pRg st="1" end="1"/>
+                                            </p:txEl>
+                                          </p:spTgt>
+                                        </p:tgtEl>
+                                        <p:attrNameLst>
+                                          <p:attrName>style.visibility</p:attrName>
+                                        </p:attrNameLst>
+                                      </p:cBhvr>
+                                      <p:to>
+                                        <p:strVal val="visible"/>
+                                      </p:to>
+                                    </p:set>
+                                  </p:childTnLst>
+                                </p:cTn>
+                              </p:par>
+                            </p:childTnLst>
+                          </p:cTn>
+                        </p:par>
+                      </p:childTnLst>
+                    </p:cTn>
+                  </p:par>
+                  <p:par>
+                    <p:cTn id="11" fill="hold">
+                      <p:stCondLst>
+                        <p:cond delay="indefinite"/>
+                      </p:stCondLst>
+                      <p:childTnLst>
+                        <p:par>
+                          <p:cTn id="12" fill="hold">
+                            <p:stCondLst>
+                              <p:cond delay="0"/>
+                            </p:stCondLst>
+                            <p:childTnLst>
+                              <p:par>
+                                <p:cTn id="13" presetID="1" presetClass="entr" presetSubtype="0" fill="hold" grpId="0" nodeType="clickEffect">
+                                  <p:stCondLst>
+                                    <p:cond delay="0"/>
+                                  </p:stCondLst>
+                                  <p:childTnLst>
+                                    <p:set>
+                                      <p:cBhvr>
+                                        <p:cTn id="14" dur="1" fill="hold">
+                                          <p:stCondLst>
+                                            <p:cond delay="0"/>
+                                          </p:stCondLst>
+                                        </p:cTn>
+                                        <p:tgtEl>
+                                          <p:spTgt spid="3">
+                                            <p:txEl>
+                                              <p:pRg st="2" end="2"/>
+                                            </p:txEl>
+                                          </p:spTgt>
+                                        </p:tgtEl>
+                                        <p:attrNameLst>
+                                          <p:attrName>style.visibility</p:attrName>
+                                        </p:attrNameLst>
+                                      </p:cBhvr>
+                                      <p:to>
+                                        <p:strVal val="visible"/>
+                                      </p:to>
+                                    </p:set>
+                                  </p:childTnLst>
+                                </p:cTn>
+                              </p:par>
+                            </p:childTnLst>
+                          </p:cTn>
+                        </p:par>
+                      </p:childTnLst>
+                    </p:cTn>
+                  </p:par>
+                  <p:par>
+                    <p:cTn id="15" fill="hold">
+                      <p:stCondLst>
+                        <p:cond delay="indefinite"/>
+                      </p:stCondLst>
+                      <p:childTnLst>
+                        <p:par>
+                          <p:cTn id="16" fill="hold">
+                            <p:stCondLst>
+                              <p:cond delay="0"/>
+                            </p:stCondLst>
+                            <p:childTnLst>
+                              <p:par>
+                                <p:cTn id="17" presetID="1" presetClass="entr" presetSubtype="0" fill="hold" grpId="0" nodeType="clickEffect">
+                                  <p:stCondLst>
+                                    <p:cond delay="0"/>
+                                  </p:stCondLst>
+                                  <p:childTnLst>
+                                    <p:set>
+                                      <p:cBhvr>
+                                        <p:cTn id="18" dur="1" fill="hold">
+                                          <p:stCondLst>
+                                            <p:cond delay="0"/>
+                                          </p:stCondLst>
+                                        </p:cTn>
+                                        <p:tgtEl>
+                                          <p:spTgt spid="3">
+                                            <p:txEl>
+                                              <p:pRg st="3" end="3"/>
+                                            </p:txEl>
+                                          </p:spTgt>
+                                        </p:tgtEl>
+                                        <p:attrNameLst>
+                                          <p:attrName>style.visibility</p:attrName>
+                                        </p:attrNameLst>
+                                      </p:cBhvr>
+                                      <p:to>
+                                        <p:strVal val="visible"/>
+                                      </p:to>
+                                    </p:set>
+                                  </p:childTnLst>
+                                </p:cTn>
+                              </p:par>
+                            </p:childTnLst>
+                          </p:cTn>
+                        </p:par>
+                      </p:childTnLst>
+                    </p:cTn>
+                  </p:par>
+                </p:childTnLst>
+              </p:cTn>
+              <p:prevCondLst>
+                <p:cond evt="onPrev" delay="0">
+                  <p:tgtEl>
+                    <p:sldTgt/>
+                  </p:tgtEl>
+                </p:cond>
+              </p:prevCondLst>
+              <p:nextCondLst>
+                <p:cond evt="onNext" delay="0">
+                  <p:tgtEl>
+                    <p:sldTgt/>
+                  </p:tgtEl>
+                </p:cond>
+              </p:nextCondLst>
+            </p:seq>
+          </p:childTnLst>
+        </p:cTn>
+      </p:par>
+    </p:tnLst>
+    <p:bldLst>
+      <p:bldP spid="3" grpId="0" build="p"/>
+    </p:bldLst>
+  </p:timing>
+</p:sld>
+</file>
+
+<file path=ppt/slides/slide18.xml><?xml version="1.0" encoding="utf-8"?>
+<p:sld xmlns:a="http://schemas.openxmlformats.org/drawingml/2006/main" xmlns:r="http://schemas.openxmlformats.org/officeDocument/2006/relationships" xmlns:p="http://schemas.openxmlformats.org/presentationml/2006/main">
+  <p:cSld>
+    <p:spTree>
+      <p:nvGrpSpPr>
+        <p:cNvPr id="1" name=""/>
+        <p:cNvGrpSpPr/>
+        <p:nvPr/>
+      </p:nvGrpSpPr>
+      <p:grpSpPr>
+        <a:xfrm>
+          <a:off x="0" y="0"/>
+          <a:ext cx="0" cy="0"/>
+          <a:chOff x="0" y="0"/>
+          <a:chExt cx="0" cy="0"/>
+        </a:xfrm>
+      </p:grpSpPr>
+      <p:sp>
+        <p:nvSpPr>
+          <p:cNvPr id="2" name="Title 1"/>
+          <p:cNvSpPr>
+            <a:spLocks noGrp="1"/>
+          </p:cNvSpPr>
+          <p:nvPr>
+            <p:ph type="title"/>
+          </p:nvPr>
+        </p:nvSpPr>
+        <p:spPr/>
+        <p:txBody>
+          <a:bodyPr/>
+          <a:lstStyle/>
+          <a:p>
+            <a:r>
+              <a:rPr lang="en-US" dirty="0" smtClean="0"/>
+              <a:t>Lisp Scopes and </a:t>
+            </a:r>
+            <a:r>
+              <a:rPr lang="en-US" dirty="0" err="1" smtClean="0"/>
+              <a:t>COmments</a:t>
+            </a:r>
+            <a:endParaRPr lang="en-US" dirty="0"/>
+          </a:p>
+        </p:txBody>
+      </p:sp>
+      <p:sp>
+        <p:nvSpPr>
+          <p:cNvPr id="3" name="Content Placeholder 2"/>
+          <p:cNvSpPr>
+            <a:spLocks noGrp="1"/>
+          </p:cNvSpPr>
+          <p:nvPr>
+            <p:ph idx="1"/>
+          </p:nvPr>
+        </p:nvSpPr>
+        <p:spPr/>
+        <p:txBody>
+          <a:bodyPr>
+            <a:normAutofit lnSpcReduction="10000"/>
+          </a:bodyPr>
+          <a:lstStyle/>
+          <a:p>
+            <a:r>
+              <a:rPr lang="en-US" dirty="0" smtClean="0"/>
+              <a:t>Parenthesis ( ) enclose scopes</a:t>
+            </a:r>
+          </a:p>
+          <a:p>
+            <a:pPr lvl="1"/>
+            <a:r>
+              <a:rPr lang="en-US" dirty="0" smtClean="0"/>
+              <a:t>Variables and functions defined within the current scope</a:t>
+            </a:r>
+            <a:r>
+              <a:rPr lang="en-US" dirty="0"/>
+              <a:t> </a:t>
+            </a:r>
+            <a:r>
+              <a:rPr lang="en-US" dirty="0" smtClean="0"/>
+              <a:t>are only available to the current scope and child scopes</a:t>
+            </a:r>
+          </a:p>
+          <a:p>
+            <a:pPr lvl="1"/>
+            <a:r>
+              <a:rPr lang="en-US" dirty="0" smtClean="0"/>
+              <a:t>Square brackets [ ] are sometimes used instead of parenthesis for readability</a:t>
+            </a:r>
+            <a:endParaRPr lang="en-US" dirty="0"/>
+          </a:p>
+          <a:p>
+            <a:r>
+              <a:rPr lang="en-US"/>
+              <a:t>Comments begin with a semicolon ‘;’</a:t>
+            </a:r>
+          </a:p>
+          <a:p>
+            <a:pPr lvl="1"/>
+            <a:r>
+              <a:rPr lang="en-US"/>
+              <a:t>(this-is-code) ;this is a comment</a:t>
+            </a:r>
+          </a:p>
+          <a:p>
+            <a:r>
+              <a:rPr lang="en-US" smtClean="0"/>
+              <a:t>Parenthesis </a:t>
+            </a:r>
+            <a:r>
+              <a:rPr lang="en-US" dirty="0" smtClean="0"/>
+              <a:t>enclose all code including functions:</a:t>
+            </a:r>
+          </a:p>
+          <a:p>
+            <a:pPr lvl="1"/>
+            <a:r>
+              <a:rPr lang="en-US" dirty="0" smtClean="0"/>
+              <a:t>(+ 1 2) ;</a:t>
+            </a:r>
+            <a:r>
+              <a:rPr lang="en-US" smtClean="0"/>
+              <a:t>returns 3</a:t>
+            </a:r>
+            <a:endParaRPr lang="en-US" dirty="0" smtClean="0"/>
+          </a:p>
+        </p:txBody>
+      </p:sp>
+    </p:spTree>
+    <p:extLst>
+      <p:ext uri="{BB962C8B-B14F-4D97-AF65-F5344CB8AC3E}">
+        <p14:creationId xmlns:p14="http://schemas.microsoft.com/office/powerpoint/2010/main" val="480936993"/>
+      </p:ext>
+    </p:extLst>
+  </p:cSld>
+  <p:clrMapOvr>
+    <a:masterClrMapping/>
+  </p:clrMapOvr>
+  <p:timing>
+    <p:tnLst>
+      <p:par>
+        <p:cTn id="1" dur="indefinite" restart="never" nodeType="tmRoot">
+          <p:childTnLst>
+            <p:seq concurrent="1" nextAc="seek">
+              <p:cTn id="2" dur="indefinite" nodeType="mainSeq">
+                <p:childTnLst>
+                  <p:par>
+                    <p:cTn id="3" fill="hold">
+                      <p:stCondLst>
+                        <p:cond delay="indefinite"/>
+                      </p:stCondLst>
+                      <p:childTnLst>
+                        <p:par>
+                          <p:cTn id="4" fill="hold">
+                            <p:stCondLst>
+                              <p:cond delay="0"/>
+                            </p:stCondLst>
+                            <p:childTnLst>
+                              <p:par>
+                                <p:cTn id="5" presetID="1" presetClass="entr" presetSubtype="0" fill="hold" grpId="0" nodeType="clickEffect">
+                                  <p:stCondLst>
+                                    <p:cond delay="0"/>
+                                  </p:stCondLst>
+                                  <p:childTnLst>
+                                    <p:set>
+                                      <p:cBhvr>
+                                        <p:cTn id="6" dur="1" fill="hold">
+                                          <p:stCondLst>
+                                            <p:cond delay="0"/>
+                                          </p:stCondLst>
+                                        </p:cTn>
+                                        <p:tgtEl>
+                                          <p:spTgt spid="3">
+                                            <p:txEl>
+                                              <p:pRg st="0" end="0"/>
+                                            </p:txEl>
+                                          </p:spTgt>
+                                        </p:tgtEl>
+                                        <p:attrNameLst>
+                                          <p:attrName>style.visibility</p:attrName>
+                                        </p:attrNameLst>
+                                      </p:cBhvr>
+                                      <p:to>
+                                        <p:strVal val="visible"/>
+                                      </p:to>
+                                    </p:set>
+                                  </p:childTnLst>
+                                </p:cTn>
+                              </p:par>
+                              <p:par>
+                                <p:cTn id="7" presetID="1" presetClass="entr" presetSubtype="0" fill="hold" grpId="0" nodeType="withEffect">
+                                  <p:stCondLst>
+                                    <p:cond delay="0"/>
+                                  </p:stCondLst>
+                                  <p:childTnLst>
+                                    <p:set>
+                                      <p:cBhvr>
+                                        <p:cTn id="8" dur="1" fill="hold">
+                                          <p:stCondLst>
+                                            <p:cond delay="0"/>
+                                          </p:stCondLst>
+                                        </p:cTn>
+                                        <p:tgtEl>
+                                          <p:spTgt spid="3">
+                                            <p:txEl>
+                                              <p:pRg st="1" end="1"/>
+                                            </p:txEl>
+                                          </p:spTgt>
+                                        </p:tgtEl>
+                                        <p:attrNameLst>
+                                          <p:attrName>style.visibility</p:attrName>
+                                        </p:attrNameLst>
+                                      </p:cBhvr>
+                                      <p:to>
+                                        <p:strVal val="visible"/>
+                                      </p:to>
+                                    </p:set>
+                                  </p:childTnLst>
+                                </p:cTn>
+                              </p:par>
+                              <p:par>
+                                <p:cTn id="9" presetID="1" presetClass="entr" presetSubtype="0" fill="hold" grpId="0" nodeType="withEffect">
+                                  <p:stCondLst>
+                                    <p:cond delay="0"/>
+                                  </p:stCondLst>
+                                  <p:childTnLst>
+                                    <p:set>
+                                      <p:cBhvr>
+                                        <p:cTn id="10" dur="1" fill="hold">
+                                          <p:stCondLst>
+                                            <p:cond delay="0"/>
+                                          </p:stCondLst>
+                                        </p:cTn>
+                                        <p:tgtEl>
+                                          <p:spTgt spid="3">
+                                            <p:txEl>
+                                              <p:pRg st="2" end="2"/>
+                                            </p:txEl>
+                                          </p:spTgt>
+                                        </p:tgtEl>
+                                        <p:attrNameLst>
+                                          <p:attrName>style.visibility</p:attrName>
+                                        </p:attrNameLst>
+                                      </p:cBhvr>
+                                      <p:to>
+                                        <p:strVal val="visible"/>
+                                      </p:to>
+                                    </p:set>
+                                  </p:childTnLst>
+                                </p:cTn>
+                              </p:par>
+                            </p:childTnLst>
+                          </p:cTn>
+                        </p:par>
+                      </p:childTnLst>
+                    </p:cTn>
+                  </p:par>
+                  <p:par>
+                    <p:cTn id="11" fill="hold">
+                      <p:stCondLst>
+                        <p:cond delay="indefinite"/>
+                      </p:stCondLst>
+                      <p:childTnLst>
+                        <p:par>
+                          <p:cTn id="12" fill="hold">
+                            <p:stCondLst>
+                              <p:cond delay="0"/>
+                            </p:stCondLst>
+                            <p:childTnLst>
+                              <p:par>
+                                <p:cTn id="13" presetID="1" presetClass="entr" presetSubtype="0" fill="hold" grpId="0" nodeType="clickEffect">
+                                  <p:stCondLst>
+                                    <p:cond delay="0"/>
+                                  </p:stCondLst>
+                                  <p:childTnLst>
+                                    <p:set>
+                                      <p:cBhvr>
+                                        <p:cTn id="14" dur="1" fill="hold">
+                                          <p:stCondLst>
+                                            <p:cond delay="0"/>
+                                          </p:stCondLst>
+                                        </p:cTn>
+                                        <p:tgtEl>
+                                          <p:spTgt spid="3">
+                                            <p:txEl>
+                                              <p:pRg st="3" end="3"/>
+                                            </p:txEl>
+                                          </p:spTgt>
+                                        </p:tgtEl>
+                                        <p:attrNameLst>
+                                          <p:attrName>style.visibility</p:attrName>
+                                        </p:attrNameLst>
+                                      </p:cBhvr>
+                                      <p:to>
+                                        <p:strVal val="visible"/>
+                                      </p:to>
+                                    </p:set>
+                                  </p:childTnLst>
+                                </p:cTn>
+                              </p:par>
+                              <p:par>
+                                <p:cTn id="15" presetID="1" presetClass="entr" presetSubtype="0" fill="hold" grpId="0" nodeType="withEffect">
+                                  <p:stCondLst>
+                                    <p:cond delay="0"/>
+                                  </p:stCondLst>
+                                  <p:childTnLst>
+                                    <p:set>
+                                      <p:cBhvr>
+                                        <p:cTn id="16" dur="1" fill="hold">
+                                          <p:stCondLst>
+                                            <p:cond delay="0"/>
+                                          </p:stCondLst>
+                                        </p:cTn>
+                                        <p:tgtEl>
+                                          <p:spTgt spid="3">
+                                            <p:txEl>
+                                              <p:pRg st="4" end="4"/>
+                                            </p:txEl>
+                                          </p:spTgt>
+                                        </p:tgtEl>
+                                        <p:attrNameLst>
+                                          <p:attrName>style.visibility</p:attrName>
+                                        </p:attrNameLst>
+                                      </p:cBhvr>
+                                      <p:to>
+                                        <p:strVal val="visible"/>
+                                      </p:to>
+                                    </p:set>
+                                  </p:childTnLst>
+                                </p:cTn>
+                              </p:par>
+                            </p:childTnLst>
+                          </p:cTn>
+                        </p:par>
+                      </p:childTnLst>
+                    </p:cTn>
+                  </p:par>
+                  <p:par>
+                    <p:cTn id="17" fill="hold">
+                      <p:stCondLst>
+                        <p:cond delay="indefinite"/>
+                      </p:stCondLst>
+                      <p:childTnLst>
+                        <p:par>
+                          <p:cTn id="18" fill="hold">
+                            <p:stCondLst>
+                              <p:cond delay="0"/>
+                            </p:stCondLst>
+                            <p:childTnLst>
+                              <p:par>
+                                <p:cTn id="19" presetID="1" presetClass="entr" presetSubtype="0" fill="hold" grpId="0" nodeType="clickEffect">
+                                  <p:stCondLst>
+                                    <p:cond delay="0"/>
+                                  </p:stCondLst>
+                                  <p:childTnLst>
+                                    <p:set>
+                                      <p:cBhvr>
+                                        <p:cTn id="20" dur="1" fill="hold">
+                                          <p:stCondLst>
+                                            <p:cond delay="0"/>
+                                          </p:stCondLst>
+                                        </p:cTn>
+                                        <p:tgtEl>
+                                          <p:spTgt spid="3">
+                                            <p:txEl>
+                                              <p:pRg st="5" end="5"/>
+                                            </p:txEl>
+                                          </p:spTgt>
+                                        </p:tgtEl>
+                                        <p:attrNameLst>
+                                          <p:attrName>style.visibility</p:attrName>
+                                        </p:attrNameLst>
+                                      </p:cBhvr>
+                                      <p:to>
+                                        <p:strVal val="visible"/>
+                                      </p:to>
+                                    </p:set>
+                                  </p:childTnLst>
+                                </p:cTn>
+                              </p:par>
+                              <p:par>
+                                <p:cTn id="21" presetID="1" presetClass="entr" presetSubtype="0" fill="hold" grpId="0" nodeType="withEffect">
+                                  <p:stCondLst>
+                                    <p:cond delay="0"/>
+                                  </p:stCondLst>
+                                  <p:childTnLst>
+                                    <p:set>
+                                      <p:cBhvr>
+                                        <p:cTn id="22" dur="1" fill="hold">
+                                          <p:stCondLst>
+                                            <p:cond delay="0"/>
+                                          </p:stCondLst>
+                                        </p:cTn>
+                                        <p:tgtEl>
+                                          <p:spTgt spid="3">
+                                            <p:txEl>
+                                              <p:pRg st="6" end="6"/>
+                                            </p:txEl>
+                                          </p:spTgt>
+                                        </p:tgtEl>
+                                        <p:attrNameLst>
+                                          <p:attrName>style.visibility</p:attrName>
+                                        </p:attrNameLst>
+                                      </p:cBhvr>
+                                      <p:to>
+                                        <p:strVal val="visible"/>
+                                      </p:to>
+                                    </p:set>
+                                  </p:childTnLst>
+                                </p:cTn>
+                              </p:par>
+                            </p:childTnLst>
+                          </p:cTn>
+                        </p:par>
+                      </p:childTnLst>
+                    </p:cTn>
+                  </p:par>
+                </p:childTnLst>
+              </p:cTn>
+              <p:prevCondLst>
+                <p:cond evt="onPrev" delay="0">
+                  <p:tgtEl>
+                    <p:sldTgt/>
+                  </p:tgtEl>
+                </p:cond>
+              </p:prevCondLst>
+              <p:nextCondLst>
+                <p:cond evt="onNext" delay="0">
+                  <p:tgtEl>
+                    <p:sldTgt/>
+                  </p:tgtEl>
+                </p:cond>
+              </p:nextCondLst>
+            </p:seq>
+          </p:childTnLst>
+        </p:cTn>
+      </p:par>
+    </p:tnLst>
+    <p:bldLst>
+      <p:bldP spid="3" grpId="0" build="p"/>
+    </p:bldLst>
+  </p:timing>
+</p:sld>
+</file>
+
+<file path=ppt/slides/slide19.xml><?xml version="1.0" encoding="utf-8"?>
+<p:sld xmlns:a="http://schemas.openxmlformats.org/drawingml/2006/main" xmlns:r="http://schemas.openxmlformats.org/officeDocument/2006/relationships" xmlns:p="http://schemas.openxmlformats.org/presentationml/2006/main">
+  <p:cSld>
+    <p:spTree>
+      <p:nvGrpSpPr>
+        <p:cNvPr id="1" name=""/>
+        <p:cNvGrpSpPr/>
+        <p:nvPr/>
+      </p:nvGrpSpPr>
+      <p:grpSpPr>
+        <a:xfrm>
+          <a:off x="0" y="0"/>
+          <a:ext cx="0" cy="0"/>
+          <a:chOff x="0" y="0"/>
+          <a:chExt cx="0" cy="0"/>
+        </a:xfrm>
+      </p:grpSpPr>
+      <p:sp>
+        <p:nvSpPr>
+          <p:cNvPr id="2" name="Title 1"/>
+          <p:cNvSpPr>
+            <a:spLocks noGrp="1"/>
+          </p:cNvSpPr>
+          <p:nvPr>
+            <p:ph type="title"/>
+          </p:nvPr>
+        </p:nvSpPr>
+        <p:spPr/>
+        <p:txBody>
+          <a:bodyPr/>
+          <a:lstStyle/>
+          <a:p>
+            <a:r>
+              <a:rPr lang="en-US" dirty="0" smtClean="0"/>
+              <a:t>Lisp variables</a:t>
+            </a:r>
+            <a:endParaRPr lang="en-US" dirty="0"/>
+          </a:p>
+        </p:txBody>
+      </p:sp>
+      <p:sp>
+        <p:nvSpPr>
+          <p:cNvPr id="3" name="Content Placeholder 2"/>
+          <p:cNvSpPr>
+            <a:spLocks noGrp="1"/>
+          </p:cNvSpPr>
+          <p:nvPr>
+            <p:ph idx="1"/>
+          </p:nvPr>
+        </p:nvSpPr>
+        <p:spPr>
+          <a:xfrm>
+            <a:off x="1141412" y="1904301"/>
+            <a:ext cx="9905999" cy="4630723"/>
+          </a:xfrm>
+        </p:spPr>
+        <p:txBody>
+          <a:bodyPr>
+            <a:normAutofit fontScale="92500" lnSpcReduction="20000"/>
+          </a:bodyPr>
+          <a:lstStyle/>
+          <a:p>
+            <a:r>
+              <a:rPr lang="en-US" dirty="0" smtClean="0"/>
+              <a:t>Variable declaration happens with (define) or (let):</a:t>
+            </a:r>
+          </a:p>
+          <a:p>
+            <a:pPr lvl="1"/>
+            <a:r>
+              <a:rPr lang="en-US" dirty="0" smtClean="0"/>
+              <a:t>(define my-variable my-value) ;declare and define a variable in the current scope</a:t>
+            </a:r>
+          </a:p>
+          <a:p>
+            <a:pPr lvl="1"/>
+            <a:r>
+              <a:rPr lang="en-US" dirty="0" smtClean="0"/>
+              <a:t>(let ([my-variable1 my-value1] ;declare and define variables in a new scope</a:t>
+            </a:r>
+            <a:br>
+              <a:rPr lang="en-US" dirty="0" smtClean="0"/>
+            </a:br>
+            <a:r>
+              <a:rPr lang="en-US" dirty="0"/>
+              <a:t> </a:t>
+            </a:r>
+            <a:r>
+              <a:rPr lang="en-US" dirty="0" smtClean="0"/>
+              <a:t>      …</a:t>
+            </a:r>
+            <a:br>
+              <a:rPr lang="en-US" dirty="0" smtClean="0"/>
+            </a:br>
+            <a:r>
+              <a:rPr lang="en-US" dirty="0" smtClean="0"/>
+              <a:t>       [my-</a:t>
+            </a:r>
+            <a:r>
+              <a:rPr lang="en-US" dirty="0" err="1" smtClean="0"/>
+              <a:t>variableN</a:t>
+            </a:r>
+            <a:r>
+              <a:rPr lang="en-US" dirty="0" smtClean="0"/>
+              <a:t> my-</a:t>
+            </a:r>
+            <a:r>
+              <a:rPr lang="en-US" dirty="0" err="1" smtClean="0"/>
+              <a:t>valueN</a:t>
+            </a:r>
+            <a:r>
+              <a:rPr lang="en-US" dirty="0" smtClean="0"/>
+              <a:t>])</a:t>
+            </a:r>
+            <a:br>
+              <a:rPr lang="en-US" dirty="0" smtClean="0"/>
+            </a:br>
+            <a:r>
+              <a:rPr lang="en-US" smtClean="0"/>
+              <a:t>       … </a:t>
+            </a:r>
+            <a:r>
+              <a:rPr lang="en-US" dirty="0" smtClean="0"/>
+              <a:t>;do things here with your variables)</a:t>
+            </a:r>
+          </a:p>
+          <a:p>
+            <a:r>
+              <a:rPr lang="en-US" dirty="0" smtClean="0"/>
+              <a:t>Variables are dynamically typed by default in Lisp. Optional </a:t>
+            </a:r>
+            <a:r>
+              <a:rPr lang="en-US" dirty="0"/>
+              <a:t>t</a:t>
+            </a:r>
+            <a:r>
+              <a:rPr lang="en-US" dirty="0" smtClean="0"/>
+              <a:t>ype systems are also available. Example variable values:</a:t>
+            </a:r>
+          </a:p>
+          <a:p>
+            <a:pPr lvl="1"/>
+            <a:r>
+              <a:rPr lang="en-US" dirty="0" smtClean="0"/>
+              <a:t>#t ;is </a:t>
+            </a:r>
+            <a:r>
+              <a:rPr lang="en-US" dirty="0" err="1" smtClean="0"/>
+              <a:t>boolean</a:t>
+            </a:r>
+            <a:r>
+              <a:rPr lang="en-US" dirty="0" smtClean="0"/>
+              <a:t> True</a:t>
+            </a:r>
+          </a:p>
+          <a:p>
+            <a:pPr lvl="1"/>
+            <a:r>
+              <a:rPr lang="en-US" dirty="0" smtClean="0"/>
+              <a:t>#f ;is </a:t>
+            </a:r>
+            <a:r>
+              <a:rPr lang="en-US" dirty="0" err="1" smtClean="0"/>
+              <a:t>boolean</a:t>
+            </a:r>
+            <a:r>
+              <a:rPr lang="en-US" dirty="0" smtClean="0"/>
+              <a:t> False</a:t>
+            </a:r>
+          </a:p>
+          <a:p>
+            <a:pPr lvl="1"/>
+            <a:r>
+              <a:rPr lang="en-US" dirty="0" smtClean="0"/>
+              <a:t>“a string”</a:t>
+            </a:r>
+          </a:p>
+          <a:p>
+            <a:pPr lvl="1"/>
+            <a:r>
+              <a:rPr lang="en-US" dirty="0" smtClean="0"/>
+              <a:t>5</a:t>
+            </a:r>
+          </a:p>
+          <a:p>
+            <a:pPr lvl="1"/>
+            <a:r>
+              <a:rPr lang="en-US" dirty="0" smtClean="0"/>
+              <a:t> ‘a-symbol</a:t>
+            </a:r>
+          </a:p>
+        </p:txBody>
+      </p:sp>
+    </p:spTree>
+    <p:extLst>
+      <p:ext uri="{BB962C8B-B14F-4D97-AF65-F5344CB8AC3E}">
+        <p14:creationId xmlns:p14="http://schemas.microsoft.com/office/powerpoint/2010/main" val="3816522478"/>
+      </p:ext>
+    </p:extLst>
+  </p:cSld>
+  <p:clrMapOvr>
+    <a:masterClrMapping/>
+  </p:clrMapOvr>
+  <p:timing>
+    <p:tnLst>
+      <p:par>
+        <p:cTn id="1" dur="indefinite" restart="never" nodeType="tmRoot">
+          <p:childTnLst>
+            <p:seq concurrent="1" nextAc="seek">
+              <p:cTn id="2" dur="indefinite" nodeType="mainSeq">
+                <p:childTnLst>
+                  <p:par>
+                    <p:cTn id="3" fill="hold">
+                      <p:stCondLst>
+                        <p:cond delay="indefinite"/>
+                      </p:stCondLst>
+                      <p:childTnLst>
+                        <p:par>
+                          <p:cTn id="4" fill="hold">
+                            <p:stCondLst>
+                              <p:cond delay="0"/>
+                            </p:stCondLst>
+                            <p:childTnLst>
+                              <p:par>
+                                <p:cTn id="5" presetID="1" presetClass="entr" presetSubtype="0" fill="hold" grpId="0" nodeType="clickEffect">
+                                  <p:stCondLst>
+                                    <p:cond delay="0"/>
+                                  </p:stCondLst>
+                                  <p:childTnLst>
+                                    <p:set>
+                                      <p:cBhvr>
+                                        <p:cTn id="6" dur="1" fill="hold">
+                                          <p:stCondLst>
+                                            <p:cond delay="0"/>
+                                          </p:stCondLst>
+                                        </p:cTn>
+                                        <p:tgtEl>
+                                          <p:spTgt spid="3">
+                                            <p:txEl>
+                                              <p:pRg st="0" end="0"/>
+                                            </p:txEl>
+                                          </p:spTgt>
+                                        </p:tgtEl>
+                                        <p:attrNameLst>
+                                          <p:attrName>style.visibility</p:attrName>
+                                        </p:attrNameLst>
+                                      </p:cBhvr>
+                                      <p:to>
+                                        <p:strVal val="visible"/>
+                                      </p:to>
+                                    </p:set>
+                                  </p:childTnLst>
+                                </p:cTn>
+                              </p:par>
+                            </p:childTnLst>
+                          </p:cTn>
+                        </p:par>
+                      </p:childTnLst>
+                    </p:cTn>
+                  </p:par>
+                  <p:par>
+                    <p:cTn id="7" fill="hold">
+                      <p:stCondLst>
+                        <p:cond delay="indefinite"/>
+                      </p:stCondLst>
+                      <p:childTnLst>
+                        <p:par>
+                          <p:cTn id="8" fill="hold">
+                            <p:stCondLst>
+                              <p:cond delay="0"/>
+                            </p:stCondLst>
+                            <p:childTnLst>
+                              <p:par>
+                                <p:cTn id="9" presetID="1" presetClass="entr" presetSubtype="0" fill="hold" grpId="0" nodeType="clickEffect">
+                                  <p:stCondLst>
+                                    <p:cond delay="0"/>
+                                  </p:stCondLst>
+                                  <p:childTnLst>
+                                    <p:set>
+                                      <p:cBhvr>
+                                        <p:cTn id="10" dur="1" fill="hold">
+                                          <p:stCondLst>
+                                            <p:cond delay="0"/>
+                                          </p:stCondLst>
+                                        </p:cTn>
+                                        <p:tgtEl>
+                                          <p:spTgt spid="3">
+                                            <p:txEl>
+                                              <p:pRg st="1" end="1"/>
+                                            </p:txEl>
+                                          </p:spTgt>
+                                        </p:tgtEl>
+                                        <p:attrNameLst>
+                                          <p:attrName>style.visibility</p:attrName>
+                                        </p:attrNameLst>
+                                      </p:cBhvr>
+                                      <p:to>
+                                        <p:strVal val="visible"/>
+                                      </p:to>
+                                    </p:set>
+                                  </p:childTnLst>
+                                </p:cTn>
+                              </p:par>
+                            </p:childTnLst>
+                          </p:cTn>
+                        </p:par>
+                      </p:childTnLst>
+                    </p:cTn>
+                  </p:par>
+                  <p:par>
+                    <p:cTn id="11" fill="hold">
+                      <p:stCondLst>
+                        <p:cond delay="indefinite"/>
+                      </p:stCondLst>
+                      <p:childTnLst>
+                        <p:par>
+                          <p:cTn id="12" fill="hold">
+                            <p:stCondLst>
+                              <p:cond delay="0"/>
+                            </p:stCondLst>
+                            <p:childTnLst>
+                              <p:par>
+                                <p:cTn id="13" presetID="1" presetClass="entr" presetSubtype="0" fill="hold" grpId="0" nodeType="clickEffect">
+                                  <p:stCondLst>
+                                    <p:cond delay="0"/>
+                                  </p:stCondLst>
+                                  <p:childTnLst>
+                                    <p:set>
+                                      <p:cBhvr>
+                                        <p:cTn id="14" dur="1" fill="hold">
+                                          <p:stCondLst>
+                                            <p:cond delay="0"/>
+                                          </p:stCondLst>
+                                        </p:cTn>
+                                        <p:tgtEl>
+                                          <p:spTgt spid="3">
+                                            <p:txEl>
+                                              <p:pRg st="2" end="2"/>
+                                            </p:txEl>
+                                          </p:spTgt>
+                                        </p:tgtEl>
+                                        <p:attrNameLst>
+                                          <p:attrName>style.visibility</p:attrName>
+                                        </p:attrNameLst>
+                                      </p:cBhvr>
+                                      <p:to>
+                                        <p:strVal val="visible"/>
+                                      </p:to>
+                                    </p:set>
+                                  </p:childTnLst>
+                                </p:cTn>
+                              </p:par>
+                            </p:childTnLst>
+                          </p:cTn>
+                        </p:par>
+                      </p:childTnLst>
+                    </p:cTn>
+                  </p:par>
+                  <p:par>
+                    <p:cTn id="15" fill="hold">
+                      <p:stCondLst>
+                        <p:cond delay="indefinite"/>
+                      </p:stCondLst>
+                      <p:childTnLst>
+                        <p:par>
+                          <p:cTn id="16" fill="hold">
+                            <p:stCondLst>
+                              <p:cond delay="0"/>
+                            </p:stCondLst>
+                            <p:childTnLst>
+                              <p:par>
+                                <p:cTn id="17" presetID="1" presetClass="entr" presetSubtype="0" fill="hold" grpId="0" nodeType="clickEffect">
+                                  <p:stCondLst>
+                                    <p:cond delay="0"/>
+                                  </p:stCondLst>
+                                  <p:childTnLst>
+                                    <p:set>
+                                      <p:cBhvr>
+                                        <p:cTn id="18" dur="1" fill="hold">
+                                          <p:stCondLst>
+                                            <p:cond delay="0"/>
+                                          </p:stCondLst>
+                                        </p:cTn>
+                                        <p:tgtEl>
+                                          <p:spTgt spid="3">
+                                            <p:txEl>
+                                              <p:pRg st="3" end="3"/>
+                                            </p:txEl>
+                                          </p:spTgt>
+                                        </p:tgtEl>
+                                        <p:attrNameLst>
+                                          <p:attrName>style.visibility</p:attrName>
+                                        </p:attrNameLst>
+                                      </p:cBhvr>
+                                      <p:to>
+                                        <p:strVal val="visible"/>
+                                      </p:to>
+                                    </p:set>
+                                  </p:childTnLst>
+                                </p:cTn>
+                              </p:par>
+                            </p:childTnLst>
+                          </p:cTn>
+                        </p:par>
+                      </p:childTnLst>
+                    </p:cTn>
+                  </p:par>
+                  <p:par>
+                    <p:cTn id="19" fill="hold">
+                      <p:stCondLst>
+                        <p:cond delay="indefinite"/>
+                      </p:stCondLst>
+                      <p:childTnLst>
+                        <p:par>
+                          <p:cTn id="20" fill="hold">
+                            <p:stCondLst>
+                              <p:cond delay="0"/>
+                            </p:stCondLst>
+                            <p:childTnLst>
+                              <p:par>
+                                <p:cTn id="21" presetID="1" presetClass="entr" presetSubtype="0" fill="hold" grpId="0" nodeType="clickEffect">
+                                  <p:stCondLst>
+                                    <p:cond delay="0"/>
+                                  </p:stCondLst>
+                                  <p:childTnLst>
+                                    <p:set>
+                                      <p:cBhvr>
+                                        <p:cTn id="22" dur="1" fill="hold">
+                                          <p:stCondLst>
+                                            <p:cond delay="0"/>
+                                          </p:stCondLst>
+                                        </p:cTn>
+                                        <p:tgtEl>
+                                          <p:spTgt spid="3">
+                                            <p:txEl>
+                                              <p:pRg st="4" end="4"/>
+                                            </p:txEl>
+                                          </p:spTgt>
+                                        </p:tgtEl>
+                                        <p:attrNameLst>
+                                          <p:attrName>style.visibility</p:attrName>
+                                        </p:attrNameLst>
+                                      </p:cBhvr>
+                                      <p:to>
+                                        <p:strVal val="visible"/>
+                                      </p:to>
+                                    </p:set>
+                                  </p:childTnLst>
+                                </p:cTn>
+                              </p:par>
+                              <p:par>
+                                <p:cTn id="23" presetID="1" presetClass="entr" presetSubtype="0" fill="hold" grpId="0" nodeType="withEffect">
+                                  <p:stCondLst>
+                                    <p:cond delay="0"/>
+                                  </p:stCondLst>
+                                  <p:childTnLst>
+                                    <p:set>
+                                      <p:cBhvr>
+                                        <p:cTn id="24" dur="1" fill="hold">
+                                          <p:stCondLst>
+                                            <p:cond delay="0"/>
+                                          </p:stCondLst>
+                                        </p:cTn>
+                                        <p:tgtEl>
+                                          <p:spTgt spid="3">
+                                            <p:txEl>
+                                              <p:pRg st="5" end="5"/>
+                                            </p:txEl>
+                                          </p:spTgt>
+                                        </p:tgtEl>
+                                        <p:attrNameLst>
+                                          <p:attrName>style.visibility</p:attrName>
+                                        </p:attrNameLst>
+                                      </p:cBhvr>
+                                      <p:to>
+                                        <p:strVal val="visible"/>
+                                      </p:to>
+                                    </p:set>
+                                  </p:childTnLst>
+                                </p:cTn>
+                              </p:par>
+                              <p:par>
+                                <p:cTn id="25" presetID="1" presetClass="entr" presetSubtype="0" fill="hold" grpId="0" nodeType="withEffect">
+                                  <p:stCondLst>
+                                    <p:cond delay="0"/>
+                                  </p:stCondLst>
+                                  <p:childTnLst>
+                                    <p:set>
+                                      <p:cBhvr>
+                                        <p:cTn id="26" dur="1" fill="hold">
+                                          <p:stCondLst>
+                                            <p:cond delay="0"/>
+                                          </p:stCondLst>
+                                        </p:cTn>
+                                        <p:tgtEl>
+                                          <p:spTgt spid="3">
+                                            <p:txEl>
+                                              <p:pRg st="6" end="6"/>
+                                            </p:txEl>
+                                          </p:spTgt>
+                                        </p:tgtEl>
+                                        <p:attrNameLst>
+                                          <p:attrName>style.visibility</p:attrName>
+                                        </p:attrNameLst>
+                                      </p:cBhvr>
+                                      <p:to>
+                                        <p:strVal val="visible"/>
+                                      </p:to>
+                                    </p:set>
+                                  </p:childTnLst>
+                                </p:cTn>
+                              </p:par>
+                              <p:par>
+                                <p:cTn id="27" presetID="1" presetClass="entr" presetSubtype="0" fill="hold" grpId="0" nodeType="withEffect">
+                                  <p:stCondLst>
+                                    <p:cond delay="0"/>
+                                  </p:stCondLst>
+                                  <p:childTnLst>
+                                    <p:set>
+                                      <p:cBhvr>
+                                        <p:cTn id="28" dur="1" fill="hold">
+                                          <p:stCondLst>
+                                            <p:cond delay="0"/>
+                                          </p:stCondLst>
+                                        </p:cTn>
+                                        <p:tgtEl>
+                                          <p:spTgt spid="3">
+                                            <p:txEl>
+                                              <p:pRg st="7" end="7"/>
+                                            </p:txEl>
+                                          </p:spTgt>
+                                        </p:tgtEl>
+                                        <p:attrNameLst>
+                                          <p:attrName>style.visibility</p:attrName>
+                                        </p:attrNameLst>
+                                      </p:cBhvr>
+                                      <p:to>
+                                        <p:strVal val="visible"/>
+                                      </p:to>
+                                    </p:set>
+                                  </p:childTnLst>
+                                </p:cTn>
+                              </p:par>
+                              <p:par>
+                                <p:cTn id="29" presetID="1" presetClass="entr" presetSubtype="0" fill="hold" grpId="0" nodeType="withEffect">
+                                  <p:stCondLst>
+                                    <p:cond delay="0"/>
+                                  </p:stCondLst>
+                                  <p:childTnLst>
+                                    <p:set>
+                                      <p:cBhvr>
+                                        <p:cTn id="30" dur="1" fill="hold">
+                                          <p:stCondLst>
+                                            <p:cond delay="0"/>
+                                          </p:stCondLst>
+                                        </p:cTn>
+                                        <p:tgtEl>
+                                          <p:spTgt spid="3">
+                                            <p:txEl>
+                                              <p:pRg st="8" end="8"/>
+                                            </p:txEl>
+                                          </p:spTgt>
+                                        </p:tgtEl>
+                                        <p:attrNameLst>
+                                          <p:attrName>style.visibility</p:attrName>
+                                        </p:attrNameLst>
+                                      </p:cBhvr>
+                                      <p:to>
+                                        <p:strVal val="visible"/>
+                                      </p:to>
+                                    </p:set>
+                                  </p:childTnLst>
+                                </p:cTn>
+                              </p:par>
+                            </p:childTnLst>
+                          </p:cTn>
+                        </p:par>
+                      </p:childTnLst>
+                    </p:cTn>
+                  </p:par>
+                </p:childTnLst>
+              </p:cTn>
+              <p:prevCondLst>
+                <p:cond evt="onPrev" delay="0">
+                  <p:tgtEl>
+                    <p:sldTgt/>
+                  </p:tgtEl>
+                </p:cond>
+              </p:prevCondLst>
+              <p:nextCondLst>
+                <p:cond evt="onNext" delay="0">
+                  <p:tgtEl>
+                    <p:sldTgt/>
+                  </p:tgtEl>
+                </p:cond>
+              </p:nextCondLst>
+            </p:seq>
+          </p:childTnLst>
+        </p:cTn>
+      </p:par>
+    </p:tnLst>
+    <p:bldLst>
+      <p:bldP spid="3" grpId="0" build="p"/>
+    </p:bldLst>
+  </p:timing>
+</p:sld>
+</file>
+
+<file path=ppt/slides/slide2.xml><?xml version="1.0" encoding="utf-8"?>
+<p:sld xmlns:a="http://schemas.openxmlformats.org/drawingml/2006/main" xmlns:r="http://schemas.openxmlformats.org/officeDocument/2006/relationships" xmlns:p="http://schemas.openxmlformats.org/presentationml/2006/main">
+  <p:cSld>
+    <p:spTree>
+      <p:nvGrpSpPr>
+        <p:cNvPr id="1" name=""/>
+        <p:cNvGrpSpPr/>
+        <p:nvPr/>
+      </p:nvGrpSpPr>
+      <p:grpSpPr>
+        <a:xfrm>
+          <a:off x="0" y="0"/>
+          <a:ext cx="0" cy="0"/>
+          <a:chOff x="0" y="0"/>
+          <a:chExt cx="0" cy="0"/>
+        </a:xfrm>
+      </p:grpSpPr>
+      <p:sp>
+        <p:nvSpPr>
+          <p:cNvPr id="2" name="Title 1"/>
+          <p:cNvSpPr>
+            <a:spLocks noGrp="1"/>
+          </p:cNvSpPr>
+          <p:nvPr>
+            <p:ph type="title"/>
+          </p:nvPr>
+        </p:nvSpPr>
+        <p:spPr/>
+        <p:txBody>
+          <a:bodyPr/>
+          <a:lstStyle/>
+          <a:p>
+            <a:r>
+              <a:rPr lang="en-US" dirty="0" smtClean="0"/>
+              <a:t>Object Oriented Code has problems</a:t>
+            </a:r>
+            <a:endParaRPr lang="en-US" dirty="0"/>
+          </a:p>
+        </p:txBody>
+      </p:sp>
+      <p:sp>
+        <p:nvSpPr>
+          <p:cNvPr id="3" name="Content Placeholder 2"/>
+          <p:cNvSpPr>
+            <a:spLocks noGrp="1"/>
+          </p:cNvSpPr>
+          <p:nvPr>
+            <p:ph idx="1"/>
+          </p:nvPr>
+        </p:nvSpPr>
+        <p:spPr/>
+        <p:txBody>
+          <a:bodyPr/>
+          <a:lstStyle/>
+          <a:p>
+            <a:r>
+              <a:rPr lang="en-US" dirty="0"/>
+              <a:t>“With OOP-inflected programming languages, computer software becomes more verbose, less readable, less descriptive, and harder to modify and maintain</a:t>
+            </a:r>
+            <a:r>
+              <a:rPr lang="en-US" dirty="0" smtClean="0"/>
+              <a:t>.” – Richard Mansfield</a:t>
+            </a:r>
+          </a:p>
+          <a:p>
+            <a:endParaRPr lang="en-US" dirty="0" smtClean="0"/>
+          </a:p>
+          <a:p>
+            <a:r>
+              <a:rPr lang="en-US" dirty="0"/>
+              <a:t>“OOP is about taming complexity through modeling, but we have not mastered this yet, possibly because we have difficulty distinguishing real and accidental complexity</a:t>
+            </a:r>
+            <a:r>
+              <a:rPr lang="en-US" dirty="0" smtClean="0"/>
+              <a:t>.” – Oscar </a:t>
+            </a:r>
+            <a:r>
+              <a:rPr lang="en-US" dirty="0" err="1" smtClean="0"/>
+              <a:t>Nierstraz</a:t>
+            </a:r>
+            <a:endParaRPr lang="en-US" dirty="0"/>
+          </a:p>
+        </p:txBody>
+      </p:sp>
+    </p:spTree>
+    <p:extLst>
+      <p:ext uri="{BB962C8B-B14F-4D97-AF65-F5344CB8AC3E}">
+        <p14:creationId xmlns:p14="http://schemas.microsoft.com/office/powerpoint/2010/main" val="3286954311"/>
+      </p:ext>
+    </p:extLst>
+  </p:cSld>
+  <p:clrMapOvr>
+    <a:masterClrMapping/>
+  </p:clrMapOvr>
+  <p:timing>
+    <p:tnLst>
+      <p:par>
+        <p:cTn id="1" dur="indefinite" restart="never" nodeType="tmRoot"/>
+      </p:par>
+    </p:tnLst>
+  </p:timing>
+</p:sld>
+</file>
+
+<file path=ppt/slides/slide20.xml><?xml version="1.0" encoding="utf-8"?>
+<p:sld xmlns:a="http://schemas.openxmlformats.org/drawingml/2006/main" xmlns:r="http://schemas.openxmlformats.org/officeDocument/2006/relationships" xmlns:p="http://schemas.openxmlformats.org/presentationml/2006/main">
+  <p:cSld>
+    <p:spTree>
+      <p:nvGrpSpPr>
+        <p:cNvPr id="1" name=""/>
+        <p:cNvGrpSpPr/>
+        <p:nvPr/>
+      </p:nvGrpSpPr>
+      <p:grpSpPr>
+        <a:xfrm>
+          <a:off x="0" y="0"/>
+          <a:ext cx="0" cy="0"/>
+          <a:chOff x="0" y="0"/>
+          <a:chExt cx="0" cy="0"/>
+        </a:xfrm>
+      </p:grpSpPr>
+      <p:sp>
+        <p:nvSpPr>
+          <p:cNvPr id="2" name="Title 1"/>
+          <p:cNvSpPr>
+            <a:spLocks noGrp="1"/>
+          </p:cNvSpPr>
+          <p:nvPr>
+            <p:ph type="title"/>
+          </p:nvPr>
+        </p:nvSpPr>
+        <p:spPr/>
+        <p:txBody>
+          <a:bodyPr/>
+          <a:lstStyle/>
+          <a:p>
+            <a:r>
+              <a:rPr lang="en-US" dirty="0" smtClean="0"/>
+              <a:t>Lisp Functions</a:t>
+            </a:r>
+            <a:endParaRPr lang="en-US" dirty="0"/>
+          </a:p>
+        </p:txBody>
+      </p:sp>
+      <p:sp>
+        <p:nvSpPr>
+          <p:cNvPr id="3" name="Content Placeholder 2"/>
+          <p:cNvSpPr>
+            <a:spLocks noGrp="1"/>
+          </p:cNvSpPr>
+          <p:nvPr>
+            <p:ph idx="1"/>
+          </p:nvPr>
+        </p:nvSpPr>
+        <p:spPr/>
+        <p:txBody>
+          <a:bodyPr/>
+          <a:lstStyle/>
+          <a:p>
+            <a:r>
+              <a:rPr lang="en-US" dirty="0" smtClean="0"/>
+              <a:t>Functions are also created with the (define) function:</a:t>
+            </a:r>
+          </a:p>
+          <a:p>
+            <a:pPr lvl="1"/>
+            <a:r>
+              <a:rPr lang="en-US" dirty="0" smtClean="0"/>
+              <a:t>(define (function-name arg1… </a:t>
+            </a:r>
+            <a:r>
+              <a:rPr lang="en-US" dirty="0" err="1" smtClean="0"/>
+              <a:t>argN</a:t>
+            </a:r>
+            <a:r>
+              <a:rPr lang="en-US" dirty="0" smtClean="0"/>
+              <a:t>)</a:t>
+            </a:r>
+            <a:r>
+              <a:rPr lang="en-US" dirty="0"/>
+              <a:t/>
+            </a:r>
+            <a:br>
+              <a:rPr lang="en-US" dirty="0"/>
+            </a:br>
+            <a:r>
+              <a:rPr lang="en-US" dirty="0" smtClean="0"/>
+              <a:t>  ;function statements</a:t>
+            </a:r>
+            <a:br>
+              <a:rPr lang="en-US" dirty="0" smtClean="0"/>
+            </a:br>
+            <a:r>
+              <a:rPr lang="en-US" dirty="0" smtClean="0"/>
+              <a:t>  ;last value is the return value of the function)</a:t>
+            </a:r>
+          </a:p>
+          <a:p>
+            <a:r>
+              <a:rPr lang="en-US" dirty="0" smtClean="0"/>
+              <a:t>Functions are invoked with parenthesis:</a:t>
+            </a:r>
+          </a:p>
+          <a:p>
+            <a:pPr lvl="1"/>
+            <a:r>
+              <a:rPr lang="en-US" dirty="0" smtClean="0"/>
+              <a:t>(+ 1 2 3) ;the ‘+’ function returns 6 here</a:t>
+            </a:r>
+          </a:p>
+          <a:p>
+            <a:pPr lvl="1"/>
+            <a:r>
+              <a:rPr lang="en-US" dirty="0" smtClean="0"/>
+              <a:t>(</a:t>
+            </a:r>
+            <a:r>
+              <a:rPr lang="en-US" dirty="0" err="1" smtClean="0"/>
+              <a:t>printf</a:t>
+            </a:r>
+            <a:r>
+              <a:rPr lang="en-US" dirty="0" smtClean="0"/>
+              <a:t> “Hello World!\n”) ;the ‘</a:t>
+            </a:r>
+            <a:r>
+              <a:rPr lang="en-US" dirty="0" err="1" smtClean="0"/>
+              <a:t>printf</a:t>
+            </a:r>
+            <a:r>
+              <a:rPr lang="en-US" dirty="0" smtClean="0"/>
+              <a:t>’ function prints “Hello World!” to the terminal</a:t>
+            </a:r>
+          </a:p>
+        </p:txBody>
+      </p:sp>
+    </p:spTree>
+    <p:extLst>
+      <p:ext uri="{BB962C8B-B14F-4D97-AF65-F5344CB8AC3E}">
+        <p14:creationId xmlns:p14="http://schemas.microsoft.com/office/powerpoint/2010/main" val="3351326796"/>
       </p:ext>
     </p:extLst>
   </p:cSld>
@@ -12910,13 +15521,13 @@
       </p:par>
     </p:tnLst>
     <p:bldLst>
-      <p:bldP spid="3" grpId="0" uiExpand="1" build="p"/>
+      <p:bldP spid="3" grpId="0" build="p"/>
     </p:bldLst>
   </p:timing>
 </p:sld>
 </file>
 
-<file path=ppt/slides/slide11.xml><?xml version="1.0" encoding="utf-8"?>
+<file path=ppt/slides/slide21.xml><?xml version="1.0" encoding="utf-8"?>
 <p:sld xmlns:a="http://schemas.openxmlformats.org/drawingml/2006/main" xmlns:r="http://schemas.openxmlformats.org/officeDocument/2006/relationships" xmlns:p="http://schemas.openxmlformats.org/presentationml/2006/main">
   <p:cSld>
     <p:spTree>
@@ -13048,11 +15659,7 @@
             </a:r>
             <a:r>
               <a:rPr lang="en-US" dirty="0" smtClean="0"/>
-              <a:t>-equals-true</a:t>
-            </a:r>
-            <a:r>
-              <a:rPr lang="en-US" dirty="0" smtClean="0"/>
-              <a:t>)</a:t>
+              <a:t>-equals-true)</a:t>
             </a:r>
           </a:p>
           <a:p>
@@ -13064,7 +15671,7 @@
     </p:spTree>
     <p:extLst>
       <p:ext uri="{BB962C8B-B14F-4D97-AF65-F5344CB8AC3E}">
-        <p14:creationId xmlns:p14="http://schemas.microsoft.com/office/powerpoint/2010/main" val="1028559902"/>
+        <p14:creationId xmlns:p14="http://schemas.microsoft.com/office/powerpoint/2010/main" val="2951718091"/>
       </p:ext>
     </p:extLst>
   </p:cSld>
@@ -13248,13 +15855,13 @@
       </p:par>
     </p:tnLst>
     <p:bldLst>
-      <p:bldP spid="3" grpId="0" uiExpand="1" build="p"/>
+      <p:bldP spid="3" grpId="0" build="p"/>
     </p:bldLst>
   </p:timing>
 </p:sld>
 </file>
 
-<file path=ppt/slides/slide12.xml><?xml version="1.0" encoding="utf-8"?>
+<file path=ppt/slides/slide22.xml><?xml version="1.0" encoding="utf-8"?>
 <p:sld xmlns:a="http://schemas.openxmlformats.org/drawingml/2006/main" xmlns:r="http://schemas.openxmlformats.org/officeDocument/2006/relationships" xmlns:p="http://schemas.openxmlformats.org/presentationml/2006/main">
   <p:cSld>
     <p:spTree>
@@ -13360,7 +15967,7 @@
     </p:spTree>
     <p:extLst>
       <p:ext uri="{BB962C8B-B14F-4D97-AF65-F5344CB8AC3E}">
-        <p14:creationId xmlns:p14="http://schemas.microsoft.com/office/powerpoint/2010/main" val="3473300887"/>
+        <p14:creationId xmlns:p14="http://schemas.microsoft.com/office/powerpoint/2010/main" val="249308708"/>
       </p:ext>
     </p:extLst>
   </p:cSld>
@@ -13612,7 +16219,7 @@
 </p:sld>
 </file>
 
-<file path=ppt/slides/slide13.xml><?xml version="1.0" encoding="utf-8"?>
+<file path=ppt/slides/slide23.xml><?xml version="1.0" encoding="utf-8"?>
 <p:sld xmlns:a="http://schemas.openxmlformats.org/drawingml/2006/main" xmlns:r="http://schemas.openxmlformats.org/officeDocument/2006/relationships" xmlns:p="http://schemas.openxmlformats.org/presentationml/2006/main">
   <p:cSld>
     <p:spTree>
@@ -13639,7 +16246,12 @@
             <p:ph type="title"/>
           </p:nvPr>
         </p:nvSpPr>
-        <p:spPr/>
+        <p:spPr>
+          <a:xfrm>
+            <a:off x="1237816" y="-158728"/>
+            <a:ext cx="9905998" cy="1478570"/>
+          </a:xfrm>
+        </p:spPr>
         <p:txBody>
           <a:bodyPr/>
           <a:lstStyle/>
@@ -13662,63 +16274,54 @@
             <p:ph idx="1"/>
           </p:nvPr>
         </p:nvSpPr>
-        <p:spPr/>
+        <p:spPr>
+          <a:xfrm>
+            <a:off x="1141412" y="1026543"/>
+            <a:ext cx="10098807" cy="5736566"/>
+          </a:xfrm>
+        </p:spPr>
         <p:txBody>
-          <a:bodyPr/>
+          <a:bodyPr>
+            <a:normAutofit fontScale="92500" lnSpcReduction="20000"/>
+          </a:bodyPr>
           <a:lstStyle/>
           <a:p>
             <a:r>
               <a:rPr lang="en-US" dirty="0" smtClean="0"/>
-              <a:t>An </a:t>
+              <a:t>Example i</a:t>
             </a:r>
             <a:r>
               <a:rPr lang="en-US" dirty="0" smtClean="0"/>
-              <a:t>example:</a:t>
+              <a:t>n C++:</a:t>
             </a:r>
           </a:p>
           <a:p>
             <a:pPr lvl="1"/>
             <a:r>
               <a:rPr lang="en-US" dirty="0" smtClean="0"/>
-              <a:t>(define (</a:t>
+              <a:t>void </a:t>
+            </a:r>
+            <a:r>
+              <a:rPr lang="en-US" dirty="0" err="1" smtClean="0"/>
+              <a:t>my_func</a:t>
             </a:r>
             <a:r>
               <a:rPr lang="en-US" dirty="0" smtClean="0"/>
-              <a:t>my-</a:t>
-            </a:r>
-            <a:r>
-              <a:rPr lang="en-US" dirty="0" err="1" smtClean="0"/>
-              <a:t>func</a:t>
-            </a:r>
-            <a:r>
-              <a:rPr lang="en-US" dirty="0" smtClean="0"/>
-              <a:t> a b</a:t>
-            </a:r>
-            <a:r>
-              <a:rPr lang="en-US" dirty="0" smtClean="0"/>
-              <a:t>)</a:t>
+              <a:t>(bool a, char* b, char* c) {</a:t>
             </a:r>
             <a:br>
               <a:rPr lang="en-US" dirty="0" smtClean="0"/>
             </a:br>
             <a:r>
               <a:rPr lang="en-US" dirty="0" smtClean="0"/>
-              <a:t>  (if </a:t>
-            </a:r>
-            <a:r>
-              <a:rPr lang="en-US" dirty="0" smtClean="0"/>
-              <a:t>a</a:t>
-            </a:r>
-            <a:r>
-              <a:rPr lang="en-US" dirty="0" smtClean="0"/>
-              <a:t/>
+              <a:t>    if(a) {</a:t>
             </a:r>
             <a:br>
               <a:rPr lang="en-US" dirty="0" smtClean="0"/>
             </a:br>
             <a:r>
               <a:rPr lang="en-US" dirty="0" smtClean="0"/>
-              <a:t>    (</a:t>
+              <a:t>        </a:t>
             </a:r>
             <a:r>
               <a:rPr lang="en-US" dirty="0" err="1" smtClean="0"/>
@@ -13726,30 +16329,21 @@
             </a:r>
             <a:r>
               <a:rPr lang="en-US" dirty="0" smtClean="0"/>
-              <a:t> “Printing </a:t>
-            </a:r>
-            <a:r>
-              <a:rPr lang="en-US" dirty="0" smtClean="0"/>
-              <a:t>a</a:t>
-            </a:r>
-            <a:r>
-              <a:rPr lang="en-US" dirty="0" smtClean="0"/>
-              <a:t>: ~a\n” </a:t>
-            </a:r>
-            <a:r>
-              <a:rPr lang="en-US" dirty="0" smtClean="0"/>
-              <a:t>a</a:t>
-            </a:r>
-            <a:r>
-              <a:rPr lang="en-US" dirty="0" smtClean="0"/>
-              <a:t>)</a:t>
+              <a:t>(“%s\n”, b);</a:t>
             </a:r>
             <a:br>
               <a:rPr lang="en-US" dirty="0" smtClean="0"/>
             </a:br>
             <a:r>
               <a:rPr lang="en-US" dirty="0" smtClean="0"/>
-              <a:t>    (</a:t>
+              <a:t>    } else {</a:t>
+            </a:r>
+            <a:br>
+              <a:rPr lang="en-US" dirty="0" smtClean="0"/>
+            </a:br>
+            <a:r>
+              <a:rPr lang="en-US" dirty="0" smtClean="0"/>
+              <a:t>        </a:t>
             </a:r>
             <a:r>
               <a:rPr lang="en-US" dirty="0" err="1" smtClean="0"/>
@@ -13757,19 +16351,134 @@
             </a:r>
             <a:r>
               <a:rPr lang="en-US" dirty="0" smtClean="0"/>
-              <a:t> “Printing </a:t>
-            </a:r>
-            <a:r>
+              <a:t>(“%s\n”, c);</a:t>
+            </a:r>
+            <a:br>
               <a:rPr lang="en-US" dirty="0" smtClean="0"/>
+            </a:br>
+            <a:r>
+              <a:rPr lang="en-US" dirty="0" smtClean="0"/>
+              <a:t>    }</a:t>
+            </a:r>
+            <a:br>
+              <a:rPr lang="en-US" dirty="0" smtClean="0"/>
+            </a:br>
+            <a:r>
+              <a:rPr lang="en-US" dirty="0" smtClean="0"/>
+              <a:t>}</a:t>
+            </a:r>
+          </a:p>
+          <a:p>
+            <a:pPr lvl="1"/>
+            <a:r>
+              <a:rPr lang="en-US" dirty="0" err="1" smtClean="0"/>
+              <a:t>my_func</a:t>
+            </a:r>
+            <a:r>
+              <a:rPr lang="en-US" dirty="0" smtClean="0"/>
+              <a:t>(true, “a was true!”, “a was false!”); //prints “a was true!”</a:t>
+            </a:r>
+          </a:p>
+          <a:p>
+            <a:pPr lvl="1"/>
+            <a:r>
+              <a:rPr lang="en-US" dirty="0" err="1" smtClean="0"/>
+              <a:t>my_func</a:t>
+            </a:r>
+            <a:r>
+              <a:rPr lang="en-US" dirty="0" smtClean="0"/>
+              <a:t>(false, “example text!”, “foo text!”); //prints “foo text!”</a:t>
+            </a:r>
+          </a:p>
+          <a:p>
+            <a:r>
+              <a:rPr lang="en-US" dirty="0" smtClean="0"/>
+              <a:t>E</a:t>
+            </a:r>
+            <a:r>
+              <a:rPr lang="en-US" dirty="0" smtClean="0"/>
+              <a:t>xample in Racket Lisp:</a:t>
+            </a:r>
+            <a:endParaRPr lang="en-US" dirty="0" smtClean="0"/>
+          </a:p>
+          <a:p>
+            <a:pPr lvl="1"/>
+            <a:r>
+              <a:rPr lang="en-US" dirty="0" smtClean="0"/>
+              <a:t>(define (my-</a:t>
+            </a:r>
+            <a:r>
+              <a:rPr lang="en-US" dirty="0" err="1" smtClean="0"/>
+              <a:t>func</a:t>
+            </a:r>
+            <a:r>
+              <a:rPr lang="en-US" dirty="0" smtClean="0"/>
+              <a:t> a b c)</a:t>
+            </a:r>
+            <a:br>
+              <a:rPr lang="en-US" dirty="0" smtClean="0"/>
+            </a:br>
+            <a:r>
+              <a:rPr lang="en-US" dirty="0" smtClean="0"/>
+              <a:t>  (if a</a:t>
+            </a:r>
+            <a:br>
+              <a:rPr lang="en-US" dirty="0" smtClean="0"/>
+            </a:br>
+            <a:r>
+              <a:rPr lang="en-US" dirty="0" smtClean="0"/>
+              <a:t>    (</a:t>
+            </a:r>
+            <a:r>
+              <a:rPr lang="en-US" dirty="0" err="1" smtClean="0"/>
+              <a:t>printf</a:t>
+            </a:r>
+            <a:r>
+              <a:rPr lang="en-US" dirty="0" smtClean="0"/>
+              <a:t> </a:t>
+            </a:r>
+            <a:r>
+              <a:rPr lang="en-US" dirty="0" smtClean="0"/>
+              <a:t>“~a\n</a:t>
+            </a:r>
+            <a:r>
+              <a:rPr lang="en-US" dirty="0" smtClean="0"/>
+              <a:t>” </a:t>
+            </a:r>
+            <a:r>
+              <a:rPr lang="en-US" dirty="0"/>
               <a:t>b</a:t>
             </a:r>
             <a:r>
               <a:rPr lang="en-US" dirty="0" smtClean="0"/>
-              <a:t>: ~a\n” </a:t>
-            </a:r>
-            <a:r>
+              <a:t>)</a:t>
+            </a:r>
+            <a:br>
               <a:rPr lang="en-US" dirty="0" smtClean="0"/>
-              <a:t>b</a:t>
+            </a:br>
+            <a:r>
+              <a:rPr lang="en-US" dirty="0" smtClean="0"/>
+              <a:t>    (</a:t>
+            </a:r>
+            <a:r>
+              <a:rPr lang="en-US" dirty="0" err="1" smtClean="0"/>
+              <a:t>printf</a:t>
+            </a:r>
+            <a:r>
+              <a:rPr lang="en-US" dirty="0" smtClean="0"/>
+              <a:t> </a:t>
+            </a:r>
+            <a:r>
+              <a:rPr lang="en-US" dirty="0" smtClean="0"/>
+              <a:t>“~</a:t>
+            </a:r>
+            <a:r>
+              <a:rPr lang="en-US" dirty="0" smtClean="0"/>
+              <a:t>a\n” </a:t>
+            </a:r>
+            <a:r>
+              <a:rPr lang="en-US" dirty="0"/>
+              <a:t>c</a:t>
             </a:r>
             <a:r>
               <a:rPr lang="en-US" dirty="0" smtClean="0"/>
@@ -13780,11 +16489,7 @@
             <a:pPr lvl="1"/>
             <a:r>
               <a:rPr lang="en-US" dirty="0" smtClean="0"/>
-              <a:t>(</a:t>
-            </a:r>
-            <a:r>
-              <a:rPr lang="en-US" dirty="0" smtClean="0"/>
-              <a:t>my-</a:t>
+              <a:t>(my-</a:t>
             </a:r>
             <a:r>
               <a:rPr lang="en-US" dirty="0" err="1" smtClean="0"/>
@@ -13792,38 +16497,22 @@
             </a:r>
             <a:r>
               <a:rPr lang="en-US" dirty="0" smtClean="0"/>
-              <a:t> </a:t>
+              <a:t> #t “a was True!” “a was False!”) </a:t>
             </a:r>
             <a:r>
               <a:rPr lang="en-US" dirty="0" smtClean="0"/>
-              <a:t>#t </a:t>
+              <a:t>;prints </a:t>
             </a:r>
             <a:r>
               <a:rPr lang="en-US" dirty="0" smtClean="0"/>
-              <a:t>“a </a:t>
-            </a:r>
+              <a:t>“a was True!”</a:t>
+            </a:r>
+          </a:p>
+          <a:p>
+            <a:pPr lvl="1"/>
             <a:r>
               <a:rPr lang="en-US" dirty="0" smtClean="0"/>
-              <a:t>was True!”) ; prints </a:t>
-            </a:r>
-            <a:r>
-              <a:rPr lang="en-US" dirty="0" smtClean="0"/>
-              <a:t>“a </a:t>
-            </a:r>
-            <a:r>
-              <a:rPr lang="en-US" dirty="0" smtClean="0"/>
-              <a:t>was True!”</a:t>
-            </a:r>
-          </a:p>
-          <a:p>
-            <a:pPr lvl="1"/>
-            <a:r>
-              <a:rPr lang="en-US" dirty="0" smtClean="0"/>
-              <a:t>(</a:t>
-            </a:r>
-            <a:r>
-              <a:rPr lang="en-US" dirty="0" smtClean="0"/>
-              <a:t>my-</a:t>
+              <a:t>(my-</a:t>
             </a:r>
             <a:r>
               <a:rPr lang="en-US" dirty="0" err="1" smtClean="0"/>
@@ -13831,19 +16520,15 @@
             </a:r>
             <a:r>
               <a:rPr lang="en-US" dirty="0" smtClean="0"/>
-              <a:t> </a:t>
+              <a:t> #f “example text!” “foo text!”) </a:t>
             </a:r>
             <a:r>
               <a:rPr lang="en-US" dirty="0" smtClean="0"/>
-              <a:t>#f “foo text!”) ; prints </a:t>
+              <a:t>;prints </a:t>
             </a:r>
             <a:r>
               <a:rPr lang="en-US" dirty="0" smtClean="0"/>
-              <a:t>“foo </a:t>
-            </a:r>
-            <a:r>
-              <a:rPr lang="en-US" dirty="0" smtClean="0"/>
-              <a:t>text!”</a:t>
+              <a:t>“foo text!”</a:t>
             </a:r>
           </a:p>
         </p:txBody>
@@ -13851,7 +16536,7 @@
     </p:spTree>
     <p:extLst>
       <p:ext uri="{BB962C8B-B14F-4D97-AF65-F5344CB8AC3E}">
-        <p14:creationId xmlns:p14="http://schemas.microsoft.com/office/powerpoint/2010/main" val="2876036250"/>
+        <p14:creationId xmlns:p14="http://schemas.microsoft.com/office/powerpoint/2010/main" val="732862705"/>
       </p:ext>
     </p:extLst>
   </p:cSld>
@@ -14062,271 +16747,35 @@
                       </p:childTnLst>
                     </p:cTn>
                   </p:par>
-                </p:childTnLst>
-              </p:cTn>
-              <p:prevCondLst>
-                <p:cond evt="onPrev" delay="0">
-                  <p:tgtEl>
-                    <p:sldTgt/>
-                  </p:tgtEl>
-                </p:cond>
-              </p:prevCondLst>
-              <p:nextCondLst>
-                <p:cond evt="onNext" delay="0">
-                  <p:tgtEl>
-                    <p:sldTgt/>
-                  </p:tgtEl>
-                </p:cond>
-              </p:nextCondLst>
-            </p:seq>
-          </p:childTnLst>
-        </p:cTn>
-      </p:par>
-    </p:tnLst>
-    <p:bldLst>
-      <p:bldP spid="3" grpId="0" uiExpand="1" build="p"/>
-    </p:bldLst>
-  </p:timing>
-</p:sld>
-</file>
-
-<file path=ppt/slides/slide14.xml><?xml version="1.0" encoding="utf-8"?>
-<p:sld xmlns:a="http://schemas.openxmlformats.org/drawingml/2006/main" xmlns:r="http://schemas.openxmlformats.org/officeDocument/2006/relationships" xmlns:p="http://schemas.openxmlformats.org/presentationml/2006/main">
-  <p:cSld>
-    <p:spTree>
-      <p:nvGrpSpPr>
-        <p:cNvPr id="1" name=""/>
-        <p:cNvGrpSpPr/>
-        <p:nvPr/>
-      </p:nvGrpSpPr>
-      <p:grpSpPr>
-        <a:xfrm>
-          <a:off x="0" y="0"/>
-          <a:ext cx="0" cy="0"/>
-          <a:chOff x="0" y="0"/>
-          <a:chExt cx="0" cy="0"/>
-        </a:xfrm>
-      </p:grpSpPr>
-      <p:sp>
-        <p:nvSpPr>
-          <p:cNvPr id="2" name="Title 1"/>
-          <p:cNvSpPr>
-            <a:spLocks noGrp="1"/>
-          </p:cNvSpPr>
-          <p:nvPr>
-            <p:ph type="title"/>
-          </p:nvPr>
-        </p:nvSpPr>
-        <p:spPr/>
-        <p:txBody>
-          <a:bodyPr/>
-          <a:lstStyle/>
-          <a:p>
-            <a:r>
-              <a:rPr lang="en-US" dirty="0" smtClean="0"/>
-              <a:t>Questions about Lisp?</a:t>
-            </a:r>
-            <a:endParaRPr lang="en-US" dirty="0"/>
-          </a:p>
-        </p:txBody>
-      </p:sp>
-    </p:spTree>
-    <p:extLst>
-      <p:ext uri="{BB962C8B-B14F-4D97-AF65-F5344CB8AC3E}">
-        <p14:creationId xmlns:p14="http://schemas.microsoft.com/office/powerpoint/2010/main" val="1315740081"/>
-      </p:ext>
-    </p:extLst>
-  </p:cSld>
-  <p:clrMapOvr>
-    <a:masterClrMapping/>
-  </p:clrMapOvr>
-  <p:timing>
-    <p:tnLst>
-      <p:par>
-        <p:cTn id="1" dur="indefinite" restart="never" nodeType="tmRoot"/>
-      </p:par>
-    </p:tnLst>
-  </p:timing>
-</p:sld>
-</file>
-
-<file path=ppt/slides/slide15.xml><?xml version="1.0" encoding="utf-8"?>
-<p:sld xmlns:a="http://schemas.openxmlformats.org/drawingml/2006/main" xmlns:r="http://schemas.openxmlformats.org/officeDocument/2006/relationships" xmlns:p="http://schemas.openxmlformats.org/presentationml/2006/main">
-  <p:cSld>
-    <p:spTree>
-      <p:nvGrpSpPr>
-        <p:cNvPr id="1" name=""/>
-        <p:cNvGrpSpPr/>
-        <p:nvPr/>
-      </p:nvGrpSpPr>
-      <p:grpSpPr>
-        <a:xfrm>
-          <a:off x="0" y="0"/>
-          <a:ext cx="0" cy="0"/>
-          <a:chOff x="0" y="0"/>
-          <a:chExt cx="0" cy="0"/>
-        </a:xfrm>
-      </p:grpSpPr>
-      <p:sp>
-        <p:nvSpPr>
-          <p:cNvPr id="2" name="Title 1"/>
-          <p:cNvSpPr>
-            <a:spLocks noGrp="1"/>
-          </p:cNvSpPr>
-          <p:nvPr>
-            <p:ph type="title"/>
-          </p:nvPr>
-        </p:nvSpPr>
-        <p:spPr/>
-        <p:txBody>
-          <a:bodyPr/>
-          <a:lstStyle/>
-          <a:p>
-            <a:r>
-              <a:rPr lang="en-US" dirty="0" smtClean="0"/>
-              <a:t>Concurrency with </a:t>
-            </a:r>
-            <a:r>
-              <a:rPr lang="en-US" dirty="0" err="1" smtClean="0"/>
-              <a:t>Computepools</a:t>
-            </a:r>
-            <a:endParaRPr lang="en-US" dirty="0"/>
-          </a:p>
-        </p:txBody>
-      </p:sp>
-      <p:sp>
-        <p:nvSpPr>
-          <p:cNvPr id="6" name="Content Placeholder 5"/>
-          <p:cNvSpPr>
-            <a:spLocks noGrp="1"/>
-          </p:cNvSpPr>
-          <p:nvPr>
-            <p:ph idx="1"/>
-          </p:nvPr>
-        </p:nvSpPr>
-        <p:spPr/>
-        <p:txBody>
-          <a:bodyPr/>
-          <a:lstStyle/>
-          <a:p>
-            <a:r>
-              <a:rPr lang="en-US" dirty="0" err="1" smtClean="0"/>
-              <a:t>Computepools</a:t>
-            </a:r>
-            <a:r>
-              <a:rPr lang="en-US" dirty="0" smtClean="0"/>
-              <a:t> are containers of generic worker threads</a:t>
-            </a:r>
-          </a:p>
-          <a:p>
-            <a:r>
-              <a:rPr lang="en-US" dirty="0" smtClean="0"/>
-              <a:t>The worker threads evaluate tasks placed in their queues</a:t>
-            </a:r>
-          </a:p>
-          <a:p>
-            <a:r>
-              <a:rPr lang="en-US" dirty="0" smtClean="0"/>
-              <a:t>Tasks are bundles of program </a:t>
-            </a:r>
-            <a:r>
-              <a:rPr lang="en-US" dirty="0" smtClean="0"/>
-              <a:t>state and </a:t>
-            </a:r>
-            <a:r>
-              <a:rPr lang="en-US" dirty="0" err="1" smtClean="0"/>
-              <a:t>coroutine</a:t>
-            </a:r>
-            <a:r>
-              <a:rPr lang="en-US" dirty="0" smtClean="0"/>
-              <a:t> </a:t>
-            </a:r>
-            <a:r>
-              <a:rPr lang="en-US" dirty="0" smtClean="0"/>
-              <a:t>functions</a:t>
-            </a:r>
-            <a:endParaRPr lang="en-US" dirty="0" smtClean="0"/>
-          </a:p>
-          <a:p>
-            <a:r>
-              <a:rPr lang="en-US" dirty="0" smtClean="0"/>
-              <a:t>A </a:t>
-            </a:r>
-            <a:r>
-              <a:rPr lang="en-US" dirty="0" err="1" smtClean="0"/>
-              <a:t>coroutine</a:t>
-            </a:r>
-            <a:r>
-              <a:rPr lang="en-US" dirty="0" smtClean="0"/>
-              <a:t> is a </a:t>
-            </a:r>
-            <a:r>
-              <a:rPr lang="en-US" dirty="0" smtClean="0"/>
-              <a:t>function </a:t>
-            </a:r>
-            <a:r>
-              <a:rPr lang="en-US" dirty="0" smtClean="0"/>
-              <a:t>that can pause using a ‘yield’ function and resume </a:t>
-            </a:r>
-            <a:r>
-              <a:rPr lang="en-US" dirty="0" smtClean="0"/>
-              <a:t>at </a:t>
-            </a:r>
-            <a:r>
-              <a:rPr lang="en-US" dirty="0" smtClean="0"/>
-              <a:t>a later time</a:t>
-            </a:r>
-            <a:endParaRPr lang="en-US" dirty="0"/>
-          </a:p>
-        </p:txBody>
-      </p:sp>
-    </p:spTree>
-    <p:extLst>
-      <p:ext uri="{BB962C8B-B14F-4D97-AF65-F5344CB8AC3E}">
-        <p14:creationId xmlns:p14="http://schemas.microsoft.com/office/powerpoint/2010/main" val="3798462881"/>
-      </p:ext>
-    </p:extLst>
-  </p:cSld>
-  <p:clrMapOvr>
-    <a:masterClrMapping/>
-  </p:clrMapOvr>
-  <p:timing>
-    <p:tnLst>
-      <p:par>
-        <p:cTn id="1" dur="indefinite" restart="never" nodeType="tmRoot">
-          <p:childTnLst>
-            <p:seq concurrent="1" nextAc="seek">
-              <p:cTn id="2" dur="indefinite" nodeType="mainSeq">
-                <p:childTnLst>
                   <p:par>
-                    <p:cTn id="3" fill="hold">
+                    <p:cTn id="19" fill="hold">
                       <p:stCondLst>
                         <p:cond delay="indefinite"/>
                       </p:stCondLst>
                       <p:childTnLst>
                         <p:par>
-                          <p:cTn id="4" fill="hold">
+                          <p:cTn id="20" fill="hold">
                             <p:stCondLst>
                               <p:cond delay="0"/>
                             </p:stCondLst>
                             <p:childTnLst>
                               <p:par>
-                                <p:cTn id="5" presetID="1" presetClass="entr" presetSubtype="0" fill="hold" grpId="0" nodeType="clickEffect">
+                                <p:cTn id="21" presetID="1" presetClass="entr" presetSubtype="0" fill="hold" grpId="0" nodeType="clickEffect">
                                   <p:stCondLst>
                                     <p:cond delay="0"/>
                                   </p:stCondLst>
                                   <p:childTnLst>
                                     <p:set>
                                       <p:cBhvr>
-                                        <p:cTn id="6" dur="1" fill="hold">
+                                        <p:cTn id="22" dur="1" fill="hold">
                                           <p:stCondLst>
                                             <p:cond delay="0"/>
                                           </p:stCondLst>
                                         </p:cTn>
                                         <p:tgtEl>
-                                          <p:spTgt spid="6">
+                                          <p:spTgt spid="3">
                                             <p:txEl>
-                                              <p:pRg st="0" end="0"/>
+                                              <p:pRg st="4" end="4"/>
                                             </p:txEl>
                                           </p:spTgt>
                                         </p:tgtEl>
@@ -14348,34 +16797,34 @@
                     </p:cTn>
                   </p:par>
                   <p:par>
-                    <p:cTn id="7" fill="hold">
+                    <p:cTn id="23" fill="hold">
                       <p:stCondLst>
                         <p:cond delay="indefinite"/>
                       </p:stCondLst>
                       <p:childTnLst>
                         <p:par>
-                          <p:cTn id="8" fill="hold">
+                          <p:cTn id="24" fill="hold">
                             <p:stCondLst>
                               <p:cond delay="0"/>
                             </p:stCondLst>
                             <p:childTnLst>
                               <p:par>
-                                <p:cTn id="9" presetID="1" presetClass="entr" presetSubtype="0" fill="hold" grpId="0" nodeType="clickEffect">
+                                <p:cTn id="25" presetID="1" presetClass="entr" presetSubtype="0" fill="hold" grpId="0" nodeType="clickEffect">
                                   <p:stCondLst>
                                     <p:cond delay="0"/>
                                   </p:stCondLst>
                                   <p:childTnLst>
                                     <p:set>
                                       <p:cBhvr>
-                                        <p:cTn id="10" dur="1" fill="hold">
+                                        <p:cTn id="26" dur="1" fill="hold">
                                           <p:stCondLst>
                                             <p:cond delay="0"/>
                                           </p:stCondLst>
                                         </p:cTn>
                                         <p:tgtEl>
-                                          <p:spTgt spid="6">
+                                          <p:spTgt spid="3">
                                             <p:txEl>
-                                              <p:pRg st="1" end="1"/>
+                                              <p:pRg st="5" end="5"/>
                                             </p:txEl>
                                           </p:spTgt>
                                         </p:tgtEl>
@@ -14397,34 +16846,34 @@
                     </p:cTn>
                   </p:par>
                   <p:par>
-                    <p:cTn id="11" fill="hold">
+                    <p:cTn id="27" fill="hold">
                       <p:stCondLst>
                         <p:cond delay="indefinite"/>
                       </p:stCondLst>
                       <p:childTnLst>
                         <p:par>
-                          <p:cTn id="12" fill="hold">
+                          <p:cTn id="28" fill="hold">
                             <p:stCondLst>
                               <p:cond delay="0"/>
                             </p:stCondLst>
                             <p:childTnLst>
                               <p:par>
-                                <p:cTn id="13" presetID="1" presetClass="entr" presetSubtype="0" fill="hold" grpId="0" nodeType="clickEffect">
+                                <p:cTn id="29" presetID="1" presetClass="entr" presetSubtype="0" fill="hold" grpId="0" nodeType="clickEffect">
                                   <p:stCondLst>
                                     <p:cond delay="0"/>
                                   </p:stCondLst>
                                   <p:childTnLst>
                                     <p:set>
                                       <p:cBhvr>
-                                        <p:cTn id="14" dur="1" fill="hold">
+                                        <p:cTn id="30" dur="1" fill="hold">
                                           <p:stCondLst>
                                             <p:cond delay="0"/>
                                           </p:stCondLst>
                                         </p:cTn>
                                         <p:tgtEl>
-                                          <p:spTgt spid="6">
+                                          <p:spTgt spid="3">
                                             <p:txEl>
-                                              <p:pRg st="2" end="2"/>
+                                              <p:pRg st="6" end="6"/>
                                             </p:txEl>
                                           </p:spTgt>
                                         </p:tgtEl>
@@ -14446,34 +16895,34 @@
                     </p:cTn>
                   </p:par>
                   <p:par>
-                    <p:cTn id="15" fill="hold">
+                    <p:cTn id="31" fill="hold">
                       <p:stCondLst>
                         <p:cond delay="indefinite"/>
                       </p:stCondLst>
                       <p:childTnLst>
                         <p:par>
-                          <p:cTn id="16" fill="hold">
+                          <p:cTn id="32" fill="hold">
                             <p:stCondLst>
                               <p:cond delay="0"/>
                             </p:stCondLst>
                             <p:childTnLst>
                               <p:par>
-                                <p:cTn id="17" presetID="1" presetClass="entr" presetSubtype="0" fill="hold" grpId="0" nodeType="clickEffect">
+                                <p:cTn id="33" presetID="1" presetClass="entr" presetSubtype="0" fill="hold" grpId="0" nodeType="clickEffect">
                                   <p:stCondLst>
                                     <p:cond delay="0"/>
                                   </p:stCondLst>
                                   <p:childTnLst>
                                     <p:set>
                                       <p:cBhvr>
-                                        <p:cTn id="18" dur="1" fill="hold">
+                                        <p:cTn id="34" dur="1" fill="hold">
                                           <p:stCondLst>
                                             <p:cond delay="0"/>
                                           </p:stCondLst>
                                         </p:cTn>
                                         <p:tgtEl>
-                                          <p:spTgt spid="6">
+                                          <p:spTgt spid="3">
                                             <p:txEl>
-                                              <p:pRg st="3" end="3"/>
+                                              <p:pRg st="7" end="7"/>
                                             </p:txEl>
                                           </p:spTgt>
                                         </p:tgtEl>
@@ -14516,1348 +16965,8 @@
       </p:par>
     </p:tnLst>
     <p:bldLst>
-      <p:bldP spid="6" grpId="0" build="p"/>
+      <p:bldP spid="3" grpId="0" uiExpand="1" build="p"/>
     </p:bldLst>
-  </p:timing>
-</p:sld>
-</file>
-
-<file path=ppt/slides/slide16.xml><?xml version="1.0" encoding="utf-8"?>
-<p:sld xmlns:a="http://schemas.openxmlformats.org/drawingml/2006/main" xmlns:r="http://schemas.openxmlformats.org/officeDocument/2006/relationships" xmlns:p="http://schemas.openxmlformats.org/presentationml/2006/main">
-  <p:cSld>
-    <p:spTree>
-      <p:nvGrpSpPr>
-        <p:cNvPr id="1" name=""/>
-        <p:cNvGrpSpPr/>
-        <p:nvPr/>
-      </p:nvGrpSpPr>
-      <p:grpSpPr>
-        <a:xfrm>
-          <a:off x="0" y="0"/>
-          <a:ext cx="0" cy="0"/>
-          <a:chOff x="0" y="0"/>
-          <a:chExt cx="0" cy="0"/>
-        </a:xfrm>
-      </p:grpSpPr>
-      <p:sp>
-        <p:nvSpPr>
-          <p:cNvPr id="4" name="Rectangle 2"/>
-          <p:cNvSpPr>
-            <a:spLocks noChangeArrowheads="1"/>
-          </p:cNvSpPr>
-          <p:nvPr/>
-        </p:nvSpPr>
-        <p:spPr bwMode="auto">
-          <a:xfrm>
-            <a:off x="2259276" y="762039"/>
-            <a:ext cx="12192000" cy="0"/>
-          </a:xfrm>
-          <a:prstGeom prst="rect">
-            <a:avLst/>
-          </a:prstGeom>
-          <a:noFill/>
-          <a:ln>
-            <a:noFill/>
-          </a:ln>
-          <a:effectLst/>
-          <a:extLst>
-            <a:ext uri="{909E8E84-426E-40DD-AFC4-6F175D3DCCD1}">
-              <a14:hiddenFill xmlns:a14="http://schemas.microsoft.com/office/drawing/2010/main">
-                <a:solidFill>
-                  <a:schemeClr val="accent1"/>
-                </a:solidFill>
-              </a14:hiddenFill>
-            </a:ext>
-            <a:ext uri="{91240B29-F687-4F45-9708-019B960494DF}">
-              <a14:hiddenLine xmlns:a14="http://schemas.microsoft.com/office/drawing/2010/main" w="9525">
-                <a:solidFill>
-                  <a:schemeClr val="tx1"/>
-                </a:solidFill>
-                <a:miter lim="800000"/>
-                <a:headEnd/>
-                <a:tailEnd/>
-              </a14:hiddenLine>
-            </a:ext>
-            <a:ext uri="{AF507438-7753-43E0-B8FC-AC1667EBCBE1}">
-              <a14:hiddenEffects xmlns:a14="http://schemas.microsoft.com/office/drawing/2010/main">
-                <a:effectLst>
-                  <a:outerShdw dist="35921" dir="2700000" algn="ctr" rotWithShape="0">
-                    <a:schemeClr val="bg2"/>
-                  </a:outerShdw>
-                </a:effectLst>
-              </a14:hiddenEffects>
-            </a:ext>
-          </a:extLst>
-        </p:spPr>
-        <p:txBody>
-          <a:bodyPr vert="horz" wrap="none" lIns="91440" tIns="45720" rIns="91440" bIns="45720" numCol="1" anchor="ctr" anchorCtr="0" compatLnSpc="1">
-            <a:prstTxWarp prst="textNoShape">
-              <a:avLst/>
-            </a:prstTxWarp>
-            <a:spAutoFit/>
-          </a:bodyPr>
-          <a:lstStyle/>
-          <a:p>
-            <a:endParaRPr lang="en-US"/>
-          </a:p>
-        </p:txBody>
-      </p:sp>
-      <p:pic>
-        <p:nvPicPr>
-          <p:cNvPr id="6" name="Picture 5"/>
-          <p:cNvPicPr>
-            <a:picLocks noChangeAspect="1"/>
-          </p:cNvPicPr>
-          <p:nvPr/>
-        </p:nvPicPr>
-        <p:blipFill>
-          <a:blip r:embed="rId2"/>
-          <a:stretch>
-            <a:fillRect/>
-          </a:stretch>
-        </p:blipFill>
-        <p:spPr>
-          <a:xfrm>
-            <a:off x="1958380" y="231226"/>
-            <a:ext cx="8267799" cy="6382833"/>
-          </a:xfrm>
-          <a:prstGeom prst="rect">
-            <a:avLst/>
-          </a:prstGeom>
-        </p:spPr>
-      </p:pic>
-    </p:spTree>
-    <p:extLst>
-      <p:ext uri="{BB962C8B-B14F-4D97-AF65-F5344CB8AC3E}">
-        <p14:creationId xmlns:p14="http://schemas.microsoft.com/office/powerpoint/2010/main" val="3151972770"/>
-      </p:ext>
-    </p:extLst>
-  </p:cSld>
-  <p:clrMapOvr>
-    <a:masterClrMapping/>
-  </p:clrMapOvr>
-  <p:timing>
-    <p:tnLst>
-      <p:par>
-        <p:cTn id="1" dur="indefinite" restart="never" nodeType="tmRoot"/>
-      </p:par>
-    </p:tnLst>
-  </p:timing>
-</p:sld>
-</file>
-
-<file path=ppt/slides/slide17.xml><?xml version="1.0" encoding="utf-8"?>
-<p:sld xmlns:a="http://schemas.openxmlformats.org/drawingml/2006/main" xmlns:r="http://schemas.openxmlformats.org/officeDocument/2006/relationships" xmlns:p="http://schemas.openxmlformats.org/presentationml/2006/main">
-  <p:cSld>
-    <p:spTree>
-      <p:nvGrpSpPr>
-        <p:cNvPr id="1" name=""/>
-        <p:cNvGrpSpPr/>
-        <p:nvPr/>
-      </p:nvGrpSpPr>
-      <p:grpSpPr>
-        <a:xfrm>
-          <a:off x="0" y="0"/>
-          <a:ext cx="0" cy="0"/>
-          <a:chOff x="0" y="0"/>
-          <a:chExt cx="0" cy="0"/>
-        </a:xfrm>
-      </p:grpSpPr>
-      <p:pic>
-        <p:nvPicPr>
-          <p:cNvPr id="8" name="Picture 7"/>
-          <p:cNvPicPr>
-            <a:picLocks noChangeAspect="1"/>
-          </p:cNvPicPr>
-          <p:nvPr/>
-        </p:nvPicPr>
-        <p:blipFill>
-          <a:blip r:embed="rId2"/>
-          <a:stretch>
-            <a:fillRect/>
-          </a:stretch>
-        </p:blipFill>
-        <p:spPr>
-          <a:xfrm>
-            <a:off x="2620706" y="568848"/>
-            <a:ext cx="6875632" cy="5816792"/>
-          </a:xfrm>
-          <a:prstGeom prst="rect">
-            <a:avLst/>
-          </a:prstGeom>
-        </p:spPr>
-      </p:pic>
-    </p:spTree>
-    <p:extLst>
-      <p:ext uri="{BB962C8B-B14F-4D97-AF65-F5344CB8AC3E}">
-        <p14:creationId xmlns:p14="http://schemas.microsoft.com/office/powerpoint/2010/main" val="3808034528"/>
-      </p:ext>
-    </p:extLst>
-  </p:cSld>
-  <p:clrMapOvr>
-    <a:masterClrMapping/>
-  </p:clrMapOvr>
-  <p:timing>
-    <p:tnLst>
-      <p:par>
-        <p:cTn id="1" dur="indefinite" restart="never" nodeType="tmRoot"/>
-      </p:par>
-    </p:tnLst>
-  </p:timing>
-</p:sld>
-</file>
-
-<file path=ppt/slides/slide18.xml><?xml version="1.0" encoding="utf-8"?>
-<p:sld xmlns:a="http://schemas.openxmlformats.org/drawingml/2006/main" xmlns:r="http://schemas.openxmlformats.org/officeDocument/2006/relationships" xmlns:p="http://schemas.openxmlformats.org/presentationml/2006/main">
-  <p:cSld>
-    <p:spTree>
-      <p:nvGrpSpPr>
-        <p:cNvPr id="1" name=""/>
-        <p:cNvGrpSpPr/>
-        <p:nvPr/>
-      </p:nvGrpSpPr>
-      <p:grpSpPr>
-        <a:xfrm>
-          <a:off x="0" y="0"/>
-          <a:ext cx="0" cy="0"/>
-          <a:chOff x="0" y="0"/>
-          <a:chExt cx="0" cy="0"/>
-        </a:xfrm>
-      </p:grpSpPr>
-      <p:sp>
-        <p:nvSpPr>
-          <p:cNvPr id="2" name="Title 1"/>
-          <p:cNvSpPr>
-            <a:spLocks noGrp="1"/>
-          </p:cNvSpPr>
-          <p:nvPr>
-            <p:ph type="title"/>
-          </p:nvPr>
-        </p:nvSpPr>
-        <p:spPr>
-          <a:xfrm>
-            <a:off x="1141413" y="618518"/>
-            <a:ext cx="9990778" cy="1478570"/>
-          </a:xfrm>
-        </p:spPr>
-        <p:txBody>
-          <a:bodyPr/>
-          <a:lstStyle/>
-          <a:p>
-            <a:r>
-              <a:rPr lang="en-US" dirty="0" smtClean="0"/>
-              <a:t>Program State Management with </a:t>
-            </a:r>
-            <a:r>
-              <a:rPr lang="en-US" dirty="0" err="1" smtClean="0"/>
-              <a:t>Datapools</a:t>
-            </a:r>
-            <a:endParaRPr lang="en-US" dirty="0"/>
-          </a:p>
-        </p:txBody>
-      </p:sp>
-      <p:sp>
-        <p:nvSpPr>
-          <p:cNvPr id="4" name="Content Placeholder 5"/>
-          <p:cNvSpPr>
-            <a:spLocks noGrp="1"/>
-          </p:cNvSpPr>
-          <p:nvPr>
-            <p:ph idx="1"/>
-          </p:nvPr>
-        </p:nvSpPr>
-        <p:spPr>
-          <a:xfrm>
-            <a:off x="1141413" y="1980182"/>
-            <a:ext cx="9905999" cy="3724331"/>
-          </a:xfrm>
-        </p:spPr>
-        <p:txBody>
-          <a:bodyPr>
-            <a:normAutofit/>
-          </a:bodyPr>
-          <a:lstStyle/>
-          <a:p>
-            <a:pPr marL="285750" indent="-285750">
-              <a:buFontTx/>
-              <a:buChar char="-"/>
-            </a:pPr>
-            <a:r>
-              <a:rPr lang="en-US" dirty="0" err="1"/>
-              <a:t>Datapools</a:t>
-            </a:r>
-            <a:r>
-              <a:rPr lang="en-US" dirty="0"/>
-              <a:t> are containers where </a:t>
-            </a:r>
-            <a:r>
-              <a:rPr lang="en-US" dirty="0" smtClean="0"/>
-              <a:t>program data can be stored</a:t>
-            </a:r>
-          </a:p>
-          <a:p>
-            <a:pPr marL="285750" indent="-285750">
-              <a:buFontTx/>
-              <a:buChar char="-"/>
-            </a:pPr>
-            <a:r>
-              <a:rPr lang="en-US" dirty="0" err="1" smtClean="0"/>
-              <a:t>Datapools</a:t>
-            </a:r>
-            <a:r>
-              <a:rPr lang="en-US" dirty="0" smtClean="0"/>
-              <a:t> </a:t>
-            </a:r>
-            <a:r>
-              <a:rPr lang="en-US" dirty="0"/>
-              <a:t>also store </a:t>
-            </a:r>
-            <a:r>
-              <a:rPr lang="en-US" dirty="0" smtClean="0"/>
-              <a:t>callbacks (message handlers)</a:t>
-            </a:r>
-            <a:endParaRPr lang="en-US" dirty="0"/>
-          </a:p>
-          <a:p>
-            <a:pPr marL="285750" indent="-285750">
-              <a:buFontTx/>
-              <a:buChar char="-"/>
-            </a:pPr>
-            <a:r>
-              <a:rPr lang="en-US" dirty="0" err="1"/>
-              <a:t>Datapools</a:t>
-            </a:r>
-            <a:r>
-              <a:rPr lang="en-US" dirty="0"/>
-              <a:t> are connected to a </a:t>
-            </a:r>
-            <a:r>
-              <a:rPr lang="en-US" dirty="0" err="1"/>
-              <a:t>Computepool</a:t>
-            </a:r>
-            <a:endParaRPr lang="en-US" dirty="0"/>
-          </a:p>
-          <a:p>
-            <a:pPr marL="285750" indent="-285750">
-              <a:buFontTx/>
-              <a:buChar char="-"/>
-            </a:pPr>
-            <a:r>
-              <a:rPr lang="en-US" dirty="0"/>
-              <a:t>Data stored in </a:t>
-            </a:r>
-            <a:r>
-              <a:rPr lang="en-US" dirty="0" err="1"/>
-              <a:t>datapools</a:t>
-            </a:r>
-            <a:r>
-              <a:rPr lang="en-US" dirty="0"/>
-              <a:t> is accessible to the </a:t>
-            </a:r>
-            <a:r>
-              <a:rPr lang="en-US" dirty="0" err="1"/>
-              <a:t>Computepool</a:t>
-            </a:r>
-            <a:r>
-              <a:rPr lang="en-US" dirty="0"/>
-              <a:t> worker </a:t>
-            </a:r>
-            <a:r>
-              <a:rPr lang="en-US" dirty="0" smtClean="0"/>
-              <a:t>threads</a:t>
-            </a:r>
-            <a:endParaRPr lang="en-US" dirty="0" smtClean="0"/>
-          </a:p>
-        </p:txBody>
-      </p:sp>
-    </p:spTree>
-    <p:extLst>
-      <p:ext uri="{BB962C8B-B14F-4D97-AF65-F5344CB8AC3E}">
-        <p14:creationId xmlns:p14="http://schemas.microsoft.com/office/powerpoint/2010/main" val="3693186947"/>
-      </p:ext>
-    </p:extLst>
-  </p:cSld>
-  <p:clrMapOvr>
-    <a:masterClrMapping/>
-  </p:clrMapOvr>
-  <p:timing>
-    <p:tnLst>
-      <p:par>
-        <p:cTn id="1" dur="indefinite" restart="never" nodeType="tmRoot">
-          <p:childTnLst>
-            <p:seq concurrent="1" nextAc="seek">
-              <p:cTn id="2" dur="indefinite" nodeType="mainSeq">
-                <p:childTnLst>
-                  <p:par>
-                    <p:cTn id="3" fill="hold">
-                      <p:stCondLst>
-                        <p:cond delay="indefinite"/>
-                      </p:stCondLst>
-                      <p:childTnLst>
-                        <p:par>
-                          <p:cTn id="4" fill="hold">
-                            <p:stCondLst>
-                              <p:cond delay="0"/>
-                            </p:stCondLst>
-                            <p:childTnLst>
-                              <p:par>
-                                <p:cTn id="5" presetID="1" presetClass="entr" presetSubtype="0" fill="hold" grpId="0" nodeType="clickEffect">
-                                  <p:stCondLst>
-                                    <p:cond delay="0"/>
-                                  </p:stCondLst>
-                                  <p:childTnLst>
-                                    <p:set>
-                                      <p:cBhvr>
-                                        <p:cTn id="6" dur="1" fill="hold">
-                                          <p:stCondLst>
-                                            <p:cond delay="0"/>
-                                          </p:stCondLst>
-                                        </p:cTn>
-                                        <p:tgtEl>
-                                          <p:spTgt spid="4">
-                                            <p:txEl>
-                                              <p:pRg st="0" end="0"/>
-                                            </p:txEl>
-                                          </p:spTgt>
-                                        </p:tgtEl>
-                                        <p:attrNameLst>
-                                          <p:attrName>style.visibility</p:attrName>
-                                        </p:attrNameLst>
-                                      </p:cBhvr>
-                                      <p:to>
-                                        <p:strVal val="visible"/>
-                                      </p:to>
-                                    </p:set>
-                                  </p:childTnLst>
-                                </p:cTn>
-                              </p:par>
-                            </p:childTnLst>
-                          </p:cTn>
-                        </p:par>
-                      </p:childTnLst>
-                    </p:cTn>
-                  </p:par>
-                  <p:par>
-                    <p:cTn id="7" fill="hold">
-                      <p:stCondLst>
-                        <p:cond delay="indefinite"/>
-                      </p:stCondLst>
-                      <p:childTnLst>
-                        <p:par>
-                          <p:cTn id="8" fill="hold">
-                            <p:stCondLst>
-                              <p:cond delay="0"/>
-                            </p:stCondLst>
-                            <p:childTnLst>
-                              <p:par>
-                                <p:cTn id="9" presetID="1" presetClass="entr" presetSubtype="0" fill="hold" grpId="0" nodeType="clickEffect">
-                                  <p:stCondLst>
-                                    <p:cond delay="0"/>
-                                  </p:stCondLst>
-                                  <p:childTnLst>
-                                    <p:set>
-                                      <p:cBhvr>
-                                        <p:cTn id="10" dur="1" fill="hold">
-                                          <p:stCondLst>
-                                            <p:cond delay="0"/>
-                                          </p:stCondLst>
-                                        </p:cTn>
-                                        <p:tgtEl>
-                                          <p:spTgt spid="4">
-                                            <p:txEl>
-                                              <p:pRg st="1" end="1"/>
-                                            </p:txEl>
-                                          </p:spTgt>
-                                        </p:tgtEl>
-                                        <p:attrNameLst>
-                                          <p:attrName>style.visibility</p:attrName>
-                                        </p:attrNameLst>
-                                      </p:cBhvr>
-                                      <p:to>
-                                        <p:strVal val="visible"/>
-                                      </p:to>
-                                    </p:set>
-                                  </p:childTnLst>
-                                </p:cTn>
-                              </p:par>
-                            </p:childTnLst>
-                          </p:cTn>
-                        </p:par>
-                      </p:childTnLst>
-                    </p:cTn>
-                  </p:par>
-                  <p:par>
-                    <p:cTn id="11" fill="hold">
-                      <p:stCondLst>
-                        <p:cond delay="indefinite"/>
-                      </p:stCondLst>
-                      <p:childTnLst>
-                        <p:par>
-                          <p:cTn id="12" fill="hold">
-                            <p:stCondLst>
-                              <p:cond delay="0"/>
-                            </p:stCondLst>
-                            <p:childTnLst>
-                              <p:par>
-                                <p:cTn id="13" presetID="1" presetClass="entr" presetSubtype="0" fill="hold" grpId="0" nodeType="clickEffect">
-                                  <p:stCondLst>
-                                    <p:cond delay="0"/>
-                                  </p:stCondLst>
-                                  <p:childTnLst>
-                                    <p:set>
-                                      <p:cBhvr>
-                                        <p:cTn id="14" dur="1" fill="hold">
-                                          <p:stCondLst>
-                                            <p:cond delay="0"/>
-                                          </p:stCondLst>
-                                        </p:cTn>
-                                        <p:tgtEl>
-                                          <p:spTgt spid="4">
-                                            <p:txEl>
-                                              <p:pRg st="2" end="2"/>
-                                            </p:txEl>
-                                          </p:spTgt>
-                                        </p:tgtEl>
-                                        <p:attrNameLst>
-                                          <p:attrName>style.visibility</p:attrName>
-                                        </p:attrNameLst>
-                                      </p:cBhvr>
-                                      <p:to>
-                                        <p:strVal val="visible"/>
-                                      </p:to>
-                                    </p:set>
-                                  </p:childTnLst>
-                                </p:cTn>
-                              </p:par>
-                            </p:childTnLst>
-                          </p:cTn>
-                        </p:par>
-                      </p:childTnLst>
-                    </p:cTn>
-                  </p:par>
-                  <p:par>
-                    <p:cTn id="15" fill="hold">
-                      <p:stCondLst>
-                        <p:cond delay="indefinite"/>
-                      </p:stCondLst>
-                      <p:childTnLst>
-                        <p:par>
-                          <p:cTn id="16" fill="hold">
-                            <p:stCondLst>
-                              <p:cond delay="0"/>
-                            </p:stCondLst>
-                            <p:childTnLst>
-                              <p:par>
-                                <p:cTn id="17" presetID="1" presetClass="entr" presetSubtype="0" fill="hold" grpId="0" nodeType="clickEffect">
-                                  <p:stCondLst>
-                                    <p:cond delay="0"/>
-                                  </p:stCondLst>
-                                  <p:childTnLst>
-                                    <p:set>
-                                      <p:cBhvr>
-                                        <p:cTn id="18" dur="1" fill="hold">
-                                          <p:stCondLst>
-                                            <p:cond delay="0"/>
-                                          </p:stCondLst>
-                                        </p:cTn>
-                                        <p:tgtEl>
-                                          <p:spTgt spid="4">
-                                            <p:txEl>
-                                              <p:pRg st="3" end="3"/>
-                                            </p:txEl>
-                                          </p:spTgt>
-                                        </p:tgtEl>
-                                        <p:attrNameLst>
-                                          <p:attrName>style.visibility</p:attrName>
-                                        </p:attrNameLst>
-                                      </p:cBhvr>
-                                      <p:to>
-                                        <p:strVal val="visible"/>
-                                      </p:to>
-                                    </p:set>
-                                  </p:childTnLst>
-                                </p:cTn>
-                              </p:par>
-                            </p:childTnLst>
-                          </p:cTn>
-                        </p:par>
-                      </p:childTnLst>
-                    </p:cTn>
-                  </p:par>
-                </p:childTnLst>
-              </p:cTn>
-              <p:prevCondLst>
-                <p:cond evt="onPrev" delay="0">
-                  <p:tgtEl>
-                    <p:sldTgt/>
-                  </p:tgtEl>
-                </p:cond>
-              </p:prevCondLst>
-              <p:nextCondLst>
-                <p:cond evt="onNext" delay="0">
-                  <p:tgtEl>
-                    <p:sldTgt/>
-                  </p:tgtEl>
-                </p:cond>
-              </p:nextCondLst>
-            </p:seq>
-          </p:childTnLst>
-        </p:cTn>
-      </p:par>
-    </p:tnLst>
-    <p:bldLst>
-      <p:bldP spid="4" grpId="0" build="p"/>
-    </p:bldLst>
-  </p:timing>
-</p:sld>
-</file>
-
-<file path=ppt/slides/slide19.xml><?xml version="1.0" encoding="utf-8"?>
-<p:sld xmlns:a="http://schemas.openxmlformats.org/drawingml/2006/main" xmlns:r="http://schemas.openxmlformats.org/officeDocument/2006/relationships" xmlns:p="http://schemas.openxmlformats.org/presentationml/2006/main">
-  <p:cSld>
-    <p:spTree>
-      <p:nvGrpSpPr>
-        <p:cNvPr id="1" name=""/>
-        <p:cNvGrpSpPr/>
-        <p:nvPr/>
-      </p:nvGrpSpPr>
-      <p:grpSpPr>
-        <a:xfrm>
-          <a:off x="0" y="0"/>
-          <a:ext cx="0" cy="0"/>
-          <a:chOff x="0" y="0"/>
-          <a:chExt cx="0" cy="0"/>
-        </a:xfrm>
-      </p:grpSpPr>
-      <p:pic>
-        <p:nvPicPr>
-          <p:cNvPr id="4" name="Picture 3"/>
-          <p:cNvPicPr>
-            <a:picLocks noChangeAspect="1"/>
-          </p:cNvPicPr>
-          <p:nvPr/>
-        </p:nvPicPr>
-        <p:blipFill>
-          <a:blip r:embed="rId2"/>
-          <a:stretch>
-            <a:fillRect/>
-          </a:stretch>
-        </p:blipFill>
-        <p:spPr>
-          <a:xfrm>
-            <a:off x="1689183" y="191001"/>
-            <a:ext cx="8620887" cy="6394015"/>
-          </a:xfrm>
-          <a:prstGeom prst="rect">
-            <a:avLst/>
-          </a:prstGeom>
-        </p:spPr>
-      </p:pic>
-    </p:spTree>
-    <p:extLst>
-      <p:ext uri="{BB962C8B-B14F-4D97-AF65-F5344CB8AC3E}">
-        <p14:creationId xmlns:p14="http://schemas.microsoft.com/office/powerpoint/2010/main" val="1072505047"/>
-      </p:ext>
-    </p:extLst>
-  </p:cSld>
-  <p:clrMapOvr>
-    <a:masterClrMapping/>
-  </p:clrMapOvr>
-  <p:timing>
-    <p:tnLst>
-      <p:par>
-        <p:cTn id="1" dur="indefinite" restart="never" nodeType="tmRoot"/>
-      </p:par>
-    </p:tnLst>
-  </p:timing>
-</p:sld>
-</file>
-
-<file path=ppt/slides/slide2.xml><?xml version="1.0" encoding="utf-8"?>
-<p:sld xmlns:a="http://schemas.openxmlformats.org/drawingml/2006/main" xmlns:r="http://schemas.openxmlformats.org/officeDocument/2006/relationships" xmlns:p="http://schemas.openxmlformats.org/presentationml/2006/main">
-  <p:cSld>
-    <p:spTree>
-      <p:nvGrpSpPr>
-        <p:cNvPr id="1" name=""/>
-        <p:cNvGrpSpPr/>
-        <p:nvPr/>
-      </p:nvGrpSpPr>
-      <p:grpSpPr>
-        <a:xfrm>
-          <a:off x="0" y="0"/>
-          <a:ext cx="0" cy="0"/>
-          <a:chOff x="0" y="0"/>
-          <a:chExt cx="0" cy="0"/>
-        </a:xfrm>
-      </p:grpSpPr>
-      <p:sp>
-        <p:nvSpPr>
-          <p:cNvPr id="2" name="Title 1"/>
-          <p:cNvSpPr>
-            <a:spLocks noGrp="1"/>
-          </p:cNvSpPr>
-          <p:nvPr>
-            <p:ph type="title"/>
-          </p:nvPr>
-        </p:nvSpPr>
-        <p:spPr/>
-        <p:txBody>
-          <a:bodyPr/>
-          <a:lstStyle/>
-          <a:p>
-            <a:r>
-              <a:rPr lang="en-US" dirty="0" smtClean="0"/>
-              <a:t>Object Oriented Code has problems</a:t>
-            </a:r>
-            <a:endParaRPr lang="en-US" dirty="0"/>
-          </a:p>
-        </p:txBody>
-      </p:sp>
-      <p:sp>
-        <p:nvSpPr>
-          <p:cNvPr id="3" name="Content Placeholder 2"/>
-          <p:cNvSpPr>
-            <a:spLocks noGrp="1"/>
-          </p:cNvSpPr>
-          <p:nvPr>
-            <p:ph idx="1"/>
-          </p:nvPr>
-        </p:nvSpPr>
-        <p:spPr/>
-        <p:txBody>
-          <a:bodyPr/>
-          <a:lstStyle/>
-          <a:p>
-            <a:r>
-              <a:rPr lang="en-US" dirty="0"/>
-              <a:t>“With OOP-inflected programming languages, computer software becomes more verbose, less readable, less descriptive, and harder to modify and maintain</a:t>
-            </a:r>
-            <a:r>
-              <a:rPr lang="en-US" dirty="0" smtClean="0"/>
-              <a:t>.” – Richard </a:t>
-            </a:r>
-            <a:r>
-              <a:rPr lang="en-US" dirty="0" smtClean="0"/>
-              <a:t>Mansfield</a:t>
-            </a:r>
-          </a:p>
-          <a:p>
-            <a:endParaRPr lang="en-US" dirty="0" smtClean="0"/>
-          </a:p>
-          <a:p>
-            <a:r>
-              <a:rPr lang="en-US" dirty="0"/>
-              <a:t>“OOP is about taming complexity through modeling, but we have not mastered this yet, possibly because we have difficulty distinguishing real and accidental complexity</a:t>
-            </a:r>
-            <a:r>
-              <a:rPr lang="en-US" dirty="0" smtClean="0"/>
-              <a:t>.” – Oscar </a:t>
-            </a:r>
-            <a:r>
-              <a:rPr lang="en-US" dirty="0" err="1" smtClean="0"/>
-              <a:t>Nierstraz</a:t>
-            </a:r>
-            <a:endParaRPr lang="en-US" dirty="0"/>
-          </a:p>
-        </p:txBody>
-      </p:sp>
-    </p:spTree>
-    <p:extLst>
-      <p:ext uri="{BB962C8B-B14F-4D97-AF65-F5344CB8AC3E}">
-        <p14:creationId xmlns:p14="http://schemas.microsoft.com/office/powerpoint/2010/main" val="3286954311"/>
-      </p:ext>
-    </p:extLst>
-  </p:cSld>
-  <p:clrMapOvr>
-    <a:masterClrMapping/>
-  </p:clrMapOvr>
-  <p:timing>
-    <p:tnLst>
-      <p:par>
-        <p:cTn id="1" dur="indefinite" restart="never" nodeType="tmRoot"/>
-      </p:par>
-    </p:tnLst>
-  </p:timing>
-</p:sld>
-</file>
-
-<file path=ppt/slides/slide20.xml><?xml version="1.0" encoding="utf-8"?>
-<p:sld xmlns:a="http://schemas.openxmlformats.org/drawingml/2006/main" xmlns:r="http://schemas.openxmlformats.org/officeDocument/2006/relationships" xmlns:p="http://schemas.openxmlformats.org/presentationml/2006/main">
-  <p:cSld>
-    <p:spTree>
-      <p:nvGrpSpPr>
-        <p:cNvPr id="1" name=""/>
-        <p:cNvGrpSpPr/>
-        <p:nvPr/>
-      </p:nvGrpSpPr>
-      <p:grpSpPr>
-        <a:xfrm>
-          <a:off x="0" y="0"/>
-          <a:ext cx="0" cy="0"/>
-          <a:chOff x="0" y="0"/>
-          <a:chExt cx="0" cy="0"/>
-        </a:xfrm>
-      </p:grpSpPr>
-      <p:pic>
-        <p:nvPicPr>
-          <p:cNvPr id="5" name="Picture 4"/>
-          <p:cNvPicPr>
-            <a:picLocks noChangeAspect="1"/>
-          </p:cNvPicPr>
-          <p:nvPr/>
-        </p:nvPicPr>
-        <p:blipFill>
-          <a:blip r:embed="rId2"/>
-          <a:stretch>
-            <a:fillRect/>
-          </a:stretch>
-        </p:blipFill>
-        <p:spPr>
-          <a:xfrm>
-            <a:off x="2009031" y="352838"/>
-            <a:ext cx="8116480" cy="6236321"/>
-          </a:xfrm>
-          <a:prstGeom prst="rect">
-            <a:avLst/>
-          </a:prstGeom>
-        </p:spPr>
-      </p:pic>
-    </p:spTree>
-    <p:extLst>
-      <p:ext uri="{BB962C8B-B14F-4D97-AF65-F5344CB8AC3E}">
-        <p14:creationId xmlns:p14="http://schemas.microsoft.com/office/powerpoint/2010/main" val="2742550859"/>
-      </p:ext>
-    </p:extLst>
-  </p:cSld>
-  <p:clrMapOvr>
-    <a:masterClrMapping/>
-  </p:clrMapOvr>
-  <p:timing>
-    <p:tnLst>
-      <p:par>
-        <p:cTn id="1" dur="indefinite" restart="never" nodeType="tmRoot"/>
-      </p:par>
-    </p:tnLst>
-  </p:timing>
-</p:sld>
-</file>
-
-<file path=ppt/slides/slide21.xml><?xml version="1.0" encoding="utf-8"?>
-<p:sld xmlns:a="http://schemas.openxmlformats.org/drawingml/2006/main" xmlns:r="http://schemas.openxmlformats.org/officeDocument/2006/relationships" xmlns:p="http://schemas.openxmlformats.org/presentationml/2006/main">
-  <p:cSld>
-    <p:spTree>
-      <p:nvGrpSpPr>
-        <p:cNvPr id="1" name=""/>
-        <p:cNvGrpSpPr/>
-        <p:nvPr/>
-      </p:nvGrpSpPr>
-      <p:grpSpPr>
-        <a:xfrm>
-          <a:off x="0" y="0"/>
-          <a:ext cx="0" cy="0"/>
-          <a:chOff x="0" y="0"/>
-          <a:chExt cx="0" cy="0"/>
-        </a:xfrm>
-      </p:grpSpPr>
-      <p:pic>
-        <p:nvPicPr>
-          <p:cNvPr id="2" name="Picture 1"/>
-          <p:cNvPicPr>
-            <a:picLocks noChangeAspect="1"/>
-          </p:cNvPicPr>
-          <p:nvPr/>
-        </p:nvPicPr>
-        <p:blipFill>
-          <a:blip r:embed="rId2"/>
-          <a:stretch>
-            <a:fillRect/>
-          </a:stretch>
-        </p:blipFill>
-        <p:spPr>
-          <a:xfrm>
-            <a:off x="1573299" y="430926"/>
-            <a:ext cx="9546150" cy="6094727"/>
-          </a:xfrm>
-          <a:prstGeom prst="rect">
-            <a:avLst/>
-          </a:prstGeom>
-        </p:spPr>
-      </p:pic>
-    </p:spTree>
-    <p:extLst>
-      <p:ext uri="{BB962C8B-B14F-4D97-AF65-F5344CB8AC3E}">
-        <p14:creationId xmlns:p14="http://schemas.microsoft.com/office/powerpoint/2010/main" val="1066954048"/>
-      </p:ext>
-    </p:extLst>
-  </p:cSld>
-  <p:clrMapOvr>
-    <a:masterClrMapping/>
-  </p:clrMapOvr>
-  <p:timing>
-    <p:tnLst>
-      <p:par>
-        <p:cTn id="1" dur="indefinite" restart="never" nodeType="tmRoot"/>
-      </p:par>
-    </p:tnLst>
-  </p:timing>
-</p:sld>
-</file>
-
-<file path=ppt/slides/slide22.xml><?xml version="1.0" encoding="utf-8"?>
-<p:sld xmlns:a="http://schemas.openxmlformats.org/drawingml/2006/main" xmlns:r="http://schemas.openxmlformats.org/officeDocument/2006/relationships" xmlns:p="http://schemas.openxmlformats.org/presentationml/2006/main">
-  <p:cSld>
-    <p:spTree>
-      <p:nvGrpSpPr>
-        <p:cNvPr id="1" name=""/>
-        <p:cNvGrpSpPr/>
-        <p:nvPr/>
-      </p:nvGrpSpPr>
-      <p:grpSpPr>
-        <a:xfrm>
-          <a:off x="0" y="0"/>
-          <a:ext cx="0" cy="0"/>
-          <a:chOff x="0" y="0"/>
-          <a:chExt cx="0" cy="0"/>
-        </a:xfrm>
-      </p:grpSpPr>
-      <p:sp>
-        <p:nvSpPr>
-          <p:cNvPr id="2" name="Title 1"/>
-          <p:cNvSpPr>
-            <a:spLocks noGrp="1"/>
-          </p:cNvSpPr>
-          <p:nvPr>
-            <p:ph type="title"/>
-          </p:nvPr>
-        </p:nvSpPr>
-        <p:spPr/>
-        <p:txBody>
-          <a:bodyPr/>
-          <a:lstStyle/>
-          <a:p>
-            <a:r>
-              <a:rPr lang="en-US" dirty="0" smtClean="0"/>
-              <a:t>Data Redirection to and From </a:t>
-            </a:r>
-            <a:r>
-              <a:rPr lang="en-US" dirty="0" err="1" smtClean="0"/>
-              <a:t>Computepool</a:t>
-            </a:r>
-            <a:r>
-              <a:rPr lang="en-US" dirty="0" smtClean="0"/>
-              <a:t> Tasks</a:t>
-            </a:r>
-            <a:endParaRPr lang="en-US" dirty="0"/>
-          </a:p>
-        </p:txBody>
-      </p:sp>
-      <p:sp>
-        <p:nvSpPr>
-          <p:cNvPr id="3" name="Content Placeholder 2"/>
-          <p:cNvSpPr>
-            <a:spLocks noGrp="1"/>
-          </p:cNvSpPr>
-          <p:nvPr>
-            <p:ph idx="1"/>
-          </p:nvPr>
-        </p:nvSpPr>
-        <p:spPr/>
-        <p:txBody>
-          <a:bodyPr/>
-          <a:lstStyle/>
-          <a:p>
-            <a:r>
-              <a:rPr lang="en-US" dirty="0" smtClean="0"/>
-              <a:t>Data from </a:t>
-            </a:r>
-            <a:r>
-              <a:rPr lang="en-US" dirty="0" err="1" smtClean="0"/>
-              <a:t>Datapools</a:t>
-            </a:r>
-            <a:r>
-              <a:rPr lang="en-US" dirty="0" smtClean="0"/>
-              <a:t> can be retrieved </a:t>
-            </a:r>
-            <a:r>
-              <a:rPr lang="en-US" dirty="0"/>
-              <a:t>as input </a:t>
-            </a:r>
-            <a:r>
-              <a:rPr lang="en-US" dirty="0" smtClean="0"/>
-              <a:t>for </a:t>
-            </a:r>
-            <a:r>
-              <a:rPr lang="en-US" dirty="0" err="1" smtClean="0"/>
-              <a:t>Computepool</a:t>
-            </a:r>
-            <a:r>
-              <a:rPr lang="en-US" dirty="0"/>
-              <a:t> </a:t>
-            </a:r>
-            <a:r>
-              <a:rPr lang="en-US" dirty="0" smtClean="0"/>
-              <a:t>tasks</a:t>
-            </a:r>
-            <a:endParaRPr lang="en-US" dirty="0" smtClean="0"/>
-          </a:p>
-          <a:p>
-            <a:r>
-              <a:rPr lang="en-US" dirty="0" smtClean="0"/>
-              <a:t>Output from a </a:t>
-            </a:r>
-            <a:r>
-              <a:rPr lang="en-US" dirty="0" err="1" smtClean="0"/>
-              <a:t>Computepool</a:t>
-            </a:r>
-            <a:r>
-              <a:rPr lang="en-US" dirty="0" smtClean="0"/>
-              <a:t> task can be </a:t>
-            </a:r>
-            <a:r>
-              <a:rPr lang="en-US" dirty="0" smtClean="0"/>
-              <a:t>redirected:</a:t>
-            </a:r>
-          </a:p>
-          <a:p>
-            <a:pPr lvl="1"/>
-            <a:r>
-              <a:rPr lang="en-US" dirty="0" smtClean="0"/>
-              <a:t>back </a:t>
-            </a:r>
-            <a:r>
-              <a:rPr lang="en-US" dirty="0" smtClean="0"/>
-              <a:t>into </a:t>
-            </a:r>
-            <a:r>
-              <a:rPr lang="en-US" dirty="0" err="1" smtClean="0"/>
-              <a:t>Datapools</a:t>
-            </a:r>
-            <a:endParaRPr lang="en-US" dirty="0" smtClean="0"/>
-          </a:p>
-          <a:p>
-            <a:pPr lvl="1"/>
-            <a:r>
-              <a:rPr lang="en-US" dirty="0" smtClean="0"/>
-              <a:t>as </a:t>
-            </a:r>
-            <a:r>
-              <a:rPr lang="en-US" dirty="0" smtClean="0"/>
-              <a:t>messages, </a:t>
-            </a:r>
-            <a:endParaRPr lang="en-US" dirty="0" smtClean="0"/>
-          </a:p>
-          <a:p>
-            <a:pPr lvl="1"/>
-            <a:r>
-              <a:rPr lang="en-US" dirty="0" smtClean="0"/>
-              <a:t>or </a:t>
-            </a:r>
-            <a:r>
-              <a:rPr lang="en-US" dirty="0" smtClean="0"/>
-              <a:t>stored in asynchronous </a:t>
-            </a:r>
-            <a:r>
-              <a:rPr lang="en-US" dirty="0" smtClean="0"/>
-              <a:t>channels</a:t>
-            </a:r>
-            <a:endParaRPr lang="en-US" dirty="0"/>
-          </a:p>
-        </p:txBody>
-      </p:sp>
-    </p:spTree>
-    <p:extLst>
-      <p:ext uri="{BB962C8B-B14F-4D97-AF65-F5344CB8AC3E}">
-        <p14:creationId xmlns:p14="http://schemas.microsoft.com/office/powerpoint/2010/main" val="3382462889"/>
-      </p:ext>
-    </p:extLst>
-  </p:cSld>
-  <p:clrMapOvr>
-    <a:masterClrMapping/>
-  </p:clrMapOvr>
-  <p:timing>
-    <p:tnLst>
-      <p:par>
-        <p:cTn id="1" dur="indefinite" restart="never" nodeType="tmRoot">
-          <p:childTnLst>
-            <p:seq concurrent="1" nextAc="seek">
-              <p:cTn id="2" dur="indefinite" nodeType="mainSeq">
-                <p:childTnLst>
-                  <p:par>
-                    <p:cTn id="3" fill="hold">
-                      <p:stCondLst>
-                        <p:cond delay="indefinite"/>
-                      </p:stCondLst>
-                      <p:childTnLst>
-                        <p:par>
-                          <p:cTn id="4" fill="hold">
-                            <p:stCondLst>
-                              <p:cond delay="0"/>
-                            </p:stCondLst>
-                            <p:childTnLst>
-                              <p:par>
-                                <p:cTn id="5" presetID="1" presetClass="entr" presetSubtype="0" fill="hold" grpId="0" nodeType="clickEffect">
-                                  <p:stCondLst>
-                                    <p:cond delay="0"/>
-                                  </p:stCondLst>
-                                  <p:childTnLst>
-                                    <p:set>
-                                      <p:cBhvr>
-                                        <p:cTn id="6" dur="1" fill="hold">
-                                          <p:stCondLst>
-                                            <p:cond delay="0"/>
-                                          </p:stCondLst>
-                                        </p:cTn>
-                                        <p:tgtEl>
-                                          <p:spTgt spid="3">
-                                            <p:txEl>
-                                              <p:pRg st="0" end="0"/>
-                                            </p:txEl>
-                                          </p:spTgt>
-                                        </p:tgtEl>
-                                        <p:attrNameLst>
-                                          <p:attrName>style.visibility</p:attrName>
-                                        </p:attrNameLst>
-                                      </p:cBhvr>
-                                      <p:to>
-                                        <p:strVal val="visible"/>
-                                      </p:to>
-                                    </p:set>
-                                  </p:childTnLst>
-                                </p:cTn>
-                              </p:par>
-                            </p:childTnLst>
-                          </p:cTn>
-                        </p:par>
-                      </p:childTnLst>
-                    </p:cTn>
-                  </p:par>
-                  <p:par>
-                    <p:cTn id="7" fill="hold">
-                      <p:stCondLst>
-                        <p:cond delay="indefinite"/>
-                      </p:stCondLst>
-                      <p:childTnLst>
-                        <p:par>
-                          <p:cTn id="8" fill="hold">
-                            <p:stCondLst>
-                              <p:cond delay="0"/>
-                            </p:stCondLst>
-                            <p:childTnLst>
-                              <p:par>
-                                <p:cTn id="9" presetID="1" presetClass="entr" presetSubtype="0" fill="hold" grpId="0" nodeType="clickEffect">
-                                  <p:stCondLst>
-                                    <p:cond delay="0"/>
-                                  </p:stCondLst>
-                                  <p:childTnLst>
-                                    <p:set>
-                                      <p:cBhvr>
-                                        <p:cTn id="10" dur="1" fill="hold">
-                                          <p:stCondLst>
-                                            <p:cond delay="0"/>
-                                          </p:stCondLst>
-                                        </p:cTn>
-                                        <p:tgtEl>
-                                          <p:spTgt spid="3">
-                                            <p:txEl>
-                                              <p:pRg st="1" end="1"/>
-                                            </p:txEl>
-                                          </p:spTgt>
-                                        </p:tgtEl>
-                                        <p:attrNameLst>
-                                          <p:attrName>style.visibility</p:attrName>
-                                        </p:attrNameLst>
-                                      </p:cBhvr>
-                                      <p:to>
-                                        <p:strVal val="visible"/>
-                                      </p:to>
-                                    </p:set>
-                                  </p:childTnLst>
-                                </p:cTn>
-                              </p:par>
-                              <p:par>
-                                <p:cTn id="11" presetID="1" presetClass="entr" presetSubtype="0" fill="hold" grpId="0" nodeType="withEffect">
-                                  <p:stCondLst>
-                                    <p:cond delay="0"/>
-                                  </p:stCondLst>
-                                  <p:childTnLst>
-                                    <p:set>
-                                      <p:cBhvr>
-                                        <p:cTn id="12" dur="1" fill="hold">
-                                          <p:stCondLst>
-                                            <p:cond delay="0"/>
-                                          </p:stCondLst>
-                                        </p:cTn>
-                                        <p:tgtEl>
-                                          <p:spTgt spid="3">
-                                            <p:txEl>
-                                              <p:pRg st="2" end="2"/>
-                                            </p:txEl>
-                                          </p:spTgt>
-                                        </p:tgtEl>
-                                        <p:attrNameLst>
-                                          <p:attrName>style.visibility</p:attrName>
-                                        </p:attrNameLst>
-                                      </p:cBhvr>
-                                      <p:to>
-                                        <p:strVal val="visible"/>
-                                      </p:to>
-                                    </p:set>
-                                  </p:childTnLst>
-                                </p:cTn>
-                              </p:par>
-                              <p:par>
-                                <p:cTn id="13" presetID="1" presetClass="entr" presetSubtype="0" fill="hold" grpId="0" nodeType="withEffect">
-                                  <p:stCondLst>
-                                    <p:cond delay="0"/>
-                                  </p:stCondLst>
-                                  <p:childTnLst>
-                                    <p:set>
-                                      <p:cBhvr>
-                                        <p:cTn id="14" dur="1" fill="hold">
-                                          <p:stCondLst>
-                                            <p:cond delay="0"/>
-                                          </p:stCondLst>
-                                        </p:cTn>
-                                        <p:tgtEl>
-                                          <p:spTgt spid="3">
-                                            <p:txEl>
-                                              <p:pRg st="3" end="3"/>
-                                            </p:txEl>
-                                          </p:spTgt>
-                                        </p:tgtEl>
-                                        <p:attrNameLst>
-                                          <p:attrName>style.visibility</p:attrName>
-                                        </p:attrNameLst>
-                                      </p:cBhvr>
-                                      <p:to>
-                                        <p:strVal val="visible"/>
-                                      </p:to>
-                                    </p:set>
-                                  </p:childTnLst>
-                                </p:cTn>
-                              </p:par>
-                              <p:par>
-                                <p:cTn id="15" presetID="1" presetClass="entr" presetSubtype="0" fill="hold" grpId="0" nodeType="withEffect">
-                                  <p:stCondLst>
-                                    <p:cond delay="0"/>
-                                  </p:stCondLst>
-                                  <p:childTnLst>
-                                    <p:set>
-                                      <p:cBhvr>
-                                        <p:cTn id="16" dur="1" fill="hold">
-                                          <p:stCondLst>
-                                            <p:cond delay="0"/>
-                                          </p:stCondLst>
-                                        </p:cTn>
-                                        <p:tgtEl>
-                                          <p:spTgt spid="3">
-                                            <p:txEl>
-                                              <p:pRg st="4" end="4"/>
-                                            </p:txEl>
-                                          </p:spTgt>
-                                        </p:tgtEl>
-                                        <p:attrNameLst>
-                                          <p:attrName>style.visibility</p:attrName>
-                                        </p:attrNameLst>
-                                      </p:cBhvr>
-                                      <p:to>
-                                        <p:strVal val="visible"/>
-                                      </p:to>
-                                    </p:set>
-                                  </p:childTnLst>
-                                </p:cTn>
-                              </p:par>
-                            </p:childTnLst>
-                          </p:cTn>
-                        </p:par>
-                      </p:childTnLst>
-                    </p:cTn>
-                  </p:par>
-                </p:childTnLst>
-              </p:cTn>
-              <p:prevCondLst>
-                <p:cond evt="onPrev" delay="0">
-                  <p:tgtEl>
-                    <p:sldTgt/>
-                  </p:tgtEl>
-                </p:cond>
-              </p:prevCondLst>
-              <p:nextCondLst>
-                <p:cond evt="onNext" delay="0">
-                  <p:tgtEl>
-                    <p:sldTgt/>
-                  </p:tgtEl>
-                </p:cond>
-              </p:nextCondLst>
-            </p:seq>
-          </p:childTnLst>
-        </p:cTn>
-      </p:par>
-    </p:tnLst>
-    <p:bldLst>
-      <p:bldP spid="3" grpId="0" build="p"/>
-    </p:bldLst>
-  </p:timing>
-</p:sld>
-</file>
-
-<file path=ppt/slides/slide23.xml><?xml version="1.0" encoding="utf-8"?>
-<p:sld xmlns:a="http://schemas.openxmlformats.org/drawingml/2006/main" xmlns:r="http://schemas.openxmlformats.org/officeDocument/2006/relationships" xmlns:p="http://schemas.openxmlformats.org/presentationml/2006/main">
-  <p:cSld>
-    <p:spTree>
-      <p:nvGrpSpPr>
-        <p:cNvPr id="1" name=""/>
-        <p:cNvGrpSpPr/>
-        <p:nvPr/>
-      </p:nvGrpSpPr>
-      <p:grpSpPr>
-        <a:xfrm>
-          <a:off x="0" y="0"/>
-          <a:ext cx="0" cy="0"/>
-          <a:chOff x="0" y="0"/>
-          <a:chExt cx="0" cy="0"/>
-        </a:xfrm>
-      </p:grpSpPr>
-      <p:pic>
-        <p:nvPicPr>
-          <p:cNvPr id="5" name="Picture 4"/>
-          <p:cNvPicPr>
-            <a:picLocks noChangeAspect="1"/>
-          </p:cNvPicPr>
-          <p:nvPr/>
-        </p:nvPicPr>
-        <p:blipFill>
-          <a:blip r:embed="rId2"/>
-          <a:stretch>
-            <a:fillRect/>
-          </a:stretch>
-        </p:blipFill>
-        <p:spPr>
-          <a:xfrm>
-            <a:off x="1964415" y="303126"/>
-            <a:ext cx="8387600" cy="6264457"/>
-          </a:xfrm>
-          <a:prstGeom prst="rect">
-            <a:avLst/>
-          </a:prstGeom>
-        </p:spPr>
-      </p:pic>
-    </p:spTree>
-    <p:extLst>
-      <p:ext uri="{BB962C8B-B14F-4D97-AF65-F5344CB8AC3E}">
-        <p14:creationId xmlns:p14="http://schemas.microsoft.com/office/powerpoint/2010/main" val="3996698958"/>
-      </p:ext>
-    </p:extLst>
-  </p:cSld>
-  <p:clrMapOvr>
-    <a:masterClrMapping/>
-  </p:clrMapOvr>
-  <p:timing>
-    <p:tnLst>
-      <p:par>
-        <p:cTn id="1" dur="indefinite" restart="never" nodeType="tmRoot"/>
-      </p:par>
-    </p:tnLst>
   </p:timing>
 </p:sld>
 </file>
@@ -15896,15 +17005,7 @@
           <a:p>
             <a:r>
               <a:rPr lang="en-US" dirty="0" smtClean="0"/>
-              <a:t>Before code examples - </a:t>
-            </a:r>
-            <a:r>
-              <a:rPr lang="en-US" dirty="0" smtClean="0"/>
-              <a:t>Questions </a:t>
-            </a:r>
-            <a:r>
-              <a:rPr lang="en-US" dirty="0" smtClean="0"/>
-              <a:t>on dfc3?</a:t>
+              <a:t>Questions about Lisp?</a:t>
             </a:r>
             <a:endParaRPr lang="en-US" dirty="0"/>
           </a:p>
@@ -15913,7 +17014,7 @@
     </p:spTree>
     <p:extLst>
       <p:ext uri="{BB962C8B-B14F-4D97-AF65-F5344CB8AC3E}">
-        <p14:creationId xmlns:p14="http://schemas.microsoft.com/office/powerpoint/2010/main" val="573360119"/>
+        <p14:creationId xmlns:p14="http://schemas.microsoft.com/office/powerpoint/2010/main" val="692898500"/>
       </p:ext>
     </p:extLst>
   </p:cSld>
@@ -17798,13 +18899,6 @@
               </a:rPr>
               <a:t>))) </a:t>
             </a:r>
-            <a:endParaRPr lang="en-US" sz="1400" dirty="0">
-              <a:solidFill>
-                <a:schemeClr val="bg1"/>
-              </a:solidFill>
-              <a:latin typeface="Consolas" panose="020B0609020204030204" pitchFamily="49" charset="0"/>
-              <a:cs typeface="Consolas" panose="020B0609020204030204" pitchFamily="49" charset="0"/>
-            </a:endParaRPr>
           </a:p>
         </p:txBody>
       </p:sp>
@@ -18370,6 +19464,16 @@
               <a:buNone/>
             </a:pPr>
             <a:r>
+              <a:rPr lang="en-US" sz="1400" dirty="0" smtClean="0">
+                <a:solidFill>
+                  <a:schemeClr val="bg1"/>
+                </a:solidFill>
+                <a:latin typeface="Consolas" panose="020B0609020204030204" pitchFamily="49" charset="0"/>
+                <a:cs typeface="Consolas" panose="020B0609020204030204" pitchFamily="49" charset="0"/>
+              </a:rPr>
+              <a:t>(</a:t>
+            </a:r>
+            <a:r>
               <a:rPr lang="en-US" sz="1400" dirty="0">
                 <a:solidFill>
                   <a:schemeClr val="bg1"/>
@@ -18377,7 +19481,7 @@
                 <a:latin typeface="Consolas" panose="020B0609020204030204" pitchFamily="49" charset="0"/>
                 <a:cs typeface="Consolas" panose="020B0609020204030204" pitchFamily="49" charset="0"/>
               </a:rPr>
-              <a:t>(define (message-ex</a:t>
+              <a:t>define (message-ex</a:t>
             </a:r>
             <a:r>
               <a:rPr lang="en-US" sz="1400" dirty="0" smtClean="0">
@@ -21306,39 +22410,26 @@
                                   </p:childTnLst>
                                 </p:cTn>
                               </p:par>
+                            </p:childTnLst>
+                          </p:cTn>
+                        </p:par>
+                      </p:childTnLst>
+                    </p:cTn>
+                  </p:par>
+                  <p:par>
+                    <p:cTn id="23" fill="hold">
+                      <p:stCondLst>
+                        <p:cond delay="indefinite"/>
+                      </p:stCondLst>
+                      <p:childTnLst>
+                        <p:par>
+                          <p:cTn id="24" fill="hold">
+                            <p:stCondLst>
+                              <p:cond delay="0"/>
+                            </p:stCondLst>
+                            <p:childTnLst>
                               <p:par>
-                                <p:cTn id="23" presetID="1" presetClass="entr" presetSubtype="0" fill="hold" grpId="0" nodeType="withEffect">
-                                  <p:stCondLst>
-                                    <p:cond delay="0"/>
-                                  </p:stCondLst>
-                                  <p:childTnLst>
-                                    <p:set>
-                                      <p:cBhvr>
-                                        <p:cTn id="24" dur="1" fill="hold">
-                                          <p:stCondLst>
-                                            <p:cond delay="0"/>
-                                          </p:stCondLst>
-                                        </p:cTn>
-                                        <p:tgtEl>
-                                          <p:spTgt spid="3">
-                                            <p:txEl>
-                                              <p:pRg st="9" end="9"/>
-                                            </p:txEl>
-                                          </p:spTgt>
-                                        </p:tgtEl>
-                                        <p:attrNameLst>
-                                          <p:attrName>style.visibility</p:attrName>
-                                        </p:attrNameLst>
-                                      </p:cBhvr>
-                                      <p:to>
-                                        <p:strVal val="visible"/>
-                                      </p:to>
-                                    </p:set>
-                                  </p:childTnLst>
-                                </p:cTn>
-                              </p:par>
-                              <p:par>
-                                <p:cTn id="25" presetID="1" presetClass="entr" presetSubtype="0" fill="hold" grpId="0" nodeType="withEffect">
+                                <p:cTn id="25" presetID="1" presetClass="entr" presetSubtype="0" fill="hold" grpId="0" nodeType="clickEffect">
                                   <p:stCondLst>
                                     <p:cond delay="0"/>
                                   </p:stCondLst>
@@ -21353,7 +22444,7 @@
                                         <p:tgtEl>
                                           <p:spTgt spid="3">
                                             <p:txEl>
-                                              <p:pRg st="10" end="10"/>
+                                              <p:pRg st="9" end="9"/>
                                             </p:txEl>
                                           </p:spTgt>
                                         </p:tgtEl>
@@ -21384,7 +22475,7 @@
                                         <p:tgtEl>
                                           <p:spTgt spid="3">
                                             <p:txEl>
-                                              <p:pRg st="11" end="11"/>
+                                              <p:pRg st="10" end="10"/>
                                             </p:txEl>
                                           </p:spTgt>
                                         </p:tgtEl>
@@ -21415,6 +22506,55 @@
                                         <p:tgtEl>
                                           <p:spTgt spid="3">
                                             <p:txEl>
+                                              <p:pRg st="11" end="11"/>
+                                            </p:txEl>
+                                          </p:spTgt>
+                                        </p:tgtEl>
+                                        <p:attrNameLst>
+                                          <p:attrName>style.visibility</p:attrName>
+                                        </p:attrNameLst>
+                                      </p:cBhvr>
+                                      <p:to>
+                                        <p:strVal val="visible"/>
+                                      </p:to>
+                                    </p:set>
+                                  </p:childTnLst>
+                                </p:cTn>
+                              </p:par>
+                            </p:childTnLst>
+                          </p:cTn>
+                        </p:par>
+                      </p:childTnLst>
+                    </p:cTn>
+                  </p:par>
+                  <p:par>
+                    <p:cTn id="31" fill="hold">
+                      <p:stCondLst>
+                        <p:cond delay="indefinite"/>
+                      </p:stCondLst>
+                      <p:childTnLst>
+                        <p:par>
+                          <p:cTn id="32" fill="hold">
+                            <p:stCondLst>
+                              <p:cond delay="0"/>
+                            </p:stCondLst>
+                            <p:childTnLst>
+                              <p:par>
+                                <p:cTn id="33" presetID="1" presetClass="entr" presetSubtype="0" fill="hold" grpId="0" nodeType="clickEffect">
+                                  <p:stCondLst>
+                                    <p:cond delay="0"/>
+                                  </p:stCondLst>
+                                  <p:childTnLst>
+                                    <p:set>
+                                      <p:cBhvr>
+                                        <p:cTn id="34" dur="1" fill="hold">
+                                          <p:stCondLst>
+                                            <p:cond delay="0"/>
+                                          </p:stCondLst>
+                                        </p:cTn>
+                                        <p:tgtEl>
+                                          <p:spTgt spid="3">
+                                            <p:txEl>
                                               <p:pRg st="12" end="12"/>
                                             </p:txEl>
                                           </p:spTgt>
@@ -21431,14 +22571,14 @@
                                 </p:cTn>
                               </p:par>
                               <p:par>
-                                <p:cTn id="31" presetID="1" presetClass="entr" presetSubtype="0" fill="hold" grpId="0" nodeType="withEffect">
+                                <p:cTn id="35" presetID="1" presetClass="entr" presetSubtype="0" fill="hold" grpId="0" nodeType="withEffect">
                                   <p:stCondLst>
                                     <p:cond delay="0"/>
                                   </p:stCondLst>
                                   <p:childTnLst>
                                     <p:set>
                                       <p:cBhvr>
-                                        <p:cTn id="32" dur="1" fill="hold">
+                                        <p:cTn id="36" dur="1" fill="hold">
                                           <p:stCondLst>
                                             <p:cond delay="0"/>
                                           </p:stCondLst>
@@ -21468,81 +22608,19 @@
                     </p:cTn>
                   </p:par>
                   <p:par>
-                    <p:cTn id="33" fill="hold">
+                    <p:cTn id="37" fill="hold">
                       <p:stCondLst>
                         <p:cond delay="indefinite"/>
                       </p:stCondLst>
                       <p:childTnLst>
                         <p:par>
-                          <p:cTn id="34" fill="hold">
+                          <p:cTn id="38" fill="hold">
                             <p:stCondLst>
                               <p:cond delay="0"/>
                             </p:stCondLst>
                             <p:childTnLst>
                               <p:par>
-                                <p:cTn id="35" presetID="1" presetClass="entr" presetSubtype="0" fill="hold" grpId="0" nodeType="clickEffect">
-                                  <p:stCondLst>
-                                    <p:cond delay="0"/>
-                                  </p:stCondLst>
-                                  <p:childTnLst>
-                                    <p:set>
-                                      <p:cBhvr>
-                                        <p:cTn id="36" dur="1" fill="hold">
-                                          <p:stCondLst>
-                                            <p:cond delay="0"/>
-                                          </p:stCondLst>
-                                        </p:cTn>
-                                        <p:tgtEl>
-                                          <p:spTgt spid="3">
-                                            <p:txEl>
-                                              <p:pRg st="15" end="15"/>
-                                            </p:txEl>
-                                          </p:spTgt>
-                                        </p:tgtEl>
-                                        <p:attrNameLst>
-                                          <p:attrName>style.visibility</p:attrName>
-                                        </p:attrNameLst>
-                                      </p:cBhvr>
-                                      <p:to>
-                                        <p:strVal val="visible"/>
-                                      </p:to>
-                                    </p:set>
-                                  </p:childTnLst>
-                                </p:cTn>
-                              </p:par>
-                              <p:par>
-                                <p:cTn id="37" presetID="1" presetClass="entr" presetSubtype="0" fill="hold" grpId="0" nodeType="withEffect">
-                                  <p:stCondLst>
-                                    <p:cond delay="0"/>
-                                  </p:stCondLst>
-                                  <p:childTnLst>
-                                    <p:set>
-                                      <p:cBhvr>
-                                        <p:cTn id="38" dur="1" fill="hold">
-                                          <p:stCondLst>
-                                            <p:cond delay="0"/>
-                                          </p:stCondLst>
-                                        </p:cTn>
-                                        <p:tgtEl>
-                                          <p:spTgt spid="3">
-                                            <p:txEl>
-                                              <p:pRg st="16" end="16"/>
-                                            </p:txEl>
-                                          </p:spTgt>
-                                        </p:tgtEl>
-                                        <p:attrNameLst>
-                                          <p:attrName>style.visibility</p:attrName>
-                                        </p:attrNameLst>
-                                      </p:cBhvr>
-                                      <p:to>
-                                        <p:strVal val="visible"/>
-                                      </p:to>
-                                    </p:set>
-                                  </p:childTnLst>
-                                </p:cTn>
-                              </p:par>
-                              <p:par>
-                                <p:cTn id="39" presetID="1" presetClass="entr" presetSubtype="0" fill="hold" grpId="0" nodeType="withEffect">
+                                <p:cTn id="39" presetID="1" presetClass="entr" presetSubtype="0" fill="hold" grpId="0" nodeType="clickEffect">
                                   <p:stCondLst>
                                     <p:cond delay="0"/>
                                   </p:stCondLst>
@@ -21557,7 +22635,7 @@
                                         <p:tgtEl>
                                           <p:spTgt spid="3">
                                             <p:txEl>
-                                              <p:pRg st="17" end="17"/>
+                                              <p:pRg st="15" end="15"/>
                                             </p:txEl>
                                           </p:spTgt>
                                         </p:tgtEl>
@@ -21588,6 +22666,68 @@
                                         <p:tgtEl>
                                           <p:spTgt spid="3">
                                             <p:txEl>
+                                              <p:pRg st="16" end="16"/>
+                                            </p:txEl>
+                                          </p:spTgt>
+                                        </p:tgtEl>
+                                        <p:attrNameLst>
+                                          <p:attrName>style.visibility</p:attrName>
+                                        </p:attrNameLst>
+                                      </p:cBhvr>
+                                      <p:to>
+                                        <p:strVal val="visible"/>
+                                      </p:to>
+                                    </p:set>
+                                  </p:childTnLst>
+                                </p:cTn>
+                              </p:par>
+                              <p:par>
+                                <p:cTn id="43" presetID="1" presetClass="entr" presetSubtype="0" fill="hold" grpId="0" nodeType="withEffect">
+                                  <p:stCondLst>
+                                    <p:cond delay="0"/>
+                                  </p:stCondLst>
+                                  <p:childTnLst>
+                                    <p:set>
+                                      <p:cBhvr>
+                                        <p:cTn id="44" dur="1" fill="hold">
+                                          <p:stCondLst>
+                                            <p:cond delay="0"/>
+                                          </p:stCondLst>
+                                        </p:cTn>
+                                        <p:tgtEl>
+                                          <p:spTgt spid="3">
+                                            <p:txEl>
+                                              <p:pRg st="17" end="17"/>
+                                            </p:txEl>
+                                          </p:spTgt>
+                                        </p:tgtEl>
+                                        <p:attrNameLst>
+                                          <p:attrName>style.visibility</p:attrName>
+                                        </p:attrNameLst>
+                                      </p:cBhvr>
+                                      <p:to>
+                                        <p:strVal val="visible"/>
+                                      </p:to>
+                                    </p:set>
+                                  </p:childTnLst>
+                                </p:cTn>
+                              </p:par>
+                              <p:par>
+                                <p:cTn id="45" presetID="1" presetClass="entr" presetSubtype="0" fill="hold" grpId="0" nodeType="withEffect">
+                                  <p:stCondLst>
+                                    <p:cond delay="0"/>
+                                  </p:stCondLst>
+                                  <p:childTnLst>
+                                    <p:set>
+                                      <p:cBhvr>
+                                        <p:cTn id="46" dur="1" fill="hold">
+                                          <p:stCondLst>
+                                            <p:cond delay="0"/>
+                                          </p:stCondLst>
+                                        </p:cTn>
+                                        <p:tgtEl>
+                                          <p:spTgt spid="3">
+                                            <p:txEl>
                                               <p:pRg st="18" end="18"/>
                                             </p:txEl>
                                           </p:spTgt>
@@ -21610,26 +22750,26 @@
                     </p:cTn>
                   </p:par>
                   <p:par>
-                    <p:cTn id="43" fill="hold">
+                    <p:cTn id="47" fill="hold">
                       <p:stCondLst>
                         <p:cond delay="indefinite"/>
                       </p:stCondLst>
                       <p:childTnLst>
                         <p:par>
-                          <p:cTn id="44" fill="hold">
+                          <p:cTn id="48" fill="hold">
                             <p:stCondLst>
                               <p:cond delay="0"/>
                             </p:stCondLst>
                             <p:childTnLst>
                               <p:par>
-                                <p:cTn id="45" presetID="1" presetClass="entr" presetSubtype="0" fill="hold" grpId="0" nodeType="clickEffect">
+                                <p:cTn id="49" presetID="1" presetClass="entr" presetSubtype="0" fill="hold" grpId="0" nodeType="clickEffect">
                                   <p:stCondLst>
                                     <p:cond delay="0"/>
                                   </p:stCondLst>
                                   <p:childTnLst>
                                     <p:set>
                                       <p:cBhvr>
-                                        <p:cTn id="46" dur="1" fill="hold">
+                                        <p:cTn id="50" dur="1" fill="hold">
                                           <p:stCondLst>
                                             <p:cond delay="0"/>
                                           </p:stCondLst>
@@ -21653,14 +22793,14 @@
                                 </p:cTn>
                               </p:par>
                               <p:par>
-                                <p:cTn id="47" presetID="1" presetClass="entr" presetSubtype="0" fill="hold" grpId="0" nodeType="withEffect">
+                                <p:cTn id="51" presetID="1" presetClass="entr" presetSubtype="0" fill="hold" grpId="0" nodeType="withEffect">
                                   <p:stCondLst>
                                     <p:cond delay="0"/>
                                   </p:stCondLst>
                                   <p:childTnLst>
                                     <p:set>
                                       <p:cBhvr>
-                                        <p:cTn id="48" dur="1" fill="hold">
+                                        <p:cTn id="52" dur="1" fill="hold">
                                           <p:stCondLst>
                                             <p:cond delay="0"/>
                                           </p:stCondLst>
@@ -21684,14 +22824,14 @@
                                 </p:cTn>
                               </p:par>
                               <p:par>
-                                <p:cTn id="49" presetID="1" presetClass="entr" presetSubtype="0" fill="hold" grpId="0" nodeType="withEffect">
+                                <p:cTn id="53" presetID="1" presetClass="entr" presetSubtype="0" fill="hold" grpId="0" nodeType="withEffect">
                                   <p:stCondLst>
                                     <p:cond delay="0"/>
                                   </p:stCondLst>
                                   <p:childTnLst>
                                     <p:set>
                                       <p:cBhvr>
-                                        <p:cTn id="50" dur="1" fill="hold">
+                                        <p:cTn id="54" dur="1" fill="hold">
                                           <p:stCondLst>
                                             <p:cond delay="0"/>
                                           </p:stCondLst>
@@ -21812,33 +22952,13 @@
           <a:p>
             <a:r>
               <a:rPr lang="en-US" dirty="0" smtClean="0"/>
-              <a:t>Current </a:t>
-            </a:r>
+              <a:t>Current best practice Object Oriented Programming design mixes program state and program functionality by default</a:t>
+            </a:r>
+          </a:p>
+          <a:p>
             <a:r>
               <a:rPr lang="en-US" dirty="0" smtClean="0"/>
-              <a:t>best practice Object Oriented </a:t>
-            </a:r>
-            <a:r>
-              <a:rPr lang="en-US" dirty="0" smtClean="0"/>
-              <a:t>Programming </a:t>
-            </a:r>
-            <a:r>
-              <a:rPr lang="en-US" dirty="0" smtClean="0"/>
-              <a:t>design </a:t>
-            </a:r>
-            <a:r>
-              <a:rPr lang="en-US" dirty="0" smtClean="0"/>
-              <a:t>mixes program state and program functionality by default</a:t>
-            </a:r>
-          </a:p>
-          <a:p>
-            <a:r>
-              <a:rPr lang="en-US" dirty="0" smtClean="0"/>
-              <a:t>Mixing program state with </a:t>
-            </a:r>
-            <a:r>
-              <a:rPr lang="en-US" dirty="0" smtClean="0"/>
-              <a:t>functions:</a:t>
+              <a:t>Mixing program state with functions:</a:t>
             </a:r>
           </a:p>
           <a:p>
@@ -21852,15 +22972,7 @@
             <a:pPr lvl="1"/>
             <a:r>
               <a:rPr lang="en-US" dirty="0" smtClean="0"/>
-              <a:t>creates </a:t>
-            </a:r>
-            <a:r>
-              <a:rPr lang="en-US" dirty="0" smtClean="0"/>
-              <a:t>unpredictable errors at unexpected </a:t>
-            </a:r>
-            <a:r>
-              <a:rPr lang="en-US" dirty="0" smtClean="0"/>
-              <a:t>times</a:t>
+              <a:t>creates unpredictable errors at unexpected times</a:t>
             </a:r>
           </a:p>
           <a:p>
@@ -21874,13 +22986,16 @@
           <a:p>
             <a:r>
               <a:rPr lang="en-US" dirty="0" smtClean="0"/>
-              <a:t>If the only information </a:t>
+              <a:t>If the only information functions can access is the API, these </a:t>
+            </a:r>
+            <a:r>
+              <a:rPr lang="en-US" smtClean="0"/>
+              <a:t>issues are significantly </a:t>
             </a:r>
             <a:r>
               <a:rPr lang="en-US" dirty="0" smtClean="0"/>
-              <a:t>functions can access is the API, these issues are mitigated</a:t>
-            </a:r>
-            <a:endParaRPr lang="en-US" dirty="0" smtClean="0"/>
+              <a:t>mitigated</a:t>
+            </a:r>
           </a:p>
         </p:txBody>
       </p:sp>
@@ -21994,15 +23109,33 @@
                                   </p:childTnLst>
                                 </p:cTn>
                               </p:par>
+                            </p:childTnLst>
+                          </p:cTn>
+                        </p:par>
+                      </p:childTnLst>
+                    </p:cTn>
+                  </p:par>
+                  <p:par>
+                    <p:cTn id="11" fill="hold">
+                      <p:stCondLst>
+                        <p:cond delay="indefinite"/>
+                      </p:stCondLst>
+                      <p:childTnLst>
+                        <p:par>
+                          <p:cTn id="12" fill="hold">
+                            <p:stCondLst>
+                              <p:cond delay="0"/>
+                            </p:stCondLst>
+                            <p:childTnLst>
                               <p:par>
-                                <p:cTn id="11" presetID="1" presetClass="entr" presetSubtype="0" fill="hold" grpId="0" nodeType="withEffect">
+                                <p:cTn id="13" presetID="1" presetClass="entr" presetSubtype="0" fill="hold" grpId="0" nodeType="clickEffect">
                                   <p:stCondLst>
                                     <p:cond delay="0"/>
                                   </p:stCondLst>
                                   <p:childTnLst>
                                     <p:set>
                                       <p:cBhvr>
-                                        <p:cTn id="12" dur="1" fill="hold">
+                                        <p:cTn id="14" dur="1" fill="hold">
                                           <p:stCondLst>
                                             <p:cond delay="0"/>
                                           </p:stCondLst>
@@ -22025,15 +23158,33 @@
                                   </p:childTnLst>
                                 </p:cTn>
                               </p:par>
+                            </p:childTnLst>
+                          </p:cTn>
+                        </p:par>
+                      </p:childTnLst>
+                    </p:cTn>
+                  </p:par>
+                  <p:par>
+                    <p:cTn id="15" fill="hold">
+                      <p:stCondLst>
+                        <p:cond delay="indefinite"/>
+                      </p:stCondLst>
+                      <p:childTnLst>
+                        <p:par>
+                          <p:cTn id="16" fill="hold">
+                            <p:stCondLst>
+                              <p:cond delay="0"/>
+                            </p:stCondLst>
+                            <p:childTnLst>
                               <p:par>
-                                <p:cTn id="13" presetID="1" presetClass="entr" presetSubtype="0" fill="hold" grpId="0" nodeType="withEffect">
+                                <p:cTn id="17" presetID="1" presetClass="entr" presetSubtype="0" fill="hold" grpId="0" nodeType="clickEffect">
                                   <p:stCondLst>
                                     <p:cond delay="0"/>
                                   </p:stCondLst>
                                   <p:childTnLst>
                                     <p:set>
                                       <p:cBhvr>
-                                        <p:cTn id="14" dur="1" fill="hold">
+                                        <p:cTn id="18" dur="1" fill="hold">
                                           <p:stCondLst>
                                             <p:cond delay="0"/>
                                           </p:stCondLst>
@@ -22056,15 +23207,33 @@
                                   </p:childTnLst>
                                 </p:cTn>
                               </p:par>
+                            </p:childTnLst>
+                          </p:cTn>
+                        </p:par>
+                      </p:childTnLst>
+                    </p:cTn>
+                  </p:par>
+                  <p:par>
+                    <p:cTn id="19" fill="hold">
+                      <p:stCondLst>
+                        <p:cond delay="indefinite"/>
+                      </p:stCondLst>
+                      <p:childTnLst>
+                        <p:par>
+                          <p:cTn id="20" fill="hold">
+                            <p:stCondLst>
+                              <p:cond delay="0"/>
+                            </p:stCondLst>
+                            <p:childTnLst>
                               <p:par>
-                                <p:cTn id="15" presetID="1" presetClass="entr" presetSubtype="0" fill="hold" grpId="0" nodeType="withEffect">
+                                <p:cTn id="21" presetID="1" presetClass="entr" presetSubtype="0" fill="hold" grpId="0" nodeType="clickEffect">
                                   <p:stCondLst>
                                     <p:cond delay="0"/>
                                   </p:stCondLst>
                                   <p:childTnLst>
                                     <p:set>
                                       <p:cBhvr>
-                                        <p:cTn id="16" dur="1" fill="hold">
+                                        <p:cTn id="22" dur="1" fill="hold">
                                           <p:stCondLst>
                                             <p:cond delay="0"/>
                                           </p:stCondLst>
@@ -22094,26 +23263,26 @@
                     </p:cTn>
                   </p:par>
                   <p:par>
-                    <p:cTn id="17" fill="hold">
+                    <p:cTn id="23" fill="hold">
                       <p:stCondLst>
                         <p:cond delay="indefinite"/>
                       </p:stCondLst>
                       <p:childTnLst>
                         <p:par>
-                          <p:cTn id="18" fill="hold">
+                          <p:cTn id="24" fill="hold">
                             <p:stCondLst>
                               <p:cond delay="0"/>
                             </p:stCondLst>
                             <p:childTnLst>
                               <p:par>
-                                <p:cTn id="19" presetID="1" presetClass="entr" presetSubtype="0" fill="hold" grpId="0" nodeType="clickEffect">
+                                <p:cTn id="25" presetID="1" presetClass="entr" presetSubtype="0" fill="hold" grpId="0" nodeType="clickEffect">
                                   <p:stCondLst>
                                     <p:cond delay="0"/>
                                   </p:stCondLst>
                                   <p:childTnLst>
                                     <p:set>
                                       <p:cBhvr>
-                                        <p:cTn id="20" dur="1" fill="hold">
+                                        <p:cTn id="26" dur="1" fill="hold">
                                           <p:stCondLst>
                                             <p:cond delay="0"/>
                                           </p:stCondLst>
@@ -22164,7 +23333,7 @@
       </p:par>
     </p:tnLst>
     <p:bldLst>
-      <p:bldP spid="3" grpId="0" build="p"/>
+      <p:bldP spid="3" grpId="0" uiExpand="1" build="p"/>
     </p:bldLst>
   </p:timing>
 </p:sld>
@@ -23410,7 +24579,7 @@
 </file>
 
 <file path=ppt/slides/slide31.xml><?xml version="1.0" encoding="utf-8"?>
-<p:sld xmlns:a="http://schemas.openxmlformats.org/drawingml/2006/main" xmlns:r="http://schemas.openxmlformats.org/officeDocument/2006/relationships" xmlns:p="http://schemas.openxmlformats.org/presentationml/2006/main">
+<p:sld xmlns:a="http://schemas.openxmlformats.org/drawingml/2006/main" xmlns:r="http://schemas.openxmlformats.org/officeDocument/2006/relationships" xmlns:p="http://schemas.openxmlformats.org/presentationml/2006/main" show="0">
   <p:cSld>
     <p:spTree>
       <p:nvGrpSpPr>
@@ -23466,8 +24635,8 @@
         </p:nvSpPr>
         <p:spPr>
           <a:xfrm>
-            <a:off x="4646697" y="76200"/>
-            <a:ext cx="7545303" cy="6715125"/>
+            <a:off x="4701396" y="67574"/>
+            <a:ext cx="7369834" cy="6715125"/>
           </a:xfrm>
           <a:solidFill>
             <a:schemeClr val="tx1"/>
@@ -24601,6 +25770,14 @@
   <p:clrMapOvr>
     <a:masterClrMapping/>
   </p:clrMapOvr>
+  <mc:AlternateContent xmlns:mc="http://schemas.openxmlformats.org/markup-compatibility/2006">
+    <mc:Choice xmlns:p14="http://schemas.microsoft.com/office/powerpoint/2010/main" Requires="p14">
+      <p:transition spd="slow" p14:dur="2000"/>
+    </mc:Choice>
+    <mc:Fallback>
+      <p:transition spd="slow"/>
+    </mc:Fallback>
+  </mc:AlternateContent>
   <p:timing>
     <p:tnLst>
       <p:par>
@@ -26759,13 +27936,6 @@
               </a:rPr>
               <a:t>)))</a:t>
             </a:r>
-            <a:endParaRPr lang="en-US" sz="1400" dirty="0">
-              <a:solidFill>
-                <a:schemeClr val="bg1"/>
-              </a:solidFill>
-              <a:latin typeface="Consolas" panose="020B0609020204030204" pitchFamily="49" charset="0"/>
-              <a:cs typeface="Consolas" panose="020B0609020204030204" pitchFamily="49" charset="0"/>
-            </a:endParaRPr>
           </a:p>
         </p:txBody>
       </p:sp>
@@ -27636,11 +28806,7 @@
           <a:p>
             <a:r>
               <a:rPr lang="en-US" dirty="0" smtClean="0"/>
-              <a:t>Go Output </a:t>
-            </a:r>
-            <a:r>
-              <a:rPr lang="en-US" dirty="0" smtClean="0"/>
-              <a:t>Redirection </a:t>
+              <a:t>Go Output Redirection </a:t>
             </a:r>
             <a:r>
               <a:rPr lang="en-US" dirty="0" err="1" smtClean="0"/>
@@ -28629,13 +29795,6 @@
               </a:rPr>
               <a:t>)))</a:t>
             </a:r>
-            <a:endParaRPr lang="en-US" sz="1400" dirty="0">
-              <a:solidFill>
-                <a:schemeClr val="bg1"/>
-              </a:solidFill>
-              <a:latin typeface="Consolas" panose="020B0609020204030204" pitchFamily="49" charset="0"/>
-              <a:cs typeface="Consolas" panose="020B0609020204030204" pitchFamily="49" charset="0"/>
-            </a:endParaRPr>
           </a:p>
         </p:txBody>
       </p:sp>
@@ -31790,37 +32949,7 @@
                 <a:latin typeface="Consolas" panose="020B0609020204030204" pitchFamily="49" charset="0"/>
                 <a:cs typeface="Consolas" panose="020B0609020204030204" pitchFamily="49" charset="0"/>
               </a:rPr>
-              <a:t>th</a:t>
-            </a:r>
-            <a:r>
-              <a:rPr lang="en-US" sz="1400" dirty="0" smtClean="0">
-                <a:solidFill>
-                  <a:schemeClr val="bg1"/>
-                </a:solidFill>
-                <a:latin typeface="Consolas" panose="020B0609020204030204" pitchFamily="49" charset="0"/>
-                <a:cs typeface="Consolas" panose="020B0609020204030204" pitchFamily="49" charset="0"/>
-              </a:rPr>
-              <a:t>e </a:t>
-            </a:r>
-            <a:r>
-              <a:rPr lang="en-US" sz="1400" dirty="0" smtClean="0">
-                <a:solidFill>
-                  <a:schemeClr val="bg1"/>
-                </a:solidFill>
-                <a:latin typeface="Consolas" panose="020B0609020204030204" pitchFamily="49" charset="0"/>
-                <a:cs typeface="Consolas" panose="020B0609020204030204" pitchFamily="49" charset="0"/>
-              </a:rPr>
-              <a:t>nth </a:t>
-            </a:r>
-            <a:r>
-              <a:rPr lang="en-US" sz="1400" dirty="0" smtClean="0">
-                <a:solidFill>
-                  <a:schemeClr val="bg1"/>
-                </a:solidFill>
-                <a:latin typeface="Consolas" panose="020B0609020204030204" pitchFamily="49" charset="0"/>
-                <a:cs typeface="Consolas" panose="020B0609020204030204" pitchFamily="49" charset="0"/>
-              </a:rPr>
-              <a:t>prime</a:t>
+              <a:t>the nth prime</a:t>
             </a:r>
           </a:p>
           <a:p>
@@ -32611,17 +33740,7 @@
                 <a:latin typeface="Consolas" panose="020B0609020204030204" pitchFamily="49" charset="0"/>
                 <a:cs typeface="Consolas" panose="020B0609020204030204" pitchFamily="49" charset="0"/>
               </a:rPr>
-              <a:t>                               </a:t>
-            </a:r>
-            <a:r>
-              <a:rPr lang="en-US" sz="1400" dirty="0" smtClean="0">
-                <a:solidFill>
-                  <a:schemeClr val="bg1"/>
-                </a:solidFill>
-                <a:latin typeface="Consolas" panose="020B0609020204030204" pitchFamily="49" charset="0"/>
-                <a:cs typeface="Consolas" panose="020B0609020204030204" pitchFamily="49" charset="0"/>
-              </a:rPr>
-              <a:t>nth </a:t>
+              <a:t>                               nth </a:t>
             </a:r>
           </a:p>
           <a:p>
@@ -32652,17 +33771,7 @@
                 <a:latin typeface="Consolas" panose="020B0609020204030204" pitchFamily="49" charset="0"/>
                 <a:cs typeface="Consolas" panose="020B0609020204030204" pitchFamily="49" charset="0"/>
               </a:rPr>
-              <a:t>                               </a:t>
-            </a:r>
-            <a:r>
-              <a:rPr lang="en-US" sz="1400" dirty="0" smtClean="0">
-                <a:solidFill>
-                  <a:schemeClr val="bg1"/>
-                </a:solidFill>
-                <a:latin typeface="Consolas" panose="020B0609020204030204" pitchFamily="49" charset="0"/>
-                <a:cs typeface="Consolas" panose="020B0609020204030204" pitchFamily="49" charset="0"/>
-              </a:rPr>
-              <a:t>output-channel</a:t>
+              <a:t>                               output-channel</a:t>
             </a:r>
             <a:r>
               <a:rPr lang="en-US" sz="1400" dirty="0">
@@ -33300,11 +34409,11 @@
   <p:clrMapOvr>
     <a:masterClrMapping/>
   </p:clrMapOvr>
-  <mc:AlternateContent xmlns:mc="http://schemas.openxmlformats.org/markup-compatibility/2006">
-    <mc:Choice xmlns:p14="http://schemas.microsoft.com/office/powerpoint/2010/main" Requires="p14">
+  <mc:AlternateContent xmlns:mc="http://schemas.openxmlformats.org/markup-compatibility/2006" xmlns:p14="http://schemas.microsoft.com/office/powerpoint/2010/main">
+    <mc:Choice Requires="p14">
       <p:transition spd="slow" p14:dur="2000"/>
     </mc:Choice>
-    <mc:Fallback>
+    <mc:Fallback xmlns="">
       <p:transition spd="slow"/>
     </mc:Fallback>
   </mc:AlternateContent>
@@ -34901,11 +36010,7 @@
           <a:p>
             <a:r>
               <a:rPr lang="en-US" dirty="0" smtClean="0"/>
-              <a:t>Concurrent/asynchronous program design is </a:t>
-            </a:r>
-            <a:r>
-              <a:rPr lang="en-US" dirty="0" smtClean="0"/>
-              <a:t>necessary to:</a:t>
+              <a:t>Concurrent/asynchronous program design is necessary to:</a:t>
             </a:r>
           </a:p>
           <a:p>
@@ -34926,13 +36031,8 @@
             <a:pPr lvl="1"/>
             <a:r>
               <a:rPr lang="en-US" dirty="0" smtClean="0"/>
-              <a:t>make</a:t>
-            </a:r>
-            <a:r>
-              <a:rPr lang="en-US" dirty="0" smtClean="0"/>
-              <a:t> programs fast</a:t>
-            </a:r>
-            <a:endParaRPr lang="en-US" dirty="0" smtClean="0"/>
+              <a:t>make programs fast</a:t>
+            </a:r>
           </a:p>
           <a:p>
             <a:r>
@@ -34944,49 +36044,21 @@
             <a:pPr lvl="1"/>
             <a:r>
               <a:rPr lang="en-US" dirty="0" smtClean="0"/>
-              <a:t>are </a:t>
-            </a:r>
+              <a:t>are error prone</a:t>
+            </a:r>
+          </a:p>
+          <a:p>
+            <a:pPr lvl="1"/>
             <a:r>
               <a:rPr lang="en-US" dirty="0" smtClean="0"/>
-              <a:t>error </a:t>
-            </a:r>
+              <a:t>difficult to maintain</a:t>
+            </a:r>
+          </a:p>
+          <a:p>
+            <a:pPr lvl="1"/>
             <a:r>
               <a:rPr lang="en-US" dirty="0" smtClean="0"/>
-              <a:t>prone</a:t>
-            </a:r>
-          </a:p>
-          <a:p>
-            <a:pPr lvl="1"/>
-            <a:r>
-              <a:rPr lang="en-US" dirty="0" smtClean="0"/>
-              <a:t>difficult </a:t>
-            </a:r>
-            <a:r>
-              <a:rPr lang="en-US" dirty="0" smtClean="0"/>
-              <a:t>to </a:t>
-            </a:r>
-            <a:r>
-              <a:rPr lang="en-US" dirty="0" smtClean="0"/>
-              <a:t>maintain</a:t>
-            </a:r>
-          </a:p>
-          <a:p>
-            <a:pPr lvl="1"/>
-            <a:r>
-              <a:rPr lang="en-US" dirty="0" smtClean="0"/>
-              <a:t>Obfuscate (hide)</a:t>
-            </a:r>
-            <a:r>
-              <a:rPr lang="en-US" dirty="0" smtClean="0"/>
-              <a:t> </a:t>
-            </a:r>
-            <a:r>
-              <a:rPr lang="en-US" dirty="0" smtClean="0"/>
-              <a:t>the </a:t>
-            </a:r>
-            <a:r>
-              <a:rPr lang="en-US" dirty="0" smtClean="0"/>
-              <a:t>algorithm</a:t>
+              <a:t>Obfuscate (hide) the algorithm</a:t>
             </a:r>
           </a:p>
           <a:p>
@@ -35060,15 +36132,33 @@
                                   </p:childTnLst>
                                 </p:cTn>
                               </p:par>
+                            </p:childTnLst>
+                          </p:cTn>
+                        </p:par>
+                      </p:childTnLst>
+                    </p:cTn>
+                  </p:par>
+                  <p:par>
+                    <p:cTn id="7" fill="hold">
+                      <p:stCondLst>
+                        <p:cond delay="indefinite"/>
+                      </p:stCondLst>
+                      <p:childTnLst>
+                        <p:par>
+                          <p:cTn id="8" fill="hold">
+                            <p:stCondLst>
+                              <p:cond delay="0"/>
+                            </p:stCondLst>
+                            <p:childTnLst>
                               <p:par>
-                                <p:cTn id="7" presetID="1" presetClass="entr" presetSubtype="0" fill="hold" grpId="0" nodeType="withEffect">
+                                <p:cTn id="9" presetID="1" presetClass="entr" presetSubtype="0" fill="hold" grpId="0" nodeType="clickEffect">
                                   <p:stCondLst>
                                     <p:cond delay="0"/>
                                   </p:stCondLst>
                                   <p:childTnLst>
                                     <p:set>
                                       <p:cBhvr>
-                                        <p:cTn id="8" dur="1" fill="hold">
+                                        <p:cTn id="10" dur="1" fill="hold">
                                           <p:stCondLst>
                                             <p:cond delay="0"/>
                                           </p:stCondLst>
@@ -35091,15 +36181,33 @@
                                   </p:childTnLst>
                                 </p:cTn>
                               </p:par>
+                            </p:childTnLst>
+                          </p:cTn>
+                        </p:par>
+                      </p:childTnLst>
+                    </p:cTn>
+                  </p:par>
+                  <p:par>
+                    <p:cTn id="11" fill="hold">
+                      <p:stCondLst>
+                        <p:cond delay="indefinite"/>
+                      </p:stCondLst>
+                      <p:childTnLst>
+                        <p:par>
+                          <p:cTn id="12" fill="hold">
+                            <p:stCondLst>
+                              <p:cond delay="0"/>
+                            </p:stCondLst>
+                            <p:childTnLst>
                               <p:par>
-                                <p:cTn id="9" presetID="1" presetClass="entr" presetSubtype="0" fill="hold" grpId="0" nodeType="withEffect">
+                                <p:cTn id="13" presetID="1" presetClass="entr" presetSubtype="0" fill="hold" grpId="0" nodeType="clickEffect">
                                   <p:stCondLst>
                                     <p:cond delay="0"/>
                                   </p:stCondLst>
                                   <p:childTnLst>
                                     <p:set>
                                       <p:cBhvr>
-                                        <p:cTn id="10" dur="1" fill="hold">
+                                        <p:cTn id="14" dur="1" fill="hold">
                                           <p:stCondLst>
                                             <p:cond delay="0"/>
                                           </p:stCondLst>
@@ -35122,15 +36230,33 @@
                                   </p:childTnLst>
                                 </p:cTn>
                               </p:par>
+                            </p:childTnLst>
+                          </p:cTn>
+                        </p:par>
+                      </p:childTnLst>
+                    </p:cTn>
+                  </p:par>
+                  <p:par>
+                    <p:cTn id="15" fill="hold">
+                      <p:stCondLst>
+                        <p:cond delay="indefinite"/>
+                      </p:stCondLst>
+                      <p:childTnLst>
+                        <p:par>
+                          <p:cTn id="16" fill="hold">
+                            <p:stCondLst>
+                              <p:cond delay="0"/>
+                            </p:stCondLst>
+                            <p:childTnLst>
                               <p:par>
-                                <p:cTn id="11" presetID="1" presetClass="entr" presetSubtype="0" fill="hold" grpId="0" nodeType="withEffect">
+                                <p:cTn id="17" presetID="1" presetClass="entr" presetSubtype="0" fill="hold" grpId="0" nodeType="clickEffect">
                                   <p:stCondLst>
                                     <p:cond delay="0"/>
                                   </p:stCondLst>
                                   <p:childTnLst>
                                     <p:set>
                                       <p:cBhvr>
-                                        <p:cTn id="12" dur="1" fill="hold">
+                                        <p:cTn id="18" dur="1" fill="hold">
                                           <p:stCondLst>
                                             <p:cond delay="0"/>
                                           </p:stCondLst>
@@ -35160,26 +36286,26 @@
                     </p:cTn>
                   </p:par>
                   <p:par>
-                    <p:cTn id="13" fill="hold">
+                    <p:cTn id="19" fill="hold">
                       <p:stCondLst>
                         <p:cond delay="indefinite"/>
                       </p:stCondLst>
                       <p:childTnLst>
                         <p:par>
-                          <p:cTn id="14" fill="hold">
+                          <p:cTn id="20" fill="hold">
                             <p:stCondLst>
                               <p:cond delay="0"/>
                             </p:stCondLst>
                             <p:childTnLst>
                               <p:par>
-                                <p:cTn id="15" presetID="1" presetClass="entr" presetSubtype="0" fill="hold" grpId="0" nodeType="clickEffect">
+                                <p:cTn id="21" presetID="1" presetClass="entr" presetSubtype="0" fill="hold" grpId="0" nodeType="clickEffect">
                                   <p:stCondLst>
                                     <p:cond delay="0"/>
                                   </p:stCondLst>
                                   <p:childTnLst>
                                     <p:set>
                                       <p:cBhvr>
-                                        <p:cTn id="16" dur="1" fill="hold">
+                                        <p:cTn id="22" dur="1" fill="hold">
                                           <p:stCondLst>
                                             <p:cond delay="0"/>
                                           </p:stCondLst>
@@ -35202,15 +36328,33 @@
                                   </p:childTnLst>
                                 </p:cTn>
                               </p:par>
+                            </p:childTnLst>
+                          </p:cTn>
+                        </p:par>
+                      </p:childTnLst>
+                    </p:cTn>
+                  </p:par>
+                  <p:par>
+                    <p:cTn id="23" fill="hold">
+                      <p:stCondLst>
+                        <p:cond delay="indefinite"/>
+                      </p:stCondLst>
+                      <p:childTnLst>
+                        <p:par>
+                          <p:cTn id="24" fill="hold">
+                            <p:stCondLst>
+                              <p:cond delay="0"/>
+                            </p:stCondLst>
+                            <p:childTnLst>
                               <p:par>
-                                <p:cTn id="17" presetID="1" presetClass="entr" presetSubtype="0" fill="hold" grpId="0" nodeType="withEffect">
+                                <p:cTn id="25" presetID="1" presetClass="entr" presetSubtype="0" fill="hold" grpId="0" nodeType="clickEffect">
                                   <p:stCondLst>
                                     <p:cond delay="0"/>
                                   </p:stCondLst>
                                   <p:childTnLst>
                                     <p:set>
                                       <p:cBhvr>
-                                        <p:cTn id="18" dur="1" fill="hold">
+                                        <p:cTn id="26" dur="1" fill="hold">
                                           <p:stCondLst>
                                             <p:cond delay="0"/>
                                           </p:stCondLst>
@@ -35233,15 +36377,33 @@
                                   </p:childTnLst>
                                 </p:cTn>
                               </p:par>
+                            </p:childTnLst>
+                          </p:cTn>
+                        </p:par>
+                      </p:childTnLst>
+                    </p:cTn>
+                  </p:par>
+                  <p:par>
+                    <p:cTn id="27" fill="hold">
+                      <p:stCondLst>
+                        <p:cond delay="indefinite"/>
+                      </p:stCondLst>
+                      <p:childTnLst>
+                        <p:par>
+                          <p:cTn id="28" fill="hold">
+                            <p:stCondLst>
+                              <p:cond delay="0"/>
+                            </p:stCondLst>
+                            <p:childTnLst>
                               <p:par>
-                                <p:cTn id="19" presetID="1" presetClass="entr" presetSubtype="0" fill="hold" grpId="0" nodeType="withEffect">
+                                <p:cTn id="29" presetID="1" presetClass="entr" presetSubtype="0" fill="hold" grpId="0" nodeType="clickEffect">
                                   <p:stCondLst>
                                     <p:cond delay="0"/>
                                   </p:stCondLst>
                                   <p:childTnLst>
                                     <p:set>
                                       <p:cBhvr>
-                                        <p:cTn id="20" dur="1" fill="hold">
+                                        <p:cTn id="30" dur="1" fill="hold">
                                           <p:stCondLst>
                                             <p:cond delay="0"/>
                                           </p:stCondLst>
@@ -35264,15 +36426,33 @@
                                   </p:childTnLst>
                                 </p:cTn>
                               </p:par>
+                            </p:childTnLst>
+                          </p:cTn>
+                        </p:par>
+                      </p:childTnLst>
+                    </p:cTn>
+                  </p:par>
+                  <p:par>
+                    <p:cTn id="31" fill="hold">
+                      <p:stCondLst>
+                        <p:cond delay="indefinite"/>
+                      </p:stCondLst>
+                      <p:childTnLst>
+                        <p:par>
+                          <p:cTn id="32" fill="hold">
+                            <p:stCondLst>
+                              <p:cond delay="0"/>
+                            </p:stCondLst>
+                            <p:childTnLst>
                               <p:par>
-                                <p:cTn id="21" presetID="1" presetClass="entr" presetSubtype="0" fill="hold" grpId="0" nodeType="withEffect">
+                                <p:cTn id="33" presetID="1" presetClass="entr" presetSubtype="0" fill="hold" grpId="0" nodeType="clickEffect">
                                   <p:stCondLst>
                                     <p:cond delay="0"/>
                                   </p:stCondLst>
                                   <p:childTnLst>
                                     <p:set>
                                       <p:cBhvr>
-                                        <p:cTn id="22" dur="1" fill="hold">
+                                        <p:cTn id="34" dur="1" fill="hold">
                                           <p:stCondLst>
                                             <p:cond delay="0"/>
                                           </p:stCondLst>
@@ -35295,15 +36475,33 @@
                                   </p:childTnLst>
                                 </p:cTn>
                               </p:par>
+                            </p:childTnLst>
+                          </p:cTn>
+                        </p:par>
+                      </p:childTnLst>
+                    </p:cTn>
+                  </p:par>
+                  <p:par>
+                    <p:cTn id="35" fill="hold">
+                      <p:stCondLst>
+                        <p:cond delay="indefinite"/>
+                      </p:stCondLst>
+                      <p:childTnLst>
+                        <p:par>
+                          <p:cTn id="36" fill="hold">
+                            <p:stCondLst>
+                              <p:cond delay="0"/>
+                            </p:stCondLst>
+                            <p:childTnLst>
                               <p:par>
-                                <p:cTn id="23" presetID="1" presetClass="entr" presetSubtype="0" fill="hold" grpId="0" nodeType="withEffect">
+                                <p:cTn id="37" presetID="1" presetClass="entr" presetSubtype="0" fill="hold" grpId="0" nodeType="clickEffect">
                                   <p:stCondLst>
                                     <p:cond delay="0"/>
                                   </p:stCondLst>
                                   <p:childTnLst>
                                     <p:set>
                                       <p:cBhvr>
-                                        <p:cTn id="24" dur="1" fill="hold">
+                                        <p:cTn id="38" dur="1" fill="hold">
                                           <p:stCondLst>
                                             <p:cond delay="0"/>
                                           </p:stCondLst>
@@ -35354,7 +36552,7 @@
       </p:par>
     </p:tnLst>
     <p:bldLst>
-      <p:bldP spid="3" grpId="0" build="p"/>
+      <p:bldP spid="3" grpId="0" uiExpand="1" build="p"/>
     </p:bldLst>
   </p:timing>
 </p:sld>
@@ -35425,11 +36623,7 @@
           <a:p>
             <a:r>
               <a:rPr lang="en-US" dirty="0" smtClean="0"/>
-              <a:t>The </a:t>
-            </a:r>
-            <a:r>
-              <a:rPr lang="en-US" dirty="0" smtClean="0"/>
-              <a:t>first step to solving a complex problem is to break it into pieces</a:t>
+              <a:t>The first step to solving a complex problem is to break it into pieces</a:t>
             </a:r>
           </a:p>
           <a:p>
@@ -35441,15 +36635,7 @@
           <a:p>
             <a:r>
               <a:rPr lang="en-US" dirty="0" smtClean="0"/>
-              <a:t>DFC3 hooks the realms of Data and Functionality together with powerful concurrent, </a:t>
-            </a:r>
-            <a:r>
-              <a:rPr lang="en-US" smtClean="0"/>
-              <a:t>multithreading </a:t>
-            </a:r>
-            <a:r>
-              <a:rPr lang="en-US" smtClean="0"/>
-              <a:t>techniques…</a:t>
+              <a:t>DFC3 hooks the realms of Data and Functionality together with powerful concurrent, multithreading techniques…</a:t>
             </a:r>
             <a:endParaRPr lang="en-US" dirty="0"/>
           </a:p>
@@ -35731,15 +36917,7 @@
           <a:p>
             <a:r>
               <a:rPr lang="en-US" dirty="0" smtClean="0"/>
-              <a:t>DFC3 attempts to provide a </a:t>
-            </a:r>
-            <a:r>
-              <a:rPr lang="en-US" dirty="0" smtClean="0"/>
-              <a:t>better SOLUTION </a:t>
-            </a:r>
-            <a:r>
-              <a:rPr lang="en-US" dirty="0" smtClean="0"/>
-              <a:t>to Concurrency</a:t>
+              <a:t>DFC3 attempts to provide a better SOLUTION to Concurrency</a:t>
             </a:r>
             <a:endParaRPr lang="en-US" dirty="0"/>
           </a:p>
@@ -36007,11 +37185,11 @@
           <a:p>
             <a:r>
               <a:rPr lang="en-US" dirty="0" smtClean="0"/>
-              <a:t>A Brief Introduction to </a:t>
+              <a:t>Concurrency with </a:t>
             </a:r>
             <a:r>
               <a:rPr lang="en-US" dirty="0" err="1" smtClean="0"/>
-              <a:t>LIsp</a:t>
+              <a:t>Computepools</a:t>
             </a:r>
             <a:endParaRPr lang="en-US" dirty="0"/>
           </a:p>
@@ -36019,7 +37197,7 @@
       </p:sp>
       <p:sp>
         <p:nvSpPr>
-          <p:cNvPr id="3" name="Content Placeholder 2"/>
+          <p:cNvPr id="6" name="Content Placeholder 5"/>
           <p:cNvSpPr>
             <a:spLocks noGrp="1"/>
           </p:cNvSpPr>
@@ -36033,34 +37211,47 @@
           <a:lstStyle/>
           <a:p>
             <a:r>
+              <a:rPr lang="en-US" dirty="0" err="1" smtClean="0"/>
+              <a:t>Computepools</a:t>
+            </a:r>
+            <a:r>
               <a:rPr lang="en-US" dirty="0" smtClean="0"/>
-              <a:t>The DFC3 prototype is written in </a:t>
-            </a:r>
+              <a:t> are containers of generic worker threads</a:t>
+            </a:r>
+          </a:p>
+          <a:p>
             <a:r>
               <a:rPr lang="en-US" dirty="0" smtClean="0"/>
-              <a:t>the programming language “Racket Lisp”</a:t>
-            </a:r>
-            <a:endParaRPr lang="en-US" dirty="0" smtClean="0"/>
+              <a:t>The worker threads evaluate tasks placed in their queues</a:t>
+            </a:r>
           </a:p>
           <a:p>
             <a:r>
               <a:rPr lang="en-US" dirty="0" smtClean="0"/>
-              <a:t>The functionality DFC3 implements can be written in other languages</a:t>
-            </a:r>
-          </a:p>
-          <a:p>
+              <a:t>Tasks are bundles of program state and </a:t>
+            </a:r>
+            <a:r>
+              <a:rPr lang="en-US" dirty="0" err="1" smtClean="0"/>
+              <a:t>coroutine</a:t>
+            </a:r>
             <a:r>
               <a:rPr lang="en-US" dirty="0" smtClean="0"/>
-              <a:t>Further information is included in the Lisp primer I have given out before this presentation</a:t>
-            </a:r>
-          </a:p>
-          <a:p>
-            <a:r>
-              <a:rPr lang="en-US" dirty="0"/>
-              <a:t>Please ask questions if something is not clear!</a:t>
-            </a:r>
-          </a:p>
-          <a:p>
+              <a:t> functions</a:t>
+            </a:r>
+          </a:p>
+          <a:p>
+            <a:r>
+              <a:rPr lang="en-US" dirty="0" smtClean="0"/>
+              <a:t>A </a:t>
+            </a:r>
+            <a:r>
+              <a:rPr lang="en-US" dirty="0" err="1" smtClean="0"/>
+              <a:t>coroutine</a:t>
+            </a:r>
+            <a:r>
+              <a:rPr lang="en-US" dirty="0" smtClean="0"/>
+              <a:t> is a function that can pause using a ‘yield’ function and resume at a later time</a:t>
+            </a:r>
             <a:endParaRPr lang="en-US" dirty="0"/>
           </a:p>
         </p:txBody>
@@ -36068,7 +37259,7 @@
     </p:spTree>
     <p:extLst>
       <p:ext uri="{BB962C8B-B14F-4D97-AF65-F5344CB8AC3E}">
-        <p14:creationId xmlns:p14="http://schemas.microsoft.com/office/powerpoint/2010/main" val="2766987120"/>
+        <p14:creationId xmlns:p14="http://schemas.microsoft.com/office/powerpoint/2010/main" val="3798462881"/>
       </p:ext>
     </p:extLst>
   </p:cSld>
@@ -36109,7 +37300,7 @@
                                           </p:stCondLst>
                                         </p:cTn>
                                         <p:tgtEl>
-                                          <p:spTgt spid="3">
+                                          <p:spTgt spid="6">
                                             <p:txEl>
                                               <p:pRg st="0" end="0"/>
                                             </p:txEl>
@@ -36158,7 +37349,7 @@
                                           </p:stCondLst>
                                         </p:cTn>
                                         <p:tgtEl>
-                                          <p:spTgt spid="3">
+                                          <p:spTgt spid="6">
                                             <p:txEl>
                                               <p:pRg st="1" end="1"/>
                                             </p:txEl>
@@ -36207,7 +37398,7 @@
                                           </p:stCondLst>
                                         </p:cTn>
                                         <p:tgtEl>
-                                          <p:spTgt spid="3">
+                                          <p:spTgt spid="6">
                                             <p:txEl>
                                               <p:pRg st="2" end="2"/>
                                             </p:txEl>
@@ -36256,7 +37447,7 @@
                                           </p:stCondLst>
                                         </p:cTn>
                                         <p:tgtEl>
-                                          <p:spTgt spid="3">
+                                          <p:spTgt spid="6">
                                             <p:txEl>
                                               <p:pRg st="3" end="3"/>
                                             </p:txEl>
@@ -36301,7 +37492,7 @@
       </p:par>
     </p:tnLst>
     <p:bldLst>
-      <p:bldP spid="3" grpId="0" build="p"/>
+      <p:bldP spid="6" grpId="0" build="p"/>
     </p:bldLst>
   </p:timing>
 </p:sld>
@@ -36326,125 +37517,95 @@
       </p:grpSpPr>
       <p:sp>
         <p:nvSpPr>
-          <p:cNvPr id="2" name="Title 1"/>
+          <p:cNvPr id="4" name="Rectangle 2"/>
           <p:cNvSpPr>
-            <a:spLocks noGrp="1"/>
+            <a:spLocks noChangeArrowheads="1"/>
           </p:cNvSpPr>
-          <p:nvPr>
-            <p:ph type="title"/>
-          </p:nvPr>
+          <p:nvPr/>
         </p:nvSpPr>
-        <p:spPr/>
+        <p:spPr bwMode="auto">
+          <a:xfrm>
+            <a:off x="2259276" y="762039"/>
+            <a:ext cx="12192000" cy="0"/>
+          </a:xfrm>
+          <a:prstGeom prst="rect">
+            <a:avLst/>
+          </a:prstGeom>
+          <a:noFill/>
+          <a:ln>
+            <a:noFill/>
+          </a:ln>
+          <a:effectLst/>
+          <a:extLst>
+            <a:ext uri="{909E8E84-426E-40DD-AFC4-6F175D3DCCD1}">
+              <a14:hiddenFill xmlns:a14="http://schemas.microsoft.com/office/drawing/2010/main">
+                <a:solidFill>
+                  <a:schemeClr val="accent1"/>
+                </a:solidFill>
+              </a14:hiddenFill>
+            </a:ext>
+            <a:ext uri="{91240B29-F687-4F45-9708-019B960494DF}">
+              <a14:hiddenLine xmlns:a14="http://schemas.microsoft.com/office/drawing/2010/main" w="9525">
+                <a:solidFill>
+                  <a:schemeClr val="tx1"/>
+                </a:solidFill>
+                <a:miter lim="800000"/>
+                <a:headEnd/>
+                <a:tailEnd/>
+              </a14:hiddenLine>
+            </a:ext>
+            <a:ext uri="{AF507438-7753-43E0-B8FC-AC1667EBCBE1}">
+              <a14:hiddenEffects xmlns:a14="http://schemas.microsoft.com/office/drawing/2010/main">
+                <a:effectLst>
+                  <a:outerShdw dist="35921" dir="2700000" algn="ctr" rotWithShape="0">
+                    <a:schemeClr val="bg2"/>
+                  </a:outerShdw>
+                </a:effectLst>
+              </a14:hiddenEffects>
+            </a:ext>
+          </a:extLst>
+        </p:spPr>
         <p:txBody>
-          <a:bodyPr/>
+          <a:bodyPr vert="horz" wrap="none" lIns="91440" tIns="45720" rIns="91440" bIns="45720" numCol="1" anchor="ctr" anchorCtr="0" compatLnSpc="1">
+            <a:prstTxWarp prst="textNoShape">
+              <a:avLst/>
+            </a:prstTxWarp>
+            <a:spAutoFit/>
+          </a:bodyPr>
           <a:lstStyle/>
           <a:p>
-            <a:r>
-              <a:rPr lang="en-US" dirty="0" smtClean="0"/>
-              <a:t>Lisp Scopes and </a:t>
-            </a:r>
-            <a:r>
-              <a:rPr lang="en-US" dirty="0" err="1" smtClean="0"/>
-              <a:t>COmments</a:t>
-            </a:r>
-            <a:endParaRPr lang="en-US" dirty="0"/>
+            <a:endParaRPr lang="en-US"/>
           </a:p>
         </p:txBody>
       </p:sp>
-      <p:sp>
-        <p:nvSpPr>
-          <p:cNvPr id="3" name="Content Placeholder 2"/>
-          <p:cNvSpPr>
-            <a:spLocks noGrp="1"/>
-          </p:cNvSpPr>
-          <p:nvPr>
-            <p:ph idx="1"/>
-          </p:nvPr>
-        </p:nvSpPr>
-        <p:spPr/>
-        <p:txBody>
-          <a:bodyPr>
-            <a:normAutofit lnSpcReduction="10000"/>
-          </a:bodyPr>
-          <a:lstStyle/>
-          <a:p>
-            <a:r>
-              <a:rPr lang="en-US" dirty="0" smtClean="0"/>
-              <a:t>Parenthesis ( ) enclose scopes</a:t>
-            </a:r>
-          </a:p>
-          <a:p>
-            <a:pPr lvl="1"/>
-            <a:r>
-              <a:rPr lang="en-US" dirty="0" smtClean="0"/>
-              <a:t>Variables and functions defined within the current scope</a:t>
-            </a:r>
-            <a:r>
-              <a:rPr lang="en-US" dirty="0"/>
-              <a:t> </a:t>
-            </a:r>
-            <a:r>
-              <a:rPr lang="en-US" dirty="0" smtClean="0"/>
-              <a:t>are only available to the current scope and child </a:t>
-            </a:r>
-            <a:r>
-              <a:rPr lang="en-US" dirty="0" smtClean="0"/>
-              <a:t>scopes</a:t>
-            </a:r>
-          </a:p>
-          <a:p>
-            <a:pPr lvl="1"/>
-            <a:r>
-              <a:rPr lang="en-US" dirty="0" smtClean="0"/>
-              <a:t>Square brackets [ ] are sometimes used instead of parenthesis for readability</a:t>
-            </a:r>
-            <a:endParaRPr lang="en-US" dirty="0"/>
-          </a:p>
-          <a:p>
-            <a:r>
-              <a:rPr lang="en-US" dirty="0" smtClean="0"/>
-              <a:t>Parenthesis </a:t>
-            </a:r>
-            <a:r>
-              <a:rPr lang="en-US" dirty="0" smtClean="0"/>
-              <a:t>enclose all code including functions:</a:t>
-            </a:r>
-          </a:p>
-          <a:p>
-            <a:pPr lvl="1"/>
-            <a:r>
-              <a:rPr lang="en-US" dirty="0" smtClean="0"/>
-              <a:t>(+ 1 2) ;returns </a:t>
-            </a:r>
-            <a:r>
-              <a:rPr lang="en-US" dirty="0" smtClean="0"/>
-              <a:t>3</a:t>
-            </a:r>
-          </a:p>
-          <a:p>
-            <a:r>
-              <a:rPr lang="en-US" dirty="0"/>
-              <a:t>Comments begin with a semicolon ‘;’</a:t>
-            </a:r>
-          </a:p>
-          <a:p>
-            <a:pPr lvl="1"/>
-            <a:r>
-              <a:rPr lang="en-US" dirty="0"/>
-              <a:t>(this-is-code) ;this is a </a:t>
-            </a:r>
-            <a:r>
-              <a:rPr lang="en-US" dirty="0" smtClean="0"/>
-              <a:t>comment</a:t>
-            </a:r>
-            <a:endParaRPr lang="en-US" dirty="0"/>
-          </a:p>
-        </p:txBody>
-      </p:sp>
+      <p:pic>
+        <p:nvPicPr>
+          <p:cNvPr id="6" name="Picture 5"/>
+          <p:cNvPicPr>
+            <a:picLocks noChangeAspect="1"/>
+          </p:cNvPicPr>
+          <p:nvPr/>
+        </p:nvPicPr>
+        <p:blipFill>
+          <a:blip r:embed="rId2"/>
+          <a:stretch>
+            <a:fillRect/>
+          </a:stretch>
+        </p:blipFill>
+        <p:spPr>
+          <a:xfrm>
+            <a:off x="1958380" y="231226"/>
+            <a:ext cx="8267799" cy="6382833"/>
+          </a:xfrm>
+          <a:prstGeom prst="rect">
+            <a:avLst/>
+          </a:prstGeom>
+        </p:spPr>
+      </p:pic>
     </p:spTree>
     <p:extLst>
       <p:ext uri="{BB962C8B-B14F-4D97-AF65-F5344CB8AC3E}">
-        <p14:creationId xmlns:p14="http://schemas.microsoft.com/office/powerpoint/2010/main" val="2075292874"/>
+        <p14:creationId xmlns:p14="http://schemas.microsoft.com/office/powerpoint/2010/main" val="3151972770"/>
       </p:ext>
     </p:extLst>
   </p:cSld>
@@ -36454,306 +37615,9 @@
   <p:timing>
     <p:tnLst>
       <p:par>
-        <p:cTn id="1" dur="indefinite" restart="never" nodeType="tmRoot">
-          <p:childTnLst>
-            <p:seq concurrent="1" nextAc="seek">
-              <p:cTn id="2" dur="indefinite" nodeType="mainSeq">
-                <p:childTnLst>
-                  <p:par>
-                    <p:cTn id="3" fill="hold">
-                      <p:stCondLst>
-                        <p:cond delay="indefinite"/>
-                      </p:stCondLst>
-                      <p:childTnLst>
-                        <p:par>
-                          <p:cTn id="4" fill="hold">
-                            <p:stCondLst>
-                              <p:cond delay="0"/>
-                            </p:stCondLst>
-                            <p:childTnLst>
-                              <p:par>
-                                <p:cTn id="5" presetID="1" presetClass="entr" presetSubtype="0" fill="hold" grpId="0" nodeType="clickEffect">
-                                  <p:stCondLst>
-                                    <p:cond delay="0"/>
-                                  </p:stCondLst>
-                                  <p:childTnLst>
-                                    <p:set>
-                                      <p:cBhvr>
-                                        <p:cTn id="6" dur="1" fill="hold">
-                                          <p:stCondLst>
-                                            <p:cond delay="0"/>
-                                          </p:stCondLst>
-                                        </p:cTn>
-                                        <p:tgtEl>
-                                          <p:spTgt spid="3">
-                                            <p:txEl>
-                                              <p:pRg st="0" end="0"/>
-                                            </p:txEl>
-                                          </p:spTgt>
-                                        </p:tgtEl>
-                                        <p:attrNameLst>
-                                          <p:attrName>style.visibility</p:attrName>
-                                        </p:attrNameLst>
-                                      </p:cBhvr>
-                                      <p:to>
-                                        <p:strVal val="visible"/>
-                                      </p:to>
-                                    </p:set>
-                                  </p:childTnLst>
-                                </p:cTn>
-                              </p:par>
-                              <p:par>
-                                <p:cTn id="7" presetID="1" presetClass="entr" presetSubtype="0" fill="hold" grpId="0" nodeType="withEffect">
-                                  <p:stCondLst>
-                                    <p:cond delay="0"/>
-                                  </p:stCondLst>
-                                  <p:childTnLst>
-                                    <p:set>
-                                      <p:cBhvr>
-                                        <p:cTn id="8" dur="1" fill="hold">
-                                          <p:stCondLst>
-                                            <p:cond delay="0"/>
-                                          </p:stCondLst>
-                                        </p:cTn>
-                                        <p:tgtEl>
-                                          <p:spTgt spid="3">
-                                            <p:txEl>
-                                              <p:pRg st="1" end="1"/>
-                                            </p:txEl>
-                                          </p:spTgt>
-                                        </p:tgtEl>
-                                        <p:attrNameLst>
-                                          <p:attrName>style.visibility</p:attrName>
-                                        </p:attrNameLst>
-                                      </p:cBhvr>
-                                      <p:to>
-                                        <p:strVal val="visible"/>
-                                      </p:to>
-                                    </p:set>
-                                  </p:childTnLst>
-                                </p:cTn>
-                              </p:par>
-                              <p:par>
-                                <p:cTn id="9" presetID="1" presetClass="entr" presetSubtype="0" fill="hold" grpId="0" nodeType="withEffect">
-                                  <p:stCondLst>
-                                    <p:cond delay="0"/>
-                                  </p:stCondLst>
-                                  <p:childTnLst>
-                                    <p:set>
-                                      <p:cBhvr>
-                                        <p:cTn id="10" dur="1" fill="hold">
-                                          <p:stCondLst>
-                                            <p:cond delay="0"/>
-                                          </p:stCondLst>
-                                        </p:cTn>
-                                        <p:tgtEl>
-                                          <p:spTgt spid="3">
-                                            <p:txEl>
-                                              <p:pRg st="2" end="2"/>
-                                            </p:txEl>
-                                          </p:spTgt>
-                                        </p:tgtEl>
-                                        <p:attrNameLst>
-                                          <p:attrName>style.visibility</p:attrName>
-                                        </p:attrNameLst>
-                                      </p:cBhvr>
-                                      <p:to>
-                                        <p:strVal val="visible"/>
-                                      </p:to>
-                                    </p:set>
-                                  </p:childTnLst>
-                                </p:cTn>
-                              </p:par>
-                            </p:childTnLst>
-                          </p:cTn>
-                        </p:par>
-                      </p:childTnLst>
-                    </p:cTn>
-                  </p:par>
-                  <p:par>
-                    <p:cTn id="11" fill="hold">
-                      <p:stCondLst>
-                        <p:cond delay="indefinite"/>
-                      </p:stCondLst>
-                      <p:childTnLst>
-                        <p:par>
-                          <p:cTn id="12" fill="hold">
-                            <p:stCondLst>
-                              <p:cond delay="0"/>
-                            </p:stCondLst>
-                            <p:childTnLst>
-                              <p:par>
-                                <p:cTn id="13" presetID="1" presetClass="entr" presetSubtype="0" fill="hold" grpId="0" nodeType="clickEffect">
-                                  <p:stCondLst>
-                                    <p:cond delay="0"/>
-                                  </p:stCondLst>
-                                  <p:childTnLst>
-                                    <p:set>
-                                      <p:cBhvr>
-                                        <p:cTn id="14" dur="1" fill="hold">
-                                          <p:stCondLst>
-                                            <p:cond delay="0"/>
-                                          </p:stCondLst>
-                                        </p:cTn>
-                                        <p:tgtEl>
-                                          <p:spTgt spid="3">
-                                            <p:txEl>
-                                              <p:pRg st="3" end="3"/>
-                                            </p:txEl>
-                                          </p:spTgt>
-                                        </p:tgtEl>
-                                        <p:attrNameLst>
-                                          <p:attrName>style.visibility</p:attrName>
-                                        </p:attrNameLst>
-                                      </p:cBhvr>
-                                      <p:to>
-                                        <p:strVal val="visible"/>
-                                      </p:to>
-                                    </p:set>
-                                  </p:childTnLst>
-                                </p:cTn>
-                              </p:par>
-                              <p:par>
-                                <p:cTn id="15" presetID="1" presetClass="entr" presetSubtype="0" fill="hold" grpId="0" nodeType="withEffect">
-                                  <p:stCondLst>
-                                    <p:cond delay="0"/>
-                                  </p:stCondLst>
-                                  <p:childTnLst>
-                                    <p:set>
-                                      <p:cBhvr>
-                                        <p:cTn id="16" dur="1" fill="hold">
-                                          <p:stCondLst>
-                                            <p:cond delay="0"/>
-                                          </p:stCondLst>
-                                        </p:cTn>
-                                        <p:tgtEl>
-                                          <p:spTgt spid="3">
-                                            <p:txEl>
-                                              <p:pRg st="4" end="4"/>
-                                            </p:txEl>
-                                          </p:spTgt>
-                                        </p:tgtEl>
-                                        <p:attrNameLst>
-                                          <p:attrName>style.visibility</p:attrName>
-                                        </p:attrNameLst>
-                                      </p:cBhvr>
-                                      <p:to>
-                                        <p:strVal val="visible"/>
-                                      </p:to>
-                                    </p:set>
-                                  </p:childTnLst>
-                                </p:cTn>
-                              </p:par>
-                            </p:childTnLst>
-                          </p:cTn>
-                        </p:par>
-                      </p:childTnLst>
-                    </p:cTn>
-                  </p:par>
-                  <p:par>
-                    <p:cTn id="17" fill="hold">
-                      <p:stCondLst>
-                        <p:cond delay="indefinite"/>
-                      </p:stCondLst>
-                      <p:childTnLst>
-                        <p:par>
-                          <p:cTn id="18" fill="hold">
-                            <p:stCondLst>
-                              <p:cond delay="0"/>
-                            </p:stCondLst>
-                            <p:childTnLst>
-                              <p:par>
-                                <p:cTn id="19" presetID="1" presetClass="entr" presetSubtype="0" fill="hold" grpId="0" nodeType="clickEffect">
-                                  <p:stCondLst>
-                                    <p:cond delay="0"/>
-                                  </p:stCondLst>
-                                  <p:childTnLst>
-                                    <p:set>
-                                      <p:cBhvr>
-                                        <p:cTn id="20" dur="1" fill="hold">
-                                          <p:stCondLst>
-                                            <p:cond delay="0"/>
-                                          </p:stCondLst>
-                                        </p:cTn>
-                                        <p:tgtEl>
-                                          <p:spTgt spid="3">
-                                            <p:txEl>
-                                              <p:pRg st="5" end="5"/>
-                                            </p:txEl>
-                                          </p:spTgt>
-                                        </p:tgtEl>
-                                        <p:attrNameLst>
-                                          <p:attrName>style.visibility</p:attrName>
-                                        </p:attrNameLst>
-                                      </p:cBhvr>
-                                      <p:to>
-                                        <p:strVal val="visible"/>
-                                      </p:to>
-                                    </p:set>
-                                  </p:childTnLst>
-                                </p:cTn>
-                              </p:par>
-                              <p:par>
-                                <p:cTn id="21" presetID="1" presetClass="entr" presetSubtype="0" fill="hold" grpId="0" nodeType="withEffect">
-                                  <p:stCondLst>
-                                    <p:cond delay="0"/>
-                                  </p:stCondLst>
-                                  <p:childTnLst>
-                                    <p:set>
-                                      <p:cBhvr>
-                                        <p:cTn id="22" dur="1" fill="hold">
-                                          <p:stCondLst>
-                                            <p:cond delay="0"/>
-                                          </p:stCondLst>
-                                        </p:cTn>
-                                        <p:tgtEl>
-                                          <p:spTgt spid="3">
-                                            <p:txEl>
-                                              <p:pRg st="6" end="6"/>
-                                            </p:txEl>
-                                          </p:spTgt>
-                                        </p:tgtEl>
-                                        <p:attrNameLst>
-                                          <p:attrName>style.visibility</p:attrName>
-                                        </p:attrNameLst>
-                                      </p:cBhvr>
-                                      <p:to>
-                                        <p:strVal val="visible"/>
-                                      </p:to>
-                                    </p:set>
-                                  </p:childTnLst>
-                                </p:cTn>
-                              </p:par>
-                            </p:childTnLst>
-                          </p:cTn>
-                        </p:par>
-                      </p:childTnLst>
-                    </p:cTn>
-                  </p:par>
-                </p:childTnLst>
-              </p:cTn>
-              <p:prevCondLst>
-                <p:cond evt="onPrev" delay="0">
-                  <p:tgtEl>
-                    <p:sldTgt/>
-                  </p:tgtEl>
-                </p:cond>
-              </p:prevCondLst>
-              <p:nextCondLst>
-                <p:cond evt="onNext" delay="0">
-                  <p:tgtEl>
-                    <p:sldTgt/>
-                  </p:tgtEl>
-                </p:cond>
-              </p:nextCondLst>
-            </p:seq>
-          </p:childTnLst>
-        </p:cTn>
+        <p:cTn id="1" dur="indefinite" restart="never" nodeType="tmRoot"/>
       </p:par>
     </p:tnLst>
-    <p:bldLst>
-      <p:bldP spid="3" grpId="0" build="p"/>
-    </p:bldLst>
   </p:timing>
 </p:sld>
 </file>
@@ -36775,182 +37639,34 @@
           <a:chExt cx="0" cy="0"/>
         </a:xfrm>
       </p:grpSpPr>
-      <p:sp>
-        <p:nvSpPr>
-          <p:cNvPr id="2" name="Title 1"/>
-          <p:cNvSpPr>
-            <a:spLocks noGrp="1"/>
-          </p:cNvSpPr>
-          <p:nvPr>
-            <p:ph type="title"/>
-          </p:nvPr>
-        </p:nvSpPr>
-        <p:spPr/>
-        <p:txBody>
-          <a:bodyPr/>
-          <a:lstStyle/>
-          <a:p>
-            <a:r>
-              <a:rPr lang="en-US" dirty="0" smtClean="0"/>
-              <a:t>Lisp variables</a:t>
-            </a:r>
-            <a:endParaRPr lang="en-US" dirty="0"/>
-          </a:p>
-        </p:txBody>
-      </p:sp>
-      <p:sp>
-        <p:nvSpPr>
-          <p:cNvPr id="3" name="Content Placeholder 2"/>
-          <p:cNvSpPr>
-            <a:spLocks noGrp="1"/>
-          </p:cNvSpPr>
-          <p:nvPr>
-            <p:ph idx="1"/>
-          </p:nvPr>
-        </p:nvSpPr>
+      <p:pic>
+        <p:nvPicPr>
+          <p:cNvPr id="8" name="Picture 7"/>
+          <p:cNvPicPr>
+            <a:picLocks noChangeAspect="1"/>
+          </p:cNvPicPr>
+          <p:nvPr/>
+        </p:nvPicPr>
+        <p:blipFill>
+          <a:blip r:embed="rId2"/>
+          <a:stretch>
+            <a:fillRect/>
+          </a:stretch>
+        </p:blipFill>
         <p:spPr>
           <a:xfrm>
-            <a:off x="1141412" y="1904301"/>
-            <a:ext cx="9905999" cy="4630723"/>
+            <a:off x="2620706" y="568848"/>
+            <a:ext cx="6875632" cy="5816792"/>
           </a:xfrm>
+          <a:prstGeom prst="rect">
+            <a:avLst/>
+          </a:prstGeom>
         </p:spPr>
-        <p:txBody>
-          <a:bodyPr>
-            <a:normAutofit fontScale="92500" lnSpcReduction="20000"/>
-          </a:bodyPr>
-          <a:lstStyle/>
-          <a:p>
-            <a:r>
-              <a:rPr lang="en-US" dirty="0" smtClean="0"/>
-              <a:t>Variable declaration happens with (define) or (let):</a:t>
-            </a:r>
-          </a:p>
-          <a:p>
-            <a:pPr lvl="1"/>
-            <a:r>
-              <a:rPr lang="en-US" dirty="0" smtClean="0"/>
-              <a:t>(define my-variable my-value) ;declare and define a variable in the current scope</a:t>
-            </a:r>
-          </a:p>
-          <a:p>
-            <a:pPr lvl="1"/>
-            <a:r>
-              <a:rPr lang="en-US" dirty="0" smtClean="0"/>
-              <a:t>(let ([my-variable1 my-value1] ;declare and define variables in a new scope</a:t>
-            </a:r>
-            <a:br>
-              <a:rPr lang="en-US" dirty="0" smtClean="0"/>
-            </a:br>
-            <a:r>
-              <a:rPr lang="en-US" dirty="0"/>
-              <a:t> </a:t>
-            </a:r>
-            <a:r>
-              <a:rPr lang="en-US" dirty="0" smtClean="0"/>
-              <a:t>      …</a:t>
-            </a:r>
-            <a:br>
-              <a:rPr lang="en-US" dirty="0" smtClean="0"/>
-            </a:br>
-            <a:r>
-              <a:rPr lang="en-US" dirty="0" smtClean="0"/>
-              <a:t>       [my-</a:t>
-            </a:r>
-            <a:r>
-              <a:rPr lang="en-US" dirty="0" err="1" smtClean="0"/>
-              <a:t>variableN</a:t>
-            </a:r>
-            <a:r>
-              <a:rPr lang="en-US" dirty="0" smtClean="0"/>
-              <a:t> my-</a:t>
-            </a:r>
-            <a:r>
-              <a:rPr lang="en-US" dirty="0" err="1" smtClean="0"/>
-              <a:t>valueN</a:t>
-            </a:r>
-            <a:r>
-              <a:rPr lang="en-US" dirty="0" smtClean="0"/>
-              <a:t>])</a:t>
-            </a:r>
-            <a:br>
-              <a:rPr lang="en-US" dirty="0" smtClean="0"/>
-            </a:br>
-            <a:r>
-              <a:rPr lang="en-US" dirty="0" smtClean="0"/>
-              <a:t>  … ;do things here with your variables)</a:t>
-            </a:r>
-          </a:p>
-          <a:p>
-            <a:r>
-              <a:rPr lang="en-US" dirty="0" smtClean="0"/>
-              <a:t>Variables are dynamically typed by default in Lisp. Optional </a:t>
-            </a:r>
-            <a:r>
-              <a:rPr lang="en-US" dirty="0"/>
-              <a:t>t</a:t>
-            </a:r>
-            <a:r>
-              <a:rPr lang="en-US" dirty="0" smtClean="0"/>
-              <a:t>ype systems are also available. Example variable values:</a:t>
-            </a:r>
-          </a:p>
-          <a:p>
-            <a:pPr lvl="1"/>
-            <a:r>
-              <a:rPr lang="en-US" dirty="0" smtClean="0"/>
-              <a:t>#t ;is </a:t>
-            </a:r>
-            <a:r>
-              <a:rPr lang="en-US" dirty="0" err="1" smtClean="0"/>
-              <a:t>boolean</a:t>
-            </a:r>
-            <a:r>
-              <a:rPr lang="en-US" dirty="0" smtClean="0"/>
-              <a:t> True</a:t>
-            </a:r>
-          </a:p>
-          <a:p>
-            <a:pPr lvl="1"/>
-            <a:r>
-              <a:rPr lang="en-US" dirty="0" smtClean="0"/>
-              <a:t>#f ;is </a:t>
-            </a:r>
-            <a:r>
-              <a:rPr lang="en-US" dirty="0" err="1" smtClean="0"/>
-              <a:t>boolean</a:t>
-            </a:r>
-            <a:r>
-              <a:rPr lang="en-US" dirty="0" smtClean="0"/>
-              <a:t> False</a:t>
-            </a:r>
-          </a:p>
-          <a:p>
-            <a:pPr lvl="1"/>
-            <a:r>
-              <a:rPr lang="en-US" dirty="0" smtClean="0"/>
-              <a:t>“a string”</a:t>
-            </a:r>
-          </a:p>
-          <a:p>
-            <a:pPr lvl="1"/>
-            <a:r>
-              <a:rPr lang="en-US" dirty="0" smtClean="0"/>
-              <a:t>5</a:t>
-            </a:r>
-          </a:p>
-          <a:p>
-            <a:pPr lvl="1"/>
-            <a:r>
-              <a:rPr lang="en-US" dirty="0" smtClean="0"/>
-              <a:t> ‘a-symbol</a:t>
-            </a:r>
-          </a:p>
-        </p:txBody>
-      </p:sp>
+      </p:pic>
     </p:spTree>
     <p:extLst>
       <p:ext uri="{BB962C8B-B14F-4D97-AF65-F5344CB8AC3E}">
-        <p14:creationId xmlns:p14="http://schemas.microsoft.com/office/powerpoint/2010/main" val="1159362544"/>
+        <p14:creationId xmlns:p14="http://schemas.microsoft.com/office/powerpoint/2010/main" val="3808034528"/>
       </p:ext>
     </p:extLst>
   </p:cSld>
@@ -36960,404 +37676,9 @@
   <p:timing>
     <p:tnLst>
       <p:par>
-        <p:cTn id="1" dur="indefinite" restart="never" nodeType="tmRoot">
-          <p:childTnLst>
-            <p:seq concurrent="1" nextAc="seek">
-              <p:cTn id="2" dur="indefinite" nodeType="mainSeq">
-                <p:childTnLst>
-                  <p:par>
-                    <p:cTn id="3" fill="hold">
-                      <p:stCondLst>
-                        <p:cond delay="indefinite"/>
-                      </p:stCondLst>
-                      <p:childTnLst>
-                        <p:par>
-                          <p:cTn id="4" fill="hold">
-                            <p:stCondLst>
-                              <p:cond delay="0"/>
-                            </p:stCondLst>
-                            <p:childTnLst>
-                              <p:par>
-                                <p:cTn id="5" presetID="1" presetClass="entr" presetSubtype="0" fill="hold" grpId="0" nodeType="clickEffect">
-                                  <p:stCondLst>
-                                    <p:cond delay="0"/>
-                                  </p:stCondLst>
-                                  <p:childTnLst>
-                                    <p:set>
-                                      <p:cBhvr>
-                                        <p:cTn id="6" dur="1" fill="hold">
-                                          <p:stCondLst>
-                                            <p:cond delay="0"/>
-                                          </p:stCondLst>
-                                        </p:cTn>
-                                        <p:tgtEl>
-                                          <p:spTgt spid="3">
-                                            <p:txEl>
-                                              <p:pRg st="0" end="0"/>
-                                            </p:txEl>
-                                          </p:spTgt>
-                                        </p:tgtEl>
-                                        <p:attrNameLst>
-                                          <p:attrName>style.visibility</p:attrName>
-                                        </p:attrNameLst>
-                                      </p:cBhvr>
-                                      <p:to>
-                                        <p:strVal val="visible"/>
-                                      </p:to>
-                                    </p:set>
-                                  </p:childTnLst>
-                                </p:cTn>
-                              </p:par>
-                            </p:childTnLst>
-                          </p:cTn>
-                        </p:par>
-                      </p:childTnLst>
-                    </p:cTn>
-                  </p:par>
-                  <p:par>
-                    <p:cTn id="7" fill="hold">
-                      <p:stCondLst>
-                        <p:cond delay="indefinite"/>
-                      </p:stCondLst>
-                      <p:childTnLst>
-                        <p:par>
-                          <p:cTn id="8" fill="hold">
-                            <p:stCondLst>
-                              <p:cond delay="0"/>
-                            </p:stCondLst>
-                            <p:childTnLst>
-                              <p:par>
-                                <p:cTn id="9" presetID="1" presetClass="entr" presetSubtype="0" fill="hold" grpId="0" nodeType="clickEffect">
-                                  <p:stCondLst>
-                                    <p:cond delay="0"/>
-                                  </p:stCondLst>
-                                  <p:childTnLst>
-                                    <p:set>
-                                      <p:cBhvr>
-                                        <p:cTn id="10" dur="1" fill="hold">
-                                          <p:stCondLst>
-                                            <p:cond delay="0"/>
-                                          </p:stCondLst>
-                                        </p:cTn>
-                                        <p:tgtEl>
-                                          <p:spTgt spid="3">
-                                            <p:txEl>
-                                              <p:pRg st="1" end="1"/>
-                                            </p:txEl>
-                                          </p:spTgt>
-                                        </p:tgtEl>
-                                        <p:attrNameLst>
-                                          <p:attrName>style.visibility</p:attrName>
-                                        </p:attrNameLst>
-                                      </p:cBhvr>
-                                      <p:to>
-                                        <p:strVal val="visible"/>
-                                      </p:to>
-                                    </p:set>
-                                  </p:childTnLst>
-                                </p:cTn>
-                              </p:par>
-                            </p:childTnLst>
-                          </p:cTn>
-                        </p:par>
-                      </p:childTnLst>
-                    </p:cTn>
-                  </p:par>
-                  <p:par>
-                    <p:cTn id="11" fill="hold">
-                      <p:stCondLst>
-                        <p:cond delay="indefinite"/>
-                      </p:stCondLst>
-                      <p:childTnLst>
-                        <p:par>
-                          <p:cTn id="12" fill="hold">
-                            <p:stCondLst>
-                              <p:cond delay="0"/>
-                            </p:stCondLst>
-                            <p:childTnLst>
-                              <p:par>
-                                <p:cTn id="13" presetID="1" presetClass="entr" presetSubtype="0" fill="hold" grpId="0" nodeType="clickEffect">
-                                  <p:stCondLst>
-                                    <p:cond delay="0"/>
-                                  </p:stCondLst>
-                                  <p:childTnLst>
-                                    <p:set>
-                                      <p:cBhvr>
-                                        <p:cTn id="14" dur="1" fill="hold">
-                                          <p:stCondLst>
-                                            <p:cond delay="0"/>
-                                          </p:stCondLst>
-                                        </p:cTn>
-                                        <p:tgtEl>
-                                          <p:spTgt spid="3">
-                                            <p:txEl>
-                                              <p:pRg st="2" end="2"/>
-                                            </p:txEl>
-                                          </p:spTgt>
-                                        </p:tgtEl>
-                                        <p:attrNameLst>
-                                          <p:attrName>style.visibility</p:attrName>
-                                        </p:attrNameLst>
-                                      </p:cBhvr>
-                                      <p:to>
-                                        <p:strVal val="visible"/>
-                                      </p:to>
-                                    </p:set>
-                                  </p:childTnLst>
-                                </p:cTn>
-                              </p:par>
-                            </p:childTnLst>
-                          </p:cTn>
-                        </p:par>
-                      </p:childTnLst>
-                    </p:cTn>
-                  </p:par>
-                  <p:par>
-                    <p:cTn id="15" fill="hold">
-                      <p:stCondLst>
-                        <p:cond delay="indefinite"/>
-                      </p:stCondLst>
-                      <p:childTnLst>
-                        <p:par>
-                          <p:cTn id="16" fill="hold">
-                            <p:stCondLst>
-                              <p:cond delay="0"/>
-                            </p:stCondLst>
-                            <p:childTnLst>
-                              <p:par>
-                                <p:cTn id="17" presetID="1" presetClass="entr" presetSubtype="0" fill="hold" grpId="0" nodeType="clickEffect">
-                                  <p:stCondLst>
-                                    <p:cond delay="0"/>
-                                  </p:stCondLst>
-                                  <p:childTnLst>
-                                    <p:set>
-                                      <p:cBhvr>
-                                        <p:cTn id="18" dur="1" fill="hold">
-                                          <p:stCondLst>
-                                            <p:cond delay="0"/>
-                                          </p:stCondLst>
-                                        </p:cTn>
-                                        <p:tgtEl>
-                                          <p:spTgt spid="3">
-                                            <p:txEl>
-                                              <p:pRg st="3" end="3"/>
-                                            </p:txEl>
-                                          </p:spTgt>
-                                        </p:tgtEl>
-                                        <p:attrNameLst>
-                                          <p:attrName>style.visibility</p:attrName>
-                                        </p:attrNameLst>
-                                      </p:cBhvr>
-                                      <p:to>
-                                        <p:strVal val="visible"/>
-                                      </p:to>
-                                    </p:set>
-                                  </p:childTnLst>
-                                </p:cTn>
-                              </p:par>
-                            </p:childTnLst>
-                          </p:cTn>
-                        </p:par>
-                      </p:childTnLst>
-                    </p:cTn>
-                  </p:par>
-                  <p:par>
-                    <p:cTn id="19" fill="hold">
-                      <p:stCondLst>
-                        <p:cond delay="indefinite"/>
-                      </p:stCondLst>
-                      <p:childTnLst>
-                        <p:par>
-                          <p:cTn id="20" fill="hold">
-                            <p:stCondLst>
-                              <p:cond delay="0"/>
-                            </p:stCondLst>
-                            <p:childTnLst>
-                              <p:par>
-                                <p:cTn id="21" presetID="1" presetClass="entr" presetSubtype="0" fill="hold" grpId="0" nodeType="clickEffect">
-                                  <p:stCondLst>
-                                    <p:cond delay="0"/>
-                                  </p:stCondLst>
-                                  <p:childTnLst>
-                                    <p:set>
-                                      <p:cBhvr>
-                                        <p:cTn id="22" dur="1" fill="hold">
-                                          <p:stCondLst>
-                                            <p:cond delay="0"/>
-                                          </p:stCondLst>
-                                        </p:cTn>
-                                        <p:tgtEl>
-                                          <p:spTgt spid="3">
-                                            <p:txEl>
-                                              <p:pRg st="4" end="4"/>
-                                            </p:txEl>
-                                          </p:spTgt>
-                                        </p:tgtEl>
-                                        <p:attrNameLst>
-                                          <p:attrName>style.visibility</p:attrName>
-                                        </p:attrNameLst>
-                                      </p:cBhvr>
-                                      <p:to>
-                                        <p:strVal val="visible"/>
-                                      </p:to>
-                                    </p:set>
-                                  </p:childTnLst>
-                                </p:cTn>
-                              </p:par>
-                              <p:par>
-                                <p:cTn id="23" presetID="1" presetClass="entr" presetSubtype="0" fill="hold" grpId="0" nodeType="withEffect">
-                                  <p:stCondLst>
-                                    <p:cond delay="0"/>
-                                  </p:stCondLst>
-                                  <p:childTnLst>
-                                    <p:set>
-                                      <p:cBhvr>
-                                        <p:cTn id="24" dur="1" fill="hold">
-                                          <p:stCondLst>
-                                            <p:cond delay="0"/>
-                                          </p:stCondLst>
-                                        </p:cTn>
-                                        <p:tgtEl>
-                                          <p:spTgt spid="3">
-                                            <p:txEl>
-                                              <p:pRg st="5" end="5"/>
-                                            </p:txEl>
-                                          </p:spTgt>
-                                        </p:tgtEl>
-                                        <p:attrNameLst>
-                                          <p:attrName>style.visibility</p:attrName>
-                                        </p:attrNameLst>
-                                      </p:cBhvr>
-                                      <p:to>
-                                        <p:strVal val="visible"/>
-                                      </p:to>
-                                    </p:set>
-                                  </p:childTnLst>
-                                </p:cTn>
-                              </p:par>
-                              <p:par>
-                                <p:cTn id="25" presetID="1" presetClass="entr" presetSubtype="0" fill="hold" grpId="0" nodeType="withEffect">
-                                  <p:stCondLst>
-                                    <p:cond delay="0"/>
-                                  </p:stCondLst>
-                                  <p:childTnLst>
-                                    <p:set>
-                                      <p:cBhvr>
-                                        <p:cTn id="26" dur="1" fill="hold">
-                                          <p:stCondLst>
-                                            <p:cond delay="0"/>
-                                          </p:stCondLst>
-                                        </p:cTn>
-                                        <p:tgtEl>
-                                          <p:spTgt spid="3">
-                                            <p:txEl>
-                                              <p:pRg st="6" end="6"/>
-                                            </p:txEl>
-                                          </p:spTgt>
-                                        </p:tgtEl>
-                                        <p:attrNameLst>
-                                          <p:attrName>style.visibility</p:attrName>
-                                        </p:attrNameLst>
-                                      </p:cBhvr>
-                                      <p:to>
-                                        <p:strVal val="visible"/>
-                                      </p:to>
-                                    </p:set>
-                                  </p:childTnLst>
-                                </p:cTn>
-                              </p:par>
-                              <p:par>
-                                <p:cTn id="27" presetID="1" presetClass="entr" presetSubtype="0" fill="hold" grpId="0" nodeType="withEffect">
-                                  <p:stCondLst>
-                                    <p:cond delay="0"/>
-                                  </p:stCondLst>
-                                  <p:childTnLst>
-                                    <p:set>
-                                      <p:cBhvr>
-                                        <p:cTn id="28" dur="1" fill="hold">
-                                          <p:stCondLst>
-                                            <p:cond delay="0"/>
-                                          </p:stCondLst>
-                                        </p:cTn>
-                                        <p:tgtEl>
-                                          <p:spTgt spid="3">
-                                            <p:txEl>
-                                              <p:pRg st="7" end="7"/>
-                                            </p:txEl>
-                                          </p:spTgt>
-                                        </p:tgtEl>
-                                        <p:attrNameLst>
-                                          <p:attrName>style.visibility</p:attrName>
-                                        </p:attrNameLst>
-                                      </p:cBhvr>
-                                      <p:to>
-                                        <p:strVal val="visible"/>
-                                      </p:to>
-                                    </p:set>
-                                  </p:childTnLst>
-                                </p:cTn>
-                              </p:par>
-                              <p:par>
-                                <p:cTn id="29" presetID="1" presetClass="entr" presetSubtype="0" fill="hold" grpId="0" nodeType="withEffect">
-                                  <p:stCondLst>
-                                    <p:cond delay="0"/>
-                                  </p:stCondLst>
-                                  <p:childTnLst>
-                                    <p:set>
-                                      <p:cBhvr>
-                                        <p:cTn id="30" dur="1" fill="hold">
-                                          <p:stCondLst>
-                                            <p:cond delay="0"/>
-                                          </p:stCondLst>
-                                        </p:cTn>
-                                        <p:tgtEl>
-                                          <p:spTgt spid="3">
-                                            <p:txEl>
-                                              <p:pRg st="8" end="8"/>
-                                            </p:txEl>
-                                          </p:spTgt>
-                                        </p:tgtEl>
-                                        <p:attrNameLst>
-                                          <p:attrName>style.visibility</p:attrName>
-                                        </p:attrNameLst>
-                                      </p:cBhvr>
-                                      <p:to>
-                                        <p:strVal val="visible"/>
-                                      </p:to>
-                                    </p:set>
-                                  </p:childTnLst>
-                                </p:cTn>
-                              </p:par>
-                            </p:childTnLst>
-                          </p:cTn>
-                        </p:par>
-                      </p:childTnLst>
-                    </p:cTn>
-                  </p:par>
-                </p:childTnLst>
-              </p:cTn>
-              <p:prevCondLst>
-                <p:cond evt="onPrev" delay="0">
-                  <p:tgtEl>
-                    <p:sldTgt/>
-                  </p:tgtEl>
-                </p:cond>
-              </p:prevCondLst>
-              <p:nextCondLst>
-                <p:cond evt="onNext" delay="0">
-                  <p:tgtEl>
-                    <p:sldTgt/>
-                  </p:tgtEl>
-                </p:cond>
-              </p:nextCondLst>
-            </p:seq>
-          </p:childTnLst>
-        </p:cTn>
+        <p:cTn id="1" dur="indefinite" restart="never" nodeType="tmRoot"/>
       </p:par>
     </p:tnLst>
-    <p:bldLst>
-      <p:bldP spid="3" grpId="0" uiExpand="1" build="p"/>
-    </p:bldLst>
   </p:timing>
 </p:sld>
 </file>
